--- a/GAN and MoG/FER and GANs.pptx
+++ b/GAN and MoG/FER and GANs.pptx
@@ -1,9 +1,12 @@
 
 <file path=ppt/presentation.xml><?xml version="1.0" encoding="utf-8"?>
-<p:presentation xmlns:a="http://schemas.openxmlformats.org/drawingml/2006/main" xmlns:r="http://schemas.openxmlformats.org/officeDocument/2006/relationships" xmlns:p="http://schemas.openxmlformats.org/presentationml/2006/main" saveSubsetFonts="1" autoCompressPictures="0">
+<p:presentation xmlns:a="http://schemas.openxmlformats.org/drawingml/2006/main" xmlns:r="http://schemas.openxmlformats.org/officeDocument/2006/relationships" xmlns:p="http://schemas.openxmlformats.org/presentationml/2006/main" firstSlideNum="0" saveSubsetFonts="1" autoCompressPictures="0">
   <p:sldMasterIdLst>
-    <p:sldMasterId id="2147483648" r:id="rId1"/>
+    <p:sldMasterId id="2147483738" r:id="rId1"/>
   </p:sldMasterIdLst>
+  <p:notesMasterIdLst>
+    <p:notesMasterId r:id="rId18"/>
+  </p:notesMasterIdLst>
   <p:sldIdLst>
     <p:sldId id="256" r:id="rId2"/>
     <p:sldId id="257" r:id="rId3"/>
@@ -28,7 +31,7 @@
     <a:defPPr>
       <a:defRPr lang="en-US"/>
     </a:defPPr>
-    <a:lvl1pPr marL="0" algn="l" defTabSz="914400" rtl="0" eaLnBrk="1" latinLnBrk="0" hangingPunct="1">
+    <a:lvl1pPr marL="0" algn="l" defTabSz="457200" rtl="0" eaLnBrk="1" latinLnBrk="0" hangingPunct="1">
       <a:defRPr sz="1800" kern="1200">
         <a:solidFill>
           <a:schemeClr val="tx1"/>
@@ -38,7 +41,7 @@
         <a:cs typeface="+mn-cs"/>
       </a:defRPr>
     </a:lvl1pPr>
-    <a:lvl2pPr marL="457200" algn="l" defTabSz="914400" rtl="0" eaLnBrk="1" latinLnBrk="0" hangingPunct="1">
+    <a:lvl2pPr marL="457200" algn="l" defTabSz="457200" rtl="0" eaLnBrk="1" latinLnBrk="0" hangingPunct="1">
       <a:defRPr sz="1800" kern="1200">
         <a:solidFill>
           <a:schemeClr val="tx1"/>
@@ -48,7 +51,7 @@
         <a:cs typeface="+mn-cs"/>
       </a:defRPr>
     </a:lvl2pPr>
-    <a:lvl3pPr marL="914400" algn="l" defTabSz="914400" rtl="0" eaLnBrk="1" latinLnBrk="0" hangingPunct="1">
+    <a:lvl3pPr marL="914400" algn="l" defTabSz="457200" rtl="0" eaLnBrk="1" latinLnBrk="0" hangingPunct="1">
       <a:defRPr sz="1800" kern="1200">
         <a:solidFill>
           <a:schemeClr val="tx1"/>
@@ -58,7 +61,7 @@
         <a:cs typeface="+mn-cs"/>
       </a:defRPr>
     </a:lvl3pPr>
-    <a:lvl4pPr marL="1371600" algn="l" defTabSz="914400" rtl="0" eaLnBrk="1" latinLnBrk="0" hangingPunct="1">
+    <a:lvl4pPr marL="1371600" algn="l" defTabSz="457200" rtl="0" eaLnBrk="1" latinLnBrk="0" hangingPunct="1">
       <a:defRPr sz="1800" kern="1200">
         <a:solidFill>
           <a:schemeClr val="tx1"/>
@@ -68,7 +71,7 @@
         <a:cs typeface="+mn-cs"/>
       </a:defRPr>
     </a:lvl4pPr>
-    <a:lvl5pPr marL="1828800" algn="l" defTabSz="914400" rtl="0" eaLnBrk="1" latinLnBrk="0" hangingPunct="1">
+    <a:lvl5pPr marL="1828800" algn="l" defTabSz="457200" rtl="0" eaLnBrk="1" latinLnBrk="0" hangingPunct="1">
       <a:defRPr sz="1800" kern="1200">
         <a:solidFill>
           <a:schemeClr val="tx1"/>
@@ -78,7 +81,7 @@
         <a:cs typeface="+mn-cs"/>
       </a:defRPr>
     </a:lvl5pPr>
-    <a:lvl6pPr marL="2286000" algn="l" defTabSz="914400" rtl="0" eaLnBrk="1" latinLnBrk="0" hangingPunct="1">
+    <a:lvl6pPr marL="2286000" algn="l" defTabSz="457200" rtl="0" eaLnBrk="1" latinLnBrk="0" hangingPunct="1">
       <a:defRPr sz="1800" kern="1200">
         <a:solidFill>
           <a:schemeClr val="tx1"/>
@@ -88,7 +91,7 @@
         <a:cs typeface="+mn-cs"/>
       </a:defRPr>
     </a:lvl6pPr>
-    <a:lvl7pPr marL="2743200" algn="l" defTabSz="914400" rtl="0" eaLnBrk="1" latinLnBrk="0" hangingPunct="1">
+    <a:lvl7pPr marL="2743200" algn="l" defTabSz="457200" rtl="0" eaLnBrk="1" latinLnBrk="0" hangingPunct="1">
       <a:defRPr sz="1800" kern="1200">
         <a:solidFill>
           <a:schemeClr val="tx1"/>
@@ -98,7 +101,7 @@
         <a:cs typeface="+mn-cs"/>
       </a:defRPr>
     </a:lvl7pPr>
-    <a:lvl8pPr marL="3200400" algn="l" defTabSz="914400" rtl="0" eaLnBrk="1" latinLnBrk="0" hangingPunct="1">
+    <a:lvl8pPr marL="3200400" algn="l" defTabSz="457200" rtl="0" eaLnBrk="1" latinLnBrk="0" hangingPunct="1">
       <a:defRPr sz="1800" kern="1200">
         <a:solidFill>
           <a:schemeClr val="tx1"/>
@@ -108,7 +111,7 @@
         <a:cs typeface="+mn-cs"/>
       </a:defRPr>
     </a:lvl8pPr>
-    <a:lvl9pPr marL="3657600" algn="l" defTabSz="914400" rtl="0" eaLnBrk="1" latinLnBrk="0" hangingPunct="1">
+    <a:lvl9pPr marL="3657600" algn="l" defTabSz="457200" rtl="0" eaLnBrk="1" latinLnBrk="0" hangingPunct="1">
       <a:defRPr sz="1800" kern="1200">
         <a:solidFill>
           <a:schemeClr val="tx1"/>
@@ -121,14 +124,375 @@
   </p:defaultTextStyle>
   <p:extLst>
     <p:ext uri="{EFAFB233-063F-42B5-8137-9DF3F51BA10A}">
-      <p15:sldGuideLst xmlns:p15="http://schemas.microsoft.com/office/powerpoint/2012/main"/>
+      <p15:sldGuideLst xmlns:p15="http://schemas.microsoft.com/office/powerpoint/2012/main">
+        <p15:guide id="1" orient="horz" pos="2069" userDrawn="1">
+          <p15:clr>
+            <a:srgbClr val="A4A3A4"/>
+          </p15:clr>
+        </p15:guide>
+        <p15:guide id="2" pos="551" userDrawn="1">
+          <p15:clr>
+            <a:srgbClr val="A4A3A4"/>
+          </p15:clr>
+        </p15:guide>
+      </p15:sldGuideLst>
     </p:ext>
   </p:extLst>
 </p:presentation>
 </file>
 
+<file path=ppt/notesMasters/notesMaster1.xml><?xml version="1.0" encoding="utf-8"?>
+<p:notesMaster xmlns:a="http://schemas.openxmlformats.org/drawingml/2006/main" xmlns:r="http://schemas.openxmlformats.org/officeDocument/2006/relationships" xmlns:p="http://schemas.openxmlformats.org/presentationml/2006/main">
+  <p:cSld>
+    <p:bg>
+      <p:bgRef idx="1001">
+        <a:schemeClr val="bg1"/>
+      </p:bgRef>
+    </p:bg>
+    <p:spTree>
+      <p:nvGrpSpPr>
+        <p:cNvPr id="1" name=""/>
+        <p:cNvGrpSpPr/>
+        <p:nvPr/>
+      </p:nvGrpSpPr>
+      <p:grpSpPr>
+        <a:xfrm>
+          <a:off x="0" y="0"/>
+          <a:ext cx="0" cy="0"/>
+          <a:chOff x="0" y="0"/>
+          <a:chExt cx="0" cy="0"/>
+        </a:xfrm>
+      </p:grpSpPr>
+      <p:sp>
+        <p:nvSpPr>
+          <p:cNvPr id="2" name="Header Placeholder 1"/>
+          <p:cNvSpPr>
+            <a:spLocks noGrp="1"/>
+          </p:cNvSpPr>
+          <p:nvPr>
+            <p:ph type="hdr" sz="quarter"/>
+          </p:nvPr>
+        </p:nvSpPr>
+        <p:spPr>
+          <a:xfrm>
+            <a:off x="0" y="0"/>
+            <a:ext cx="2971800" cy="458788"/>
+          </a:xfrm>
+          <a:prstGeom prst="rect">
+            <a:avLst/>
+          </a:prstGeom>
+        </p:spPr>
+        <p:txBody>
+          <a:bodyPr vert="horz" lIns="91440" tIns="45720" rIns="91440" bIns="45720" rtlCol="0"/>
+          <a:lstStyle>
+            <a:lvl1pPr algn="l">
+              <a:defRPr sz="1200"/>
+            </a:lvl1pPr>
+          </a:lstStyle>
+          <a:p>
+            <a:endParaRPr lang="en-US"/>
+          </a:p>
+        </p:txBody>
+      </p:sp>
+      <p:sp>
+        <p:nvSpPr>
+          <p:cNvPr id="3" name="Date Placeholder 2"/>
+          <p:cNvSpPr>
+            <a:spLocks noGrp="1"/>
+          </p:cNvSpPr>
+          <p:nvPr>
+            <p:ph type="dt" idx="1"/>
+          </p:nvPr>
+        </p:nvSpPr>
+        <p:spPr>
+          <a:xfrm>
+            <a:off x="3884613" y="0"/>
+            <a:ext cx="2971800" cy="458788"/>
+          </a:xfrm>
+          <a:prstGeom prst="rect">
+            <a:avLst/>
+          </a:prstGeom>
+        </p:spPr>
+        <p:txBody>
+          <a:bodyPr vert="horz" lIns="91440" tIns="45720" rIns="91440" bIns="45720" rtlCol="0"/>
+          <a:lstStyle>
+            <a:lvl1pPr algn="r">
+              <a:defRPr sz="1200"/>
+            </a:lvl1pPr>
+          </a:lstStyle>
+          <a:p>
+            <a:fld id="{EA01E522-7679-3241-9CE4-70C4E7F180BF}" type="datetimeFigureOut">
+              <a:rPr lang="en-US" smtClean="0"/>
+              <a:t>7/8/20</a:t>
+            </a:fld>
+            <a:endParaRPr lang="en-US"/>
+          </a:p>
+        </p:txBody>
+      </p:sp>
+      <p:sp>
+        <p:nvSpPr>
+          <p:cNvPr id="4" name="Slide Image Placeholder 3"/>
+          <p:cNvSpPr>
+            <a:spLocks noGrp="1" noRot="1" noChangeAspect="1"/>
+          </p:cNvSpPr>
+          <p:nvPr>
+            <p:ph type="sldImg" idx="2"/>
+          </p:nvPr>
+        </p:nvSpPr>
+        <p:spPr>
+          <a:xfrm>
+            <a:off x="685800" y="1143000"/>
+            <a:ext cx="5486400" cy="3086100"/>
+          </a:xfrm>
+          <a:prstGeom prst="rect">
+            <a:avLst/>
+          </a:prstGeom>
+          <a:noFill/>
+          <a:ln w="12700">
+            <a:solidFill>
+              <a:prstClr val="black"/>
+            </a:solidFill>
+          </a:ln>
+        </p:spPr>
+        <p:txBody>
+          <a:bodyPr vert="horz" lIns="91440" tIns="45720" rIns="91440" bIns="45720" rtlCol="0" anchor="ctr"/>
+          <a:lstStyle/>
+          <a:p>
+            <a:endParaRPr lang="en-US"/>
+          </a:p>
+        </p:txBody>
+      </p:sp>
+      <p:sp>
+        <p:nvSpPr>
+          <p:cNvPr id="5" name="Notes Placeholder 4"/>
+          <p:cNvSpPr>
+            <a:spLocks noGrp="1"/>
+          </p:cNvSpPr>
+          <p:nvPr>
+            <p:ph type="body" sz="quarter" idx="3"/>
+          </p:nvPr>
+        </p:nvSpPr>
+        <p:spPr>
+          <a:xfrm>
+            <a:off x="685800" y="4400550"/>
+            <a:ext cx="5486400" cy="3600450"/>
+          </a:xfrm>
+          <a:prstGeom prst="rect">
+            <a:avLst/>
+          </a:prstGeom>
+        </p:spPr>
+        <p:txBody>
+          <a:bodyPr vert="horz" lIns="91440" tIns="45720" rIns="91440" bIns="45720" rtlCol="0"/>
+          <a:lstStyle/>
+          <a:p>
+            <a:pPr lvl="0"/>
+            <a:r>
+              <a:rPr lang="en-GB"/>
+              <a:t>Click to edit Master text styles</a:t>
+            </a:r>
+          </a:p>
+          <a:p>
+            <a:pPr lvl="1"/>
+            <a:r>
+              <a:rPr lang="en-GB"/>
+              <a:t>Second level</a:t>
+            </a:r>
+          </a:p>
+          <a:p>
+            <a:pPr lvl="2"/>
+            <a:r>
+              <a:rPr lang="en-GB"/>
+              <a:t>Third level</a:t>
+            </a:r>
+          </a:p>
+          <a:p>
+            <a:pPr lvl="3"/>
+            <a:r>
+              <a:rPr lang="en-GB"/>
+              <a:t>Fourth level</a:t>
+            </a:r>
+          </a:p>
+          <a:p>
+            <a:pPr lvl="4"/>
+            <a:r>
+              <a:rPr lang="en-GB"/>
+              <a:t>Fifth level</a:t>
+            </a:r>
+            <a:endParaRPr lang="en-US"/>
+          </a:p>
+        </p:txBody>
+      </p:sp>
+      <p:sp>
+        <p:nvSpPr>
+          <p:cNvPr id="6" name="Footer Placeholder 5"/>
+          <p:cNvSpPr>
+            <a:spLocks noGrp="1"/>
+          </p:cNvSpPr>
+          <p:nvPr>
+            <p:ph type="ftr" sz="quarter" idx="4"/>
+          </p:nvPr>
+        </p:nvSpPr>
+        <p:spPr>
+          <a:xfrm>
+            <a:off x="0" y="8685213"/>
+            <a:ext cx="2971800" cy="458787"/>
+          </a:xfrm>
+          <a:prstGeom prst="rect">
+            <a:avLst/>
+          </a:prstGeom>
+        </p:spPr>
+        <p:txBody>
+          <a:bodyPr vert="horz" lIns="91440" tIns="45720" rIns="91440" bIns="45720" rtlCol="0" anchor="b"/>
+          <a:lstStyle>
+            <a:lvl1pPr algn="l">
+              <a:defRPr sz="1200"/>
+            </a:lvl1pPr>
+          </a:lstStyle>
+          <a:p>
+            <a:endParaRPr lang="en-US"/>
+          </a:p>
+        </p:txBody>
+      </p:sp>
+      <p:sp>
+        <p:nvSpPr>
+          <p:cNvPr id="7" name="Slide Number Placeholder 6"/>
+          <p:cNvSpPr>
+            <a:spLocks noGrp="1"/>
+          </p:cNvSpPr>
+          <p:nvPr>
+            <p:ph type="sldNum" sz="quarter" idx="5"/>
+          </p:nvPr>
+        </p:nvSpPr>
+        <p:spPr>
+          <a:xfrm>
+            <a:off x="3884613" y="8685213"/>
+            <a:ext cx="2971800" cy="458787"/>
+          </a:xfrm>
+          <a:prstGeom prst="rect">
+            <a:avLst/>
+          </a:prstGeom>
+        </p:spPr>
+        <p:txBody>
+          <a:bodyPr vert="horz" lIns="91440" tIns="45720" rIns="91440" bIns="45720" rtlCol="0" anchor="b"/>
+          <a:lstStyle>
+            <a:lvl1pPr algn="r">
+              <a:defRPr sz="1200"/>
+            </a:lvl1pPr>
+          </a:lstStyle>
+          <a:p>
+            <a:fld id="{CC3D4D72-CD0F-A64F-B9CE-D9602ADF1CA5}" type="slidenum">
+              <a:rPr lang="en-US" smtClean="0"/>
+              <a:t>‹#›</a:t>
+            </a:fld>
+            <a:endParaRPr lang="en-US"/>
+          </a:p>
+        </p:txBody>
+      </p:sp>
+    </p:spTree>
+    <p:extLst>
+      <p:ext uri="{BB962C8B-B14F-4D97-AF65-F5344CB8AC3E}">
+        <p14:creationId xmlns:p14="http://schemas.microsoft.com/office/powerpoint/2010/main" val="3192981720"/>
+      </p:ext>
+    </p:extLst>
+  </p:cSld>
+  <p:clrMap bg1="lt1" tx1="dk1" bg2="lt2" tx2="dk2" accent1="accent1" accent2="accent2" accent3="accent3" accent4="accent4" accent5="accent5" accent6="accent6" hlink="hlink" folHlink="folHlink"/>
+  <p:notesStyle>
+    <a:lvl1pPr marL="0" algn="l" defTabSz="914400" rtl="0" eaLnBrk="1" latinLnBrk="0" hangingPunct="1">
+      <a:defRPr sz="1200" kern="1200">
+        <a:solidFill>
+          <a:schemeClr val="tx1"/>
+        </a:solidFill>
+        <a:latin typeface="+mn-lt"/>
+        <a:ea typeface="+mn-ea"/>
+        <a:cs typeface="+mn-cs"/>
+      </a:defRPr>
+    </a:lvl1pPr>
+    <a:lvl2pPr marL="457200" algn="l" defTabSz="914400" rtl="0" eaLnBrk="1" latinLnBrk="0" hangingPunct="1">
+      <a:defRPr sz="1200" kern="1200">
+        <a:solidFill>
+          <a:schemeClr val="tx1"/>
+        </a:solidFill>
+        <a:latin typeface="+mn-lt"/>
+        <a:ea typeface="+mn-ea"/>
+        <a:cs typeface="+mn-cs"/>
+      </a:defRPr>
+    </a:lvl2pPr>
+    <a:lvl3pPr marL="914400" algn="l" defTabSz="914400" rtl="0" eaLnBrk="1" latinLnBrk="0" hangingPunct="1">
+      <a:defRPr sz="1200" kern="1200">
+        <a:solidFill>
+          <a:schemeClr val="tx1"/>
+        </a:solidFill>
+        <a:latin typeface="+mn-lt"/>
+        <a:ea typeface="+mn-ea"/>
+        <a:cs typeface="+mn-cs"/>
+      </a:defRPr>
+    </a:lvl3pPr>
+    <a:lvl4pPr marL="1371600" algn="l" defTabSz="914400" rtl="0" eaLnBrk="1" latinLnBrk="0" hangingPunct="1">
+      <a:defRPr sz="1200" kern="1200">
+        <a:solidFill>
+          <a:schemeClr val="tx1"/>
+        </a:solidFill>
+        <a:latin typeface="+mn-lt"/>
+        <a:ea typeface="+mn-ea"/>
+        <a:cs typeface="+mn-cs"/>
+      </a:defRPr>
+    </a:lvl4pPr>
+    <a:lvl5pPr marL="1828800" algn="l" defTabSz="914400" rtl="0" eaLnBrk="1" latinLnBrk="0" hangingPunct="1">
+      <a:defRPr sz="1200" kern="1200">
+        <a:solidFill>
+          <a:schemeClr val="tx1"/>
+        </a:solidFill>
+        <a:latin typeface="+mn-lt"/>
+        <a:ea typeface="+mn-ea"/>
+        <a:cs typeface="+mn-cs"/>
+      </a:defRPr>
+    </a:lvl5pPr>
+    <a:lvl6pPr marL="2286000" algn="l" defTabSz="914400" rtl="0" eaLnBrk="1" latinLnBrk="0" hangingPunct="1">
+      <a:defRPr sz="1200" kern="1200">
+        <a:solidFill>
+          <a:schemeClr val="tx1"/>
+        </a:solidFill>
+        <a:latin typeface="+mn-lt"/>
+        <a:ea typeface="+mn-ea"/>
+        <a:cs typeface="+mn-cs"/>
+      </a:defRPr>
+    </a:lvl6pPr>
+    <a:lvl7pPr marL="2743200" algn="l" defTabSz="914400" rtl="0" eaLnBrk="1" latinLnBrk="0" hangingPunct="1">
+      <a:defRPr sz="1200" kern="1200">
+        <a:solidFill>
+          <a:schemeClr val="tx1"/>
+        </a:solidFill>
+        <a:latin typeface="+mn-lt"/>
+        <a:ea typeface="+mn-ea"/>
+        <a:cs typeface="+mn-cs"/>
+      </a:defRPr>
+    </a:lvl7pPr>
+    <a:lvl8pPr marL="3200400" algn="l" defTabSz="914400" rtl="0" eaLnBrk="1" latinLnBrk="0" hangingPunct="1">
+      <a:defRPr sz="1200" kern="1200">
+        <a:solidFill>
+          <a:schemeClr val="tx1"/>
+        </a:solidFill>
+        <a:latin typeface="+mn-lt"/>
+        <a:ea typeface="+mn-ea"/>
+        <a:cs typeface="+mn-cs"/>
+      </a:defRPr>
+    </a:lvl8pPr>
+    <a:lvl9pPr marL="3657600" algn="l" defTabSz="914400" rtl="0" eaLnBrk="1" latinLnBrk="0" hangingPunct="1">
+      <a:defRPr sz="1200" kern="1200">
+        <a:solidFill>
+          <a:schemeClr val="tx1"/>
+        </a:solidFill>
+        <a:latin typeface="+mn-lt"/>
+        <a:ea typeface="+mn-ea"/>
+        <a:cs typeface="+mn-cs"/>
+      </a:defRPr>
+    </a:lvl9pPr>
+  </p:notesStyle>
+</p:notesMaster>
+</file>
+
 <file path=ppt/slideLayouts/slideLayout1.xml><?xml version="1.0" encoding="utf-8"?>
-<p:sldLayout xmlns:a="http://schemas.openxmlformats.org/drawingml/2006/main" xmlns:r="http://schemas.openxmlformats.org/officeDocument/2006/relationships" xmlns:p="http://schemas.openxmlformats.org/presentationml/2006/main" type="title" preserve="1">
+<p:sldLayout xmlns:a="http://schemas.openxmlformats.org/drawingml/2006/main" xmlns:r="http://schemas.openxmlformats.org/officeDocument/2006/relationships" xmlns:p="http://schemas.openxmlformats.org/presentationml/2006/main" preserve="1">
   <p:cSld name="Title Slide">
     <p:spTree>
       <p:nvGrpSpPr>
@@ -146,13 +510,7 @@
       </p:grpSpPr>
       <p:sp>
         <p:nvSpPr>
-          <p:cNvPr id="2" name="Title 1">
-            <a:extLst>
-              <a:ext uri="{FF2B5EF4-FFF2-40B4-BE49-F238E27FC236}">
-                <a16:creationId xmlns:a16="http://schemas.microsoft.com/office/drawing/2014/main" id="{28B3160E-B947-E848-8BF4-98B89BE42C0B}"/>
-              </a:ext>
-            </a:extLst>
-          </p:cNvPr>
+          <p:cNvPr id="2" name="Title 1"/>
           <p:cNvSpPr>
             <a:spLocks noGrp="1"/>
           </p:cNvSpPr>
@@ -163,14 +521,16 @@
         <p:spPr>
           <a:xfrm>
             <a:off x="1524000" y="1122363"/>
-            <a:ext cx="9144000" cy="2387600"/>
+            <a:ext cx="9144000" cy="2963862"/>
           </a:xfrm>
         </p:spPr>
         <p:txBody>
-          <a:bodyPr anchor="b"/>
+          <a:bodyPr anchor="b">
+            <a:normAutofit/>
+          </a:bodyPr>
           <a:lstStyle>
             <a:lvl1pPr algn="ctr">
-              <a:defRPr sz="6000"/>
+              <a:defRPr sz="5400"/>
             </a:lvl1pPr>
           </a:lstStyle>
           <a:p>
@@ -178,19 +538,13 @@
               <a:rPr lang="en-GB"/>
               <a:t>Click to edit Master title style</a:t>
             </a:r>
-            <a:endParaRPr lang="en-US"/>
+            <a:endParaRPr lang="en-US" dirty="0"/>
           </a:p>
         </p:txBody>
       </p:sp>
       <p:sp>
         <p:nvSpPr>
-          <p:cNvPr id="3" name="Subtitle 2">
-            <a:extLst>
-              <a:ext uri="{FF2B5EF4-FFF2-40B4-BE49-F238E27FC236}">
-                <a16:creationId xmlns:a16="http://schemas.microsoft.com/office/drawing/2014/main" id="{3990FC0B-8272-6F48-867B-A49B0847A0EA}"/>
-              </a:ext>
-            </a:extLst>
-          </p:cNvPr>
+          <p:cNvPr id="3" name="Subtitle 2"/>
           <p:cNvSpPr>
             <a:spLocks noGrp="1"/>
           </p:cNvSpPr>
@@ -200,8 +554,8 @@
         </p:nvSpPr>
         <p:spPr>
           <a:xfrm>
-            <a:off x="1524000" y="3602038"/>
-            <a:ext cx="9144000" cy="1655762"/>
+            <a:off x="1524000" y="4564062"/>
+            <a:ext cx="9144000" cy="1171575"/>
           </a:xfrm>
         </p:spPr>
         <p:txBody>
@@ -249,97 +603,14 @@
               <a:rPr lang="en-GB"/>
               <a:t>Click to edit Master subtitle style</a:t>
             </a:r>
-            <a:endParaRPr lang="en-US"/>
-          </a:p>
-        </p:txBody>
-      </p:sp>
-      <p:sp>
-        <p:nvSpPr>
-          <p:cNvPr id="4" name="Date Placeholder 3">
-            <a:extLst>
-              <a:ext uri="{FF2B5EF4-FFF2-40B4-BE49-F238E27FC236}">
-                <a16:creationId xmlns:a16="http://schemas.microsoft.com/office/drawing/2014/main" id="{14EF7113-22A7-BC43-9678-20D5FC408494}"/>
-              </a:ext>
-            </a:extLst>
-          </p:cNvPr>
-          <p:cNvSpPr>
-            <a:spLocks noGrp="1"/>
-          </p:cNvSpPr>
-          <p:nvPr>
-            <p:ph type="dt" sz="half" idx="10"/>
-          </p:nvPr>
-        </p:nvSpPr>
-        <p:spPr/>
-        <p:txBody>
-          <a:bodyPr/>
-          <a:lstStyle/>
-          <a:p>
-            <a:fld id="{DC44D869-0D03-B142-B5B8-162B3FC47D4C}" type="datetimeFigureOut">
-              <a:rPr lang="en-US" smtClean="0"/>
-              <a:t>7/3/20</a:t>
-            </a:fld>
-            <a:endParaRPr lang="en-US"/>
-          </a:p>
-        </p:txBody>
-      </p:sp>
-      <p:sp>
-        <p:nvSpPr>
-          <p:cNvPr id="5" name="Footer Placeholder 4">
-            <a:extLst>
-              <a:ext uri="{FF2B5EF4-FFF2-40B4-BE49-F238E27FC236}">
-                <a16:creationId xmlns:a16="http://schemas.microsoft.com/office/drawing/2014/main" id="{A1F63045-396C-AA4A-8B2F-77F35220AED2}"/>
-              </a:ext>
-            </a:extLst>
-          </p:cNvPr>
-          <p:cNvSpPr>
-            <a:spLocks noGrp="1"/>
-          </p:cNvSpPr>
-          <p:nvPr>
-            <p:ph type="ftr" sz="quarter" idx="11"/>
-          </p:nvPr>
-        </p:nvSpPr>
-        <p:spPr/>
-        <p:txBody>
-          <a:bodyPr/>
-          <a:lstStyle/>
-          <a:p>
-            <a:endParaRPr lang="en-US"/>
-          </a:p>
-        </p:txBody>
-      </p:sp>
-      <p:sp>
-        <p:nvSpPr>
-          <p:cNvPr id="6" name="Slide Number Placeholder 5">
-            <a:extLst>
-              <a:ext uri="{FF2B5EF4-FFF2-40B4-BE49-F238E27FC236}">
-                <a16:creationId xmlns:a16="http://schemas.microsoft.com/office/drawing/2014/main" id="{0B6081AB-C4FE-354C-BB68-CE48AFA1C183}"/>
-              </a:ext>
-            </a:extLst>
-          </p:cNvPr>
-          <p:cNvSpPr>
-            <a:spLocks noGrp="1"/>
-          </p:cNvSpPr>
-          <p:nvPr>
-            <p:ph type="sldNum" sz="quarter" idx="12"/>
-          </p:nvPr>
-        </p:nvSpPr>
-        <p:spPr/>
-        <p:txBody>
-          <a:bodyPr/>
-          <a:lstStyle/>
-          <a:p>
-            <a:fld id="{34153CBB-8E57-9F45-A798-D6AA7486622F}" type="slidenum">
-              <a:rPr lang="en-US" smtClean="0"/>
-              <a:t>‹#›</a:t>
-            </a:fld>
-            <a:endParaRPr lang="en-US"/>
+            <a:endParaRPr lang="en-US" dirty="0"/>
           </a:p>
         </p:txBody>
       </p:sp>
     </p:spTree>
     <p:extLst>
       <p:ext uri="{BB962C8B-B14F-4D97-AF65-F5344CB8AC3E}">
-        <p14:creationId xmlns:p14="http://schemas.microsoft.com/office/powerpoint/2010/main" val="1446789420"/>
+        <p14:creationId xmlns:p14="http://schemas.microsoft.com/office/powerpoint/2010/main" val="3545324476"/>
       </p:ext>
     </p:extLst>
   </p:cSld>
@@ -368,13 +639,7 @@
       </p:grpSpPr>
       <p:sp>
         <p:nvSpPr>
-          <p:cNvPr id="2" name="Title 1">
-            <a:extLst>
-              <a:ext uri="{FF2B5EF4-FFF2-40B4-BE49-F238E27FC236}">
-                <a16:creationId xmlns:a16="http://schemas.microsoft.com/office/drawing/2014/main" id="{E64B5F2E-6666-C14B-B000-A1DE290D5DFD}"/>
-              </a:ext>
-            </a:extLst>
-          </p:cNvPr>
+          <p:cNvPr id="2" name="Title 1"/>
           <p:cNvSpPr>
             <a:spLocks noGrp="1"/>
           </p:cNvSpPr>
@@ -391,19 +656,13 @@
               <a:rPr lang="en-GB"/>
               <a:t>Click to edit Master title style</a:t>
             </a:r>
-            <a:endParaRPr lang="en-US"/>
+            <a:endParaRPr lang="en-US" dirty="0"/>
           </a:p>
         </p:txBody>
       </p:sp>
       <p:sp>
         <p:nvSpPr>
-          <p:cNvPr id="3" name="Vertical Text Placeholder 2">
-            <a:extLst>
-              <a:ext uri="{FF2B5EF4-FFF2-40B4-BE49-F238E27FC236}">
-                <a16:creationId xmlns:a16="http://schemas.microsoft.com/office/drawing/2014/main" id="{8951F2EB-1765-2B42-B0BD-C0FC25D72E71}"/>
-              </a:ext>
-            </a:extLst>
-          </p:cNvPr>
+          <p:cNvPr id="3" name="Vertical Text Placeholder 2"/>
           <p:cNvSpPr>
             <a:spLocks noGrp="1"/>
           </p:cNvSpPr>
@@ -449,19 +708,13 @@
               <a:rPr lang="en-GB"/>
               <a:t>Fifth level</a:t>
             </a:r>
-            <a:endParaRPr lang="en-US"/>
+            <a:endParaRPr lang="en-US" dirty="0"/>
           </a:p>
         </p:txBody>
       </p:sp>
       <p:sp>
         <p:nvSpPr>
-          <p:cNvPr id="4" name="Date Placeholder 3">
-            <a:extLst>
-              <a:ext uri="{FF2B5EF4-FFF2-40B4-BE49-F238E27FC236}">
-                <a16:creationId xmlns:a16="http://schemas.microsoft.com/office/drawing/2014/main" id="{ACD177AE-9AFE-754E-8F45-0CB2DC80D9F7}"/>
-              </a:ext>
-            </a:extLst>
-          </p:cNvPr>
+          <p:cNvPr id="4" name="Date Placeholder 3"/>
           <p:cNvSpPr>
             <a:spLocks noGrp="1"/>
           </p:cNvSpPr>
@@ -474,23 +727,13 @@
           <a:bodyPr/>
           <a:lstStyle/>
           <a:p>
-            <a:fld id="{DC44D869-0D03-B142-B5B8-162B3FC47D4C}" type="datetimeFigureOut">
-              <a:rPr lang="en-US" smtClean="0"/>
-              <a:t>7/3/20</a:t>
-            </a:fld>
             <a:endParaRPr lang="en-US"/>
           </a:p>
         </p:txBody>
       </p:sp>
       <p:sp>
         <p:nvSpPr>
-          <p:cNvPr id="5" name="Footer Placeholder 4">
-            <a:extLst>
-              <a:ext uri="{FF2B5EF4-FFF2-40B4-BE49-F238E27FC236}">
-                <a16:creationId xmlns:a16="http://schemas.microsoft.com/office/drawing/2014/main" id="{12229E25-BD0D-1444-B5EA-9764385B77DF}"/>
-              </a:ext>
-            </a:extLst>
-          </p:cNvPr>
+          <p:cNvPr id="5" name="Footer Placeholder 4"/>
           <p:cNvSpPr>
             <a:spLocks noGrp="1"/>
           </p:cNvSpPr>
@@ -509,13 +752,7 @@
       </p:sp>
       <p:sp>
         <p:nvSpPr>
-          <p:cNvPr id="6" name="Slide Number Placeholder 5">
-            <a:extLst>
-              <a:ext uri="{FF2B5EF4-FFF2-40B4-BE49-F238E27FC236}">
-                <a16:creationId xmlns:a16="http://schemas.microsoft.com/office/drawing/2014/main" id="{93F5753A-0C4B-4243-BF4C-4759DE684C7A}"/>
-              </a:ext>
-            </a:extLst>
-          </p:cNvPr>
+          <p:cNvPr id="6" name="Slide Number Placeholder 5"/>
           <p:cNvSpPr>
             <a:spLocks noGrp="1"/>
           </p:cNvSpPr>
@@ -528,7 +765,7 @@
           <a:bodyPr/>
           <a:lstStyle/>
           <a:p>
-            <a:fld id="{34153CBB-8E57-9F45-A798-D6AA7486622F}" type="slidenum">
+            <a:fld id="{3E7EE812-F71C-4E4B-B8B2-FF1B39C3C812}" type="slidenum">
               <a:rPr lang="en-US" smtClean="0"/>
               <a:t>‹#›</a:t>
             </a:fld>
@@ -539,7 +776,7 @@
     </p:spTree>
     <p:extLst>
       <p:ext uri="{BB962C8B-B14F-4D97-AF65-F5344CB8AC3E}">
-        <p14:creationId xmlns:p14="http://schemas.microsoft.com/office/powerpoint/2010/main" val="3443518816"/>
+        <p14:creationId xmlns:p14="http://schemas.microsoft.com/office/powerpoint/2010/main" val="1314425753"/>
       </p:ext>
     </p:extLst>
   </p:cSld>
@@ -568,13 +805,7 @@
       </p:grpSpPr>
       <p:sp>
         <p:nvSpPr>
-          <p:cNvPr id="2" name="Vertical Title 1">
-            <a:extLst>
-              <a:ext uri="{FF2B5EF4-FFF2-40B4-BE49-F238E27FC236}">
-                <a16:creationId xmlns:a16="http://schemas.microsoft.com/office/drawing/2014/main" id="{BEA2EB63-5500-E544-9A92-8EA2BFEA9218}"/>
-              </a:ext>
-            </a:extLst>
-          </p:cNvPr>
+          <p:cNvPr id="2" name="Vertical Title 1"/>
           <p:cNvSpPr>
             <a:spLocks noGrp="1"/>
           </p:cNvSpPr>
@@ -596,19 +827,13 @@
               <a:rPr lang="en-GB"/>
               <a:t>Click to edit Master title style</a:t>
             </a:r>
-            <a:endParaRPr lang="en-US"/>
+            <a:endParaRPr lang="en-US" dirty="0"/>
           </a:p>
         </p:txBody>
       </p:sp>
       <p:sp>
         <p:nvSpPr>
-          <p:cNvPr id="3" name="Vertical Text Placeholder 2">
-            <a:extLst>
-              <a:ext uri="{FF2B5EF4-FFF2-40B4-BE49-F238E27FC236}">
-                <a16:creationId xmlns:a16="http://schemas.microsoft.com/office/drawing/2014/main" id="{4CB40639-8E33-614D-8DEF-82A80085DF7F}"/>
-              </a:ext>
-            </a:extLst>
-          </p:cNvPr>
+          <p:cNvPr id="3" name="Vertical Text Placeholder 2"/>
           <p:cNvSpPr>
             <a:spLocks noGrp="1"/>
           </p:cNvSpPr>
@@ -659,19 +884,13 @@
               <a:rPr lang="en-GB"/>
               <a:t>Fifth level</a:t>
             </a:r>
-            <a:endParaRPr lang="en-US"/>
+            <a:endParaRPr lang="en-US" dirty="0"/>
           </a:p>
         </p:txBody>
       </p:sp>
       <p:sp>
         <p:nvSpPr>
-          <p:cNvPr id="4" name="Date Placeholder 3">
-            <a:extLst>
-              <a:ext uri="{FF2B5EF4-FFF2-40B4-BE49-F238E27FC236}">
-                <a16:creationId xmlns:a16="http://schemas.microsoft.com/office/drawing/2014/main" id="{FE9304A4-F850-5741-8EF0-EC3EAE145515}"/>
-              </a:ext>
-            </a:extLst>
-          </p:cNvPr>
+          <p:cNvPr id="4" name="Date Placeholder 3"/>
           <p:cNvSpPr>
             <a:spLocks noGrp="1"/>
           </p:cNvSpPr>
@@ -684,23 +903,13 @@
           <a:bodyPr/>
           <a:lstStyle/>
           <a:p>
-            <a:fld id="{DC44D869-0D03-B142-B5B8-162B3FC47D4C}" type="datetimeFigureOut">
-              <a:rPr lang="en-US" smtClean="0"/>
-              <a:t>7/3/20</a:t>
-            </a:fld>
             <a:endParaRPr lang="en-US"/>
           </a:p>
         </p:txBody>
       </p:sp>
       <p:sp>
         <p:nvSpPr>
-          <p:cNvPr id="5" name="Footer Placeholder 4">
-            <a:extLst>
-              <a:ext uri="{FF2B5EF4-FFF2-40B4-BE49-F238E27FC236}">
-                <a16:creationId xmlns:a16="http://schemas.microsoft.com/office/drawing/2014/main" id="{20A6FB51-65B4-8E40-8879-C441A92CAE47}"/>
-              </a:ext>
-            </a:extLst>
-          </p:cNvPr>
+          <p:cNvPr id="5" name="Footer Placeholder 4"/>
           <p:cNvSpPr>
             <a:spLocks noGrp="1"/>
           </p:cNvSpPr>
@@ -719,13 +928,7 @@
       </p:sp>
       <p:sp>
         <p:nvSpPr>
-          <p:cNvPr id="6" name="Slide Number Placeholder 5">
-            <a:extLst>
-              <a:ext uri="{FF2B5EF4-FFF2-40B4-BE49-F238E27FC236}">
-                <a16:creationId xmlns:a16="http://schemas.microsoft.com/office/drawing/2014/main" id="{CB9E0B13-CB56-3A45-B1E5-35DDC107B051}"/>
-              </a:ext>
-            </a:extLst>
-          </p:cNvPr>
+          <p:cNvPr id="6" name="Slide Number Placeholder 5"/>
           <p:cNvSpPr>
             <a:spLocks noGrp="1"/>
           </p:cNvSpPr>
@@ -738,7 +941,7 @@
           <a:bodyPr/>
           <a:lstStyle/>
           <a:p>
-            <a:fld id="{34153CBB-8E57-9F45-A798-D6AA7486622F}" type="slidenum">
+            <a:fld id="{3E7EE812-F71C-4E4B-B8B2-FF1B39C3C812}" type="slidenum">
               <a:rPr lang="en-US" smtClean="0"/>
               <a:t>‹#›</a:t>
             </a:fld>
@@ -749,7 +952,7 @@
     </p:spTree>
     <p:extLst>
       <p:ext uri="{BB962C8B-B14F-4D97-AF65-F5344CB8AC3E}">
-        <p14:creationId xmlns:p14="http://schemas.microsoft.com/office/powerpoint/2010/main" val="3199166960"/>
+        <p14:creationId xmlns:p14="http://schemas.microsoft.com/office/powerpoint/2010/main" val="1653735198"/>
       </p:ext>
     </p:extLst>
   </p:cSld>
@@ -759,8 +962,316 @@
 </p:sldLayout>
 </file>
 
+<file path=ppt/slideLayouts/slideLayout12.xml><?xml version="1.0" encoding="utf-8"?>
+<p:sldLayout xmlns:a="http://schemas.openxmlformats.org/drawingml/2006/main" xmlns:r="http://schemas.openxmlformats.org/officeDocument/2006/relationships" xmlns:p="http://schemas.openxmlformats.org/presentationml/2006/main" preserve="1">
+  <p:cSld name="1_Title Slide">
+    <p:spTree>
+      <p:nvGrpSpPr>
+        <p:cNvPr id="1" name=""/>
+        <p:cNvGrpSpPr/>
+        <p:nvPr/>
+      </p:nvGrpSpPr>
+      <p:grpSpPr>
+        <a:xfrm>
+          <a:off x="0" y="0"/>
+          <a:ext cx="0" cy="0"/>
+          <a:chOff x="0" y="0"/>
+          <a:chExt cx="0" cy="0"/>
+        </a:xfrm>
+      </p:grpSpPr>
+      <p:sp>
+        <p:nvSpPr>
+          <p:cNvPr id="2" name="Title 1"/>
+          <p:cNvSpPr>
+            <a:spLocks noGrp="1"/>
+          </p:cNvSpPr>
+          <p:nvPr>
+            <p:ph type="ctrTitle"/>
+          </p:nvPr>
+        </p:nvSpPr>
+        <p:spPr>
+          <a:xfrm>
+            <a:off x="1524000" y="1122363"/>
+            <a:ext cx="9144000" cy="2963862"/>
+          </a:xfrm>
+        </p:spPr>
+        <p:txBody>
+          <a:bodyPr anchor="b">
+            <a:normAutofit/>
+          </a:bodyPr>
+          <a:lstStyle>
+            <a:lvl1pPr algn="ctr">
+              <a:defRPr sz="5400"/>
+            </a:lvl1pPr>
+          </a:lstStyle>
+          <a:p>
+            <a:r>
+              <a:rPr lang="en-GB"/>
+              <a:t>Click to edit Master title style</a:t>
+            </a:r>
+            <a:endParaRPr lang="en-US" dirty="0"/>
+          </a:p>
+        </p:txBody>
+      </p:sp>
+      <p:sp>
+        <p:nvSpPr>
+          <p:cNvPr id="3" name="Subtitle 2"/>
+          <p:cNvSpPr>
+            <a:spLocks noGrp="1"/>
+          </p:cNvSpPr>
+          <p:nvPr>
+            <p:ph type="subTitle" idx="1"/>
+          </p:nvPr>
+        </p:nvSpPr>
+        <p:spPr>
+          <a:xfrm>
+            <a:off x="1524000" y="4564062"/>
+            <a:ext cx="9144000" cy="1171575"/>
+          </a:xfrm>
+        </p:spPr>
+        <p:txBody>
+          <a:bodyPr/>
+          <a:lstStyle>
+            <a:lvl1pPr marL="0" indent="0" algn="ctr">
+              <a:buNone/>
+              <a:defRPr sz="2400"/>
+            </a:lvl1pPr>
+            <a:lvl2pPr marL="457200" indent="0" algn="ctr">
+              <a:buNone/>
+              <a:defRPr sz="2000"/>
+            </a:lvl2pPr>
+            <a:lvl3pPr marL="914400" indent="0" algn="ctr">
+              <a:buNone/>
+              <a:defRPr sz="1800"/>
+            </a:lvl3pPr>
+            <a:lvl4pPr marL="1371600" indent="0" algn="ctr">
+              <a:buNone/>
+              <a:defRPr sz="1600"/>
+            </a:lvl4pPr>
+            <a:lvl5pPr marL="1828800" indent="0" algn="ctr">
+              <a:buNone/>
+              <a:defRPr sz="1600"/>
+            </a:lvl5pPr>
+            <a:lvl6pPr marL="2286000" indent="0" algn="ctr">
+              <a:buNone/>
+              <a:defRPr sz="1600"/>
+            </a:lvl6pPr>
+            <a:lvl7pPr marL="2743200" indent="0" algn="ctr">
+              <a:buNone/>
+              <a:defRPr sz="1600"/>
+            </a:lvl7pPr>
+            <a:lvl8pPr marL="3200400" indent="0" algn="ctr">
+              <a:buNone/>
+              <a:defRPr sz="1600"/>
+            </a:lvl8pPr>
+            <a:lvl9pPr marL="3657600" indent="0" algn="ctr">
+              <a:buNone/>
+              <a:defRPr sz="1600"/>
+            </a:lvl9pPr>
+          </a:lstStyle>
+          <a:p>
+            <a:r>
+              <a:rPr lang="en-GB"/>
+              <a:t>Click to edit Master subtitle style</a:t>
+            </a:r>
+            <a:endParaRPr lang="en-US" dirty="0"/>
+          </a:p>
+        </p:txBody>
+      </p:sp>
+    </p:spTree>
+    <p:extLst>
+      <p:ext uri="{BB962C8B-B14F-4D97-AF65-F5344CB8AC3E}">
+        <p14:creationId xmlns:p14="http://schemas.microsoft.com/office/powerpoint/2010/main" val="1042420674"/>
+      </p:ext>
+    </p:extLst>
+  </p:cSld>
+  <p:clrMapOvr>
+    <a:masterClrMapping/>
+  </p:clrMapOvr>
+  <p:hf hdr="0" ftr="0" dt="0"/>
+</p:sldLayout>
+</file>
+
+<file path=ppt/slideLayouts/slideLayout13.xml><?xml version="1.0" encoding="utf-8"?>
+<p:sldLayout xmlns:a="http://schemas.openxmlformats.org/drawingml/2006/main" xmlns:r="http://schemas.openxmlformats.org/officeDocument/2006/relationships" xmlns:p="http://schemas.openxmlformats.org/presentationml/2006/main" preserve="1">
+  <p:cSld name="1_Title and Content">
+    <p:spTree>
+      <p:nvGrpSpPr>
+        <p:cNvPr id="1" name=""/>
+        <p:cNvGrpSpPr/>
+        <p:nvPr/>
+      </p:nvGrpSpPr>
+      <p:grpSpPr>
+        <a:xfrm>
+          <a:off x="0" y="0"/>
+          <a:ext cx="0" cy="0"/>
+          <a:chOff x="0" y="0"/>
+          <a:chExt cx="0" cy="0"/>
+        </a:xfrm>
+      </p:grpSpPr>
+      <p:sp>
+        <p:nvSpPr>
+          <p:cNvPr id="2" name="Title 1"/>
+          <p:cNvSpPr>
+            <a:spLocks noGrp="1"/>
+          </p:cNvSpPr>
+          <p:nvPr>
+            <p:ph type="title"/>
+          </p:nvPr>
+        </p:nvSpPr>
+        <p:spPr>
+          <a:xfrm>
+            <a:off x="838200" y="368300"/>
+            <a:ext cx="10515600" cy="694800"/>
+          </a:xfrm>
+        </p:spPr>
+        <p:txBody>
+          <a:bodyPr/>
+          <a:lstStyle/>
+          <a:p>
+            <a:r>
+              <a:rPr lang="en-GB"/>
+              <a:t>Click to edit Master title style</a:t>
+            </a:r>
+            <a:endParaRPr lang="en-US" dirty="0"/>
+          </a:p>
+        </p:txBody>
+      </p:sp>
+      <p:sp>
+        <p:nvSpPr>
+          <p:cNvPr id="3" name="Content Placeholder 2"/>
+          <p:cNvSpPr>
+            <a:spLocks noGrp="1"/>
+          </p:cNvSpPr>
+          <p:nvPr>
+            <p:ph idx="1"/>
+          </p:nvPr>
+        </p:nvSpPr>
+        <p:spPr>
+          <a:xfrm>
+            <a:off x="838200" y="1286925"/>
+            <a:ext cx="10515600" cy="4845600"/>
+          </a:xfrm>
+        </p:spPr>
+        <p:txBody>
+          <a:bodyPr/>
+          <a:lstStyle/>
+          <a:p>
+            <a:pPr lvl="0"/>
+            <a:r>
+              <a:rPr lang="en-GB"/>
+              <a:t>Click to edit Master text styles</a:t>
+            </a:r>
+          </a:p>
+          <a:p>
+            <a:pPr lvl="1"/>
+            <a:r>
+              <a:rPr lang="en-GB"/>
+              <a:t>Second level</a:t>
+            </a:r>
+          </a:p>
+          <a:p>
+            <a:pPr lvl="2"/>
+            <a:r>
+              <a:rPr lang="en-GB"/>
+              <a:t>Third level</a:t>
+            </a:r>
+          </a:p>
+          <a:p>
+            <a:pPr lvl="3"/>
+            <a:r>
+              <a:rPr lang="en-GB"/>
+              <a:t>Fourth level</a:t>
+            </a:r>
+          </a:p>
+          <a:p>
+            <a:pPr lvl="4"/>
+            <a:r>
+              <a:rPr lang="en-GB"/>
+              <a:t>Fifth level</a:t>
+            </a:r>
+            <a:endParaRPr lang="en-US" dirty="0"/>
+          </a:p>
+        </p:txBody>
+      </p:sp>
+      <p:sp>
+        <p:nvSpPr>
+          <p:cNvPr id="4" name="Date Placeholder 3"/>
+          <p:cNvSpPr>
+            <a:spLocks noGrp="1"/>
+          </p:cNvSpPr>
+          <p:nvPr>
+            <p:ph type="dt" sz="half" idx="10"/>
+          </p:nvPr>
+        </p:nvSpPr>
+        <p:spPr/>
+        <p:txBody>
+          <a:bodyPr/>
+          <a:lstStyle/>
+          <a:p>
+            <a:endParaRPr lang="en-US"/>
+          </a:p>
+        </p:txBody>
+      </p:sp>
+      <p:sp>
+        <p:nvSpPr>
+          <p:cNvPr id="5" name="Footer Placeholder 4"/>
+          <p:cNvSpPr>
+            <a:spLocks noGrp="1"/>
+          </p:cNvSpPr>
+          <p:nvPr>
+            <p:ph type="ftr" sz="quarter" idx="11"/>
+          </p:nvPr>
+        </p:nvSpPr>
+        <p:spPr/>
+        <p:txBody>
+          <a:bodyPr/>
+          <a:lstStyle/>
+          <a:p>
+            <a:endParaRPr lang="en-US" dirty="0"/>
+          </a:p>
+        </p:txBody>
+      </p:sp>
+      <p:sp>
+        <p:nvSpPr>
+          <p:cNvPr id="6" name="Slide Number Placeholder 5"/>
+          <p:cNvSpPr>
+            <a:spLocks noGrp="1"/>
+          </p:cNvSpPr>
+          <p:nvPr>
+            <p:ph type="sldNum" sz="quarter" idx="12"/>
+          </p:nvPr>
+        </p:nvSpPr>
+        <p:spPr/>
+        <p:txBody>
+          <a:bodyPr/>
+          <a:lstStyle/>
+          <a:p>
+            <a:fld id="{3E7EE812-F71C-4E4B-B8B2-FF1B39C3C812}" type="slidenum">
+              <a:rPr lang="en-US" smtClean="0"/>
+              <a:pPr/>
+              <a:t>‹#›</a:t>
+            </a:fld>
+            <a:endParaRPr lang="en-US"/>
+          </a:p>
+        </p:txBody>
+      </p:sp>
+    </p:spTree>
+    <p:extLst>
+      <p:ext uri="{BB962C8B-B14F-4D97-AF65-F5344CB8AC3E}">
+        <p14:creationId xmlns:p14="http://schemas.microsoft.com/office/powerpoint/2010/main" val="4239708897"/>
+      </p:ext>
+    </p:extLst>
+  </p:cSld>
+  <p:clrMapOvr>
+    <a:masterClrMapping/>
+  </p:clrMapOvr>
+  <p:hf hdr="0" ftr="0" dt="0"/>
+</p:sldLayout>
+</file>
+
 <file path=ppt/slideLayouts/slideLayout2.xml><?xml version="1.0" encoding="utf-8"?>
-<p:sldLayout xmlns:a="http://schemas.openxmlformats.org/drawingml/2006/main" xmlns:r="http://schemas.openxmlformats.org/officeDocument/2006/relationships" xmlns:p="http://schemas.openxmlformats.org/presentationml/2006/main" type="obj" preserve="1">
+<p:sldLayout xmlns:a="http://schemas.openxmlformats.org/drawingml/2006/main" xmlns:r="http://schemas.openxmlformats.org/officeDocument/2006/relationships" xmlns:p="http://schemas.openxmlformats.org/presentationml/2006/main" preserve="1">
   <p:cSld name="Title and Content">
     <p:spTree>
       <p:nvGrpSpPr>
@@ -778,13 +1289,7 @@
       </p:grpSpPr>
       <p:sp>
         <p:nvSpPr>
-          <p:cNvPr id="2" name="Title 1">
-            <a:extLst>
-              <a:ext uri="{FF2B5EF4-FFF2-40B4-BE49-F238E27FC236}">
-                <a16:creationId xmlns:a16="http://schemas.microsoft.com/office/drawing/2014/main" id="{7CC38249-7389-EF4A-A1CE-509004A0F16F}"/>
-              </a:ext>
-            </a:extLst>
-          </p:cNvPr>
+          <p:cNvPr id="2" name="Title 1"/>
           <p:cNvSpPr>
             <a:spLocks noGrp="1"/>
           </p:cNvSpPr>
@@ -792,7 +1297,12 @@
             <p:ph type="title"/>
           </p:nvPr>
         </p:nvSpPr>
-        <p:spPr/>
+        <p:spPr>
+          <a:xfrm>
+            <a:off x="838200" y="368300"/>
+            <a:ext cx="10515600" cy="694800"/>
+          </a:xfrm>
+        </p:spPr>
         <p:txBody>
           <a:bodyPr/>
           <a:lstStyle/>
@@ -801,19 +1311,13 @@
               <a:rPr lang="en-GB"/>
               <a:t>Click to edit Master title style</a:t>
             </a:r>
-            <a:endParaRPr lang="en-US"/>
+            <a:endParaRPr lang="en-US" dirty="0"/>
           </a:p>
         </p:txBody>
       </p:sp>
       <p:sp>
         <p:nvSpPr>
-          <p:cNvPr id="3" name="Content Placeholder 2">
-            <a:extLst>
-              <a:ext uri="{FF2B5EF4-FFF2-40B4-BE49-F238E27FC236}">
-                <a16:creationId xmlns:a16="http://schemas.microsoft.com/office/drawing/2014/main" id="{6CB316C5-9EB0-0546-A734-1B63CEC061BB}"/>
-              </a:ext>
-            </a:extLst>
-          </p:cNvPr>
+          <p:cNvPr id="3" name="Content Placeholder 2"/>
           <p:cNvSpPr>
             <a:spLocks noGrp="1"/>
           </p:cNvSpPr>
@@ -821,7 +1325,12 @@
             <p:ph idx="1"/>
           </p:nvPr>
         </p:nvSpPr>
-        <p:spPr/>
+        <p:spPr>
+          <a:xfrm>
+            <a:off x="838200" y="1286925"/>
+            <a:ext cx="10515600" cy="4845600"/>
+          </a:xfrm>
+        </p:spPr>
         <p:txBody>
           <a:bodyPr/>
           <a:lstStyle/>
@@ -859,19 +1368,13 @@
               <a:rPr lang="en-GB"/>
               <a:t>Fifth level</a:t>
             </a:r>
-            <a:endParaRPr lang="en-US"/>
+            <a:endParaRPr lang="en-US" dirty="0"/>
           </a:p>
         </p:txBody>
       </p:sp>
       <p:sp>
         <p:nvSpPr>
-          <p:cNvPr id="4" name="Date Placeholder 3">
-            <a:extLst>
-              <a:ext uri="{FF2B5EF4-FFF2-40B4-BE49-F238E27FC236}">
-                <a16:creationId xmlns:a16="http://schemas.microsoft.com/office/drawing/2014/main" id="{35567F40-CE6C-204B-ACDE-AEE5E1AA4AEE}"/>
-              </a:ext>
-            </a:extLst>
-          </p:cNvPr>
+          <p:cNvPr id="4" name="Date Placeholder 3"/>
           <p:cNvSpPr>
             <a:spLocks noGrp="1"/>
           </p:cNvSpPr>
@@ -884,23 +1387,13 @@
           <a:bodyPr/>
           <a:lstStyle/>
           <a:p>
-            <a:fld id="{DC44D869-0D03-B142-B5B8-162B3FC47D4C}" type="datetimeFigureOut">
-              <a:rPr lang="en-US" smtClean="0"/>
-              <a:t>7/3/20</a:t>
-            </a:fld>
             <a:endParaRPr lang="en-US"/>
           </a:p>
         </p:txBody>
       </p:sp>
       <p:sp>
         <p:nvSpPr>
-          <p:cNvPr id="5" name="Footer Placeholder 4">
-            <a:extLst>
-              <a:ext uri="{FF2B5EF4-FFF2-40B4-BE49-F238E27FC236}">
-                <a16:creationId xmlns:a16="http://schemas.microsoft.com/office/drawing/2014/main" id="{3C64E000-12C5-004A-BF7B-34D5AD35C5D0}"/>
-              </a:ext>
-            </a:extLst>
-          </p:cNvPr>
+          <p:cNvPr id="5" name="Footer Placeholder 4"/>
           <p:cNvSpPr>
             <a:spLocks noGrp="1"/>
           </p:cNvSpPr>
@@ -913,19 +1406,13 @@
           <a:bodyPr/>
           <a:lstStyle/>
           <a:p>
-            <a:endParaRPr lang="en-US"/>
+            <a:endParaRPr lang="en-US" dirty="0"/>
           </a:p>
         </p:txBody>
       </p:sp>
       <p:sp>
         <p:nvSpPr>
-          <p:cNvPr id="6" name="Slide Number Placeholder 5">
-            <a:extLst>
-              <a:ext uri="{FF2B5EF4-FFF2-40B4-BE49-F238E27FC236}">
-                <a16:creationId xmlns:a16="http://schemas.microsoft.com/office/drawing/2014/main" id="{16CEA672-8A4B-A546-B3C4-4A146CD29E1B}"/>
-              </a:ext>
-            </a:extLst>
-          </p:cNvPr>
+          <p:cNvPr id="6" name="Slide Number Placeholder 5"/>
           <p:cNvSpPr>
             <a:spLocks noGrp="1"/>
           </p:cNvSpPr>
@@ -938,18 +1425,18 @@
           <a:bodyPr/>
           <a:lstStyle/>
           <a:p>
-            <a:fld id="{34153CBB-8E57-9F45-A798-D6AA7486622F}" type="slidenum">
+            <a:fld id="{3E7EE812-F71C-4E4B-B8B2-FF1B39C3C812}" type="slidenum">
               <a:rPr lang="en-US" smtClean="0"/>
               <a:t>‹#›</a:t>
             </a:fld>
-            <a:endParaRPr lang="en-US"/>
+            <a:endParaRPr lang="en-US" dirty="0"/>
           </a:p>
         </p:txBody>
       </p:sp>
     </p:spTree>
     <p:extLst>
       <p:ext uri="{BB962C8B-B14F-4D97-AF65-F5344CB8AC3E}">
-        <p14:creationId xmlns:p14="http://schemas.microsoft.com/office/powerpoint/2010/main" val="1806197271"/>
+        <p14:creationId xmlns:p14="http://schemas.microsoft.com/office/powerpoint/2010/main" val="123819208"/>
       </p:ext>
     </p:extLst>
   </p:cSld>
@@ -978,13 +1465,7 @@
       </p:grpSpPr>
       <p:sp>
         <p:nvSpPr>
-          <p:cNvPr id="2" name="Title 1">
-            <a:extLst>
-              <a:ext uri="{FF2B5EF4-FFF2-40B4-BE49-F238E27FC236}">
-                <a16:creationId xmlns:a16="http://schemas.microsoft.com/office/drawing/2014/main" id="{A1646251-2257-1742-93AC-BABAD4852258}"/>
-              </a:ext>
-            </a:extLst>
-          </p:cNvPr>
+          <p:cNvPr id="2" name="Title 1"/>
           <p:cNvSpPr>
             <a:spLocks noGrp="1"/>
           </p:cNvSpPr>
@@ -994,7 +1475,7 @@
         </p:nvSpPr>
         <p:spPr>
           <a:xfrm>
-            <a:off x="831850" y="1709738"/>
+            <a:off x="831850" y="1213172"/>
             <a:ext cx="10515600" cy="2852737"/>
           </a:xfrm>
         </p:spPr>
@@ -1010,19 +1491,13 @@
               <a:rPr lang="en-GB"/>
               <a:t>Click to edit Master title style</a:t>
             </a:r>
-            <a:endParaRPr lang="en-US"/>
+            <a:endParaRPr lang="en-US" dirty="0"/>
           </a:p>
         </p:txBody>
       </p:sp>
       <p:sp>
         <p:nvSpPr>
-          <p:cNvPr id="3" name="Text Placeholder 2">
-            <a:extLst>
-              <a:ext uri="{FF2B5EF4-FFF2-40B4-BE49-F238E27FC236}">
-                <a16:creationId xmlns:a16="http://schemas.microsoft.com/office/drawing/2014/main" id="{93D5AC94-FD76-6F48-B0F5-8D47B64BA06D}"/>
-              </a:ext>
-            </a:extLst>
-          </p:cNvPr>
+          <p:cNvPr id="3" name="Text Placeholder 2"/>
           <p:cNvSpPr>
             <a:spLocks noGrp="1"/>
           </p:cNvSpPr>
@@ -1141,13 +1616,7 @@
       </p:sp>
       <p:sp>
         <p:nvSpPr>
-          <p:cNvPr id="4" name="Date Placeholder 3">
-            <a:extLst>
-              <a:ext uri="{FF2B5EF4-FFF2-40B4-BE49-F238E27FC236}">
-                <a16:creationId xmlns:a16="http://schemas.microsoft.com/office/drawing/2014/main" id="{63F51DF1-52F3-1F41-B4F4-63FB2A4A4BF0}"/>
-              </a:ext>
-            </a:extLst>
-          </p:cNvPr>
+          <p:cNvPr id="4" name="Date Placeholder 3"/>
           <p:cNvSpPr>
             <a:spLocks noGrp="1"/>
           </p:cNvSpPr>
@@ -1160,23 +1629,13 @@
           <a:bodyPr/>
           <a:lstStyle/>
           <a:p>
-            <a:fld id="{DC44D869-0D03-B142-B5B8-162B3FC47D4C}" type="datetimeFigureOut">
-              <a:rPr lang="en-US" smtClean="0"/>
-              <a:t>7/3/20</a:t>
-            </a:fld>
             <a:endParaRPr lang="en-US"/>
           </a:p>
         </p:txBody>
       </p:sp>
       <p:sp>
         <p:nvSpPr>
-          <p:cNvPr id="5" name="Footer Placeholder 4">
-            <a:extLst>
-              <a:ext uri="{FF2B5EF4-FFF2-40B4-BE49-F238E27FC236}">
-                <a16:creationId xmlns:a16="http://schemas.microsoft.com/office/drawing/2014/main" id="{261FF913-A778-E447-90A7-69B6D4C07DB3}"/>
-              </a:ext>
-            </a:extLst>
-          </p:cNvPr>
+          <p:cNvPr id="5" name="Footer Placeholder 4"/>
           <p:cNvSpPr>
             <a:spLocks noGrp="1"/>
           </p:cNvSpPr>
@@ -1195,13 +1654,7 @@
       </p:sp>
       <p:sp>
         <p:nvSpPr>
-          <p:cNvPr id="6" name="Slide Number Placeholder 5">
-            <a:extLst>
-              <a:ext uri="{FF2B5EF4-FFF2-40B4-BE49-F238E27FC236}">
-                <a16:creationId xmlns:a16="http://schemas.microsoft.com/office/drawing/2014/main" id="{CA4CC784-11FA-9346-99A6-DE4547EF9B80}"/>
-              </a:ext>
-            </a:extLst>
-          </p:cNvPr>
+          <p:cNvPr id="6" name="Slide Number Placeholder 5"/>
           <p:cNvSpPr>
             <a:spLocks noGrp="1"/>
           </p:cNvSpPr>
@@ -1214,7 +1667,7 @@
           <a:bodyPr/>
           <a:lstStyle/>
           <a:p>
-            <a:fld id="{34153CBB-8E57-9F45-A798-D6AA7486622F}" type="slidenum">
+            <a:fld id="{3E7EE812-F71C-4E4B-B8B2-FF1B39C3C812}" type="slidenum">
               <a:rPr lang="en-US" smtClean="0"/>
               <a:t>‹#›</a:t>
             </a:fld>
@@ -1225,7 +1678,7 @@
     </p:spTree>
     <p:extLst>
       <p:ext uri="{BB962C8B-B14F-4D97-AF65-F5344CB8AC3E}">
-        <p14:creationId xmlns:p14="http://schemas.microsoft.com/office/powerpoint/2010/main" val="3160648847"/>
+        <p14:creationId xmlns:p14="http://schemas.microsoft.com/office/powerpoint/2010/main" val="2847540044"/>
       </p:ext>
     </p:extLst>
   </p:cSld>
@@ -1254,13 +1707,7 @@
       </p:grpSpPr>
       <p:sp>
         <p:nvSpPr>
-          <p:cNvPr id="2" name="Title 1">
-            <a:extLst>
-              <a:ext uri="{FF2B5EF4-FFF2-40B4-BE49-F238E27FC236}">
-                <a16:creationId xmlns:a16="http://schemas.microsoft.com/office/drawing/2014/main" id="{BF81F2C7-F6B1-C345-98D2-AF56527BED8E}"/>
-              </a:ext>
-            </a:extLst>
-          </p:cNvPr>
+          <p:cNvPr id="2" name="Title 1"/>
           <p:cNvSpPr>
             <a:spLocks noGrp="1"/>
           </p:cNvSpPr>
@@ -1277,19 +1724,13 @@
               <a:rPr lang="en-GB"/>
               <a:t>Click to edit Master title style</a:t>
             </a:r>
-            <a:endParaRPr lang="en-US"/>
+            <a:endParaRPr lang="en-US" dirty="0"/>
           </a:p>
         </p:txBody>
       </p:sp>
       <p:sp>
         <p:nvSpPr>
-          <p:cNvPr id="3" name="Content Placeholder 2">
-            <a:extLst>
-              <a:ext uri="{FF2B5EF4-FFF2-40B4-BE49-F238E27FC236}">
-                <a16:creationId xmlns:a16="http://schemas.microsoft.com/office/drawing/2014/main" id="{29A6A6DE-BBAA-AB42-AA46-33DEC1DE32BC}"/>
-              </a:ext>
-            </a:extLst>
-          </p:cNvPr>
+          <p:cNvPr id="3" name="Content Placeholder 2"/>
           <p:cNvSpPr>
             <a:spLocks noGrp="1"/>
           </p:cNvSpPr>
@@ -1299,8 +1740,8 @@
         </p:nvSpPr>
         <p:spPr>
           <a:xfrm>
-            <a:off x="838200" y="1825625"/>
-            <a:ext cx="5181600" cy="4351338"/>
+            <a:off x="838200" y="1237625"/>
+            <a:ext cx="5181600" cy="4939337"/>
           </a:xfrm>
         </p:spPr>
         <p:txBody>
@@ -1340,19 +1781,13 @@
               <a:rPr lang="en-GB"/>
               <a:t>Fifth level</a:t>
             </a:r>
-            <a:endParaRPr lang="en-US"/>
+            <a:endParaRPr lang="en-US" dirty="0"/>
           </a:p>
         </p:txBody>
       </p:sp>
       <p:sp>
         <p:nvSpPr>
-          <p:cNvPr id="4" name="Content Placeholder 3">
-            <a:extLst>
-              <a:ext uri="{FF2B5EF4-FFF2-40B4-BE49-F238E27FC236}">
-                <a16:creationId xmlns:a16="http://schemas.microsoft.com/office/drawing/2014/main" id="{4806E917-5437-7540-A3CC-64D145516CC0}"/>
-              </a:ext>
-            </a:extLst>
-          </p:cNvPr>
+          <p:cNvPr id="4" name="Content Placeholder 3"/>
           <p:cNvSpPr>
             <a:spLocks noGrp="1"/>
           </p:cNvSpPr>
@@ -1362,8 +1797,8 @@
         </p:nvSpPr>
         <p:spPr>
           <a:xfrm>
-            <a:off x="6172200" y="1825625"/>
-            <a:ext cx="5181600" cy="4351338"/>
+            <a:off x="6172200" y="1237625"/>
+            <a:ext cx="5181600" cy="4939338"/>
           </a:xfrm>
         </p:spPr>
         <p:txBody>
@@ -1403,19 +1838,13 @@
               <a:rPr lang="en-GB"/>
               <a:t>Fifth level</a:t>
             </a:r>
-            <a:endParaRPr lang="en-US"/>
+            <a:endParaRPr lang="en-US" dirty="0"/>
           </a:p>
         </p:txBody>
       </p:sp>
       <p:sp>
         <p:nvSpPr>
-          <p:cNvPr id="5" name="Date Placeholder 4">
-            <a:extLst>
-              <a:ext uri="{FF2B5EF4-FFF2-40B4-BE49-F238E27FC236}">
-                <a16:creationId xmlns:a16="http://schemas.microsoft.com/office/drawing/2014/main" id="{EF3F0BC6-B0B7-674E-9D68-F145ACDEDB98}"/>
-              </a:ext>
-            </a:extLst>
-          </p:cNvPr>
+          <p:cNvPr id="5" name="Date Placeholder 4"/>
           <p:cNvSpPr>
             <a:spLocks noGrp="1"/>
           </p:cNvSpPr>
@@ -1428,23 +1857,13 @@
           <a:bodyPr/>
           <a:lstStyle/>
           <a:p>
-            <a:fld id="{DC44D869-0D03-B142-B5B8-162B3FC47D4C}" type="datetimeFigureOut">
-              <a:rPr lang="en-US" smtClean="0"/>
-              <a:t>7/3/20</a:t>
-            </a:fld>
             <a:endParaRPr lang="en-US"/>
           </a:p>
         </p:txBody>
       </p:sp>
       <p:sp>
         <p:nvSpPr>
-          <p:cNvPr id="6" name="Footer Placeholder 5">
-            <a:extLst>
-              <a:ext uri="{FF2B5EF4-FFF2-40B4-BE49-F238E27FC236}">
-                <a16:creationId xmlns:a16="http://schemas.microsoft.com/office/drawing/2014/main" id="{BD88DF87-B808-DF4A-93AF-1001606B1307}"/>
-              </a:ext>
-            </a:extLst>
-          </p:cNvPr>
+          <p:cNvPr id="6" name="Footer Placeholder 5"/>
           <p:cNvSpPr>
             <a:spLocks noGrp="1"/>
           </p:cNvSpPr>
@@ -1463,13 +1882,7 @@
       </p:sp>
       <p:sp>
         <p:nvSpPr>
-          <p:cNvPr id="7" name="Slide Number Placeholder 6">
-            <a:extLst>
-              <a:ext uri="{FF2B5EF4-FFF2-40B4-BE49-F238E27FC236}">
-                <a16:creationId xmlns:a16="http://schemas.microsoft.com/office/drawing/2014/main" id="{56430BB5-7AD4-B440-BBBD-43D8DB27DFE4}"/>
-              </a:ext>
-            </a:extLst>
-          </p:cNvPr>
+          <p:cNvPr id="7" name="Slide Number Placeholder 6"/>
           <p:cNvSpPr>
             <a:spLocks noGrp="1"/>
           </p:cNvSpPr>
@@ -1482,7 +1895,7 @@
           <a:bodyPr/>
           <a:lstStyle/>
           <a:p>
-            <a:fld id="{34153CBB-8E57-9F45-A798-D6AA7486622F}" type="slidenum">
+            <a:fld id="{3E7EE812-F71C-4E4B-B8B2-FF1B39C3C812}" type="slidenum">
               <a:rPr lang="en-US" smtClean="0"/>
               <a:t>‹#›</a:t>
             </a:fld>
@@ -1493,7 +1906,7 @@
     </p:spTree>
     <p:extLst>
       <p:ext uri="{BB962C8B-B14F-4D97-AF65-F5344CB8AC3E}">
-        <p14:creationId xmlns:p14="http://schemas.microsoft.com/office/powerpoint/2010/main" val="2782489613"/>
+        <p14:creationId xmlns:p14="http://schemas.microsoft.com/office/powerpoint/2010/main" val="3254647444"/>
       </p:ext>
     </p:extLst>
   </p:cSld>
@@ -1522,13 +1935,7 @@
       </p:grpSpPr>
       <p:sp>
         <p:nvSpPr>
-          <p:cNvPr id="2" name="Title 1">
-            <a:extLst>
-              <a:ext uri="{FF2B5EF4-FFF2-40B4-BE49-F238E27FC236}">
-                <a16:creationId xmlns:a16="http://schemas.microsoft.com/office/drawing/2014/main" id="{5CAC0A12-B0BD-5E43-97ED-E9E4B7EA033A}"/>
-              </a:ext>
-            </a:extLst>
-          </p:cNvPr>
+          <p:cNvPr id="2" name="Title 1"/>
           <p:cNvSpPr>
             <a:spLocks noGrp="1"/>
           </p:cNvSpPr>
@@ -1539,7 +1946,7 @@
         <p:spPr>
           <a:xfrm>
             <a:off x="839788" y="365125"/>
-            <a:ext cx="10515600" cy="1325563"/>
+            <a:ext cx="10515600" cy="694800"/>
           </a:xfrm>
         </p:spPr>
         <p:txBody>
@@ -1550,19 +1957,13 @@
               <a:rPr lang="en-GB"/>
               <a:t>Click to edit Master title style</a:t>
             </a:r>
-            <a:endParaRPr lang="en-US"/>
+            <a:endParaRPr lang="en-US" dirty="0"/>
           </a:p>
         </p:txBody>
       </p:sp>
       <p:sp>
         <p:nvSpPr>
-          <p:cNvPr id="3" name="Text Placeholder 2">
-            <a:extLst>
-              <a:ext uri="{FF2B5EF4-FFF2-40B4-BE49-F238E27FC236}">
-                <a16:creationId xmlns:a16="http://schemas.microsoft.com/office/drawing/2014/main" id="{AC228317-60F6-0A40-A863-C30ED1583616}"/>
-              </a:ext>
-            </a:extLst>
-          </p:cNvPr>
+          <p:cNvPr id="3" name="Text Placeholder 2"/>
           <p:cNvSpPr>
             <a:spLocks noGrp="1"/>
           </p:cNvSpPr>
@@ -1572,7 +1973,7 @@
         </p:nvSpPr>
         <p:spPr>
           <a:xfrm>
-            <a:off x="839788" y="1681163"/>
+            <a:off x="838200" y="1220674"/>
             <a:ext cx="5157787" cy="823912"/>
           </a:xfrm>
         </p:spPr>
@@ -1627,13 +2028,7 @@
       </p:sp>
       <p:sp>
         <p:nvSpPr>
-          <p:cNvPr id="4" name="Content Placeholder 3">
-            <a:extLst>
-              <a:ext uri="{FF2B5EF4-FFF2-40B4-BE49-F238E27FC236}">
-                <a16:creationId xmlns:a16="http://schemas.microsoft.com/office/drawing/2014/main" id="{ED8456CA-9167-AE48-9D63-9B2E5F0FD5D7}"/>
-              </a:ext>
-            </a:extLst>
-          </p:cNvPr>
+          <p:cNvPr id="4" name="Content Placeholder 3"/>
           <p:cNvSpPr>
             <a:spLocks noGrp="1"/>
           </p:cNvSpPr>
@@ -1643,8 +2038,8 @@
         </p:nvSpPr>
         <p:spPr>
           <a:xfrm>
-            <a:off x="839788" y="2505075"/>
-            <a:ext cx="5157787" cy="3684588"/>
+            <a:off x="839788" y="2205335"/>
+            <a:ext cx="5157787" cy="3984328"/>
           </a:xfrm>
         </p:spPr>
         <p:txBody>
@@ -1684,19 +2079,13 @@
               <a:rPr lang="en-GB"/>
               <a:t>Fifth level</a:t>
             </a:r>
-            <a:endParaRPr lang="en-US"/>
+            <a:endParaRPr lang="en-US" dirty="0"/>
           </a:p>
         </p:txBody>
       </p:sp>
       <p:sp>
         <p:nvSpPr>
-          <p:cNvPr id="5" name="Text Placeholder 4">
-            <a:extLst>
-              <a:ext uri="{FF2B5EF4-FFF2-40B4-BE49-F238E27FC236}">
-                <a16:creationId xmlns:a16="http://schemas.microsoft.com/office/drawing/2014/main" id="{143BDA12-EF36-5F47-A610-A3DF0A2347DF}"/>
-              </a:ext>
-            </a:extLst>
-          </p:cNvPr>
+          <p:cNvPr id="5" name="Text Placeholder 4"/>
           <p:cNvSpPr>
             <a:spLocks noGrp="1"/>
           </p:cNvSpPr>
@@ -1706,7 +2095,7 @@
         </p:nvSpPr>
         <p:spPr>
           <a:xfrm>
-            <a:off x="6172200" y="1681163"/>
+            <a:off x="6170612" y="1220674"/>
             <a:ext cx="5183188" cy="823912"/>
           </a:xfrm>
         </p:spPr>
@@ -1761,13 +2150,7 @@
       </p:sp>
       <p:sp>
         <p:nvSpPr>
-          <p:cNvPr id="6" name="Content Placeholder 5">
-            <a:extLst>
-              <a:ext uri="{FF2B5EF4-FFF2-40B4-BE49-F238E27FC236}">
-                <a16:creationId xmlns:a16="http://schemas.microsoft.com/office/drawing/2014/main" id="{F1E94FD5-0325-924D-9DA1-AAD600A5AF59}"/>
-              </a:ext>
-            </a:extLst>
-          </p:cNvPr>
+          <p:cNvPr id="6" name="Content Placeholder 5"/>
           <p:cNvSpPr>
             <a:spLocks noGrp="1"/>
           </p:cNvSpPr>
@@ -1777,8 +2160,8 @@
         </p:nvSpPr>
         <p:spPr>
           <a:xfrm>
-            <a:off x="6172200" y="2505075"/>
-            <a:ext cx="5183188" cy="3684588"/>
+            <a:off x="6172200" y="2205335"/>
+            <a:ext cx="5183188" cy="3984328"/>
           </a:xfrm>
         </p:spPr>
         <p:txBody>
@@ -1818,19 +2201,13 @@
               <a:rPr lang="en-GB"/>
               <a:t>Fifth level</a:t>
             </a:r>
-            <a:endParaRPr lang="en-US"/>
+            <a:endParaRPr lang="en-US" dirty="0"/>
           </a:p>
         </p:txBody>
       </p:sp>
       <p:sp>
         <p:nvSpPr>
-          <p:cNvPr id="7" name="Date Placeholder 6">
-            <a:extLst>
-              <a:ext uri="{FF2B5EF4-FFF2-40B4-BE49-F238E27FC236}">
-                <a16:creationId xmlns:a16="http://schemas.microsoft.com/office/drawing/2014/main" id="{EDA04C4E-4345-244E-8B79-F7AEC36B4151}"/>
-              </a:ext>
-            </a:extLst>
-          </p:cNvPr>
+          <p:cNvPr id="7" name="Date Placeholder 6"/>
           <p:cNvSpPr>
             <a:spLocks noGrp="1"/>
           </p:cNvSpPr>
@@ -1843,23 +2220,13 @@
           <a:bodyPr/>
           <a:lstStyle/>
           <a:p>
-            <a:fld id="{DC44D869-0D03-B142-B5B8-162B3FC47D4C}" type="datetimeFigureOut">
-              <a:rPr lang="en-US" smtClean="0"/>
-              <a:t>7/3/20</a:t>
-            </a:fld>
             <a:endParaRPr lang="en-US"/>
           </a:p>
         </p:txBody>
       </p:sp>
       <p:sp>
         <p:nvSpPr>
-          <p:cNvPr id="8" name="Footer Placeholder 7">
-            <a:extLst>
-              <a:ext uri="{FF2B5EF4-FFF2-40B4-BE49-F238E27FC236}">
-                <a16:creationId xmlns:a16="http://schemas.microsoft.com/office/drawing/2014/main" id="{FC52EAE7-9B1B-254C-97B1-C550913E08B7}"/>
-              </a:ext>
-            </a:extLst>
-          </p:cNvPr>
+          <p:cNvPr id="8" name="Footer Placeholder 7"/>
           <p:cNvSpPr>
             <a:spLocks noGrp="1"/>
           </p:cNvSpPr>
@@ -1878,13 +2245,7 @@
       </p:sp>
       <p:sp>
         <p:nvSpPr>
-          <p:cNvPr id="9" name="Slide Number Placeholder 8">
-            <a:extLst>
-              <a:ext uri="{FF2B5EF4-FFF2-40B4-BE49-F238E27FC236}">
-                <a16:creationId xmlns:a16="http://schemas.microsoft.com/office/drawing/2014/main" id="{E993B408-964A-574F-9628-AA53FD5F7BB8}"/>
-              </a:ext>
-            </a:extLst>
-          </p:cNvPr>
+          <p:cNvPr id="9" name="Slide Number Placeholder 8"/>
           <p:cNvSpPr>
             <a:spLocks noGrp="1"/>
           </p:cNvSpPr>
@@ -1897,7 +2258,7 @@
           <a:bodyPr/>
           <a:lstStyle/>
           <a:p>
-            <a:fld id="{34153CBB-8E57-9F45-A798-D6AA7486622F}" type="slidenum">
+            <a:fld id="{3E7EE812-F71C-4E4B-B8B2-FF1B39C3C812}" type="slidenum">
               <a:rPr lang="en-US" smtClean="0"/>
               <a:t>‹#›</a:t>
             </a:fld>
@@ -1908,7 +2269,7 @@
     </p:spTree>
     <p:extLst>
       <p:ext uri="{BB962C8B-B14F-4D97-AF65-F5344CB8AC3E}">
-        <p14:creationId xmlns:p14="http://schemas.microsoft.com/office/powerpoint/2010/main" val="118038193"/>
+        <p14:creationId xmlns:p14="http://schemas.microsoft.com/office/powerpoint/2010/main" val="3917350313"/>
       </p:ext>
     </p:extLst>
   </p:cSld>
@@ -1937,13 +2298,7 @@
       </p:grpSpPr>
       <p:sp>
         <p:nvSpPr>
-          <p:cNvPr id="2" name="Title 1">
-            <a:extLst>
-              <a:ext uri="{FF2B5EF4-FFF2-40B4-BE49-F238E27FC236}">
-                <a16:creationId xmlns:a16="http://schemas.microsoft.com/office/drawing/2014/main" id="{16E581B8-DBC8-7D44-B31E-A1C9D8536C3C}"/>
-              </a:ext>
-            </a:extLst>
-          </p:cNvPr>
+          <p:cNvPr id="2" name="Title 1"/>
           <p:cNvSpPr>
             <a:spLocks noGrp="1"/>
           </p:cNvSpPr>
@@ -1960,19 +2315,13 @@
               <a:rPr lang="en-GB"/>
               <a:t>Click to edit Master title style</a:t>
             </a:r>
-            <a:endParaRPr lang="en-US"/>
+            <a:endParaRPr lang="en-US" dirty="0"/>
           </a:p>
         </p:txBody>
       </p:sp>
       <p:sp>
         <p:nvSpPr>
-          <p:cNvPr id="3" name="Date Placeholder 2">
-            <a:extLst>
-              <a:ext uri="{FF2B5EF4-FFF2-40B4-BE49-F238E27FC236}">
-                <a16:creationId xmlns:a16="http://schemas.microsoft.com/office/drawing/2014/main" id="{3F20FB29-6CE2-5C4F-B9FA-7FA594741DE7}"/>
-              </a:ext>
-            </a:extLst>
-          </p:cNvPr>
+          <p:cNvPr id="3" name="Date Placeholder 2"/>
           <p:cNvSpPr>
             <a:spLocks noGrp="1"/>
           </p:cNvSpPr>
@@ -1985,23 +2334,13 @@
           <a:bodyPr/>
           <a:lstStyle/>
           <a:p>
-            <a:fld id="{DC44D869-0D03-B142-B5B8-162B3FC47D4C}" type="datetimeFigureOut">
-              <a:rPr lang="en-US" smtClean="0"/>
-              <a:t>7/3/20</a:t>
-            </a:fld>
             <a:endParaRPr lang="en-US"/>
           </a:p>
         </p:txBody>
       </p:sp>
       <p:sp>
         <p:nvSpPr>
-          <p:cNvPr id="4" name="Footer Placeholder 3">
-            <a:extLst>
-              <a:ext uri="{FF2B5EF4-FFF2-40B4-BE49-F238E27FC236}">
-                <a16:creationId xmlns:a16="http://schemas.microsoft.com/office/drawing/2014/main" id="{0475253B-50FF-4146-83AD-50B6334A109E}"/>
-              </a:ext>
-            </a:extLst>
-          </p:cNvPr>
+          <p:cNvPr id="4" name="Footer Placeholder 3"/>
           <p:cNvSpPr>
             <a:spLocks noGrp="1"/>
           </p:cNvSpPr>
@@ -2020,13 +2359,7 @@
       </p:sp>
       <p:sp>
         <p:nvSpPr>
-          <p:cNvPr id="5" name="Slide Number Placeholder 4">
-            <a:extLst>
-              <a:ext uri="{FF2B5EF4-FFF2-40B4-BE49-F238E27FC236}">
-                <a16:creationId xmlns:a16="http://schemas.microsoft.com/office/drawing/2014/main" id="{FA201CF2-ECB3-894D-B4B5-941EEFF0D482}"/>
-              </a:ext>
-            </a:extLst>
-          </p:cNvPr>
+          <p:cNvPr id="5" name="Slide Number Placeholder 4"/>
           <p:cNvSpPr>
             <a:spLocks noGrp="1"/>
           </p:cNvSpPr>
@@ -2039,7 +2372,7 @@
           <a:bodyPr/>
           <a:lstStyle/>
           <a:p>
-            <a:fld id="{34153CBB-8E57-9F45-A798-D6AA7486622F}" type="slidenum">
+            <a:fld id="{3E7EE812-F71C-4E4B-B8B2-FF1B39C3C812}" type="slidenum">
               <a:rPr lang="en-US" smtClean="0"/>
               <a:t>‹#›</a:t>
             </a:fld>
@@ -2050,7 +2383,7 @@
     </p:spTree>
     <p:extLst>
       <p:ext uri="{BB962C8B-B14F-4D97-AF65-F5344CB8AC3E}">
-        <p14:creationId xmlns:p14="http://schemas.microsoft.com/office/powerpoint/2010/main" val="3374041841"/>
+        <p14:creationId xmlns:p14="http://schemas.microsoft.com/office/powerpoint/2010/main" val="2772237913"/>
       </p:ext>
     </p:extLst>
   </p:cSld>
@@ -2079,13 +2412,7 @@
       </p:grpSpPr>
       <p:sp>
         <p:nvSpPr>
-          <p:cNvPr id="2" name="Date Placeholder 1">
-            <a:extLst>
-              <a:ext uri="{FF2B5EF4-FFF2-40B4-BE49-F238E27FC236}">
-                <a16:creationId xmlns:a16="http://schemas.microsoft.com/office/drawing/2014/main" id="{152D8C85-D2E3-2C49-9850-43FFC4BC8010}"/>
-              </a:ext>
-            </a:extLst>
-          </p:cNvPr>
+          <p:cNvPr id="2" name="Date Placeholder 1"/>
           <p:cNvSpPr>
             <a:spLocks noGrp="1"/>
           </p:cNvSpPr>
@@ -2098,23 +2425,13 @@
           <a:bodyPr/>
           <a:lstStyle/>
           <a:p>
-            <a:fld id="{DC44D869-0D03-B142-B5B8-162B3FC47D4C}" type="datetimeFigureOut">
-              <a:rPr lang="en-US" smtClean="0"/>
-              <a:t>7/3/20</a:t>
-            </a:fld>
             <a:endParaRPr lang="en-US"/>
           </a:p>
         </p:txBody>
       </p:sp>
       <p:sp>
         <p:nvSpPr>
-          <p:cNvPr id="3" name="Footer Placeholder 2">
-            <a:extLst>
-              <a:ext uri="{FF2B5EF4-FFF2-40B4-BE49-F238E27FC236}">
-                <a16:creationId xmlns:a16="http://schemas.microsoft.com/office/drawing/2014/main" id="{3EECD22E-B4BB-9749-A0B3-5B08D4841C48}"/>
-              </a:ext>
-            </a:extLst>
-          </p:cNvPr>
+          <p:cNvPr id="3" name="Footer Placeholder 2"/>
           <p:cNvSpPr>
             <a:spLocks noGrp="1"/>
           </p:cNvSpPr>
@@ -2133,13 +2450,7 @@
       </p:sp>
       <p:sp>
         <p:nvSpPr>
-          <p:cNvPr id="4" name="Slide Number Placeholder 3">
-            <a:extLst>
-              <a:ext uri="{FF2B5EF4-FFF2-40B4-BE49-F238E27FC236}">
-                <a16:creationId xmlns:a16="http://schemas.microsoft.com/office/drawing/2014/main" id="{567215A3-627F-4F46-A3C6-F3BE5A601F0C}"/>
-              </a:ext>
-            </a:extLst>
-          </p:cNvPr>
+          <p:cNvPr id="4" name="Slide Number Placeholder 3"/>
           <p:cNvSpPr>
             <a:spLocks noGrp="1"/>
           </p:cNvSpPr>
@@ -2152,7 +2463,7 @@
           <a:bodyPr/>
           <a:lstStyle/>
           <a:p>
-            <a:fld id="{34153CBB-8E57-9F45-A798-D6AA7486622F}" type="slidenum">
+            <a:fld id="{3E7EE812-F71C-4E4B-B8B2-FF1B39C3C812}" type="slidenum">
               <a:rPr lang="en-US" smtClean="0"/>
               <a:t>‹#›</a:t>
             </a:fld>
@@ -2163,7 +2474,7 @@
     </p:spTree>
     <p:extLst>
       <p:ext uri="{BB962C8B-B14F-4D97-AF65-F5344CB8AC3E}">
-        <p14:creationId xmlns:p14="http://schemas.microsoft.com/office/powerpoint/2010/main" val="3823125638"/>
+        <p14:creationId xmlns:p14="http://schemas.microsoft.com/office/powerpoint/2010/main" val="994035168"/>
       </p:ext>
     </p:extLst>
   </p:cSld>
@@ -2192,13 +2503,7 @@
       </p:grpSpPr>
       <p:sp>
         <p:nvSpPr>
-          <p:cNvPr id="2" name="Title 1">
-            <a:extLst>
-              <a:ext uri="{FF2B5EF4-FFF2-40B4-BE49-F238E27FC236}">
-                <a16:creationId xmlns:a16="http://schemas.microsoft.com/office/drawing/2014/main" id="{13C18C41-F3FC-D54C-A647-997456BCCE0C}"/>
-              </a:ext>
-            </a:extLst>
-          </p:cNvPr>
+          <p:cNvPr id="2" name="Title 1"/>
           <p:cNvSpPr>
             <a:spLocks noGrp="1"/>
           </p:cNvSpPr>
@@ -2224,19 +2529,13 @@
               <a:rPr lang="en-GB"/>
               <a:t>Click to edit Master title style</a:t>
             </a:r>
-            <a:endParaRPr lang="en-US"/>
+            <a:endParaRPr lang="en-US" dirty="0"/>
           </a:p>
         </p:txBody>
       </p:sp>
       <p:sp>
         <p:nvSpPr>
-          <p:cNvPr id="3" name="Content Placeholder 2">
-            <a:extLst>
-              <a:ext uri="{FF2B5EF4-FFF2-40B4-BE49-F238E27FC236}">
-                <a16:creationId xmlns:a16="http://schemas.microsoft.com/office/drawing/2014/main" id="{3BF96C31-DD20-0C4A-8846-7C32DFEBF51E}"/>
-              </a:ext>
-            </a:extLst>
-          </p:cNvPr>
+          <p:cNvPr id="3" name="Content Placeholder 2"/>
           <p:cNvSpPr>
             <a:spLocks noGrp="1"/>
           </p:cNvSpPr>
@@ -2315,19 +2614,13 @@
               <a:rPr lang="en-GB"/>
               <a:t>Fifth level</a:t>
             </a:r>
-            <a:endParaRPr lang="en-US"/>
+            <a:endParaRPr lang="en-US" dirty="0"/>
           </a:p>
         </p:txBody>
       </p:sp>
       <p:sp>
         <p:nvSpPr>
-          <p:cNvPr id="4" name="Text Placeholder 3">
-            <a:extLst>
-              <a:ext uri="{FF2B5EF4-FFF2-40B4-BE49-F238E27FC236}">
-                <a16:creationId xmlns:a16="http://schemas.microsoft.com/office/drawing/2014/main" id="{8374507E-A427-B44A-A63E-17FE20C664BE}"/>
-              </a:ext>
-            </a:extLst>
-          </p:cNvPr>
+          <p:cNvPr id="4" name="Text Placeholder 3"/>
           <p:cNvSpPr>
             <a:spLocks noGrp="1"/>
           </p:cNvSpPr>
@@ -2392,13 +2685,7 @@
       </p:sp>
       <p:sp>
         <p:nvSpPr>
-          <p:cNvPr id="5" name="Date Placeholder 4">
-            <a:extLst>
-              <a:ext uri="{FF2B5EF4-FFF2-40B4-BE49-F238E27FC236}">
-                <a16:creationId xmlns:a16="http://schemas.microsoft.com/office/drawing/2014/main" id="{5CF35B52-2F88-3241-8923-F8694B014058}"/>
-              </a:ext>
-            </a:extLst>
-          </p:cNvPr>
+          <p:cNvPr id="5" name="Date Placeholder 4"/>
           <p:cNvSpPr>
             <a:spLocks noGrp="1"/>
           </p:cNvSpPr>
@@ -2411,23 +2698,13 @@
           <a:bodyPr/>
           <a:lstStyle/>
           <a:p>
-            <a:fld id="{DC44D869-0D03-B142-B5B8-162B3FC47D4C}" type="datetimeFigureOut">
-              <a:rPr lang="en-US" smtClean="0"/>
-              <a:t>7/3/20</a:t>
-            </a:fld>
             <a:endParaRPr lang="en-US"/>
           </a:p>
         </p:txBody>
       </p:sp>
       <p:sp>
         <p:nvSpPr>
-          <p:cNvPr id="6" name="Footer Placeholder 5">
-            <a:extLst>
-              <a:ext uri="{FF2B5EF4-FFF2-40B4-BE49-F238E27FC236}">
-                <a16:creationId xmlns:a16="http://schemas.microsoft.com/office/drawing/2014/main" id="{A73AB7A9-7C86-4D4B-BA59-3E401C25581D}"/>
-              </a:ext>
-            </a:extLst>
-          </p:cNvPr>
+          <p:cNvPr id="6" name="Footer Placeholder 5"/>
           <p:cNvSpPr>
             <a:spLocks noGrp="1"/>
           </p:cNvSpPr>
@@ -2446,13 +2723,7 @@
       </p:sp>
       <p:sp>
         <p:nvSpPr>
-          <p:cNvPr id="7" name="Slide Number Placeholder 6">
-            <a:extLst>
-              <a:ext uri="{FF2B5EF4-FFF2-40B4-BE49-F238E27FC236}">
-                <a16:creationId xmlns:a16="http://schemas.microsoft.com/office/drawing/2014/main" id="{6DDC52E8-94F4-9644-B2C9-B1FE8DFAC5FC}"/>
-              </a:ext>
-            </a:extLst>
-          </p:cNvPr>
+          <p:cNvPr id="7" name="Slide Number Placeholder 6"/>
           <p:cNvSpPr>
             <a:spLocks noGrp="1"/>
           </p:cNvSpPr>
@@ -2465,7 +2736,7 @@
           <a:bodyPr/>
           <a:lstStyle/>
           <a:p>
-            <a:fld id="{34153CBB-8E57-9F45-A798-D6AA7486622F}" type="slidenum">
+            <a:fld id="{3E7EE812-F71C-4E4B-B8B2-FF1B39C3C812}" type="slidenum">
               <a:rPr lang="en-US" smtClean="0"/>
               <a:t>‹#›</a:t>
             </a:fld>
@@ -2476,7 +2747,7 @@
     </p:spTree>
     <p:extLst>
       <p:ext uri="{BB962C8B-B14F-4D97-AF65-F5344CB8AC3E}">
-        <p14:creationId xmlns:p14="http://schemas.microsoft.com/office/powerpoint/2010/main" val="2588974283"/>
+        <p14:creationId xmlns:p14="http://schemas.microsoft.com/office/powerpoint/2010/main" val="2361085783"/>
       </p:ext>
     </p:extLst>
   </p:cSld>
@@ -2505,13 +2776,7 @@
       </p:grpSpPr>
       <p:sp>
         <p:nvSpPr>
-          <p:cNvPr id="2" name="Title 1">
-            <a:extLst>
-              <a:ext uri="{FF2B5EF4-FFF2-40B4-BE49-F238E27FC236}">
-                <a16:creationId xmlns:a16="http://schemas.microsoft.com/office/drawing/2014/main" id="{232745E9-5ED6-AE42-ACB4-1B5155372AAE}"/>
-              </a:ext>
-            </a:extLst>
-          </p:cNvPr>
+          <p:cNvPr id="2" name="Title 1"/>
           <p:cNvSpPr>
             <a:spLocks noGrp="1"/>
           </p:cNvSpPr>
@@ -2537,21 +2802,15 @@
               <a:rPr lang="en-GB"/>
               <a:t>Click to edit Master title style</a:t>
             </a:r>
-            <a:endParaRPr lang="en-US"/>
+            <a:endParaRPr lang="en-US" dirty="0"/>
           </a:p>
         </p:txBody>
       </p:sp>
       <p:sp>
         <p:nvSpPr>
-          <p:cNvPr id="3" name="Picture Placeholder 2">
-            <a:extLst>
-              <a:ext uri="{FF2B5EF4-FFF2-40B4-BE49-F238E27FC236}">
-                <a16:creationId xmlns:a16="http://schemas.microsoft.com/office/drawing/2014/main" id="{389BA284-2B1A-0C43-9A49-4C3E4976108E}"/>
-              </a:ext>
-            </a:extLst>
-          </p:cNvPr>
+          <p:cNvPr id="3" name="Picture Placeholder 2"/>
           <p:cNvSpPr>
-            <a:spLocks noGrp="1"/>
+            <a:spLocks noGrp="1" noChangeAspect="1"/>
           </p:cNvSpPr>
           <p:nvPr>
             <p:ph type="pic" idx="1"/>
@@ -2564,7 +2823,7 @@
           </a:xfrm>
         </p:spPr>
         <p:txBody>
-          <a:bodyPr/>
+          <a:bodyPr anchor="t"/>
           <a:lstStyle>
             <a:lvl1pPr marL="0" indent="0">
               <a:buNone/>
@@ -2604,19 +2863,17 @@
             </a:lvl9pPr>
           </a:lstStyle>
           <a:p>
-            <a:endParaRPr lang="en-US"/>
+            <a:r>
+              <a:rPr lang="en-GB"/>
+              <a:t>Click icon to add picture</a:t>
+            </a:r>
+            <a:endParaRPr lang="en-US" dirty="0"/>
           </a:p>
         </p:txBody>
       </p:sp>
       <p:sp>
         <p:nvSpPr>
-          <p:cNvPr id="4" name="Text Placeholder 3">
-            <a:extLst>
-              <a:ext uri="{FF2B5EF4-FFF2-40B4-BE49-F238E27FC236}">
-                <a16:creationId xmlns:a16="http://schemas.microsoft.com/office/drawing/2014/main" id="{EA32636C-84C8-D946-A665-208D1DFA54C0}"/>
-              </a:ext>
-            </a:extLst>
-          </p:cNvPr>
+          <p:cNvPr id="4" name="Text Placeholder 3"/>
           <p:cNvSpPr>
             <a:spLocks noGrp="1"/>
           </p:cNvSpPr>
@@ -2681,13 +2938,7 @@
       </p:sp>
       <p:sp>
         <p:nvSpPr>
-          <p:cNvPr id="5" name="Date Placeholder 4">
-            <a:extLst>
-              <a:ext uri="{FF2B5EF4-FFF2-40B4-BE49-F238E27FC236}">
-                <a16:creationId xmlns:a16="http://schemas.microsoft.com/office/drawing/2014/main" id="{3B5C0134-FB1B-074F-9E14-491608979412}"/>
-              </a:ext>
-            </a:extLst>
-          </p:cNvPr>
+          <p:cNvPr id="5" name="Date Placeholder 4"/>
           <p:cNvSpPr>
             <a:spLocks noGrp="1"/>
           </p:cNvSpPr>
@@ -2700,23 +2951,13 @@
           <a:bodyPr/>
           <a:lstStyle/>
           <a:p>
-            <a:fld id="{DC44D869-0D03-B142-B5B8-162B3FC47D4C}" type="datetimeFigureOut">
-              <a:rPr lang="en-US" smtClean="0"/>
-              <a:t>7/3/20</a:t>
-            </a:fld>
             <a:endParaRPr lang="en-US"/>
           </a:p>
         </p:txBody>
       </p:sp>
       <p:sp>
         <p:nvSpPr>
-          <p:cNvPr id="6" name="Footer Placeholder 5">
-            <a:extLst>
-              <a:ext uri="{FF2B5EF4-FFF2-40B4-BE49-F238E27FC236}">
-                <a16:creationId xmlns:a16="http://schemas.microsoft.com/office/drawing/2014/main" id="{766EC830-713D-3C43-9C45-FFD0952191B7}"/>
-              </a:ext>
-            </a:extLst>
-          </p:cNvPr>
+          <p:cNvPr id="6" name="Footer Placeholder 5"/>
           <p:cNvSpPr>
             <a:spLocks noGrp="1"/>
           </p:cNvSpPr>
@@ -2735,13 +2976,7 @@
       </p:sp>
       <p:sp>
         <p:nvSpPr>
-          <p:cNvPr id="7" name="Slide Number Placeholder 6">
-            <a:extLst>
-              <a:ext uri="{FF2B5EF4-FFF2-40B4-BE49-F238E27FC236}">
-                <a16:creationId xmlns:a16="http://schemas.microsoft.com/office/drawing/2014/main" id="{285EB1B2-96A3-344B-BAF1-5F17F196063F}"/>
-              </a:ext>
-            </a:extLst>
-          </p:cNvPr>
+          <p:cNvPr id="7" name="Slide Number Placeholder 6"/>
           <p:cNvSpPr>
             <a:spLocks noGrp="1"/>
           </p:cNvSpPr>
@@ -2754,7 +2989,7 @@
           <a:bodyPr/>
           <a:lstStyle/>
           <a:p>
-            <a:fld id="{34153CBB-8E57-9F45-A798-D6AA7486622F}" type="slidenum">
+            <a:fld id="{3E7EE812-F71C-4E4B-B8B2-FF1B39C3C812}" type="slidenum">
               <a:rPr lang="en-US" smtClean="0"/>
               <a:t>‹#›</a:t>
             </a:fld>
@@ -2765,7 +3000,7 @@
     </p:spTree>
     <p:extLst>
       <p:ext uri="{BB962C8B-B14F-4D97-AF65-F5344CB8AC3E}">
-        <p14:creationId xmlns:p14="http://schemas.microsoft.com/office/powerpoint/2010/main" val="285545531"/>
+        <p14:creationId xmlns:p14="http://schemas.microsoft.com/office/powerpoint/2010/main" val="1312938450"/>
       </p:ext>
     </p:extLst>
   </p:cSld>
@@ -2799,13 +3034,7 @@
       </p:grpSpPr>
       <p:sp>
         <p:nvSpPr>
-          <p:cNvPr id="2" name="Title Placeholder 1">
-            <a:extLst>
-              <a:ext uri="{FF2B5EF4-FFF2-40B4-BE49-F238E27FC236}">
-                <a16:creationId xmlns:a16="http://schemas.microsoft.com/office/drawing/2014/main" id="{D4A568E1-FEC4-2C46-823B-A444332AB506}"/>
-              </a:ext>
-            </a:extLst>
-          </p:cNvPr>
+          <p:cNvPr id="2" name="Title Placeholder 1"/>
           <p:cNvSpPr>
             <a:spLocks noGrp="1"/>
           </p:cNvSpPr>
@@ -2815,8 +3044,8 @@
         </p:nvSpPr>
         <p:spPr>
           <a:xfrm>
-            <a:off x="838200" y="365125"/>
-            <a:ext cx="10515600" cy="1325563"/>
+            <a:off x="838200" y="365126"/>
+            <a:ext cx="10515600" cy="693112"/>
           </a:xfrm>
           <a:prstGeom prst="rect">
             <a:avLst/>
@@ -2832,19 +3061,13 @@
               <a:rPr lang="en-GB"/>
               <a:t>Click to edit Master title style</a:t>
             </a:r>
-            <a:endParaRPr lang="en-US"/>
+            <a:endParaRPr lang="en-US" dirty="0"/>
           </a:p>
         </p:txBody>
       </p:sp>
       <p:sp>
         <p:nvSpPr>
-          <p:cNvPr id="3" name="Text Placeholder 2">
-            <a:extLst>
-              <a:ext uri="{FF2B5EF4-FFF2-40B4-BE49-F238E27FC236}">
-                <a16:creationId xmlns:a16="http://schemas.microsoft.com/office/drawing/2014/main" id="{0A28677C-163B-2943-A962-AB1F4F084397}"/>
-              </a:ext>
-            </a:extLst>
-          </p:cNvPr>
+          <p:cNvPr id="3" name="Text Placeholder 2"/>
           <p:cNvSpPr>
             <a:spLocks noGrp="1"/>
           </p:cNvSpPr>
@@ -2854,8 +3077,8 @@
         </p:nvSpPr>
         <p:spPr>
           <a:xfrm>
-            <a:off x="838200" y="1825625"/>
-            <a:ext cx="10515600" cy="4351338"/>
+            <a:off x="838200" y="1284961"/>
+            <a:ext cx="10515600" cy="4844665"/>
           </a:xfrm>
           <a:prstGeom prst="rect">
             <a:avLst/>
@@ -2900,19 +3123,13 @@
               <a:rPr lang="en-GB"/>
               <a:t>Fifth level</a:t>
             </a:r>
-            <a:endParaRPr lang="en-US"/>
+            <a:endParaRPr lang="en-US" dirty="0"/>
           </a:p>
         </p:txBody>
       </p:sp>
       <p:sp>
         <p:nvSpPr>
-          <p:cNvPr id="4" name="Date Placeholder 3">
-            <a:extLst>
-              <a:ext uri="{FF2B5EF4-FFF2-40B4-BE49-F238E27FC236}">
-                <a16:creationId xmlns:a16="http://schemas.microsoft.com/office/drawing/2014/main" id="{4E7B5D8F-5562-D346-A5AF-DB64537BFAC8}"/>
-              </a:ext>
-            </a:extLst>
-          </p:cNvPr>
+          <p:cNvPr id="4" name="Date Placeholder 3"/>
           <p:cNvSpPr>
             <a:spLocks noGrp="1"/>
           </p:cNvSpPr>
@@ -2922,8 +3139,8 @@
         </p:nvSpPr>
         <p:spPr>
           <a:xfrm>
-            <a:off x="838200" y="6356350"/>
-            <a:ext cx="2743200" cy="365125"/>
+            <a:off x="9272594" y="6356347"/>
+            <a:ext cx="1110465" cy="365125"/>
           </a:xfrm>
           <a:prstGeom prst="rect">
             <a:avLst/>
@@ -2935,31 +3152,23 @@
             <a:lvl1pPr algn="l">
               <a:defRPr sz="1200">
                 <a:solidFill>
-                  <a:schemeClr val="tx1">
-                    <a:tint val="75000"/>
+                  <a:schemeClr val="bg2">
+                    <a:lumMod val="50000"/>
                   </a:schemeClr>
                 </a:solidFill>
+                <a:latin typeface="Arial" panose="020B0604020202020204" pitchFamily="34" charset="0"/>
+                <a:cs typeface="Arial" panose="020B0604020202020204" pitchFamily="34" charset="0"/>
               </a:defRPr>
             </a:lvl1pPr>
           </a:lstStyle>
           <a:p>
-            <a:fld id="{DC44D869-0D03-B142-B5B8-162B3FC47D4C}" type="datetimeFigureOut">
-              <a:rPr lang="en-US" smtClean="0"/>
-              <a:t>7/3/20</a:t>
-            </a:fld>
             <a:endParaRPr lang="en-US"/>
           </a:p>
         </p:txBody>
       </p:sp>
       <p:sp>
         <p:nvSpPr>
-          <p:cNvPr id="5" name="Footer Placeholder 4">
-            <a:extLst>
-              <a:ext uri="{FF2B5EF4-FFF2-40B4-BE49-F238E27FC236}">
-                <a16:creationId xmlns:a16="http://schemas.microsoft.com/office/drawing/2014/main" id="{EAC0F03E-E581-C64D-A5FD-02C1D65ECF76}"/>
-              </a:ext>
-            </a:extLst>
-          </p:cNvPr>
+          <p:cNvPr id="5" name="Footer Placeholder 4"/>
           <p:cNvSpPr>
             <a:spLocks noGrp="1"/>
           </p:cNvSpPr>
@@ -2969,8 +3178,8 @@
         </p:nvSpPr>
         <p:spPr>
           <a:xfrm>
-            <a:off x="4038600" y="6356350"/>
-            <a:ext cx="4114800" cy="365125"/>
+            <a:off x="3510828" y="6356347"/>
+            <a:ext cx="5187025" cy="365125"/>
           </a:xfrm>
           <a:prstGeom prst="rect">
             <a:avLst/>
@@ -2982,27 +3191,23 @@
             <a:lvl1pPr algn="ctr">
               <a:defRPr sz="1200">
                 <a:solidFill>
-                  <a:schemeClr val="tx1">
-                    <a:tint val="75000"/>
+                  <a:schemeClr val="bg2">
+                    <a:lumMod val="50000"/>
                   </a:schemeClr>
                 </a:solidFill>
+                <a:latin typeface="Arial" panose="020B0604020202020204" pitchFamily="34" charset="0"/>
+                <a:cs typeface="Arial" panose="020B0604020202020204" pitchFamily="34" charset="0"/>
               </a:defRPr>
             </a:lvl1pPr>
           </a:lstStyle>
           <a:p>
-            <a:endParaRPr lang="en-US"/>
+            <a:endParaRPr lang="en-US" dirty="0"/>
           </a:p>
         </p:txBody>
       </p:sp>
       <p:sp>
         <p:nvSpPr>
-          <p:cNvPr id="6" name="Slide Number Placeholder 5">
-            <a:extLst>
-              <a:ext uri="{FF2B5EF4-FFF2-40B4-BE49-F238E27FC236}">
-                <a16:creationId xmlns:a16="http://schemas.microsoft.com/office/drawing/2014/main" id="{6C470C0A-497A-0647-A519-AD4B8E7F1865}"/>
-              </a:ext>
-            </a:extLst>
-          </p:cNvPr>
+          <p:cNvPr id="6" name="Slide Number Placeholder 5"/>
           <p:cNvSpPr>
             <a:spLocks noGrp="1"/>
           </p:cNvSpPr>
@@ -3012,12 +3217,13 @@
         </p:nvSpPr>
         <p:spPr>
           <a:xfrm>
-            <a:off x="8610600" y="6356350"/>
-            <a:ext cx="2743200" cy="365125"/>
+            <a:off x="10957800" y="6356347"/>
+            <a:ext cx="396000" cy="365125"/>
           </a:xfrm>
           <a:prstGeom prst="rect">
             <a:avLst/>
           </a:prstGeom>
+          <a:noFill/>
         </p:spPr>
         <p:txBody>
           <a:bodyPr vert="horz" lIns="91440" tIns="45720" rIns="91440" bIns="45720" rtlCol="0" anchor="ctr"/>
@@ -3025,43 +3231,160 @@
             <a:lvl1pPr algn="r">
               <a:defRPr sz="1200">
                 <a:solidFill>
-                  <a:schemeClr val="tx1">
-                    <a:tint val="75000"/>
+                  <a:schemeClr val="tx2">
+                    <a:lumMod val="50000"/>
+                    <a:lumOff val="50000"/>
                   </a:schemeClr>
                 </a:solidFill>
+                <a:latin typeface="Arial" panose="020B0604020202020204" pitchFamily="34" charset="0"/>
+                <a:cs typeface="Arial" panose="020B0604020202020204" pitchFamily="34" charset="0"/>
               </a:defRPr>
             </a:lvl1pPr>
           </a:lstStyle>
           <a:p>
-            <a:fld id="{34153CBB-8E57-9F45-A798-D6AA7486622F}" type="slidenum">
+            <a:fld id="{3E7EE812-F71C-4E4B-B8B2-FF1B39C3C812}" type="slidenum">
               <a:rPr lang="en-US" smtClean="0"/>
+              <a:pPr/>
               <a:t>‹#›</a:t>
             </a:fld>
             <a:endParaRPr lang="en-US"/>
+          </a:p>
+        </p:txBody>
+      </p:sp>
+      <p:sp>
+        <p:nvSpPr>
+          <p:cNvPr id="10" name="Rectangle 9">
+            <a:extLst>
+              <a:ext uri="{FF2B5EF4-FFF2-40B4-BE49-F238E27FC236}">
+                <a16:creationId xmlns:a16="http://schemas.microsoft.com/office/drawing/2014/main" id="{0F7AAC42-961B-A845-80C9-06169236E027}"/>
+              </a:ext>
+            </a:extLst>
+          </p:cNvPr>
+          <p:cNvSpPr/>
+          <p:nvPr/>
+        </p:nvSpPr>
+        <p:spPr>
+          <a:xfrm>
+            <a:off x="-6659" y="-16934"/>
+            <a:ext cx="12222000" cy="108000"/>
+          </a:xfrm>
+          <a:prstGeom prst="rect">
+            <a:avLst/>
+          </a:prstGeom>
+          <a:solidFill>
+            <a:schemeClr val="tx2">
+              <a:lumMod val="50000"/>
+              <a:lumOff val="50000"/>
+            </a:schemeClr>
+          </a:solidFill>
+          <a:ln>
+            <a:noFill/>
+          </a:ln>
+        </p:spPr>
+        <p:style>
+          <a:lnRef idx="2">
+            <a:schemeClr val="accent1">
+              <a:shade val="50000"/>
+            </a:schemeClr>
+          </a:lnRef>
+          <a:fillRef idx="1">
+            <a:schemeClr val="accent1"/>
+          </a:fillRef>
+          <a:effectRef idx="0">
+            <a:schemeClr val="accent1"/>
+          </a:effectRef>
+          <a:fontRef idx="minor">
+            <a:schemeClr val="lt1"/>
+          </a:fontRef>
+        </p:style>
+        <p:txBody>
+          <a:bodyPr rtlCol="0" anchor="ctr"/>
+          <a:lstStyle/>
+          <a:p>
+            <a:pPr algn="ctr"/>
+            <a:endParaRPr lang="en-US" dirty="0"/>
+          </a:p>
+        </p:txBody>
+      </p:sp>
+      <p:sp>
+        <p:nvSpPr>
+          <p:cNvPr id="8" name="Rectangle 7">
+            <a:extLst>
+              <a:ext uri="{FF2B5EF4-FFF2-40B4-BE49-F238E27FC236}">
+                <a16:creationId xmlns:a16="http://schemas.microsoft.com/office/drawing/2014/main" id="{BF220738-9D3B-A34D-ACD0-7048C33AA8C7}"/>
+              </a:ext>
+            </a:extLst>
+          </p:cNvPr>
+          <p:cNvSpPr/>
+          <p:nvPr/>
+        </p:nvSpPr>
+        <p:spPr>
+          <a:xfrm>
+            <a:off x="-6659" y="-16934"/>
+            <a:ext cx="12222000" cy="108000"/>
+          </a:xfrm>
+          <a:prstGeom prst="rect">
+            <a:avLst/>
+          </a:prstGeom>
+          <a:solidFill>
+            <a:schemeClr val="tx2">
+              <a:lumMod val="50000"/>
+              <a:lumOff val="50000"/>
+            </a:schemeClr>
+          </a:solidFill>
+          <a:ln>
+            <a:noFill/>
+          </a:ln>
+        </p:spPr>
+        <p:style>
+          <a:lnRef idx="2">
+            <a:schemeClr val="accent1">
+              <a:shade val="50000"/>
+            </a:schemeClr>
+          </a:lnRef>
+          <a:fillRef idx="1">
+            <a:schemeClr val="accent1"/>
+          </a:fillRef>
+          <a:effectRef idx="0">
+            <a:schemeClr val="accent1"/>
+          </a:effectRef>
+          <a:fontRef idx="minor">
+            <a:schemeClr val="lt1"/>
+          </a:fontRef>
+        </p:style>
+        <p:txBody>
+          <a:bodyPr rtlCol="0" anchor="ctr"/>
+          <a:lstStyle/>
+          <a:p>
+            <a:pPr algn="ctr"/>
+            <a:endParaRPr lang="en-US" dirty="0"/>
           </a:p>
         </p:txBody>
       </p:sp>
     </p:spTree>
     <p:extLst>
       <p:ext uri="{BB962C8B-B14F-4D97-AF65-F5344CB8AC3E}">
-        <p14:creationId xmlns:p14="http://schemas.microsoft.com/office/powerpoint/2010/main" val="4034427768"/>
+        <p14:creationId xmlns:p14="http://schemas.microsoft.com/office/powerpoint/2010/main" val="2619746792"/>
       </p:ext>
     </p:extLst>
   </p:cSld>
   <p:clrMap bg1="lt1" tx1="dk1" bg2="lt2" tx2="dk2" accent1="accent1" accent2="accent2" accent3="accent3" accent4="accent4" accent5="accent5" accent6="accent6" hlink="hlink" folHlink="folHlink"/>
   <p:sldLayoutIdLst>
-    <p:sldLayoutId id="2147483649" r:id="rId1"/>
-    <p:sldLayoutId id="2147483650" r:id="rId2"/>
-    <p:sldLayoutId id="2147483651" r:id="rId3"/>
-    <p:sldLayoutId id="2147483652" r:id="rId4"/>
-    <p:sldLayoutId id="2147483653" r:id="rId5"/>
-    <p:sldLayoutId id="2147483654" r:id="rId6"/>
-    <p:sldLayoutId id="2147483655" r:id="rId7"/>
-    <p:sldLayoutId id="2147483656" r:id="rId8"/>
-    <p:sldLayoutId id="2147483657" r:id="rId9"/>
-    <p:sldLayoutId id="2147483658" r:id="rId10"/>
-    <p:sldLayoutId id="2147483659" r:id="rId11"/>
+    <p:sldLayoutId id="2147483739" r:id="rId1"/>
+    <p:sldLayoutId id="2147483740" r:id="rId2"/>
+    <p:sldLayoutId id="2147483741" r:id="rId3"/>
+    <p:sldLayoutId id="2147483742" r:id="rId4"/>
+    <p:sldLayoutId id="2147483743" r:id="rId5"/>
+    <p:sldLayoutId id="2147483744" r:id="rId6"/>
+    <p:sldLayoutId id="2147483745" r:id="rId7"/>
+    <p:sldLayoutId id="2147483746" r:id="rId8"/>
+    <p:sldLayoutId id="2147483747" r:id="rId9"/>
+    <p:sldLayoutId id="2147483748" r:id="rId10"/>
+    <p:sldLayoutId id="2147483749" r:id="rId11"/>
+    <p:sldLayoutId id="2147483750" r:id="rId12"/>
+    <p:sldLayoutId id="2147483751" r:id="rId13"/>
   </p:sldLayoutIdLst>
+  <p:hf hdr="0" ftr="0" dt="0"/>
   <p:txStyles>
     <p:titleStyle>
       <a:lvl1pPr algn="l" defTabSz="914400" rtl="0" eaLnBrk="1" latinLnBrk="0" hangingPunct="1">
@@ -3072,13 +3395,16 @@
           <a:spcPct val="0"/>
         </a:spcBef>
         <a:buNone/>
-        <a:defRPr sz="4400" kern="1200">
+        <a:defRPr sz="3600" kern="1200">
           <a:solidFill>
-            <a:schemeClr val="tx1"/>
+            <a:schemeClr val="tx2">
+              <a:lumMod val="50000"/>
+              <a:lumOff val="50000"/>
+            </a:schemeClr>
           </a:solidFill>
-          <a:latin typeface="+mj-lt"/>
+          <a:latin typeface="Arial" panose="020B0604020202020204" pitchFamily="34" charset="0"/>
           <a:ea typeface="+mj-ea"/>
-          <a:cs typeface="+mj-cs"/>
+          <a:cs typeface="Arial" panose="020B0604020202020204" pitchFamily="34" charset="0"/>
         </a:defRPr>
       </a:lvl1pPr>
     </p:titleStyle>
@@ -3090,15 +3416,15 @@
         <a:spcBef>
           <a:spcPts val="1000"/>
         </a:spcBef>
-        <a:buFont typeface="Arial" panose="020B0604020202020204" pitchFamily="34" charset="0"/>
-        <a:buChar char="•"/>
-        <a:defRPr sz="2800" kern="1200">
+        <a:buFont typeface="Wingdings" pitchFamily="2" charset="2"/>
+        <a:buChar char="§"/>
+        <a:defRPr sz="2400" kern="1200">
           <a:solidFill>
             <a:schemeClr val="tx1"/>
           </a:solidFill>
-          <a:latin typeface="+mn-lt"/>
+          <a:latin typeface="Arial" panose="020B0604020202020204" pitchFamily="34" charset="0"/>
           <a:ea typeface="+mn-ea"/>
-          <a:cs typeface="+mn-cs"/>
+          <a:cs typeface="Arial" panose="020B0604020202020204" pitchFamily="34" charset="0"/>
         </a:defRPr>
       </a:lvl1pPr>
       <a:lvl2pPr marL="685800" indent="-228600" algn="l" defTabSz="914400" rtl="0" eaLnBrk="1" latinLnBrk="0" hangingPunct="1">
@@ -3108,15 +3434,15 @@
         <a:spcBef>
           <a:spcPts val="500"/>
         </a:spcBef>
-        <a:buFont typeface="Arial" panose="020B0604020202020204" pitchFamily="34" charset="0"/>
-        <a:buChar char="•"/>
-        <a:defRPr sz="2400" kern="1200">
+        <a:buFont typeface="Wingdings" pitchFamily="2" charset="2"/>
+        <a:buChar char="§"/>
+        <a:defRPr sz="2000" kern="1200">
           <a:solidFill>
             <a:schemeClr val="tx1"/>
           </a:solidFill>
-          <a:latin typeface="+mn-lt"/>
+          <a:latin typeface="Arial" panose="020B0604020202020204" pitchFamily="34" charset="0"/>
           <a:ea typeface="+mn-ea"/>
-          <a:cs typeface="+mn-cs"/>
+          <a:cs typeface="Arial" panose="020B0604020202020204" pitchFamily="34" charset="0"/>
         </a:defRPr>
       </a:lvl2pPr>
       <a:lvl3pPr marL="1143000" indent="-228600" algn="l" defTabSz="914400" rtl="0" eaLnBrk="1" latinLnBrk="0" hangingPunct="1">
@@ -3126,15 +3452,15 @@
         <a:spcBef>
           <a:spcPts val="500"/>
         </a:spcBef>
-        <a:buFont typeface="Arial" panose="020B0604020202020204" pitchFamily="34" charset="0"/>
-        <a:buChar char="•"/>
-        <a:defRPr sz="2000" kern="1200">
+        <a:buFont typeface="Wingdings" pitchFamily="2" charset="2"/>
+        <a:buChar char="§"/>
+        <a:defRPr sz="1800" kern="1200">
           <a:solidFill>
             <a:schemeClr val="tx1"/>
           </a:solidFill>
-          <a:latin typeface="+mn-lt"/>
+          <a:latin typeface="Arial" panose="020B0604020202020204" pitchFamily="34" charset="0"/>
           <a:ea typeface="+mn-ea"/>
-          <a:cs typeface="+mn-cs"/>
+          <a:cs typeface="Arial" panose="020B0604020202020204" pitchFamily="34" charset="0"/>
         </a:defRPr>
       </a:lvl3pPr>
       <a:lvl4pPr marL="1600200" indent="-228600" algn="l" defTabSz="914400" rtl="0" eaLnBrk="1" latinLnBrk="0" hangingPunct="1">
@@ -3144,15 +3470,15 @@
         <a:spcBef>
           <a:spcPts val="500"/>
         </a:spcBef>
-        <a:buFont typeface="Arial" panose="020B0604020202020204" pitchFamily="34" charset="0"/>
-        <a:buChar char="•"/>
-        <a:defRPr sz="1800" kern="1200">
+        <a:buFont typeface="Wingdings" pitchFamily="2" charset="2"/>
+        <a:buChar char="§"/>
+        <a:defRPr sz="1600" kern="1200">
           <a:solidFill>
             <a:schemeClr val="tx1"/>
           </a:solidFill>
-          <a:latin typeface="+mn-lt"/>
+          <a:latin typeface="Arial" panose="020B0604020202020204" pitchFamily="34" charset="0"/>
           <a:ea typeface="+mn-ea"/>
-          <a:cs typeface="+mn-cs"/>
+          <a:cs typeface="Arial" panose="020B0604020202020204" pitchFamily="34" charset="0"/>
         </a:defRPr>
       </a:lvl4pPr>
       <a:lvl5pPr marL="2057400" indent="-228600" algn="l" defTabSz="914400" rtl="0" eaLnBrk="1" latinLnBrk="0" hangingPunct="1">
@@ -3162,15 +3488,15 @@
         <a:spcBef>
           <a:spcPts val="500"/>
         </a:spcBef>
-        <a:buFont typeface="Arial" panose="020B0604020202020204" pitchFamily="34" charset="0"/>
-        <a:buChar char="•"/>
-        <a:defRPr sz="1800" kern="1200">
+        <a:buFont typeface="Wingdings" pitchFamily="2" charset="2"/>
+        <a:buChar char="§"/>
+        <a:defRPr sz="1600" kern="1200">
           <a:solidFill>
             <a:schemeClr val="tx1"/>
           </a:solidFill>
-          <a:latin typeface="+mn-lt"/>
+          <a:latin typeface="Arial" panose="020B0604020202020204" pitchFamily="34" charset="0"/>
           <a:ea typeface="+mn-ea"/>
-          <a:cs typeface="+mn-cs"/>
+          <a:cs typeface="Arial" panose="020B0604020202020204" pitchFamily="34" charset="0"/>
         </a:defRPr>
       </a:lvl5pPr>
       <a:lvl6pPr marL="2514600" indent="-228600" algn="l" defTabSz="914400" rtl="0" eaLnBrk="1" latinLnBrk="0" hangingPunct="1">
@@ -3342,6 +3668,11 @@
       </a:lvl9pPr>
     </p:otherStyle>
   </p:txStyles>
+  <p:extLst>
+    <p:ext uri="{27BBF7A9-308A-43DC-89C8-2F10F3537804}">
+      <p15:sldGuideLst xmlns:p15="http://schemas.microsoft.com/office/powerpoint/2012/main"/>
+    </p:ext>
+  </p:extLst>
 </p:sldMaster>
 </file>
 
@@ -3386,23 +3717,23 @@
           <a:lstStyle/>
           <a:p>
             <a:r>
-              <a:rPr lang="en-GB" sz="4400" dirty="0">
-                <a:latin typeface="Times New Roman" panose="02020603050405020304" pitchFamily="18" charset="0"/>
-                <a:cs typeface="Times New Roman" panose="02020603050405020304" pitchFamily="18" charset="0"/>
+              <a:rPr lang="en-GB" sz="4000" dirty="0">
+                <a:latin typeface="Arial" panose="020B0604020202020204" pitchFamily="34" charset="0"/>
+                <a:cs typeface="Arial" panose="020B0604020202020204" pitchFamily="34" charset="0"/>
               </a:rPr>
               <a:t>Performance comparison of </a:t>
             </a:r>
             <a:r>
-              <a:rPr lang="en-GB" sz="4400" dirty="0" err="1">
-                <a:latin typeface="Times New Roman" panose="02020603050405020304" pitchFamily="18" charset="0"/>
-                <a:cs typeface="Times New Roman" panose="02020603050405020304" pitchFamily="18" charset="0"/>
+              <a:rPr lang="en-GB" sz="4000" dirty="0" err="1">
+                <a:latin typeface="Arial" panose="020B0604020202020204" pitchFamily="34" charset="0"/>
+                <a:cs typeface="Arial" panose="020B0604020202020204" pitchFamily="34" charset="0"/>
               </a:rPr>
               <a:t>CatGAN</a:t>
             </a:r>
             <a:r>
-              <a:rPr lang="en-GB" sz="4400" dirty="0">
-                <a:latin typeface="Times New Roman" panose="02020603050405020304" pitchFamily="18" charset="0"/>
-                <a:cs typeface="Times New Roman" panose="02020603050405020304" pitchFamily="18" charset="0"/>
+              <a:rPr lang="en-GB" sz="4000" dirty="0">
+                <a:latin typeface="Arial" panose="020B0604020202020204" pitchFamily="34" charset="0"/>
+                <a:cs typeface="Arial" panose="020B0604020202020204" pitchFamily="34" charset="0"/>
               </a:rPr>
               <a:t> using different FER datasets</a:t>
             </a:r>
@@ -3432,15 +3763,15 @@
           <a:p>
             <a:r>
               <a:rPr lang="en-US" dirty="0" err="1">
-                <a:latin typeface="Times New Roman" panose="02020603050405020304" pitchFamily="18" charset="0"/>
-                <a:cs typeface="Times New Roman" panose="02020603050405020304" pitchFamily="18" charset="0"/>
+                <a:latin typeface="Arial" panose="020B0604020202020204" pitchFamily="34" charset="0"/>
+                <a:cs typeface="Arial" panose="020B0604020202020204" pitchFamily="34" charset="0"/>
               </a:rPr>
               <a:t>Junyeob</a:t>
             </a:r>
             <a:r>
               <a:rPr lang="en-US" dirty="0">
-                <a:latin typeface="Times New Roman" panose="02020603050405020304" pitchFamily="18" charset="0"/>
-                <a:cs typeface="Times New Roman" panose="02020603050405020304" pitchFamily="18" charset="0"/>
+                <a:latin typeface="Arial" panose="020B0604020202020204" pitchFamily="34" charset="0"/>
+                <a:cs typeface="Arial" panose="020B0604020202020204" pitchFamily="34" charset="0"/>
               </a:rPr>
               <a:t> Kim</a:t>
             </a:r>
@@ -3504,12 +3835,38 @@
           <a:lstStyle/>
           <a:p>
             <a:r>
-              <a:rPr lang="en-US" dirty="0">
-                <a:latin typeface="Times New Roman" panose="02020603050405020304" pitchFamily="18" charset="0"/>
-                <a:cs typeface="Times New Roman" panose="02020603050405020304" pitchFamily="18" charset="0"/>
-              </a:rPr>
+              <a:rPr lang="en-US" dirty="0"/>
               <a:t>Results</a:t>
             </a:r>
+          </a:p>
+        </p:txBody>
+      </p:sp>
+      <p:sp>
+        <p:nvSpPr>
+          <p:cNvPr id="5" name="Slide Number Placeholder 4">
+            <a:extLst>
+              <a:ext uri="{FF2B5EF4-FFF2-40B4-BE49-F238E27FC236}">
+                <a16:creationId xmlns:a16="http://schemas.microsoft.com/office/drawing/2014/main" id="{D2A10E99-0F42-6D46-8A67-E302CDA7CDB2}"/>
+              </a:ext>
+            </a:extLst>
+          </p:cNvPr>
+          <p:cNvSpPr>
+            <a:spLocks noGrp="1"/>
+          </p:cNvSpPr>
+          <p:nvPr>
+            <p:ph type="sldNum" sz="quarter" idx="12"/>
+          </p:nvPr>
+        </p:nvSpPr>
+        <p:spPr/>
+        <p:txBody>
+          <a:bodyPr/>
+          <a:lstStyle/>
+          <a:p>
+            <a:fld id="{3E7EE812-F71C-4E4B-B8B2-FF1B39C3C812}" type="slidenum">
+              <a:rPr lang="en-US" smtClean="0"/>
+              <a:t>9</a:t>
+            </a:fld>
+            <a:endParaRPr lang="en-US" dirty="0"/>
           </a:p>
         </p:txBody>
       </p:sp>
@@ -3528,14 +3885,14 @@
           <p:nvPr>
             <p:extLst>
               <p:ext uri="{D42A27DB-BD31-4B8C-83A1-F6EECF244321}">
-                <p14:modId xmlns:p14="http://schemas.microsoft.com/office/powerpoint/2010/main" val="3932589558"/>
+                <p14:modId xmlns:p14="http://schemas.microsoft.com/office/powerpoint/2010/main" val="4207494019"/>
               </p:ext>
             </p:extLst>
           </p:nvPr>
         </p:nvGraphicFramePr>
         <p:xfrm>
-          <a:off x="838200" y="1203960"/>
-          <a:ext cx="3862705" cy="2225040"/>
+          <a:off x="892785" y="1270809"/>
+          <a:ext cx="3862705" cy="2011680"/>
         </p:xfrm>
         <a:graphic>
           <a:graphicData uri="http://schemas.openxmlformats.org/drawingml/2006/table">
@@ -3559,19 +3916,19 @@
                   </a:extLst>
                 </a:gridCol>
               </a:tblGrid>
-              <a:tr h="370840">
+              <a:tr h="0">
                 <a:tc>
                   <a:txBody>
                     <a:bodyPr/>
                     <a:lstStyle/>
                     <a:p>
                       <a:r>
-                        <a:rPr lang="en-US" dirty="0">
+                        <a:rPr lang="en-US" sz="1600" dirty="0">
                           <a:solidFill>
                             <a:schemeClr val="tx1"/>
                           </a:solidFill>
-                          <a:latin typeface="Times New Roman" panose="02020603050405020304" pitchFamily="18" charset="0"/>
-                          <a:cs typeface="Times New Roman" panose="02020603050405020304" pitchFamily="18" charset="0"/>
+                          <a:latin typeface="Arial" panose="020B0604020202020204" pitchFamily="34" charset="0"/>
+                          <a:cs typeface="Arial" panose="020B0604020202020204" pitchFamily="34" charset="0"/>
                         </a:rPr>
                         <a:t>Distribution</a:t>
                       </a:r>
@@ -3633,12 +3990,12 @@
                     <a:lstStyle/>
                     <a:p>
                       <a:r>
-                        <a:rPr lang="en-US" dirty="0">
+                        <a:rPr lang="en-US" sz="1600" dirty="0">
                           <a:solidFill>
                             <a:schemeClr val="tx1"/>
                           </a:solidFill>
-                          <a:latin typeface="Times New Roman" panose="02020603050405020304" pitchFamily="18" charset="0"/>
-                          <a:cs typeface="Times New Roman" panose="02020603050405020304" pitchFamily="18" charset="0"/>
+                          <a:latin typeface="Arial" panose="020B0604020202020204" pitchFamily="34" charset="0"/>
+                          <a:cs typeface="Arial" panose="020B0604020202020204" pitchFamily="34" charset="0"/>
                         </a:rPr>
                         <a:t>Mean Squared Error</a:t>
                       </a:r>
@@ -3700,19 +4057,19 @@
                   </a:ext>
                 </a:extLst>
               </a:tr>
-              <a:tr h="370840">
+              <a:tr h="0">
                 <a:tc>
                   <a:txBody>
                     <a:bodyPr/>
                     <a:lstStyle/>
                     <a:p>
                       <a:r>
-                        <a:rPr lang="en-US" dirty="0">
+                        <a:rPr lang="en-US" sz="1600" dirty="0">
                           <a:solidFill>
                             <a:schemeClr val="tx1"/>
                           </a:solidFill>
-                          <a:latin typeface="Times New Roman" panose="02020603050405020304" pitchFamily="18" charset="0"/>
-                          <a:cs typeface="Times New Roman" panose="02020603050405020304" pitchFamily="18" charset="0"/>
+                          <a:latin typeface="Arial" panose="020B0604020202020204" pitchFamily="34" charset="0"/>
+                          <a:cs typeface="Arial" panose="020B0604020202020204" pitchFamily="34" charset="0"/>
                         </a:rPr>
                         <a:t>KDEF_R</a:t>
                       </a:r>
@@ -3774,12 +4131,12 @@
                     <a:lstStyle/>
                     <a:p>
                       <a:r>
-                        <a:rPr lang="en-US" dirty="0">
+                        <a:rPr lang="en-US" sz="1600" dirty="0">
                           <a:solidFill>
                             <a:schemeClr val="tx1"/>
                           </a:solidFill>
-                          <a:latin typeface="Times New Roman" panose="02020603050405020304" pitchFamily="18" charset="0"/>
-                          <a:cs typeface="Times New Roman" panose="02020603050405020304" pitchFamily="18" charset="0"/>
+                          <a:latin typeface="Arial" panose="020B0604020202020204" pitchFamily="34" charset="0"/>
+                          <a:cs typeface="Arial" panose="020B0604020202020204" pitchFamily="34" charset="0"/>
                         </a:rPr>
                         <a:t>0.5078</a:t>
                       </a:r>
@@ -3841,19 +4198,19 @@
                   </a:ext>
                 </a:extLst>
               </a:tr>
-              <a:tr h="370840">
+              <a:tr h="0">
                 <a:tc>
                   <a:txBody>
                     <a:bodyPr/>
                     <a:lstStyle/>
                     <a:p>
                       <a:r>
-                        <a:rPr lang="en-US" dirty="0">
+                        <a:rPr lang="en-US" sz="1600" dirty="0">
                           <a:solidFill>
                             <a:schemeClr val="tx1"/>
                           </a:solidFill>
-                          <a:latin typeface="Times New Roman" panose="02020603050405020304" pitchFamily="18" charset="0"/>
-                          <a:cs typeface="Times New Roman" panose="02020603050405020304" pitchFamily="18" charset="0"/>
+                          <a:latin typeface="Arial" panose="020B0604020202020204" pitchFamily="34" charset="0"/>
+                          <a:cs typeface="Arial" panose="020B0604020202020204" pitchFamily="34" charset="0"/>
                         </a:rPr>
                         <a:t>KDEF_G</a:t>
                       </a:r>
@@ -3915,12 +4272,12 @@
                     <a:lstStyle/>
                     <a:p>
                       <a:r>
-                        <a:rPr lang="en-US" dirty="0">
+                        <a:rPr lang="en-US" sz="1600" dirty="0">
                           <a:solidFill>
                             <a:schemeClr val="tx1"/>
                           </a:solidFill>
-                          <a:latin typeface="Times New Roman" panose="02020603050405020304" pitchFamily="18" charset="0"/>
-                          <a:cs typeface="Times New Roman" panose="02020603050405020304" pitchFamily="18" charset="0"/>
+                          <a:latin typeface="Arial" panose="020B0604020202020204" pitchFamily="34" charset="0"/>
+                          <a:cs typeface="Arial" panose="020B0604020202020204" pitchFamily="34" charset="0"/>
                         </a:rPr>
                         <a:t>0.3764</a:t>
                       </a:r>
@@ -3982,19 +4339,19 @@
                   </a:ext>
                 </a:extLst>
               </a:tr>
-              <a:tr h="370840">
+              <a:tr h="0">
                 <a:tc>
                   <a:txBody>
                     <a:bodyPr/>
                     <a:lstStyle/>
                     <a:p>
                       <a:r>
-                        <a:rPr lang="en-US" dirty="0">
+                        <a:rPr lang="en-US" sz="1600" dirty="0">
                           <a:solidFill>
                             <a:schemeClr val="tx1"/>
                           </a:solidFill>
-                          <a:latin typeface="Times New Roman" panose="02020603050405020304" pitchFamily="18" charset="0"/>
-                          <a:cs typeface="Times New Roman" panose="02020603050405020304" pitchFamily="18" charset="0"/>
+                          <a:latin typeface="Arial" panose="020B0604020202020204" pitchFamily="34" charset="0"/>
+                          <a:cs typeface="Arial" panose="020B0604020202020204" pitchFamily="34" charset="0"/>
                         </a:rPr>
                         <a:t>KDEF_B</a:t>
                       </a:r>
@@ -4056,12 +4413,12 @@
                     <a:lstStyle/>
                     <a:p>
                       <a:r>
-                        <a:rPr lang="en-US" dirty="0">
+                        <a:rPr lang="en-US" sz="1600" dirty="0">
                           <a:solidFill>
                             <a:schemeClr val="tx1"/>
                           </a:solidFill>
-                          <a:latin typeface="Times New Roman" panose="02020603050405020304" pitchFamily="18" charset="0"/>
-                          <a:cs typeface="Times New Roman" panose="02020603050405020304" pitchFamily="18" charset="0"/>
+                          <a:latin typeface="Arial" panose="020B0604020202020204" pitchFamily="34" charset="0"/>
+                          <a:cs typeface="Arial" panose="020B0604020202020204" pitchFamily="34" charset="0"/>
                         </a:rPr>
                         <a:t>0.2198</a:t>
                       </a:r>
@@ -4123,19 +4480,19 @@
                   </a:ext>
                 </a:extLst>
               </a:tr>
-              <a:tr h="370840">
+              <a:tr h="0">
                 <a:tc>
                   <a:txBody>
                     <a:bodyPr/>
                     <a:lstStyle/>
                     <a:p>
                       <a:r>
-                        <a:rPr lang="en-US" dirty="0">
+                        <a:rPr lang="en-US" sz="1600" dirty="0">
                           <a:solidFill>
                             <a:schemeClr val="tx1"/>
                           </a:solidFill>
-                          <a:latin typeface="Times New Roman" panose="02020603050405020304" pitchFamily="18" charset="0"/>
-                          <a:cs typeface="Times New Roman" panose="02020603050405020304" pitchFamily="18" charset="0"/>
+                          <a:latin typeface="Arial" panose="020B0604020202020204" pitchFamily="34" charset="0"/>
+                          <a:cs typeface="Arial" panose="020B0604020202020204" pitchFamily="34" charset="0"/>
                         </a:rPr>
                         <a:t>MMISEL_R</a:t>
                       </a:r>
@@ -4197,12 +4554,12 @@
                     <a:lstStyle/>
                     <a:p>
                       <a:r>
-                        <a:rPr lang="en-US" dirty="0">
+                        <a:rPr lang="en-US" sz="1600" dirty="0">
                           <a:solidFill>
                             <a:schemeClr val="tx1"/>
                           </a:solidFill>
-                          <a:latin typeface="Times New Roman" panose="02020603050405020304" pitchFamily="18" charset="0"/>
-                          <a:cs typeface="Times New Roman" panose="02020603050405020304" pitchFamily="18" charset="0"/>
+                          <a:latin typeface="Arial" panose="020B0604020202020204" pitchFamily="34" charset="0"/>
+                          <a:cs typeface="Arial" panose="020B0604020202020204" pitchFamily="34" charset="0"/>
                         </a:rPr>
                         <a:t>0.6216</a:t>
                       </a:r>
@@ -4264,19 +4621,19 @@
                   </a:ext>
                 </a:extLst>
               </a:tr>
-              <a:tr h="370840">
+              <a:tr h="0">
                 <a:tc>
                   <a:txBody>
                     <a:bodyPr/>
                     <a:lstStyle/>
                     <a:p>
                       <a:r>
-                        <a:rPr lang="en-US" dirty="0">
+                        <a:rPr lang="en-US" sz="1600" dirty="0">
                           <a:solidFill>
                             <a:schemeClr val="tx1"/>
                           </a:solidFill>
-                          <a:latin typeface="Times New Roman" panose="02020603050405020304" pitchFamily="18" charset="0"/>
-                          <a:cs typeface="Times New Roman" panose="02020603050405020304" pitchFamily="18" charset="0"/>
+                          <a:latin typeface="Arial" panose="020B0604020202020204" pitchFamily="34" charset="0"/>
+                          <a:cs typeface="Arial" panose="020B0604020202020204" pitchFamily="34" charset="0"/>
                         </a:rPr>
                         <a:t>MMISEL_GB</a:t>
                       </a:r>
@@ -4338,12 +4695,12 @@
                     <a:lstStyle/>
                     <a:p>
                       <a:r>
-                        <a:rPr lang="en-US" dirty="0">
+                        <a:rPr lang="en-US" sz="1600" dirty="0">
                           <a:solidFill>
                             <a:schemeClr val="tx1"/>
                           </a:solidFill>
-                          <a:latin typeface="Times New Roman" panose="02020603050405020304" pitchFamily="18" charset="0"/>
-                          <a:cs typeface="Times New Roman" panose="02020603050405020304" pitchFamily="18" charset="0"/>
+                          <a:latin typeface="Arial" panose="020B0604020202020204" pitchFamily="34" charset="0"/>
+                          <a:cs typeface="Arial" panose="020B0604020202020204" pitchFamily="34" charset="0"/>
                         </a:rPr>
                         <a:t>0.5198</a:t>
                       </a:r>
@@ -4424,7 +4781,7 @@
         <p:spPr>
           <a:xfrm>
             <a:off x="838200" y="4025808"/>
-            <a:ext cx="10515600" cy="3046988"/>
+            <a:ext cx="10515600" cy="2369880"/>
           </a:xfrm>
           <a:prstGeom prst="rect">
             <a:avLst/>
@@ -4441,15 +4798,15 @@
               <a:buChar char="•"/>
             </a:pPr>
             <a:r>
-              <a:rPr lang="en-US" sz="2800" dirty="0">
-                <a:latin typeface="Times New Roman" panose="02020603050405020304" pitchFamily="18" charset="0"/>
-                <a:cs typeface="Times New Roman" panose="02020603050405020304" pitchFamily="18" charset="0"/>
+              <a:rPr lang="en-US" sz="2400" dirty="0">
+                <a:latin typeface="Arial" panose="020B0604020202020204" pitchFamily="34" charset="0"/>
+                <a:cs typeface="Arial" panose="020B0604020202020204" pitchFamily="34" charset="0"/>
               </a:rPr>
               <a:t>Error varies hugely depending on the distribution</a:t>
             </a:r>
-            <a:endParaRPr lang="en-US" sz="2400" dirty="0">
-              <a:latin typeface="Times New Roman" panose="02020603050405020304" pitchFamily="18" charset="0"/>
-              <a:cs typeface="Times New Roman" panose="02020603050405020304" pitchFamily="18" charset="0"/>
+            <a:endParaRPr lang="en-US" sz="2000" dirty="0">
+              <a:latin typeface="Arial" panose="020B0604020202020204" pitchFamily="34" charset="0"/>
+              <a:cs typeface="Arial" panose="020B0604020202020204" pitchFamily="34" charset="0"/>
             </a:endParaRPr>
           </a:p>
           <a:p>
@@ -4458,9 +4815,9 @@
               <a:buChar char="•"/>
             </a:pPr>
             <a:r>
-              <a:rPr lang="en-US" sz="2800" dirty="0">
-                <a:latin typeface="Times New Roman" panose="02020603050405020304" pitchFamily="18" charset="0"/>
-                <a:cs typeface="Times New Roman" panose="02020603050405020304" pitchFamily="18" charset="0"/>
+              <a:rPr lang="en-US" sz="2400" dirty="0">
+                <a:latin typeface="Arial" panose="020B0604020202020204" pitchFamily="34" charset="0"/>
+                <a:cs typeface="Arial" panose="020B0604020202020204" pitchFamily="34" charset="0"/>
               </a:rPr>
               <a:t>However, error differed hugely when the model was restarted</a:t>
             </a:r>
@@ -4471,9 +4828,9 @@
               <a:buChar char="•"/>
             </a:pPr>
             <a:r>
-              <a:rPr lang="en-US" sz="2400" dirty="0">
-                <a:latin typeface="Times New Roman" panose="02020603050405020304" pitchFamily="18" charset="0"/>
-                <a:cs typeface="Times New Roman" panose="02020603050405020304" pitchFamily="18" charset="0"/>
+              <a:rPr lang="en-US" sz="2000" dirty="0">
+                <a:latin typeface="Arial" panose="020B0604020202020204" pitchFamily="34" charset="0"/>
+                <a:cs typeface="Arial" panose="020B0604020202020204" pitchFamily="34" charset="0"/>
               </a:rPr>
               <a:t>Possibly due to the shape of the input – 2D array</a:t>
             </a:r>
@@ -4484,23 +4841,23 @@
               <a:buChar char="•"/>
             </a:pPr>
             <a:r>
-              <a:rPr lang="en-US" sz="2400" dirty="0">
-                <a:latin typeface="Times New Roman" panose="02020603050405020304" pitchFamily="18" charset="0"/>
-                <a:cs typeface="Times New Roman" panose="02020603050405020304" pitchFamily="18" charset="0"/>
+              <a:rPr lang="en-US" sz="2000" dirty="0">
+                <a:latin typeface="Arial" panose="020B0604020202020204" pitchFamily="34" charset="0"/>
+                <a:cs typeface="Arial" panose="020B0604020202020204" pitchFamily="34" charset="0"/>
               </a:rPr>
               <a:t>As the input is random sample from the original distribution (</a:t>
             </a:r>
             <a:r>
-              <a:rPr lang="en-US" sz="2400" dirty="0" err="1">
-                <a:latin typeface="Times New Roman" panose="02020603050405020304" pitchFamily="18" charset="0"/>
-                <a:cs typeface="Times New Roman" panose="02020603050405020304" pitchFamily="18" charset="0"/>
+              <a:rPr lang="en-US" sz="2000" dirty="0" err="1">
+                <a:latin typeface="Arial" panose="020B0604020202020204" pitchFamily="34" charset="0"/>
+                <a:cs typeface="Arial" panose="020B0604020202020204" pitchFamily="34" charset="0"/>
               </a:rPr>
               <a:t>MoG</a:t>
             </a:r>
             <a:r>
-              <a:rPr lang="en-US" sz="2400" dirty="0">
-                <a:latin typeface="Times New Roman" panose="02020603050405020304" pitchFamily="18" charset="0"/>
-                <a:cs typeface="Times New Roman" panose="02020603050405020304" pitchFamily="18" charset="0"/>
+              <a:rPr lang="en-US" sz="2000" dirty="0">
+                <a:latin typeface="Arial" panose="020B0604020202020204" pitchFamily="34" charset="0"/>
+                <a:cs typeface="Arial" panose="020B0604020202020204" pitchFamily="34" charset="0"/>
               </a:rPr>
               <a:t>), there will be no locational features that CNN needs to extract, in order to generate good samples.</a:t>
             </a:r>
@@ -4510,9 +4867,9 @@
               <a:buFont typeface="Arial" panose="020B0604020202020204" pitchFamily="34" charset="0"/>
               <a:buChar char="•"/>
             </a:pPr>
-            <a:endParaRPr lang="en-US" sz="4000" dirty="0">
-              <a:latin typeface="Times New Roman" panose="02020603050405020304" pitchFamily="18" charset="0"/>
-              <a:cs typeface="Times New Roman" panose="02020603050405020304" pitchFamily="18" charset="0"/>
+            <a:endParaRPr lang="en-US" sz="3600" dirty="0">
+              <a:latin typeface="Arial" panose="020B0604020202020204" pitchFamily="34" charset="0"/>
+              <a:cs typeface="Arial" panose="020B0604020202020204" pitchFamily="34" charset="0"/>
             </a:endParaRPr>
           </a:p>
         </p:txBody>
@@ -4539,8 +4896,8 @@
         </p:blipFill>
         <p:spPr>
           <a:xfrm>
-            <a:off x="6199639" y="535152"/>
-            <a:ext cx="4340772" cy="2893848"/>
+            <a:off x="6277856" y="914400"/>
+            <a:ext cx="4044600" cy="2696400"/>
           </a:xfrm>
           <a:prstGeom prst="rect">
             <a:avLst/>
@@ -4561,8 +4918,8 @@
         </p:nvSpPr>
         <p:spPr>
           <a:xfrm>
-            <a:off x="6240948" y="3287893"/>
-            <a:ext cx="4258153" cy="584775"/>
+            <a:off x="6199639" y="3443255"/>
+            <a:ext cx="4621778" cy="584775"/>
           </a:xfrm>
           <a:prstGeom prst="rect">
             <a:avLst/>
@@ -4577,8 +4934,8 @@
           <a:p>
             <a:r>
               <a:rPr lang="en-US" sz="1600" dirty="0">
-                <a:latin typeface="Times New Roman" panose="02020603050405020304" pitchFamily="18" charset="0"/>
-                <a:cs typeface="Times New Roman" panose="02020603050405020304" pitchFamily="18" charset="0"/>
+                <a:latin typeface="Arial" panose="020B0604020202020204" pitchFamily="34" charset="0"/>
+                <a:cs typeface="Arial" panose="020B0604020202020204" pitchFamily="34" charset="0"/>
               </a:rPr>
               <a:t>Cross entropy loss of two models during training.</a:t>
             </a:r>
@@ -4586,8 +4943,8 @@
           <a:p>
             <a:r>
               <a:rPr lang="en-US" sz="1600" dirty="0">
-                <a:latin typeface="Times New Roman" panose="02020603050405020304" pitchFamily="18" charset="0"/>
-                <a:cs typeface="Times New Roman" panose="02020603050405020304" pitchFamily="18" charset="0"/>
+                <a:latin typeface="Arial" panose="020B0604020202020204" pitchFamily="34" charset="0"/>
+                <a:cs typeface="Arial" panose="020B0604020202020204" pitchFamily="34" charset="0"/>
               </a:rPr>
               <a:t>Similar results obtained for all distributions</a:t>
             </a:r>
@@ -4608,8 +4965,8 @@
         </p:nvSpPr>
         <p:spPr>
           <a:xfrm>
-            <a:off x="957442" y="3443256"/>
-            <a:ext cx="3496598" cy="584775"/>
+            <a:off x="957441" y="3443254"/>
+            <a:ext cx="3733394" cy="584775"/>
           </a:xfrm>
           <a:prstGeom prst="rect">
             <a:avLst/>
@@ -4624,8 +4981,8 @@
           <a:p>
             <a:r>
               <a:rPr lang="en-US" sz="1600" dirty="0">
-                <a:latin typeface="Times New Roman" panose="02020603050405020304" pitchFamily="18" charset="0"/>
-                <a:cs typeface="Times New Roman" panose="02020603050405020304" pitchFamily="18" charset="0"/>
+                <a:latin typeface="Arial" panose="020B0604020202020204" pitchFamily="34" charset="0"/>
+                <a:cs typeface="Arial" panose="020B0604020202020204" pitchFamily="34" charset="0"/>
               </a:rPr>
               <a:t>Table showing MSE of GANs from test,</a:t>
             </a:r>
@@ -4633,8 +4990,8 @@
           <a:p>
             <a:r>
               <a:rPr lang="en-US" sz="1600" dirty="0">
-                <a:latin typeface="Times New Roman" panose="02020603050405020304" pitchFamily="18" charset="0"/>
-                <a:cs typeface="Times New Roman" panose="02020603050405020304" pitchFamily="18" charset="0"/>
+                <a:latin typeface="Arial" panose="020B0604020202020204" pitchFamily="34" charset="0"/>
+                <a:cs typeface="Arial" panose="020B0604020202020204" pitchFamily="34" charset="0"/>
               </a:rPr>
               <a:t>with each distribution as input </a:t>
             </a:r>
@@ -4698,10 +5055,7 @@
           <a:lstStyle/>
           <a:p>
             <a:r>
-              <a:rPr lang="en-US" dirty="0">
-                <a:latin typeface="Times New Roman" panose="02020603050405020304" pitchFamily="18" charset="0"/>
-                <a:cs typeface="Times New Roman" panose="02020603050405020304" pitchFamily="18" charset="0"/>
-              </a:rPr>
+              <a:rPr lang="en-US" dirty="0"/>
               <a:t>1D GAN</a:t>
             </a:r>
           </a:p>
@@ -4725,8 +5079,8 @@
         </p:nvSpPr>
         <p:spPr>
           <a:xfrm>
-            <a:off x="838200" y="1092820"/>
-            <a:ext cx="10515600" cy="5084143"/>
+            <a:off x="838200" y="1271752"/>
+            <a:ext cx="10515600" cy="4905211"/>
           </a:xfrm>
         </p:spPr>
         <p:txBody>
@@ -4736,30 +5090,50 @@
           <a:lstStyle/>
           <a:p>
             <a:r>
-              <a:rPr lang="en-US" dirty="0">
-                <a:latin typeface="Times New Roman" panose="02020603050405020304" pitchFamily="18" charset="0"/>
-                <a:cs typeface="Times New Roman" panose="02020603050405020304" pitchFamily="18" charset="0"/>
-              </a:rPr>
+              <a:rPr lang="en-US" dirty="0"/>
               <a:t>In order to check whether using original sample as input data, a new network is created</a:t>
             </a:r>
           </a:p>
           <a:p>
             <a:r>
-              <a:rPr lang="en-US" dirty="0">
-                <a:latin typeface="Times New Roman" panose="02020603050405020304" pitchFamily="18" charset="0"/>
-                <a:cs typeface="Times New Roman" panose="02020603050405020304" pitchFamily="18" charset="0"/>
-              </a:rPr>
+              <a:rPr lang="en-US" dirty="0"/>
               <a:t>1D GAN with 1D Convolution</a:t>
             </a:r>
           </a:p>
           <a:p>
             <a:r>
-              <a:rPr lang="en-US" dirty="0">
-                <a:latin typeface="Times New Roman" panose="02020603050405020304" pitchFamily="18" charset="0"/>
-                <a:cs typeface="Times New Roman" panose="02020603050405020304" pitchFamily="18" charset="0"/>
-              </a:rPr>
+              <a:rPr lang="en-US" dirty="0"/>
               <a:t>Same loss and optimization function as DCGAN</a:t>
             </a:r>
+          </a:p>
+        </p:txBody>
+      </p:sp>
+      <p:sp>
+        <p:nvSpPr>
+          <p:cNvPr id="4" name="Slide Number Placeholder 3">
+            <a:extLst>
+              <a:ext uri="{FF2B5EF4-FFF2-40B4-BE49-F238E27FC236}">
+                <a16:creationId xmlns:a16="http://schemas.microsoft.com/office/drawing/2014/main" id="{2F324B66-165B-4A4A-8B18-F0C7C9D43527}"/>
+              </a:ext>
+            </a:extLst>
+          </p:cNvPr>
+          <p:cNvSpPr>
+            <a:spLocks noGrp="1"/>
+          </p:cNvSpPr>
+          <p:nvPr>
+            <p:ph type="sldNum" sz="quarter" idx="12"/>
+          </p:nvPr>
+        </p:nvSpPr>
+        <p:spPr/>
+        <p:txBody>
+          <a:bodyPr/>
+          <a:lstStyle/>
+          <a:p>
+            <a:fld id="{3E7EE812-F71C-4E4B-B8B2-FF1B39C3C812}" type="slidenum">
+              <a:rPr lang="en-US" smtClean="0"/>
+              <a:t>10</a:t>
+            </a:fld>
+            <a:endParaRPr lang="en-US" dirty="0"/>
           </a:p>
         </p:txBody>
       </p:sp>
@@ -4820,12 +5194,38 @@
           <a:lstStyle/>
           <a:p>
             <a:r>
-              <a:rPr lang="en-US" dirty="0">
-                <a:latin typeface="Times New Roman" panose="02020603050405020304" pitchFamily="18" charset="0"/>
-                <a:cs typeface="Times New Roman" panose="02020603050405020304" pitchFamily="18" charset="0"/>
-              </a:rPr>
+              <a:rPr lang="en-US" dirty="0"/>
               <a:t>Results</a:t>
             </a:r>
+          </a:p>
+        </p:txBody>
+      </p:sp>
+      <p:sp>
+        <p:nvSpPr>
+          <p:cNvPr id="5" name="Slide Number Placeholder 4">
+            <a:extLst>
+              <a:ext uri="{FF2B5EF4-FFF2-40B4-BE49-F238E27FC236}">
+                <a16:creationId xmlns:a16="http://schemas.microsoft.com/office/drawing/2014/main" id="{6F508BBA-7644-BA44-A516-D8A28B7C1439}"/>
+              </a:ext>
+            </a:extLst>
+          </p:cNvPr>
+          <p:cNvSpPr>
+            <a:spLocks noGrp="1"/>
+          </p:cNvSpPr>
+          <p:nvPr>
+            <p:ph type="sldNum" sz="quarter" idx="12"/>
+          </p:nvPr>
+        </p:nvSpPr>
+        <p:spPr/>
+        <p:txBody>
+          <a:bodyPr/>
+          <a:lstStyle/>
+          <a:p>
+            <a:fld id="{3E7EE812-F71C-4E4B-B8B2-FF1B39C3C812}" type="slidenum">
+              <a:rPr lang="en-US" smtClean="0"/>
+              <a:t>11</a:t>
+            </a:fld>
+            <a:endParaRPr lang="en-US" dirty="0"/>
           </a:p>
         </p:txBody>
       </p:sp>
@@ -4844,14 +5244,14 @@
           <p:nvPr>
             <p:extLst>
               <p:ext uri="{D42A27DB-BD31-4B8C-83A1-F6EECF244321}">
-                <p14:modId xmlns:p14="http://schemas.microsoft.com/office/powerpoint/2010/main" val="2113255230"/>
+                <p14:modId xmlns:p14="http://schemas.microsoft.com/office/powerpoint/2010/main" val="1294051117"/>
               </p:ext>
             </p:extLst>
           </p:nvPr>
         </p:nvGraphicFramePr>
         <p:xfrm>
-          <a:off x="838200" y="1203960"/>
-          <a:ext cx="3862705" cy="2225040"/>
+          <a:off x="887675" y="1265438"/>
+          <a:ext cx="3862705" cy="2047240"/>
         </p:xfrm>
         <a:graphic>
           <a:graphicData uri="http://schemas.openxmlformats.org/drawingml/2006/table">
@@ -4875,19 +5275,19 @@
                   </a:extLst>
                 </a:gridCol>
               </a:tblGrid>
-              <a:tr h="370840">
+              <a:tr h="0">
                 <a:tc>
                   <a:txBody>
                     <a:bodyPr/>
                     <a:lstStyle/>
                     <a:p>
                       <a:r>
-                        <a:rPr lang="en-US" sz="1800" dirty="0">
+                        <a:rPr lang="en-US" sz="1600" dirty="0">
                           <a:solidFill>
                             <a:schemeClr val="tx1"/>
                           </a:solidFill>
-                          <a:latin typeface="Times New Roman" panose="02020603050405020304" pitchFamily="18" charset="0"/>
-                          <a:cs typeface="Times New Roman" panose="02020603050405020304" pitchFamily="18" charset="0"/>
+                          <a:latin typeface="Arial" panose="020B0604020202020204" pitchFamily="34" charset="0"/>
+                          <a:cs typeface="Arial" panose="020B0604020202020204" pitchFamily="34" charset="0"/>
                         </a:rPr>
                         <a:t>Distribution</a:t>
                       </a:r>
@@ -4949,22 +5349,15 @@
                     <a:lstStyle/>
                     <a:p>
                       <a:r>
-                        <a:rPr lang="en-US" sz="1800">
+                        <a:rPr lang="en-US" sz="1600" dirty="0">
                           <a:solidFill>
                             <a:schemeClr val="tx1"/>
                           </a:solidFill>
-                          <a:latin typeface="Times New Roman" panose="02020603050405020304" pitchFamily="18" charset="0"/>
-                          <a:cs typeface="Times New Roman" panose="02020603050405020304" pitchFamily="18" charset="0"/>
+                          <a:latin typeface="Arial" panose="020B0604020202020204" pitchFamily="34" charset="0"/>
+                          <a:cs typeface="Arial" panose="020B0604020202020204" pitchFamily="34" charset="0"/>
                         </a:rPr>
                         <a:t>Mean Squared Error</a:t>
                       </a:r>
-                      <a:endParaRPr lang="en-US" sz="1800" dirty="0">
-                        <a:solidFill>
-                          <a:schemeClr val="tx1"/>
-                        </a:solidFill>
-                        <a:latin typeface="Times New Roman" panose="02020603050405020304" pitchFamily="18" charset="0"/>
-                        <a:cs typeface="Times New Roman" panose="02020603050405020304" pitchFamily="18" charset="0"/>
-                      </a:endParaRPr>
                     </a:p>
                   </a:txBody>
                   <a:tcPr>
@@ -5023,28 +5416,28 @@
                   </a:ext>
                 </a:extLst>
               </a:tr>
-              <a:tr h="370840">
+              <a:tr h="0">
                 <a:tc>
                   <a:txBody>
                     <a:bodyPr/>
                     <a:lstStyle/>
                     <a:p>
                       <a:r>
-                        <a:rPr lang="en-US" sz="1800">
+                        <a:rPr lang="en-US" sz="1600">
                           <a:solidFill>
                             <a:schemeClr val="tx1"/>
                           </a:solidFill>
-                          <a:latin typeface="Times New Roman" panose="02020603050405020304" pitchFamily="18" charset="0"/>
-                          <a:cs typeface="Times New Roman" panose="02020603050405020304" pitchFamily="18" charset="0"/>
+                          <a:latin typeface="Arial" panose="020B0604020202020204" pitchFamily="34" charset="0"/>
+                          <a:cs typeface="Arial" panose="020B0604020202020204" pitchFamily="34" charset="0"/>
                         </a:rPr>
                         <a:t>KDEF_R</a:t>
                       </a:r>
-                      <a:endParaRPr lang="en-US" sz="1800" dirty="0">
+                      <a:endParaRPr lang="en-US" sz="1600" dirty="0">
                         <a:solidFill>
                           <a:schemeClr val="tx1"/>
                         </a:solidFill>
-                        <a:latin typeface="Times New Roman" panose="02020603050405020304" pitchFamily="18" charset="0"/>
-                        <a:cs typeface="Times New Roman" panose="02020603050405020304" pitchFamily="18" charset="0"/>
+                        <a:latin typeface="Arial" panose="020B0604020202020204" pitchFamily="34" charset="0"/>
+                        <a:cs typeface="Arial" panose="020B0604020202020204" pitchFamily="34" charset="0"/>
                       </a:endParaRPr>
                     </a:p>
                   </a:txBody>
@@ -5104,18 +5497,18 @@
                     <a:lstStyle/>
                     <a:p>
                       <a:r>
-                        <a:rPr lang="en-US" sz="1800" dirty="0">
-                          <a:latin typeface="Times New Roman" panose="02020603050405020304" pitchFamily="18" charset="0"/>
-                          <a:cs typeface="Times New Roman" panose="02020603050405020304" pitchFamily="18" charset="0"/>
+                        <a:rPr lang="en-US" sz="1600" dirty="0">
+                          <a:latin typeface="Arial" panose="020B0604020202020204" pitchFamily="34" charset="0"/>
+                          <a:cs typeface="Arial" panose="020B0604020202020204" pitchFamily="34" charset="0"/>
                         </a:rPr>
                         <a:t>0.2711</a:t>
                       </a:r>
-                      <a:endParaRPr lang="en-US" sz="1800" dirty="0">
+                      <a:endParaRPr lang="en-US" sz="1600" dirty="0">
                         <a:solidFill>
                           <a:schemeClr val="tx1"/>
                         </a:solidFill>
-                        <a:latin typeface="Times New Roman" panose="02020603050405020304" pitchFamily="18" charset="0"/>
-                        <a:cs typeface="Times New Roman" panose="02020603050405020304" pitchFamily="18" charset="0"/>
+                        <a:latin typeface="Arial" panose="020B0604020202020204" pitchFamily="34" charset="0"/>
+                        <a:cs typeface="Arial" panose="020B0604020202020204" pitchFamily="34" charset="0"/>
                       </a:endParaRPr>
                     </a:p>
                   </a:txBody>
@@ -5175,29 +5568,22 @@
                   </a:ext>
                 </a:extLst>
               </a:tr>
-              <a:tr h="370840">
+              <a:tr h="0">
                 <a:tc>
                   <a:txBody>
                     <a:bodyPr/>
                     <a:lstStyle/>
                     <a:p>
                       <a:r>
-                        <a:rPr lang="en-US" sz="1800">
+                        <a:rPr lang="en-US" sz="1600" dirty="0">
                           <a:solidFill>
                             <a:schemeClr val="tx1"/>
                           </a:solidFill>
-                          <a:latin typeface="Times New Roman" panose="02020603050405020304" pitchFamily="18" charset="0"/>
-                          <a:cs typeface="Times New Roman" panose="02020603050405020304" pitchFamily="18" charset="0"/>
+                          <a:latin typeface="Arial" panose="020B0604020202020204" pitchFamily="34" charset="0"/>
+                          <a:cs typeface="Arial" panose="020B0604020202020204" pitchFamily="34" charset="0"/>
                         </a:rPr>
                         <a:t>KDEF_G</a:t>
                       </a:r>
-                      <a:endParaRPr lang="en-US" sz="1800" dirty="0">
-                        <a:solidFill>
-                          <a:schemeClr val="tx1"/>
-                        </a:solidFill>
-                        <a:latin typeface="Times New Roman" panose="02020603050405020304" pitchFamily="18" charset="0"/>
-                        <a:cs typeface="Times New Roman" panose="02020603050405020304" pitchFamily="18" charset="0"/>
-                      </a:endParaRPr>
                     </a:p>
                   </a:txBody>
                   <a:tcPr>
@@ -5256,18 +5642,18 @@
                     <a:lstStyle/>
                     <a:p>
                       <a:r>
-                        <a:rPr lang="en-US" sz="1800" dirty="0">
-                          <a:latin typeface="Times New Roman" panose="02020603050405020304" pitchFamily="18" charset="0"/>
-                          <a:cs typeface="Times New Roman" panose="02020603050405020304" pitchFamily="18" charset="0"/>
+                        <a:rPr lang="en-US" sz="1600" dirty="0">
+                          <a:latin typeface="Arial" panose="020B0604020202020204" pitchFamily="34" charset="0"/>
+                          <a:cs typeface="Arial" panose="020B0604020202020204" pitchFamily="34" charset="0"/>
                         </a:rPr>
                         <a:t>0.2106</a:t>
                       </a:r>
-                      <a:endParaRPr lang="en-US" sz="1800" dirty="0">
+                      <a:endParaRPr lang="en-US" sz="1600" dirty="0">
                         <a:solidFill>
                           <a:schemeClr val="tx1"/>
                         </a:solidFill>
-                        <a:latin typeface="Times New Roman" panose="02020603050405020304" pitchFamily="18" charset="0"/>
-                        <a:cs typeface="Times New Roman" panose="02020603050405020304" pitchFamily="18" charset="0"/>
+                        <a:latin typeface="Arial" panose="020B0604020202020204" pitchFamily="34" charset="0"/>
+                        <a:cs typeface="Arial" panose="020B0604020202020204" pitchFamily="34" charset="0"/>
                       </a:endParaRPr>
                     </a:p>
                   </a:txBody>
@@ -5327,28 +5713,28 @@
                   </a:ext>
                 </a:extLst>
               </a:tr>
-              <a:tr h="370840">
+              <a:tr h="0">
                 <a:tc>
                   <a:txBody>
                     <a:bodyPr/>
                     <a:lstStyle/>
                     <a:p>
                       <a:r>
-                        <a:rPr lang="en-US" sz="1800">
+                        <a:rPr lang="en-US" sz="1600">
                           <a:solidFill>
                             <a:schemeClr val="tx1"/>
                           </a:solidFill>
-                          <a:latin typeface="Times New Roman" panose="02020603050405020304" pitchFamily="18" charset="0"/>
-                          <a:cs typeface="Times New Roman" panose="02020603050405020304" pitchFamily="18" charset="0"/>
+                          <a:latin typeface="Arial" panose="020B0604020202020204" pitchFamily="34" charset="0"/>
+                          <a:cs typeface="Arial" panose="020B0604020202020204" pitchFamily="34" charset="0"/>
                         </a:rPr>
                         <a:t>KDEF_B</a:t>
                       </a:r>
-                      <a:endParaRPr lang="en-US" sz="1800" dirty="0">
+                      <a:endParaRPr lang="en-US" sz="1600" dirty="0">
                         <a:solidFill>
                           <a:schemeClr val="tx1"/>
                         </a:solidFill>
-                        <a:latin typeface="Times New Roman" panose="02020603050405020304" pitchFamily="18" charset="0"/>
-                        <a:cs typeface="Times New Roman" panose="02020603050405020304" pitchFamily="18" charset="0"/>
+                        <a:latin typeface="Arial" panose="020B0604020202020204" pitchFamily="34" charset="0"/>
+                        <a:cs typeface="Arial" panose="020B0604020202020204" pitchFamily="34" charset="0"/>
                       </a:endParaRPr>
                     </a:p>
                   </a:txBody>
@@ -5408,18 +5794,18 @@
                     <a:lstStyle/>
                     <a:p>
                       <a:r>
-                        <a:rPr lang="en-US" sz="1800" dirty="0">
-                          <a:latin typeface="Times New Roman" panose="02020603050405020304" pitchFamily="18" charset="0"/>
-                          <a:cs typeface="Times New Roman" panose="02020603050405020304" pitchFamily="18" charset="0"/>
+                        <a:rPr lang="en-US" sz="1600" dirty="0">
+                          <a:latin typeface="Arial" panose="020B0604020202020204" pitchFamily="34" charset="0"/>
+                          <a:cs typeface="Arial" panose="020B0604020202020204" pitchFamily="34" charset="0"/>
                         </a:rPr>
                         <a:t>0.1460</a:t>
                       </a:r>
-                      <a:endParaRPr lang="en-US" sz="1800" dirty="0">
+                      <a:endParaRPr lang="en-US" sz="1600" dirty="0">
                         <a:solidFill>
                           <a:schemeClr val="tx1"/>
                         </a:solidFill>
-                        <a:latin typeface="Times New Roman" panose="02020603050405020304" pitchFamily="18" charset="0"/>
-                        <a:cs typeface="Times New Roman" panose="02020603050405020304" pitchFamily="18" charset="0"/>
+                        <a:latin typeface="Arial" panose="020B0604020202020204" pitchFamily="34" charset="0"/>
+                        <a:cs typeface="Arial" panose="020B0604020202020204" pitchFamily="34" charset="0"/>
                       </a:endParaRPr>
                     </a:p>
                   </a:txBody>
@@ -5479,28 +5865,28 @@
                   </a:ext>
                 </a:extLst>
               </a:tr>
-              <a:tr h="370840">
+              <a:tr h="0">
                 <a:tc>
                   <a:txBody>
                     <a:bodyPr/>
                     <a:lstStyle/>
                     <a:p>
                       <a:r>
-                        <a:rPr lang="en-US" sz="1800">
+                        <a:rPr lang="en-US" sz="1600">
                           <a:solidFill>
                             <a:schemeClr val="tx1"/>
                           </a:solidFill>
-                          <a:latin typeface="Times New Roman" panose="02020603050405020304" pitchFamily="18" charset="0"/>
-                          <a:cs typeface="Times New Roman" panose="02020603050405020304" pitchFamily="18" charset="0"/>
+                          <a:latin typeface="Arial" panose="020B0604020202020204" pitchFamily="34" charset="0"/>
+                          <a:cs typeface="Arial" panose="020B0604020202020204" pitchFamily="34" charset="0"/>
                         </a:rPr>
                         <a:t>MMISEL_R</a:t>
                       </a:r>
-                      <a:endParaRPr lang="en-US" sz="1800" dirty="0">
+                      <a:endParaRPr lang="en-US" sz="1600" dirty="0">
                         <a:solidFill>
                           <a:schemeClr val="tx1"/>
                         </a:solidFill>
-                        <a:latin typeface="Times New Roman" panose="02020603050405020304" pitchFamily="18" charset="0"/>
-                        <a:cs typeface="Times New Roman" panose="02020603050405020304" pitchFamily="18" charset="0"/>
+                        <a:latin typeface="Arial" panose="020B0604020202020204" pitchFamily="34" charset="0"/>
+                        <a:cs typeface="Arial" panose="020B0604020202020204" pitchFamily="34" charset="0"/>
                       </a:endParaRPr>
                     </a:p>
                   </a:txBody>
@@ -5560,18 +5946,18 @@
                     <a:lstStyle/>
                     <a:p>
                       <a:r>
-                        <a:rPr lang="en-US" sz="1800" dirty="0">
-                          <a:latin typeface="Times New Roman" panose="02020603050405020304" pitchFamily="18" charset="0"/>
-                          <a:cs typeface="Times New Roman" panose="02020603050405020304" pitchFamily="18" charset="0"/>
+                        <a:rPr lang="en-US" sz="1600" dirty="0">
+                          <a:latin typeface="Arial" panose="020B0604020202020204" pitchFamily="34" charset="0"/>
+                          <a:cs typeface="Arial" panose="020B0604020202020204" pitchFamily="34" charset="0"/>
                         </a:rPr>
                         <a:t>0.3783</a:t>
                       </a:r>
-                      <a:endParaRPr lang="en-US" sz="1800" dirty="0">
+                      <a:endParaRPr lang="en-US" sz="1600" dirty="0">
                         <a:solidFill>
                           <a:schemeClr val="tx1"/>
                         </a:solidFill>
-                        <a:latin typeface="Times New Roman" panose="02020603050405020304" pitchFamily="18" charset="0"/>
-                        <a:cs typeface="Times New Roman" panose="02020603050405020304" pitchFamily="18" charset="0"/>
+                        <a:latin typeface="Arial" panose="020B0604020202020204" pitchFamily="34" charset="0"/>
+                        <a:cs typeface="Arial" panose="020B0604020202020204" pitchFamily="34" charset="0"/>
                       </a:endParaRPr>
                     </a:p>
                   </a:txBody>
@@ -5638,22 +6024,15 @@
                     <a:lstStyle/>
                     <a:p>
                       <a:r>
-                        <a:rPr lang="en-US" sz="1800">
+                        <a:rPr lang="en-US" sz="1600" dirty="0">
                           <a:solidFill>
                             <a:schemeClr val="tx1"/>
                           </a:solidFill>
-                          <a:latin typeface="Times New Roman" panose="02020603050405020304" pitchFamily="18" charset="0"/>
-                          <a:cs typeface="Times New Roman" panose="02020603050405020304" pitchFamily="18" charset="0"/>
+                          <a:latin typeface="Arial" panose="020B0604020202020204" pitchFamily="34" charset="0"/>
+                          <a:cs typeface="Arial" panose="020B0604020202020204" pitchFamily="34" charset="0"/>
                         </a:rPr>
                         <a:t>MMISEL_GB</a:t>
                       </a:r>
-                      <a:endParaRPr lang="en-US" sz="1800" dirty="0">
-                        <a:solidFill>
-                          <a:schemeClr val="tx1"/>
-                        </a:solidFill>
-                        <a:latin typeface="Times New Roman" panose="02020603050405020304" pitchFamily="18" charset="0"/>
-                        <a:cs typeface="Times New Roman" panose="02020603050405020304" pitchFamily="18" charset="0"/>
-                      </a:endParaRPr>
                     </a:p>
                   </a:txBody>
                   <a:tcPr>
@@ -5712,18 +6091,18 @@
                     <a:lstStyle/>
                     <a:p>
                       <a:r>
-                        <a:rPr lang="en-US" sz="1800" dirty="0">
-                          <a:latin typeface="Times New Roman" panose="02020603050405020304" pitchFamily="18" charset="0"/>
-                          <a:cs typeface="Times New Roman" panose="02020603050405020304" pitchFamily="18" charset="0"/>
+                        <a:rPr lang="en-US" sz="1600" dirty="0">
+                          <a:latin typeface="Arial" panose="020B0604020202020204" pitchFamily="34" charset="0"/>
+                          <a:cs typeface="Arial" panose="020B0604020202020204" pitchFamily="34" charset="0"/>
                         </a:rPr>
                         <a:t>0.3102</a:t>
                       </a:r>
-                      <a:endParaRPr lang="en-US" sz="1800" dirty="0">
+                      <a:endParaRPr lang="en-US" sz="1600" dirty="0">
                         <a:solidFill>
                           <a:schemeClr val="tx1"/>
                         </a:solidFill>
-                        <a:latin typeface="Times New Roman" panose="02020603050405020304" pitchFamily="18" charset="0"/>
-                        <a:cs typeface="Times New Roman" panose="02020603050405020304" pitchFamily="18" charset="0"/>
+                        <a:latin typeface="Arial" panose="020B0604020202020204" pitchFamily="34" charset="0"/>
+                        <a:cs typeface="Arial" panose="020B0604020202020204" pitchFamily="34" charset="0"/>
                       </a:endParaRPr>
                     </a:p>
                   </a:txBody>
@@ -5802,7 +6181,7 @@
         <p:spPr>
           <a:xfrm>
             <a:off x="734123" y="4103370"/>
-            <a:ext cx="10515600" cy="1138773"/>
+            <a:ext cx="10515600" cy="1015663"/>
           </a:xfrm>
           <a:prstGeom prst="rect">
             <a:avLst/>
@@ -5819,9 +6198,9 @@
               <a:buChar char="•"/>
             </a:pPr>
             <a:r>
-              <a:rPr lang="en-US" sz="2800" dirty="0">
-                <a:latin typeface="Times New Roman" panose="02020603050405020304" pitchFamily="18" charset="0"/>
-                <a:cs typeface="Times New Roman" panose="02020603050405020304" pitchFamily="18" charset="0"/>
+              <a:rPr lang="en-US" sz="2400" dirty="0">
+                <a:latin typeface="Arial" panose="020B0604020202020204" pitchFamily="34" charset="0"/>
+                <a:cs typeface="Arial" panose="020B0604020202020204" pitchFamily="34" charset="0"/>
               </a:rPr>
               <a:t>Significantly lower error compared to DCGAN results</a:t>
             </a:r>
@@ -5831,9 +6210,9 @@
               <a:buFont typeface="Arial" panose="020B0604020202020204" pitchFamily="34" charset="0"/>
               <a:buChar char="•"/>
             </a:pPr>
-            <a:endParaRPr lang="en-US" sz="4000" dirty="0">
-              <a:latin typeface="Times New Roman" panose="02020603050405020304" pitchFamily="18" charset="0"/>
-              <a:cs typeface="Times New Roman" panose="02020603050405020304" pitchFamily="18" charset="0"/>
+            <a:endParaRPr lang="en-US" sz="3600" dirty="0">
+              <a:latin typeface="Arial" panose="020B0604020202020204" pitchFamily="34" charset="0"/>
+              <a:cs typeface="Arial" panose="020B0604020202020204" pitchFamily="34" charset="0"/>
             </a:endParaRPr>
           </a:p>
         </p:txBody>
@@ -5852,8 +6231,8 @@
         </p:nvSpPr>
         <p:spPr>
           <a:xfrm>
-            <a:off x="5991923" y="3197262"/>
-            <a:ext cx="4258153" cy="584775"/>
+            <a:off x="5991923" y="3443256"/>
+            <a:ext cx="4621778" cy="584775"/>
           </a:xfrm>
           <a:prstGeom prst="rect">
             <a:avLst/>
@@ -5868,7 +6247,8 @@
           <a:p>
             <a:r>
               <a:rPr lang="en-US" sz="1600" dirty="0">
-                <a:latin typeface="Times" pitchFamily="2" charset="0"/>
+                <a:latin typeface="Arial" panose="020B0604020202020204" pitchFamily="34" charset="0"/>
+                <a:cs typeface="Arial" panose="020B0604020202020204" pitchFamily="34" charset="0"/>
               </a:rPr>
               <a:t>Cross entropy loss of two models during training.</a:t>
             </a:r>
@@ -5876,7 +6256,8 @@
           <a:p>
             <a:r>
               <a:rPr lang="en-US" sz="1600" dirty="0">
-                <a:latin typeface="Times" pitchFamily="2" charset="0"/>
+                <a:latin typeface="Arial" panose="020B0604020202020204" pitchFamily="34" charset="0"/>
+                <a:cs typeface="Arial" panose="020B0604020202020204" pitchFamily="34" charset="0"/>
               </a:rPr>
               <a:t>Similar results obtained for all distributions</a:t>
             </a:r>
@@ -5897,16 +6278,15 @@
           </p:cNvPicPr>
           <p:nvPr/>
         </p:nvPicPr>
-        <p:blipFill>
+        <p:blipFill rotWithShape="1">
           <a:blip r:embed="rId2"/>
-          <a:stretch>
-            <a:fillRect/>
-          </a:stretch>
+          <a:srcRect b="6473"/>
+          <a:stretch/>
         </p:blipFill>
         <p:spPr>
           <a:xfrm>
-            <a:off x="6095999" y="497262"/>
-            <a:ext cx="4050000" cy="2700000"/>
+            <a:off x="6277812" y="918038"/>
+            <a:ext cx="4050000" cy="2525218"/>
           </a:xfrm>
           <a:prstGeom prst="rect">
             <a:avLst/>
@@ -5928,7 +6308,7 @@
         <p:spPr>
           <a:xfrm>
             <a:off x="957442" y="3443256"/>
-            <a:ext cx="3496598" cy="584775"/>
+            <a:ext cx="3733394" cy="584775"/>
           </a:xfrm>
           <a:prstGeom prst="rect">
             <a:avLst/>
@@ -5943,7 +6323,8 @@
           <a:p>
             <a:r>
               <a:rPr lang="en-US" sz="1600" dirty="0">
-                <a:latin typeface="Times" pitchFamily="2" charset="0"/>
+                <a:latin typeface="Arial" panose="020B0604020202020204" pitchFamily="34" charset="0"/>
+                <a:cs typeface="Arial" panose="020B0604020202020204" pitchFamily="34" charset="0"/>
               </a:rPr>
               <a:t>Table showing MSE of GANs from test,</a:t>
             </a:r>
@@ -5951,7 +6332,8 @@
           <a:p>
             <a:r>
               <a:rPr lang="en-US" sz="1600" dirty="0">
-                <a:latin typeface="Times" pitchFamily="2" charset="0"/>
+                <a:latin typeface="Arial" panose="020B0604020202020204" pitchFamily="34" charset="0"/>
+                <a:cs typeface="Arial" panose="020B0604020202020204" pitchFamily="34" charset="0"/>
               </a:rPr>
               <a:t>with each distribution as input </a:t>
             </a:r>
@@ -6015,12 +6397,14 @@
           <a:lstStyle/>
           <a:p>
             <a:r>
-              <a:rPr lang="en-US" dirty="0">
-                <a:latin typeface="Times New Roman" panose="02020603050405020304" pitchFamily="18" charset="0"/>
-                <a:cs typeface="Times New Roman" panose="02020603050405020304" pitchFamily="18" charset="0"/>
-              </a:rPr>
-              <a:t>CAT - GAN</a:t>
-            </a:r>
+              <a:rPr lang="en-US" dirty="0" err="1"/>
+              <a:t>CatGAN</a:t>
+            </a:r>
+            <a:r>
+              <a:rPr lang="en-US" baseline="30000" dirty="0"/>
+              <a:t>[1]</a:t>
+            </a:r>
+            <a:endParaRPr lang="en-US" dirty="0"/>
           </a:p>
         </p:txBody>
       </p:sp>
@@ -6042,8 +6426,8 @@
         </p:nvSpPr>
         <p:spPr>
           <a:xfrm>
-            <a:off x="838200" y="1092820"/>
-            <a:ext cx="10515600" cy="5084143"/>
+            <a:off x="838200" y="1261241"/>
+            <a:ext cx="10515600" cy="4915722"/>
           </a:xfrm>
         </p:spPr>
         <p:txBody>
@@ -6053,103 +6437,159 @@
           <a:lstStyle/>
           <a:p>
             <a:r>
-              <a:rPr lang="en-US" dirty="0">
-                <a:latin typeface="Times New Roman" panose="02020603050405020304" pitchFamily="18" charset="0"/>
-                <a:cs typeface="Times New Roman" panose="02020603050405020304" pitchFamily="18" charset="0"/>
+              <a:rPr lang="en-US" dirty="0"/>
+              <a:t>A variation of GAN which enables semi– supervised learning.</a:t>
+            </a:r>
+          </a:p>
+          <a:p>
+            <a:r>
+              <a:rPr lang="en-US" dirty="0"/>
+              <a:t>Before using the Mixture of Gaussian distribution as input, MMI selected and KDEF datasets, without modifications, are used.</a:t>
+            </a:r>
+          </a:p>
+          <a:p>
+            <a:r>
+              <a:rPr lang="en-US" dirty="0"/>
+              <a:t>In order to investigate the performance of the network, three different optimizers activation functions are used.</a:t>
+            </a:r>
+          </a:p>
+          <a:p>
+            <a:pPr lvl="1"/>
+            <a:r>
+              <a:rPr lang="en-US" dirty="0"/>
+              <a:t>Optimizers: Adam, </a:t>
+            </a:r>
+            <a:r>
+              <a:rPr lang="en-US" dirty="0" err="1"/>
+              <a:t>RMSProp</a:t>
+            </a:r>
+            <a:r>
+              <a:rPr lang="en-US" dirty="0"/>
+              <a:t>, SGDM</a:t>
+            </a:r>
+          </a:p>
+          <a:p>
+            <a:pPr lvl="1"/>
+            <a:r>
+              <a:rPr lang="en-US" dirty="0"/>
+              <a:t>Activation functions: </a:t>
+            </a:r>
+            <a:r>
+              <a:rPr lang="en-US" dirty="0" err="1"/>
+              <a:t>Relu</a:t>
+            </a:r>
+            <a:r>
+              <a:rPr lang="en-US" dirty="0"/>
+              <a:t>, Leaky </a:t>
+            </a:r>
+            <a:r>
+              <a:rPr lang="en-US" dirty="0" err="1"/>
+              <a:t>Relu</a:t>
+            </a:r>
+            <a:r>
+              <a:rPr lang="en-US" dirty="0"/>
+              <a:t>, Clipped </a:t>
+            </a:r>
+            <a:r>
+              <a:rPr lang="en-US" dirty="0" err="1"/>
+              <a:t>Relu</a:t>
+            </a:r>
+            <a:endParaRPr lang="en-US" dirty="0"/>
+          </a:p>
+        </p:txBody>
+      </p:sp>
+      <p:sp>
+        <p:nvSpPr>
+          <p:cNvPr id="3" name="Slide Number Placeholder 2">
+            <a:extLst>
+              <a:ext uri="{FF2B5EF4-FFF2-40B4-BE49-F238E27FC236}">
+                <a16:creationId xmlns:a16="http://schemas.microsoft.com/office/drawing/2014/main" id="{7B3B3FEE-046B-084D-BDF2-B688042540B7}"/>
+              </a:ext>
+            </a:extLst>
+          </p:cNvPr>
+          <p:cNvSpPr>
+            <a:spLocks noGrp="1"/>
+          </p:cNvSpPr>
+          <p:nvPr>
+            <p:ph type="sldNum" sz="quarter" idx="12"/>
+          </p:nvPr>
+        </p:nvSpPr>
+        <p:spPr/>
+        <p:txBody>
+          <a:bodyPr/>
+          <a:lstStyle/>
+          <a:p>
+            <a:fld id="{3E7EE812-F71C-4E4B-B8B2-FF1B39C3C812}" type="slidenum">
+              <a:rPr lang="en-US" smtClean="0"/>
+              <a:t>12</a:t>
+            </a:fld>
+            <a:endParaRPr lang="en-US" dirty="0"/>
+          </a:p>
+        </p:txBody>
+      </p:sp>
+      <p:sp>
+        <p:nvSpPr>
+          <p:cNvPr id="5" name="Rectangle 4">
+            <a:extLst>
+              <a:ext uri="{FF2B5EF4-FFF2-40B4-BE49-F238E27FC236}">
+                <a16:creationId xmlns:a16="http://schemas.microsoft.com/office/drawing/2014/main" id="{AC682E29-F1F0-3A43-B7F2-BC3C5D4C902A}"/>
+              </a:ext>
+            </a:extLst>
+          </p:cNvPr>
+          <p:cNvSpPr/>
+          <p:nvPr/>
+        </p:nvSpPr>
+        <p:spPr>
+          <a:xfrm>
+            <a:off x="3055882" y="6308076"/>
+            <a:ext cx="6080235" cy="461665"/>
+          </a:xfrm>
+          <a:prstGeom prst="rect">
+            <a:avLst/>
+          </a:prstGeom>
+        </p:spPr>
+        <p:txBody>
+          <a:bodyPr wrap="square">
+            <a:spAutoFit/>
+          </a:bodyPr>
+          <a:lstStyle/>
+          <a:p>
+            <a:pPr marL="342900" indent="-342900">
+              <a:buFont typeface="+mj-lt"/>
+              <a:buAutoNum type="arabicPeriod"/>
+            </a:pPr>
+            <a:r>
+              <a:rPr lang="en-GB" sz="1200" dirty="0">
+                <a:latin typeface="Arial" panose="020B0604020202020204" pitchFamily="34" charset="0"/>
+                <a:cs typeface="Arial" panose="020B0604020202020204" pitchFamily="34" charset="0"/>
               </a:rPr>
-              <a:t>A variation of GAN which enables semi– supervised learning.</a:t>
-            </a:r>
-          </a:p>
-          <a:p>
-            <a:r>
-              <a:rPr lang="en-US" dirty="0">
-                <a:latin typeface="Times New Roman" panose="02020603050405020304" pitchFamily="18" charset="0"/>
-                <a:cs typeface="Times New Roman" panose="02020603050405020304" pitchFamily="18" charset="0"/>
+              <a:t>J. T. </a:t>
+            </a:r>
+            <a:r>
+              <a:rPr lang="en-GB" sz="1200" dirty="0" err="1">
+                <a:latin typeface="Arial" panose="020B0604020202020204" pitchFamily="34" charset="0"/>
+                <a:cs typeface="Arial" panose="020B0604020202020204" pitchFamily="34" charset="0"/>
               </a:rPr>
-              <a:t>Before using the Mixture of Gaussian distribution as input, MMI selected and KDEF datasets, without modifications, are used.</a:t>
-            </a:r>
-          </a:p>
-          <a:p>
-            <a:r>
-              <a:rPr lang="en-US" dirty="0">
-                <a:latin typeface="Times New Roman" panose="02020603050405020304" pitchFamily="18" charset="0"/>
-                <a:cs typeface="Times New Roman" panose="02020603050405020304" pitchFamily="18" charset="0"/>
+              <a:t>Springenberg</a:t>
+            </a:r>
+            <a:r>
+              <a:rPr lang="en-GB" sz="1200" dirty="0">
+                <a:latin typeface="Arial" panose="020B0604020202020204" pitchFamily="34" charset="0"/>
+                <a:cs typeface="Arial" panose="020B0604020202020204" pitchFamily="34" charset="0"/>
               </a:rPr>
-              <a:t>In order to investigate the performance of the network, three different optimizers activation functions are used.</a:t>
-            </a:r>
-          </a:p>
-          <a:p>
-            <a:pPr lvl="1"/>
-            <a:r>
-              <a:rPr lang="en-US" dirty="0">
-                <a:latin typeface="Times New Roman" panose="02020603050405020304" pitchFamily="18" charset="0"/>
-                <a:cs typeface="Times New Roman" panose="02020603050405020304" pitchFamily="18" charset="0"/>
+              <a:t> </a:t>
+            </a:r>
+            <a:r>
+              <a:rPr lang="en-GB" sz="1200" i="0" u="none" strike="noStrike" dirty="0">
+                <a:solidFill>
+                  <a:srgbClr val="24292E"/>
+                </a:solidFill>
+                <a:effectLst/>
+                <a:latin typeface="Arial" panose="020B0604020202020204" pitchFamily="34" charset="0"/>
+                <a:cs typeface="Arial" panose="020B0604020202020204" pitchFamily="34" charset="0"/>
               </a:rPr>
-              <a:t>Optimizers: Adam, </a:t>
-            </a:r>
-            <a:r>
-              <a:rPr lang="en-US" dirty="0" err="1">
-                <a:latin typeface="Times New Roman" panose="02020603050405020304" pitchFamily="18" charset="0"/>
-                <a:cs typeface="Times New Roman" panose="02020603050405020304" pitchFamily="18" charset="0"/>
-              </a:rPr>
-              <a:t>RMSProp</a:t>
-            </a:r>
-            <a:r>
-              <a:rPr lang="en-US" dirty="0">
-                <a:latin typeface="Times New Roman" panose="02020603050405020304" pitchFamily="18" charset="0"/>
-                <a:cs typeface="Times New Roman" panose="02020603050405020304" pitchFamily="18" charset="0"/>
-              </a:rPr>
-              <a:t>, SGDM</a:t>
-            </a:r>
-          </a:p>
-          <a:p>
-            <a:pPr lvl="1"/>
-            <a:r>
-              <a:rPr lang="en-US" dirty="0">
-                <a:latin typeface="Times New Roman" panose="02020603050405020304" pitchFamily="18" charset="0"/>
-                <a:cs typeface="Times New Roman" panose="02020603050405020304" pitchFamily="18" charset="0"/>
-              </a:rPr>
-              <a:t>Activation functions: </a:t>
-            </a:r>
-            <a:r>
-              <a:rPr lang="en-US" dirty="0" err="1">
-                <a:latin typeface="Times New Roman" panose="02020603050405020304" pitchFamily="18" charset="0"/>
-                <a:cs typeface="Times New Roman" panose="02020603050405020304" pitchFamily="18" charset="0"/>
-              </a:rPr>
-              <a:t>Relu</a:t>
-            </a:r>
-            <a:r>
-              <a:rPr lang="en-US" dirty="0">
-                <a:latin typeface="Times New Roman" panose="02020603050405020304" pitchFamily="18" charset="0"/>
-                <a:cs typeface="Times New Roman" panose="02020603050405020304" pitchFamily="18" charset="0"/>
-              </a:rPr>
-              <a:t>, Leaky </a:t>
-            </a:r>
-            <a:r>
-              <a:rPr lang="en-US" dirty="0" err="1">
-                <a:latin typeface="Times New Roman" panose="02020603050405020304" pitchFamily="18" charset="0"/>
-                <a:cs typeface="Times New Roman" panose="02020603050405020304" pitchFamily="18" charset="0"/>
-              </a:rPr>
-              <a:t>Relu</a:t>
-            </a:r>
-            <a:r>
-              <a:rPr lang="en-US" dirty="0">
-                <a:latin typeface="Times New Roman" panose="02020603050405020304" pitchFamily="18" charset="0"/>
-                <a:cs typeface="Times New Roman" panose="02020603050405020304" pitchFamily="18" charset="0"/>
-              </a:rPr>
-              <a:t>, Clipped </a:t>
-            </a:r>
-            <a:r>
-              <a:rPr lang="en-US" dirty="0" err="1">
-                <a:latin typeface="Times New Roman" panose="02020603050405020304" pitchFamily="18" charset="0"/>
-                <a:cs typeface="Times New Roman" panose="02020603050405020304" pitchFamily="18" charset="0"/>
-              </a:rPr>
-              <a:t>Relu</a:t>
-            </a:r>
-            <a:endParaRPr lang="en-US" dirty="0">
-              <a:latin typeface="Times New Roman" panose="02020603050405020304" pitchFamily="18" charset="0"/>
-              <a:cs typeface="Times New Roman" panose="02020603050405020304" pitchFamily="18" charset="0"/>
-            </a:endParaRPr>
+              <a:t>. Unsupervised and Semi-Supervised Learning with Categorical Generative Adversarial Networks. ICLR 2016.</a:t>
+            </a:r>
           </a:p>
         </p:txBody>
       </p:sp>
@@ -6261,12 +6701,47 @@
           </a:lstStyle>
           <a:p>
             <a:r>
-              <a:rPr lang="en-US" dirty="0">
-                <a:latin typeface="Times New Roman" panose="02020603050405020304" pitchFamily="18" charset="0"/>
-                <a:cs typeface="Times New Roman" panose="02020603050405020304" pitchFamily="18" charset="0"/>
+              <a:rPr lang="en-US" sz="3600" dirty="0">
+                <a:solidFill>
+                  <a:schemeClr val="tx2">
+                    <a:lumMod val="50000"/>
+                    <a:lumOff val="50000"/>
+                  </a:schemeClr>
+                </a:solidFill>
+                <a:latin typeface="Arial" panose="020B0604020202020204" pitchFamily="34" charset="0"/>
+                <a:cs typeface="Arial" panose="020B0604020202020204" pitchFamily="34" charset="0"/>
               </a:rPr>
               <a:t>Model summary - Generator</a:t>
             </a:r>
+          </a:p>
+        </p:txBody>
+      </p:sp>
+      <p:sp>
+        <p:nvSpPr>
+          <p:cNvPr id="2" name="Slide Number Placeholder 1">
+            <a:extLst>
+              <a:ext uri="{FF2B5EF4-FFF2-40B4-BE49-F238E27FC236}">
+                <a16:creationId xmlns:a16="http://schemas.microsoft.com/office/drawing/2014/main" id="{A7D1A16D-277C-724E-9E11-C7C4E89C7C5B}"/>
+              </a:ext>
+            </a:extLst>
+          </p:cNvPr>
+          <p:cNvSpPr>
+            <a:spLocks noGrp="1"/>
+          </p:cNvSpPr>
+          <p:nvPr>
+            <p:ph type="sldNum" sz="quarter" idx="12"/>
+          </p:nvPr>
+        </p:nvSpPr>
+        <p:spPr/>
+        <p:txBody>
+          <a:bodyPr/>
+          <a:lstStyle/>
+          <a:p>
+            <a:fld id="{3E7EE812-F71C-4E4B-B8B2-FF1B39C3C812}" type="slidenum">
+              <a:rPr lang="en-US" smtClean="0"/>
+              <a:t>13</a:t>
+            </a:fld>
+            <a:endParaRPr lang="en-US" dirty="0"/>
           </a:p>
         </p:txBody>
       </p:sp>
@@ -6327,12 +6802,38 @@
           <a:lstStyle/>
           <a:p>
             <a:r>
-              <a:rPr lang="en-US" dirty="0">
-                <a:latin typeface="Times New Roman" panose="02020603050405020304" pitchFamily="18" charset="0"/>
-                <a:cs typeface="Times New Roman" panose="02020603050405020304" pitchFamily="18" charset="0"/>
-              </a:rPr>
+              <a:rPr lang="en-US" dirty="0"/>
               <a:t>Model summary - Discriminator</a:t>
             </a:r>
+          </a:p>
+        </p:txBody>
+      </p:sp>
+      <p:sp>
+        <p:nvSpPr>
+          <p:cNvPr id="3" name="Slide Number Placeholder 2">
+            <a:extLst>
+              <a:ext uri="{FF2B5EF4-FFF2-40B4-BE49-F238E27FC236}">
+                <a16:creationId xmlns:a16="http://schemas.microsoft.com/office/drawing/2014/main" id="{31805523-CC8B-2240-AF8C-6134D2D47C73}"/>
+              </a:ext>
+            </a:extLst>
+          </p:cNvPr>
+          <p:cNvSpPr>
+            <a:spLocks noGrp="1"/>
+          </p:cNvSpPr>
+          <p:nvPr>
+            <p:ph type="sldNum" sz="quarter" idx="12"/>
+          </p:nvPr>
+        </p:nvSpPr>
+        <p:spPr/>
+        <p:txBody>
+          <a:bodyPr/>
+          <a:lstStyle/>
+          <a:p>
+            <a:fld id="{3E7EE812-F71C-4E4B-B8B2-FF1B39C3C812}" type="slidenum">
+              <a:rPr lang="en-US" smtClean="0"/>
+              <a:t>14</a:t>
+            </a:fld>
+            <a:endParaRPr lang="en-US" dirty="0"/>
           </a:p>
         </p:txBody>
       </p:sp>
@@ -6423,10 +6924,7 @@
           <a:lstStyle/>
           <a:p>
             <a:r>
-              <a:rPr lang="en-US" dirty="0">
-                <a:latin typeface="Times New Roman" panose="02020603050405020304" pitchFamily="18" charset="0"/>
-                <a:cs typeface="Times New Roman" panose="02020603050405020304" pitchFamily="18" charset="0"/>
-              </a:rPr>
+              <a:rPr lang="en-US" dirty="0"/>
               <a:t>Results</a:t>
             </a:r>
           </a:p>
@@ -6450,8 +6948,8 @@
         </p:nvSpPr>
         <p:spPr>
           <a:xfrm>
-            <a:off x="910119" y="4329180"/>
-            <a:ext cx="10515600" cy="1968879"/>
+            <a:off x="838200" y="4523996"/>
+            <a:ext cx="10587519" cy="1968879"/>
           </a:xfrm>
         </p:spPr>
         <p:txBody>
@@ -6461,26 +6959,46 @@
           <a:lstStyle/>
           <a:p>
             <a:r>
-              <a:rPr lang="en-US" dirty="0">
-                <a:latin typeface="Times New Roman" panose="02020603050405020304" pitchFamily="18" charset="0"/>
-                <a:cs typeface="Times New Roman" panose="02020603050405020304" pitchFamily="18" charset="0"/>
-              </a:rPr>
+              <a:rPr lang="en-US" dirty="0"/>
               <a:t>With current discriminator network, Clipped </a:t>
             </a:r>
             <a:r>
-              <a:rPr lang="en-US" dirty="0" err="1">
-                <a:latin typeface="Times New Roman" panose="02020603050405020304" pitchFamily="18" charset="0"/>
-                <a:cs typeface="Times New Roman" panose="02020603050405020304" pitchFamily="18" charset="0"/>
-              </a:rPr>
+              <a:rPr lang="en-US" dirty="0" err="1"/>
               <a:t>Relu</a:t>
             </a:r>
             <a:r>
-              <a:rPr lang="en-US" dirty="0">
-                <a:latin typeface="Times New Roman" panose="02020603050405020304" pitchFamily="18" charset="0"/>
-                <a:cs typeface="Times New Roman" panose="02020603050405020304" pitchFamily="18" charset="0"/>
-              </a:rPr>
+              <a:rPr lang="en-US" dirty="0"/>
               <a:t> resulted with the best performance.</a:t>
             </a:r>
+          </a:p>
+        </p:txBody>
+      </p:sp>
+      <p:sp>
+        <p:nvSpPr>
+          <p:cNvPr id="6" name="Slide Number Placeholder 5">
+            <a:extLst>
+              <a:ext uri="{FF2B5EF4-FFF2-40B4-BE49-F238E27FC236}">
+                <a16:creationId xmlns:a16="http://schemas.microsoft.com/office/drawing/2014/main" id="{09BA8F3F-4DF6-D44A-93B7-26F97109D2FC}"/>
+              </a:ext>
+            </a:extLst>
+          </p:cNvPr>
+          <p:cNvSpPr>
+            <a:spLocks noGrp="1"/>
+          </p:cNvSpPr>
+          <p:nvPr>
+            <p:ph type="sldNum" sz="quarter" idx="12"/>
+          </p:nvPr>
+        </p:nvSpPr>
+        <p:spPr/>
+        <p:txBody>
+          <a:bodyPr/>
+          <a:lstStyle/>
+          <a:p>
+            <a:fld id="{3E7EE812-F71C-4E4B-B8B2-FF1B39C3C812}" type="slidenum">
+              <a:rPr lang="en-US" smtClean="0"/>
+              <a:t>15</a:t>
+            </a:fld>
+            <a:endParaRPr lang="en-US" dirty="0"/>
           </a:p>
         </p:txBody>
       </p:sp>
@@ -6499,14 +7017,14 @@
           <p:nvPr>
             <p:extLst>
               <p:ext uri="{D42A27DB-BD31-4B8C-83A1-F6EECF244321}">
-                <p14:modId xmlns:p14="http://schemas.microsoft.com/office/powerpoint/2010/main" val="2411664014"/>
+                <p14:modId xmlns:p14="http://schemas.microsoft.com/office/powerpoint/2010/main" val="527354974"/>
               </p:ext>
             </p:extLst>
           </p:nvPr>
         </p:nvGraphicFramePr>
         <p:xfrm>
-          <a:off x="838202" y="1231722"/>
-          <a:ext cx="10587516" cy="1434010"/>
+          <a:off x="838200" y="1212234"/>
+          <a:ext cx="10587516" cy="1440000"/>
         </p:xfrm>
         <a:graphic>
           <a:graphicData uri="http://schemas.openxmlformats.org/drawingml/2006/table">
@@ -6593,7 +7111,7 @@
                   </a:extLst>
                 </a:gridCol>
               </a:tblGrid>
-              <a:tr h="161778">
+              <a:tr h="288000">
                 <a:tc gridSpan="11">
                   <a:txBody>
                     <a:bodyPr/>
@@ -6601,20 +7119,20 @@
                     <a:p>
                       <a:pPr algn="ctr" fontAlgn="b"/>
                       <a:r>
-                        <a:rPr lang="en-GB" sz="2000" b="1" u="none" strike="noStrike" dirty="0">
+                        <a:rPr lang="en-GB" sz="1600" b="1" u="none" strike="noStrike" dirty="0">
                           <a:effectLst/>
-                          <a:latin typeface="Times New Roman" panose="02020603050405020304" pitchFamily="18" charset="0"/>
-                          <a:cs typeface="Times New Roman" panose="02020603050405020304" pitchFamily="18" charset="0"/>
+                          <a:latin typeface="Arial" panose="020B0604020202020204" pitchFamily="34" charset="0"/>
+                          <a:cs typeface="Arial" panose="020B0604020202020204" pitchFamily="34" charset="0"/>
                         </a:rPr>
                         <a:t> KDEF</a:t>
                       </a:r>
-                      <a:endParaRPr lang="en-GB" sz="2000" b="1" i="0" u="none" strike="noStrike" dirty="0">
+                      <a:endParaRPr lang="en-GB" sz="1600" b="1" i="0" u="none" strike="noStrike" dirty="0">
                         <a:solidFill>
                           <a:srgbClr val="000000"/>
                         </a:solidFill>
                         <a:effectLst/>
-                        <a:latin typeface="Times New Roman" panose="02020603050405020304" pitchFamily="18" charset="0"/>
-                        <a:cs typeface="Times New Roman" panose="02020603050405020304" pitchFamily="18" charset="0"/>
+                        <a:latin typeface="Arial" panose="020B0604020202020204" pitchFamily="34" charset="0"/>
+                        <a:cs typeface="Arial" panose="020B0604020202020204" pitchFamily="34" charset="0"/>
                       </a:endParaRPr>
                     </a:p>
                   </a:txBody>
@@ -6656,7 +7174,7 @@
                       <a:tailEnd type="none" w="med" len="med"/>
                     </a:lnB>
                     <a:solidFill>
-                      <a:schemeClr val="accent6">
+                      <a:schemeClr val="accent2">
                         <a:lumMod val="20000"/>
                         <a:lumOff val="80000"/>
                       </a:schemeClr>
@@ -6835,7 +7353,7 @@
                   </a:ext>
                 </a:extLst>
               </a:tr>
-              <a:tr h="188720">
+              <a:tr h="288000">
                 <a:tc gridSpan="3">
                   <a:txBody>
                     <a:bodyPr/>
@@ -6843,20 +7361,20 @@
                     <a:p>
                       <a:pPr algn="l" fontAlgn="b"/>
                       <a:r>
-                        <a:rPr lang="en-GB" sz="1800" u="none" strike="noStrike" dirty="0">
+                        <a:rPr lang="en-GB" sz="1200" u="none" strike="noStrike" dirty="0">
                           <a:effectLst/>
-                          <a:latin typeface="Times New Roman" panose="02020603050405020304" pitchFamily="18" charset="0"/>
-                          <a:cs typeface="Times New Roman" panose="02020603050405020304" pitchFamily="18" charset="0"/>
+                          <a:latin typeface="Arial" panose="020B0604020202020204" pitchFamily="34" charset="0"/>
+                          <a:cs typeface="Arial" panose="020B0604020202020204" pitchFamily="34" charset="0"/>
                         </a:rPr>
                         <a:t> 839 images</a:t>
                       </a:r>
-                      <a:endParaRPr lang="en-GB" sz="1800" b="0" i="0" u="none" strike="noStrike" dirty="0">
+                      <a:endParaRPr lang="en-GB" sz="1200" b="0" i="0" u="none" strike="noStrike" dirty="0">
                         <a:solidFill>
                           <a:srgbClr val="000000"/>
                         </a:solidFill>
                         <a:effectLst/>
-                        <a:latin typeface="Times New Roman" panose="02020603050405020304" pitchFamily="18" charset="0"/>
-                        <a:cs typeface="Times New Roman" panose="02020603050405020304" pitchFamily="18" charset="0"/>
+                        <a:latin typeface="Arial" panose="020B0604020202020204" pitchFamily="34" charset="0"/>
+                        <a:cs typeface="Arial" panose="020B0604020202020204" pitchFamily="34" charset="0"/>
                       </a:endParaRPr>
                     </a:p>
                   </a:txBody>
@@ -7011,20 +7529,20 @@
                     <a:p>
                       <a:pPr algn="l" fontAlgn="b"/>
                       <a:r>
-                        <a:rPr lang="en-GB" sz="1800" u="none" strike="noStrike" dirty="0">
+                        <a:rPr lang="en-GB" sz="1200" u="none" strike="noStrike" dirty="0">
                           <a:effectLst/>
-                          <a:latin typeface="Times New Roman" panose="02020603050405020304" pitchFamily="18" charset="0"/>
-                          <a:cs typeface="Times New Roman" panose="02020603050405020304" pitchFamily="18" charset="0"/>
+                          <a:latin typeface="Arial" panose="020B0604020202020204" pitchFamily="34" charset="0"/>
+                          <a:cs typeface="Arial" panose="020B0604020202020204" pitchFamily="34" charset="0"/>
                         </a:rPr>
                         <a:t>Train = 588</a:t>
                       </a:r>
-                      <a:endParaRPr lang="en-GB" sz="1800" b="0" i="0" u="none" strike="noStrike" dirty="0">
+                      <a:endParaRPr lang="en-GB" sz="1200" b="0" i="0" u="none" strike="noStrike" dirty="0">
                         <a:solidFill>
                           <a:srgbClr val="000000"/>
                         </a:solidFill>
                         <a:effectLst/>
-                        <a:latin typeface="Times New Roman" panose="02020603050405020304" pitchFamily="18" charset="0"/>
-                        <a:cs typeface="Times New Roman" panose="02020603050405020304" pitchFamily="18" charset="0"/>
+                        <a:latin typeface="Arial" panose="020B0604020202020204" pitchFamily="34" charset="0"/>
+                        <a:cs typeface="Arial" panose="020B0604020202020204" pitchFamily="34" charset="0"/>
                       </a:endParaRPr>
                     </a:p>
                   </a:txBody>
@@ -7124,20 +7642,20 @@
                     <a:p>
                       <a:pPr algn="l" fontAlgn="b"/>
                       <a:r>
-                        <a:rPr lang="en-GB" sz="1800" u="none" strike="noStrike" dirty="0">
+                        <a:rPr lang="en-GB" sz="1200" u="none" strike="noStrike" dirty="0">
                           <a:effectLst/>
-                          <a:latin typeface="Times New Roman" panose="02020603050405020304" pitchFamily="18" charset="0"/>
-                          <a:cs typeface="Times New Roman" panose="02020603050405020304" pitchFamily="18" charset="0"/>
+                          <a:latin typeface="Arial" panose="020B0604020202020204" pitchFamily="34" charset="0"/>
+                          <a:cs typeface="Arial" panose="020B0604020202020204" pitchFamily="34" charset="0"/>
                         </a:rPr>
                         <a:t>Test = 251</a:t>
                       </a:r>
-                      <a:endParaRPr lang="en-GB" sz="1800" b="0" i="0" u="none" strike="noStrike" dirty="0">
+                      <a:endParaRPr lang="en-GB" sz="1200" b="0" i="0" u="none" strike="noStrike" dirty="0">
                         <a:solidFill>
                           <a:srgbClr val="000000"/>
                         </a:solidFill>
                         <a:effectLst/>
-                        <a:latin typeface="Times New Roman" panose="02020603050405020304" pitchFamily="18" charset="0"/>
-                        <a:cs typeface="Times New Roman" panose="02020603050405020304" pitchFamily="18" charset="0"/>
+                        <a:latin typeface="Arial" panose="020B0604020202020204" pitchFamily="34" charset="0"/>
+                        <a:cs typeface="Arial" panose="020B0604020202020204" pitchFamily="34" charset="0"/>
                       </a:endParaRPr>
                     </a:p>
                   </a:txBody>
@@ -7236,20 +7754,20 @@
                     <a:p>
                       <a:pPr algn="l" fontAlgn="b"/>
                       <a:r>
-                        <a:rPr lang="en-GB" sz="1800" u="none" strike="noStrike" dirty="0">
+                        <a:rPr lang="en-GB" sz="1200" u="none" strike="noStrike" dirty="0">
                           <a:effectLst/>
-                          <a:latin typeface="Times New Roman" panose="02020603050405020304" pitchFamily="18" charset="0"/>
-                          <a:cs typeface="Times New Roman" panose="02020603050405020304" pitchFamily="18" charset="0"/>
+                          <a:latin typeface="Arial" panose="020B0604020202020204" pitchFamily="34" charset="0"/>
+                          <a:cs typeface="Arial" panose="020B0604020202020204" pitchFamily="34" charset="0"/>
                         </a:rPr>
                         <a:t>Learning rate = 1e-4</a:t>
                       </a:r>
-                      <a:endParaRPr lang="en-GB" sz="1800" b="0" i="0" u="none" strike="noStrike" dirty="0">
+                      <a:endParaRPr lang="en-GB" sz="1200" b="0" i="0" u="none" strike="noStrike" dirty="0">
                         <a:solidFill>
                           <a:srgbClr val="000000"/>
                         </a:solidFill>
                         <a:effectLst/>
-                        <a:latin typeface="Times New Roman" panose="02020603050405020304" pitchFamily="18" charset="0"/>
-                        <a:cs typeface="Times New Roman" panose="02020603050405020304" pitchFamily="18" charset="0"/>
+                        <a:latin typeface="Arial" panose="020B0604020202020204" pitchFamily="34" charset="0"/>
+                        <a:cs typeface="Arial" panose="020B0604020202020204" pitchFamily="34" charset="0"/>
                       </a:endParaRPr>
                     </a:p>
                   </a:txBody>
@@ -7409,28 +7927,28 @@
                   </a:ext>
                 </a:extLst>
               </a:tr>
-              <a:tr h="136234">
+              <a:tr h="288000">
                 <a:tc>
                   <a:txBody>
                     <a:bodyPr/>
                     <a:lstStyle/>
                     <a:p>
-                      <a:pPr algn="l" fontAlgn="b"/>
+                      <a:pPr algn="ctr" fontAlgn="b"/>
                       <a:r>
-                        <a:rPr lang="en-GB" sz="1800" u="none" strike="noStrike" dirty="0">
+                        <a:rPr lang="en-GB" sz="1600" u="none" strike="noStrike" dirty="0">
                           <a:effectLst/>
-                          <a:latin typeface="Times New Roman" panose="02020603050405020304" pitchFamily="18" charset="0"/>
-                          <a:cs typeface="Times New Roman" panose="02020603050405020304" pitchFamily="18" charset="0"/>
+                          <a:latin typeface="Arial" panose="020B0604020202020204" pitchFamily="34" charset="0"/>
+                          <a:cs typeface="Arial" panose="020B0604020202020204" pitchFamily="34" charset="0"/>
                         </a:rPr>
                         <a:t> </a:t>
                       </a:r>
-                      <a:endParaRPr lang="en-GB" sz="1800" b="0" i="0" u="none" strike="noStrike" dirty="0">
+                      <a:endParaRPr lang="en-GB" sz="1600" b="0" i="0" u="none" strike="noStrike" dirty="0">
                         <a:solidFill>
                           <a:srgbClr val="000000"/>
                         </a:solidFill>
                         <a:effectLst/>
-                        <a:latin typeface="Times New Roman" panose="02020603050405020304" pitchFamily="18" charset="0"/>
-                        <a:cs typeface="Times New Roman" panose="02020603050405020304" pitchFamily="18" charset="0"/>
+                        <a:latin typeface="Arial" panose="020B0604020202020204" pitchFamily="34" charset="0"/>
+                        <a:cs typeface="Arial" panose="020B0604020202020204" pitchFamily="34" charset="0"/>
                       </a:endParaRPr>
                     </a:p>
                   </a:txBody>
@@ -7481,20 +7999,20 @@
                     <a:p>
                       <a:pPr algn="ctr" fontAlgn="b"/>
                       <a:r>
-                        <a:rPr lang="en-GB" sz="1800" b="1" u="none" strike="noStrike">
+                        <a:rPr lang="en-GB" sz="1400" b="1" u="none" strike="noStrike" dirty="0">
                           <a:effectLst/>
-                          <a:latin typeface="Times New Roman" panose="02020603050405020304" pitchFamily="18" charset="0"/>
-                          <a:cs typeface="Times New Roman" panose="02020603050405020304" pitchFamily="18" charset="0"/>
+                          <a:latin typeface="Arial" panose="020B0604020202020204" pitchFamily="34" charset="0"/>
+                          <a:cs typeface="Arial" panose="020B0604020202020204" pitchFamily="34" charset="0"/>
                         </a:rPr>
                         <a:t>Adam</a:t>
                       </a:r>
-                      <a:endParaRPr lang="en-GB" sz="1800" b="1" i="0" u="none" strike="noStrike">
+                      <a:endParaRPr lang="en-GB" sz="1400" b="1" i="0" u="none" strike="noStrike" dirty="0">
                         <a:solidFill>
                           <a:srgbClr val="000000"/>
                         </a:solidFill>
                         <a:effectLst/>
-                        <a:latin typeface="Times New Roman" panose="02020603050405020304" pitchFamily="18" charset="0"/>
-                        <a:cs typeface="Times New Roman" panose="02020603050405020304" pitchFamily="18" charset="0"/>
+                        <a:latin typeface="Arial" panose="020B0604020202020204" pitchFamily="34" charset="0"/>
+                        <a:cs typeface="Arial" panose="020B0604020202020204" pitchFamily="34" charset="0"/>
                       </a:endParaRPr>
                     </a:p>
                   </a:txBody>
@@ -7621,20 +8139,20 @@
                     <a:p>
                       <a:pPr algn="ctr" fontAlgn="b"/>
                       <a:r>
-                        <a:rPr lang="en-GB" sz="1800" b="1" u="none" strike="noStrike" dirty="0" err="1">
+                        <a:rPr lang="en-GB" sz="1400" b="1" u="none" strike="noStrike" dirty="0" err="1">
                           <a:effectLst/>
-                          <a:latin typeface="Times New Roman" panose="02020603050405020304" pitchFamily="18" charset="0"/>
-                          <a:cs typeface="Times New Roman" panose="02020603050405020304" pitchFamily="18" charset="0"/>
+                          <a:latin typeface="Arial" panose="020B0604020202020204" pitchFamily="34" charset="0"/>
+                          <a:cs typeface="Arial" panose="020B0604020202020204" pitchFamily="34" charset="0"/>
                         </a:rPr>
                         <a:t>RMSProp</a:t>
                       </a:r>
-                      <a:endParaRPr lang="en-GB" sz="1800" b="1" i="0" u="none" strike="noStrike" dirty="0">
+                      <a:endParaRPr lang="en-GB" sz="1400" b="1" i="0" u="none" strike="noStrike" dirty="0">
                         <a:solidFill>
                           <a:srgbClr val="000000"/>
                         </a:solidFill>
                         <a:effectLst/>
-                        <a:latin typeface="Times New Roman" panose="02020603050405020304" pitchFamily="18" charset="0"/>
-                        <a:cs typeface="Times New Roman" panose="02020603050405020304" pitchFamily="18" charset="0"/>
+                        <a:latin typeface="Arial" panose="020B0604020202020204" pitchFamily="34" charset="0"/>
+                        <a:cs typeface="Arial" panose="020B0604020202020204" pitchFamily="34" charset="0"/>
                       </a:endParaRPr>
                     </a:p>
                   </a:txBody>
@@ -7724,20 +8242,20 @@
                     <a:p>
                       <a:pPr algn="ctr" fontAlgn="b"/>
                       <a:r>
-                        <a:rPr lang="en-GB" sz="1800" b="1" u="none" strike="noStrike" dirty="0">
+                        <a:rPr lang="en-GB" sz="1400" b="1" u="none" strike="noStrike" dirty="0">
                           <a:effectLst/>
-                          <a:latin typeface="Times New Roman" panose="02020603050405020304" pitchFamily="18" charset="0"/>
-                          <a:cs typeface="Times New Roman" panose="02020603050405020304" pitchFamily="18" charset="0"/>
+                          <a:latin typeface="Arial" panose="020B0604020202020204" pitchFamily="34" charset="0"/>
+                          <a:cs typeface="Arial" panose="020B0604020202020204" pitchFamily="34" charset="0"/>
                         </a:rPr>
                         <a:t>SGDM</a:t>
                       </a:r>
-                      <a:endParaRPr lang="en-GB" sz="1800" b="1" i="0" u="none" strike="noStrike" dirty="0">
+                      <a:endParaRPr lang="en-GB" sz="1400" b="1" i="0" u="none" strike="noStrike" dirty="0">
                         <a:solidFill>
                           <a:srgbClr val="000000"/>
                         </a:solidFill>
                         <a:effectLst/>
-                        <a:latin typeface="Times New Roman" panose="02020603050405020304" pitchFamily="18" charset="0"/>
-                        <a:cs typeface="Times New Roman" panose="02020603050405020304" pitchFamily="18" charset="0"/>
+                        <a:latin typeface="Arial" panose="020B0604020202020204" pitchFamily="34" charset="0"/>
+                        <a:cs typeface="Arial" panose="020B0604020202020204" pitchFamily="34" charset="0"/>
                       </a:endParaRPr>
                     </a:p>
                   </a:txBody>
@@ -7807,28 +8325,28 @@
                   </a:ext>
                 </a:extLst>
               </a:tr>
-              <a:tr h="136234">
+              <a:tr h="288000">
                 <a:tc>
                   <a:txBody>
                     <a:bodyPr/>
                     <a:lstStyle/>
                     <a:p>
-                      <a:pPr algn="l" fontAlgn="b"/>
+                      <a:pPr algn="ctr" fontAlgn="b"/>
                       <a:r>
-                        <a:rPr lang="en-GB" sz="1800" u="none" strike="noStrike" dirty="0">
+                        <a:rPr lang="en-GB" sz="1600" u="none" strike="noStrike" dirty="0">
                           <a:effectLst/>
-                          <a:latin typeface="Times New Roman" panose="02020603050405020304" pitchFamily="18" charset="0"/>
-                          <a:cs typeface="Times New Roman" panose="02020603050405020304" pitchFamily="18" charset="0"/>
+                          <a:latin typeface="Arial" panose="020B0604020202020204" pitchFamily="34" charset="0"/>
+                          <a:cs typeface="Arial" panose="020B0604020202020204" pitchFamily="34" charset="0"/>
                         </a:rPr>
                         <a:t> </a:t>
                       </a:r>
-                      <a:endParaRPr lang="en-GB" sz="1800" b="0" i="0" u="none" strike="noStrike" dirty="0">
+                      <a:endParaRPr lang="en-GB" sz="1600" b="0" i="0" u="none" strike="noStrike" dirty="0">
                         <a:solidFill>
                           <a:srgbClr val="000000"/>
                         </a:solidFill>
                         <a:effectLst/>
-                        <a:latin typeface="Times New Roman" panose="02020603050405020304" pitchFamily="18" charset="0"/>
-                        <a:cs typeface="Times New Roman" panose="02020603050405020304" pitchFamily="18" charset="0"/>
+                        <a:latin typeface="Arial" panose="020B0604020202020204" pitchFamily="34" charset="0"/>
+                        <a:cs typeface="Arial" panose="020B0604020202020204" pitchFamily="34" charset="0"/>
                       </a:endParaRPr>
                     </a:p>
                   </a:txBody>
@@ -7869,7 +8387,9 @@
                       <a:headEnd type="none" w="med" len="med"/>
                       <a:tailEnd type="none" w="med" len="med"/>
                     </a:lnB>
-                    <a:noFill/>
+                    <a:solidFill>
+                      <a:schemeClr val="bg1"/>
+                    </a:solidFill>
                   </a:tcPr>
                 </a:tc>
                 <a:tc>
@@ -7877,22 +8397,22 @@
                     <a:bodyPr/>
                     <a:lstStyle/>
                     <a:p>
-                      <a:pPr algn="l" fontAlgn="b"/>
+                      <a:pPr algn="ctr" fontAlgn="b"/>
                       <a:r>
-                        <a:rPr lang="en-GB" sz="1600" b="1" u="none" strike="noStrike" dirty="0" err="1">
+                        <a:rPr lang="en-GB" sz="1200" b="1" u="none" strike="noStrike" dirty="0" err="1">
                           <a:effectLst/>
-                          <a:latin typeface="Times New Roman" panose="02020603050405020304" pitchFamily="18" charset="0"/>
-                          <a:cs typeface="Times New Roman" panose="02020603050405020304" pitchFamily="18" charset="0"/>
+                          <a:latin typeface="Arial" panose="020B0604020202020204" pitchFamily="34" charset="0"/>
+                          <a:cs typeface="Arial" panose="020B0604020202020204" pitchFamily="34" charset="0"/>
                         </a:rPr>
                         <a:t>Relu</a:t>
                       </a:r>
-                      <a:endParaRPr lang="en-GB" sz="1600" b="1" i="0" u="none" strike="noStrike" dirty="0">
+                      <a:endParaRPr lang="en-GB" sz="1200" b="1" i="0" u="none" strike="noStrike" dirty="0">
                         <a:solidFill>
                           <a:srgbClr val="000000"/>
                         </a:solidFill>
                         <a:effectLst/>
-                        <a:latin typeface="Times New Roman" panose="02020603050405020304" pitchFamily="18" charset="0"/>
-                        <a:cs typeface="Times New Roman" panose="02020603050405020304" pitchFamily="18" charset="0"/>
+                        <a:latin typeface="Arial" panose="020B0604020202020204" pitchFamily="34" charset="0"/>
+                        <a:cs typeface="Arial" panose="020B0604020202020204" pitchFamily="34" charset="0"/>
                       </a:endParaRPr>
                     </a:p>
                   </a:txBody>
@@ -7934,10 +8454,7 @@
                       <a:tailEnd type="none" w="med" len="med"/>
                     </a:lnB>
                     <a:solidFill>
-                      <a:schemeClr val="accent1">
-                        <a:lumMod val="20000"/>
-                        <a:lumOff val="80000"/>
-                      </a:schemeClr>
+                      <a:schemeClr val="bg1"/>
                     </a:solidFill>
                   </a:tcPr>
                 </a:tc>
@@ -7946,22 +8463,22 @@
                     <a:bodyPr/>
                     <a:lstStyle/>
                     <a:p>
-                      <a:pPr algn="l" fontAlgn="b"/>
+                      <a:pPr algn="ctr" fontAlgn="b"/>
                       <a:r>
-                        <a:rPr lang="en-GB" sz="1600" b="1" u="none" strike="noStrike" dirty="0" err="1">
+                        <a:rPr lang="en-GB" sz="1200" b="1" u="none" strike="noStrike" dirty="0" err="1">
                           <a:effectLst/>
-                          <a:latin typeface="Times New Roman" panose="02020603050405020304" pitchFamily="18" charset="0"/>
-                          <a:cs typeface="Times New Roman" panose="02020603050405020304" pitchFamily="18" charset="0"/>
+                          <a:latin typeface="Arial" panose="020B0604020202020204" pitchFamily="34" charset="0"/>
+                          <a:cs typeface="Arial" panose="020B0604020202020204" pitchFamily="34" charset="0"/>
                         </a:rPr>
                         <a:t>ClippedRelu</a:t>
                       </a:r>
-                      <a:endParaRPr lang="en-GB" sz="1600" b="1" i="0" u="none" strike="noStrike" dirty="0">
+                      <a:endParaRPr lang="en-GB" sz="1200" b="1" i="0" u="none" strike="noStrike" dirty="0">
                         <a:solidFill>
                           <a:srgbClr val="000000"/>
                         </a:solidFill>
                         <a:effectLst/>
-                        <a:latin typeface="Times New Roman" panose="02020603050405020304" pitchFamily="18" charset="0"/>
-                        <a:cs typeface="Times New Roman" panose="02020603050405020304" pitchFamily="18" charset="0"/>
+                        <a:latin typeface="Arial" panose="020B0604020202020204" pitchFamily="34" charset="0"/>
+                        <a:cs typeface="Arial" panose="020B0604020202020204" pitchFamily="34" charset="0"/>
                       </a:endParaRPr>
                     </a:p>
                   </a:txBody>
@@ -8003,10 +8520,7 @@
                       <a:tailEnd type="none" w="med" len="med"/>
                     </a:lnB>
                     <a:solidFill>
-                      <a:schemeClr val="accent2">
-                        <a:lumMod val="20000"/>
-                        <a:lumOff val="80000"/>
-                      </a:schemeClr>
+                      <a:schemeClr val="bg1"/>
                     </a:solidFill>
                   </a:tcPr>
                 </a:tc>
@@ -8079,22 +8593,22 @@
                     <a:bodyPr/>
                     <a:lstStyle/>
                     <a:p>
-                      <a:pPr algn="l" fontAlgn="b"/>
+                      <a:pPr algn="ctr" fontAlgn="b"/>
                       <a:r>
-                        <a:rPr lang="en-GB" sz="1600" b="1" u="none" strike="noStrike" dirty="0" err="1">
+                        <a:rPr lang="en-GB" sz="1200" b="1" u="none" strike="noStrike" dirty="0" err="1">
                           <a:effectLst/>
-                          <a:latin typeface="Times New Roman" panose="02020603050405020304" pitchFamily="18" charset="0"/>
-                          <a:cs typeface="Times New Roman" panose="02020603050405020304" pitchFamily="18" charset="0"/>
+                          <a:latin typeface="Arial" panose="020B0604020202020204" pitchFamily="34" charset="0"/>
+                          <a:cs typeface="Arial" panose="020B0604020202020204" pitchFamily="34" charset="0"/>
                         </a:rPr>
                         <a:t>LeakyRelu</a:t>
                       </a:r>
-                      <a:endParaRPr lang="en-GB" sz="1600" b="1" i="0" u="none" strike="noStrike" dirty="0">
+                      <a:endParaRPr lang="en-GB" sz="1200" b="1" i="0" u="none" strike="noStrike" dirty="0">
                         <a:solidFill>
                           <a:srgbClr val="000000"/>
                         </a:solidFill>
                         <a:effectLst/>
-                        <a:latin typeface="Times New Roman" panose="02020603050405020304" pitchFamily="18" charset="0"/>
-                        <a:cs typeface="Times New Roman" panose="02020603050405020304" pitchFamily="18" charset="0"/>
+                        <a:latin typeface="Arial" panose="020B0604020202020204" pitchFamily="34" charset="0"/>
+                        <a:cs typeface="Arial" panose="020B0604020202020204" pitchFamily="34" charset="0"/>
                       </a:endParaRPr>
                     </a:p>
                   </a:txBody>
@@ -8136,10 +8650,7 @@
                       <a:tailEnd type="none" w="med" len="med"/>
                     </a:lnB>
                     <a:solidFill>
-                      <a:schemeClr val="accent4">
-                        <a:lumMod val="20000"/>
-                        <a:lumOff val="80000"/>
-                      </a:schemeClr>
+                      <a:schemeClr val="bg1"/>
                     </a:solidFill>
                   </a:tcPr>
                 </a:tc>
@@ -8148,22 +8659,22 @@
                     <a:bodyPr/>
                     <a:lstStyle/>
                     <a:p>
-                      <a:pPr algn="l" fontAlgn="b"/>
+                      <a:pPr algn="ctr" fontAlgn="b"/>
                       <a:r>
-                        <a:rPr lang="en-GB" sz="1600" b="1" u="none" strike="noStrike" dirty="0" err="1">
+                        <a:rPr lang="en-GB" sz="1200" b="1" u="none" strike="noStrike" dirty="0" err="1">
                           <a:effectLst/>
-                          <a:latin typeface="Times New Roman" panose="02020603050405020304" pitchFamily="18" charset="0"/>
-                          <a:cs typeface="Times New Roman" panose="02020603050405020304" pitchFamily="18" charset="0"/>
+                          <a:latin typeface="Arial" panose="020B0604020202020204" pitchFamily="34" charset="0"/>
+                          <a:cs typeface="Arial" panose="020B0604020202020204" pitchFamily="34" charset="0"/>
                         </a:rPr>
                         <a:t>Relu</a:t>
                       </a:r>
-                      <a:endParaRPr lang="en-GB" sz="1600" b="1" i="0" u="none" strike="noStrike" dirty="0">
+                      <a:endParaRPr lang="en-GB" sz="1200" b="1" i="0" u="none" strike="noStrike" dirty="0">
                         <a:solidFill>
                           <a:srgbClr val="000000"/>
                         </a:solidFill>
                         <a:effectLst/>
-                        <a:latin typeface="Times New Roman" panose="02020603050405020304" pitchFamily="18" charset="0"/>
-                        <a:cs typeface="Times New Roman" panose="02020603050405020304" pitchFamily="18" charset="0"/>
+                        <a:latin typeface="Arial" panose="020B0604020202020204" pitchFamily="34" charset="0"/>
+                        <a:cs typeface="Arial" panose="020B0604020202020204" pitchFamily="34" charset="0"/>
                       </a:endParaRPr>
                     </a:p>
                   </a:txBody>
@@ -8205,10 +8716,7 @@
                       <a:tailEnd type="none" w="med" len="med"/>
                     </a:lnB>
                     <a:solidFill>
-                      <a:schemeClr val="accent1">
-                        <a:lumMod val="20000"/>
-                        <a:lumOff val="80000"/>
-                      </a:schemeClr>
+                      <a:schemeClr val="bg1"/>
                     </a:solidFill>
                   </a:tcPr>
                 </a:tc>
@@ -8217,22 +8725,22 @@
                     <a:bodyPr/>
                     <a:lstStyle/>
                     <a:p>
-                      <a:pPr algn="l" fontAlgn="b"/>
+                      <a:pPr algn="ctr" fontAlgn="b"/>
                       <a:r>
-                        <a:rPr lang="en-GB" sz="1600" b="1" u="none" strike="noStrike" dirty="0" err="1">
+                        <a:rPr lang="en-GB" sz="1200" b="1" u="none" strike="noStrike" dirty="0" err="1">
                           <a:effectLst/>
-                          <a:latin typeface="Times New Roman" panose="02020603050405020304" pitchFamily="18" charset="0"/>
-                          <a:cs typeface="Times New Roman" panose="02020603050405020304" pitchFamily="18" charset="0"/>
+                          <a:latin typeface="Arial" panose="020B0604020202020204" pitchFamily="34" charset="0"/>
+                          <a:cs typeface="Arial" panose="020B0604020202020204" pitchFamily="34" charset="0"/>
                         </a:rPr>
                         <a:t>ClippedRelu</a:t>
                       </a:r>
-                      <a:endParaRPr lang="en-GB" sz="1600" b="1" i="0" u="none" strike="noStrike" dirty="0">
+                      <a:endParaRPr lang="en-GB" sz="1200" b="1" i="0" u="none" strike="noStrike" dirty="0">
                         <a:solidFill>
                           <a:srgbClr val="000000"/>
                         </a:solidFill>
                         <a:effectLst/>
-                        <a:latin typeface="Times New Roman" panose="02020603050405020304" pitchFamily="18" charset="0"/>
-                        <a:cs typeface="Times New Roman" panose="02020603050405020304" pitchFamily="18" charset="0"/>
+                        <a:latin typeface="Arial" panose="020B0604020202020204" pitchFamily="34" charset="0"/>
+                        <a:cs typeface="Arial" panose="020B0604020202020204" pitchFamily="34" charset="0"/>
                       </a:endParaRPr>
                     </a:p>
                   </a:txBody>
@@ -8274,10 +8782,7 @@
                       <a:tailEnd type="none" w="med" len="med"/>
                     </a:lnB>
                     <a:solidFill>
-                      <a:schemeClr val="accent2">
-                        <a:lumMod val="20000"/>
-                        <a:lumOff val="80000"/>
-                      </a:schemeClr>
+                      <a:schemeClr val="bg1"/>
                     </a:solidFill>
                   </a:tcPr>
                 </a:tc>
@@ -8286,22 +8791,22 @@
                     <a:bodyPr/>
                     <a:lstStyle/>
                     <a:p>
-                      <a:pPr algn="l" fontAlgn="b"/>
+                      <a:pPr algn="ctr" fontAlgn="b"/>
                       <a:r>
-                        <a:rPr lang="en-GB" sz="1600" b="1" u="none" strike="noStrike" dirty="0" err="1">
+                        <a:rPr lang="en-GB" sz="1200" b="1" u="none" strike="noStrike" dirty="0" err="1">
                           <a:effectLst/>
-                          <a:latin typeface="Times New Roman" panose="02020603050405020304" pitchFamily="18" charset="0"/>
-                          <a:cs typeface="Times New Roman" panose="02020603050405020304" pitchFamily="18" charset="0"/>
+                          <a:latin typeface="Arial" panose="020B0604020202020204" pitchFamily="34" charset="0"/>
+                          <a:cs typeface="Arial" panose="020B0604020202020204" pitchFamily="34" charset="0"/>
                         </a:rPr>
                         <a:t>LeakyRelu</a:t>
                       </a:r>
-                      <a:endParaRPr lang="en-GB" sz="1600" b="1" i="0" u="none" strike="noStrike" dirty="0">
+                      <a:endParaRPr lang="en-GB" sz="1200" b="1" i="0" u="none" strike="noStrike" dirty="0">
                         <a:solidFill>
                           <a:srgbClr val="000000"/>
                         </a:solidFill>
                         <a:effectLst/>
-                        <a:latin typeface="Times New Roman" panose="02020603050405020304" pitchFamily="18" charset="0"/>
-                        <a:cs typeface="Times New Roman" panose="02020603050405020304" pitchFamily="18" charset="0"/>
+                        <a:latin typeface="Arial" panose="020B0604020202020204" pitchFamily="34" charset="0"/>
+                        <a:cs typeface="Arial" panose="020B0604020202020204" pitchFamily="34" charset="0"/>
                       </a:endParaRPr>
                     </a:p>
                   </a:txBody>
@@ -8343,10 +8848,7 @@
                       <a:tailEnd type="none" w="med" len="med"/>
                     </a:lnB>
                     <a:solidFill>
-                      <a:schemeClr val="accent4">
-                        <a:lumMod val="20000"/>
-                        <a:lumOff val="80000"/>
-                      </a:schemeClr>
+                      <a:schemeClr val="bg1"/>
                     </a:solidFill>
                   </a:tcPr>
                 </a:tc>
@@ -8355,22 +8857,22 @@
                     <a:bodyPr/>
                     <a:lstStyle/>
                     <a:p>
-                      <a:pPr algn="l" fontAlgn="b"/>
+                      <a:pPr algn="ctr" fontAlgn="b"/>
                       <a:r>
-                        <a:rPr lang="en-GB" sz="1600" b="1" u="none" strike="noStrike" dirty="0" err="1">
+                        <a:rPr lang="en-GB" sz="1200" b="1" u="none" strike="noStrike" dirty="0" err="1">
                           <a:effectLst/>
-                          <a:latin typeface="Times New Roman" panose="02020603050405020304" pitchFamily="18" charset="0"/>
-                          <a:cs typeface="Times New Roman" panose="02020603050405020304" pitchFamily="18" charset="0"/>
+                          <a:latin typeface="Arial" panose="020B0604020202020204" pitchFamily="34" charset="0"/>
+                          <a:cs typeface="Arial" panose="020B0604020202020204" pitchFamily="34" charset="0"/>
                         </a:rPr>
                         <a:t>Relu</a:t>
                       </a:r>
-                      <a:endParaRPr lang="en-GB" sz="1600" b="1" i="0" u="none" strike="noStrike" dirty="0">
+                      <a:endParaRPr lang="en-GB" sz="1200" b="1" i="0" u="none" strike="noStrike" dirty="0">
                         <a:solidFill>
                           <a:srgbClr val="000000"/>
                         </a:solidFill>
                         <a:effectLst/>
-                        <a:latin typeface="Times New Roman" panose="02020603050405020304" pitchFamily="18" charset="0"/>
-                        <a:cs typeface="Times New Roman" panose="02020603050405020304" pitchFamily="18" charset="0"/>
+                        <a:latin typeface="Arial" panose="020B0604020202020204" pitchFamily="34" charset="0"/>
+                        <a:cs typeface="Arial" panose="020B0604020202020204" pitchFamily="34" charset="0"/>
                       </a:endParaRPr>
                     </a:p>
                   </a:txBody>
@@ -8412,10 +8914,7 @@
                       <a:tailEnd type="none" w="med" len="med"/>
                     </a:lnB>
                     <a:solidFill>
-                      <a:schemeClr val="accent1">
-                        <a:lumMod val="20000"/>
-                        <a:lumOff val="80000"/>
-                      </a:schemeClr>
+                      <a:schemeClr val="bg1"/>
                     </a:solidFill>
                   </a:tcPr>
                 </a:tc>
@@ -8424,22 +8923,22 @@
                     <a:bodyPr/>
                     <a:lstStyle/>
                     <a:p>
-                      <a:pPr algn="l" fontAlgn="b"/>
+                      <a:pPr algn="ctr" fontAlgn="b"/>
                       <a:r>
-                        <a:rPr lang="en-GB" sz="1600" b="1" u="none" strike="noStrike" dirty="0" err="1">
+                        <a:rPr lang="en-GB" sz="1200" b="1" u="none" strike="noStrike" dirty="0" err="1">
                           <a:effectLst/>
-                          <a:latin typeface="Times New Roman" panose="02020603050405020304" pitchFamily="18" charset="0"/>
-                          <a:cs typeface="Times New Roman" panose="02020603050405020304" pitchFamily="18" charset="0"/>
+                          <a:latin typeface="Arial" panose="020B0604020202020204" pitchFamily="34" charset="0"/>
+                          <a:cs typeface="Arial" panose="020B0604020202020204" pitchFamily="34" charset="0"/>
                         </a:rPr>
                         <a:t>ClippedRelu</a:t>
                       </a:r>
-                      <a:endParaRPr lang="en-GB" sz="1600" b="1" i="0" u="none" strike="noStrike" dirty="0">
+                      <a:endParaRPr lang="en-GB" sz="1200" b="1" i="0" u="none" strike="noStrike" dirty="0">
                         <a:solidFill>
                           <a:srgbClr val="000000"/>
                         </a:solidFill>
                         <a:effectLst/>
-                        <a:latin typeface="Times New Roman" panose="02020603050405020304" pitchFamily="18" charset="0"/>
-                        <a:cs typeface="Times New Roman" panose="02020603050405020304" pitchFamily="18" charset="0"/>
+                        <a:latin typeface="Arial" panose="020B0604020202020204" pitchFamily="34" charset="0"/>
+                        <a:cs typeface="Arial" panose="020B0604020202020204" pitchFamily="34" charset="0"/>
                       </a:endParaRPr>
                     </a:p>
                   </a:txBody>
@@ -8481,10 +8980,7 @@
                       <a:tailEnd type="none" w="med" len="med"/>
                     </a:lnB>
                     <a:solidFill>
-                      <a:schemeClr val="accent2">
-                        <a:lumMod val="20000"/>
-                        <a:lumOff val="80000"/>
-                      </a:schemeClr>
+                      <a:schemeClr val="bg1"/>
                     </a:solidFill>
                   </a:tcPr>
                 </a:tc>
@@ -8493,22 +8989,22 @@
                     <a:bodyPr/>
                     <a:lstStyle/>
                     <a:p>
-                      <a:pPr algn="l" fontAlgn="b"/>
+                      <a:pPr algn="ctr" fontAlgn="b"/>
                       <a:r>
-                        <a:rPr lang="en-GB" sz="1600" b="1" u="none" strike="noStrike" dirty="0" err="1">
+                        <a:rPr lang="en-GB" sz="1200" b="1" u="none" strike="noStrike" dirty="0" err="1">
                           <a:effectLst/>
-                          <a:latin typeface="Times New Roman" panose="02020603050405020304" pitchFamily="18" charset="0"/>
-                          <a:cs typeface="Times New Roman" panose="02020603050405020304" pitchFamily="18" charset="0"/>
+                          <a:latin typeface="Arial" panose="020B0604020202020204" pitchFamily="34" charset="0"/>
+                          <a:cs typeface="Arial" panose="020B0604020202020204" pitchFamily="34" charset="0"/>
                         </a:rPr>
                         <a:t>LeakyRelu</a:t>
                       </a:r>
-                      <a:endParaRPr lang="en-GB" sz="1600" b="1" i="0" u="none" strike="noStrike" dirty="0">
+                      <a:endParaRPr lang="en-GB" sz="1200" b="1" i="0" u="none" strike="noStrike" dirty="0">
                         <a:solidFill>
                           <a:srgbClr val="000000"/>
                         </a:solidFill>
                         <a:effectLst/>
-                        <a:latin typeface="Times New Roman" panose="02020603050405020304" pitchFamily="18" charset="0"/>
-                        <a:cs typeface="Times New Roman" panose="02020603050405020304" pitchFamily="18" charset="0"/>
+                        <a:latin typeface="Arial" panose="020B0604020202020204" pitchFamily="34" charset="0"/>
+                        <a:cs typeface="Arial" panose="020B0604020202020204" pitchFamily="34" charset="0"/>
                       </a:endParaRPr>
                     </a:p>
                   </a:txBody>
@@ -8550,10 +9046,7 @@
                       <a:tailEnd type="none" w="med" len="med"/>
                     </a:lnB>
                     <a:solidFill>
-                      <a:schemeClr val="accent4">
-                        <a:lumMod val="20000"/>
-                        <a:lumOff val="80000"/>
-                      </a:schemeClr>
+                      <a:schemeClr val="bg1"/>
                     </a:solidFill>
                   </a:tcPr>
                 </a:tc>
@@ -8563,28 +9056,28 @@
                   </a:ext>
                 </a:extLst>
               </a:tr>
-              <a:tr h="136234">
+              <a:tr h="288000">
                 <a:tc>
                   <a:txBody>
                     <a:bodyPr/>
                     <a:lstStyle/>
                     <a:p>
-                      <a:pPr algn="l" fontAlgn="b"/>
+                      <a:pPr algn="ctr" fontAlgn="b"/>
                       <a:r>
-                        <a:rPr lang="en-GB" sz="1800" b="1" u="none" strike="noStrike" dirty="0">
+                        <a:rPr lang="en-GB" sz="1200" b="1" u="none" strike="noStrike" dirty="0">
                           <a:effectLst/>
-                          <a:latin typeface="Times New Roman" panose="02020603050405020304" pitchFamily="18" charset="0"/>
-                          <a:cs typeface="Times New Roman" panose="02020603050405020304" pitchFamily="18" charset="0"/>
+                          <a:latin typeface="Arial" panose="020B0604020202020204" pitchFamily="34" charset="0"/>
+                          <a:cs typeface="Arial" panose="020B0604020202020204" pitchFamily="34" charset="0"/>
                         </a:rPr>
                         <a:t>Accuracy</a:t>
                       </a:r>
-                      <a:endParaRPr lang="en-GB" sz="1800" b="1" i="0" u="none" strike="noStrike" dirty="0">
+                      <a:endParaRPr lang="en-GB" sz="1200" b="1" i="0" u="none" strike="noStrike" dirty="0">
                         <a:solidFill>
                           <a:srgbClr val="000000"/>
                         </a:solidFill>
                         <a:effectLst/>
-                        <a:latin typeface="Times New Roman" panose="02020603050405020304" pitchFamily="18" charset="0"/>
-                        <a:cs typeface="Times New Roman" panose="02020603050405020304" pitchFamily="18" charset="0"/>
+                        <a:latin typeface="Arial" panose="020B0604020202020204" pitchFamily="34" charset="0"/>
+                        <a:cs typeface="Arial" panose="020B0604020202020204" pitchFamily="34" charset="0"/>
                       </a:endParaRPr>
                     </a:p>
                   </a:txBody>
@@ -8625,7 +9118,9 @@
                       <a:headEnd type="none" w="med" len="med"/>
                       <a:tailEnd type="none" w="med" len="med"/>
                     </a:lnB>
-                    <a:noFill/>
+                    <a:solidFill>
+                      <a:schemeClr val="bg1"/>
+                    </a:solidFill>
                   </a:tcPr>
                 </a:tc>
                 <a:tc>
@@ -8635,20 +9130,20 @@
                     <a:p>
                       <a:pPr algn="r" fontAlgn="b"/>
                       <a:r>
-                        <a:rPr lang="en-GB" sz="1800" u="none" strike="noStrike" dirty="0">
+                        <a:rPr lang="en-GB" sz="1200" u="none" strike="noStrike" dirty="0">
                           <a:effectLst/>
-                          <a:latin typeface="Times New Roman" panose="02020603050405020304" pitchFamily="18" charset="0"/>
-                          <a:cs typeface="Times New Roman" panose="02020603050405020304" pitchFamily="18" charset="0"/>
+                          <a:latin typeface="Arial" panose="020B0604020202020204" pitchFamily="34" charset="0"/>
+                          <a:cs typeface="Arial" panose="020B0604020202020204" pitchFamily="34" charset="0"/>
                         </a:rPr>
                         <a:t>0.8125</a:t>
                       </a:r>
-                      <a:endParaRPr lang="en-GB" sz="1800" b="0" i="0" u="none" strike="noStrike" dirty="0">
+                      <a:endParaRPr lang="en-GB" sz="1200" b="0" i="0" u="none" strike="noStrike" dirty="0">
                         <a:solidFill>
                           <a:srgbClr val="0D0D0D"/>
                         </a:solidFill>
                         <a:effectLst/>
-                        <a:latin typeface="Times New Roman" panose="02020603050405020304" pitchFamily="18" charset="0"/>
-                        <a:cs typeface="Times New Roman" panose="02020603050405020304" pitchFamily="18" charset="0"/>
+                        <a:latin typeface="Arial" panose="020B0604020202020204" pitchFamily="34" charset="0"/>
+                        <a:cs typeface="Arial" panose="020B0604020202020204" pitchFamily="34" charset="0"/>
                       </a:endParaRPr>
                     </a:p>
                   </a:txBody>
@@ -8690,10 +9185,7 @@
                       <a:tailEnd type="none" w="med" len="med"/>
                     </a:lnB>
                     <a:solidFill>
-                      <a:schemeClr val="accent1">
-                        <a:lumMod val="20000"/>
-                        <a:lumOff val="80000"/>
-                      </a:schemeClr>
+                      <a:schemeClr val="bg2"/>
                     </a:solidFill>
                   </a:tcPr>
                 </a:tc>
@@ -8704,20 +9196,20 @@
                     <a:p>
                       <a:pPr algn="r" fontAlgn="b"/>
                       <a:r>
-                        <a:rPr lang="en-GB" sz="1800" u="none" strike="noStrike" dirty="0">
+                        <a:rPr lang="en-GB" sz="1200" u="none" strike="noStrike" dirty="0">
                           <a:effectLst/>
-                          <a:latin typeface="Times New Roman" panose="02020603050405020304" pitchFamily="18" charset="0"/>
-                          <a:cs typeface="Times New Roman" panose="02020603050405020304" pitchFamily="18" charset="0"/>
+                          <a:latin typeface="Arial" panose="020B0604020202020204" pitchFamily="34" charset="0"/>
+                          <a:cs typeface="Arial" panose="020B0604020202020204" pitchFamily="34" charset="0"/>
                         </a:rPr>
                         <a:t>1</a:t>
                       </a:r>
-                      <a:endParaRPr lang="en-GB" sz="1800" b="0" i="0" u="none" strike="noStrike" dirty="0">
+                      <a:endParaRPr lang="en-GB" sz="1200" b="0" i="0" u="none" strike="noStrike" dirty="0">
                         <a:solidFill>
                           <a:srgbClr val="000000"/>
                         </a:solidFill>
                         <a:effectLst/>
-                        <a:latin typeface="Times New Roman" panose="02020603050405020304" pitchFamily="18" charset="0"/>
-                        <a:cs typeface="Times New Roman" panose="02020603050405020304" pitchFamily="18" charset="0"/>
+                        <a:latin typeface="Arial" panose="020B0604020202020204" pitchFamily="34" charset="0"/>
+                        <a:cs typeface="Arial" panose="020B0604020202020204" pitchFamily="34" charset="0"/>
                       </a:endParaRPr>
                     </a:p>
                   </a:txBody>
@@ -8759,10 +9251,7 @@
                       <a:tailEnd type="none" w="med" len="med"/>
                     </a:lnB>
                     <a:solidFill>
-                      <a:schemeClr val="accent2">
-                        <a:lumMod val="20000"/>
-                        <a:lumOff val="80000"/>
-                      </a:schemeClr>
+                      <a:schemeClr val="bg2"/>
                     </a:solidFill>
                   </a:tcPr>
                 </a:tc>
@@ -8837,20 +9326,20 @@
                     <a:p>
                       <a:pPr algn="r" fontAlgn="b"/>
                       <a:r>
-                        <a:rPr lang="en-GB" sz="1800" u="none" strike="noStrike" dirty="0">
+                        <a:rPr lang="en-GB" sz="1200" u="none" strike="noStrike" dirty="0">
                           <a:effectLst/>
-                          <a:latin typeface="Times New Roman" panose="02020603050405020304" pitchFamily="18" charset="0"/>
-                          <a:cs typeface="Times New Roman" panose="02020603050405020304" pitchFamily="18" charset="0"/>
+                          <a:latin typeface="Arial" panose="020B0604020202020204" pitchFamily="34" charset="0"/>
+                          <a:cs typeface="Arial" panose="020B0604020202020204" pitchFamily="34" charset="0"/>
                         </a:rPr>
                         <a:t>0.9875</a:t>
                       </a:r>
-                      <a:endParaRPr lang="en-GB" sz="1800" b="0" i="0" u="none" strike="noStrike" dirty="0">
+                      <a:endParaRPr lang="en-GB" sz="1200" b="0" i="0" u="none" strike="noStrike" dirty="0">
                         <a:solidFill>
                           <a:srgbClr val="000000"/>
                         </a:solidFill>
                         <a:effectLst/>
-                        <a:latin typeface="Times New Roman" panose="02020603050405020304" pitchFamily="18" charset="0"/>
-                        <a:cs typeface="Times New Roman" panose="02020603050405020304" pitchFamily="18" charset="0"/>
+                        <a:latin typeface="Arial" panose="020B0604020202020204" pitchFamily="34" charset="0"/>
+                        <a:cs typeface="Arial" panose="020B0604020202020204" pitchFamily="34" charset="0"/>
                       </a:endParaRPr>
                     </a:p>
                   </a:txBody>
@@ -8892,10 +9381,7 @@
                       <a:tailEnd type="none" w="med" len="med"/>
                     </a:lnB>
                     <a:solidFill>
-                      <a:schemeClr val="accent4">
-                        <a:lumMod val="20000"/>
-                        <a:lumOff val="80000"/>
-                      </a:schemeClr>
+                      <a:schemeClr val="bg2"/>
                     </a:solidFill>
                   </a:tcPr>
                 </a:tc>
@@ -8906,20 +9392,20 @@
                     <a:p>
                       <a:pPr algn="r" fontAlgn="b"/>
                       <a:r>
-                        <a:rPr lang="en-GB" sz="1800" u="none" strike="noStrike" dirty="0">
+                        <a:rPr lang="en-GB" sz="1200" u="none" strike="noStrike" dirty="0">
                           <a:effectLst/>
-                          <a:latin typeface="Times New Roman" panose="02020603050405020304" pitchFamily="18" charset="0"/>
-                          <a:cs typeface="Times New Roman" panose="02020603050405020304" pitchFamily="18" charset="0"/>
+                          <a:latin typeface="Arial" panose="020B0604020202020204" pitchFamily="34" charset="0"/>
+                          <a:cs typeface="Arial" panose="020B0604020202020204" pitchFamily="34" charset="0"/>
                         </a:rPr>
                         <a:t>0.75</a:t>
                       </a:r>
-                      <a:endParaRPr lang="en-GB" sz="1800" b="0" i="0" u="none" strike="noStrike" dirty="0">
+                      <a:endParaRPr lang="en-GB" sz="1200" b="0" i="0" u="none" strike="noStrike" dirty="0">
                         <a:solidFill>
                           <a:srgbClr val="000000"/>
                         </a:solidFill>
                         <a:effectLst/>
-                        <a:latin typeface="Times New Roman" panose="02020603050405020304" pitchFamily="18" charset="0"/>
-                        <a:cs typeface="Times New Roman" panose="02020603050405020304" pitchFamily="18" charset="0"/>
+                        <a:latin typeface="Arial" panose="020B0604020202020204" pitchFamily="34" charset="0"/>
+                        <a:cs typeface="Arial" panose="020B0604020202020204" pitchFamily="34" charset="0"/>
                       </a:endParaRPr>
                     </a:p>
                   </a:txBody>
@@ -8961,10 +9447,7 @@
                       <a:tailEnd type="none" w="med" len="med"/>
                     </a:lnB>
                     <a:solidFill>
-                      <a:schemeClr val="accent1">
-                        <a:lumMod val="20000"/>
-                        <a:lumOff val="80000"/>
-                      </a:schemeClr>
+                      <a:schemeClr val="bg2"/>
                     </a:solidFill>
                   </a:tcPr>
                 </a:tc>
@@ -8975,20 +9458,20 @@
                     <a:p>
                       <a:pPr algn="r" fontAlgn="b"/>
                       <a:r>
-                        <a:rPr lang="en-GB" sz="1800" u="none" strike="noStrike" dirty="0">
+                        <a:rPr lang="en-GB" sz="1200" u="none" strike="noStrike" dirty="0">
                           <a:effectLst/>
-                          <a:latin typeface="Times New Roman" panose="02020603050405020304" pitchFamily="18" charset="0"/>
-                          <a:cs typeface="Times New Roman" panose="02020603050405020304" pitchFamily="18" charset="0"/>
+                          <a:latin typeface="Arial" panose="020B0604020202020204" pitchFamily="34" charset="0"/>
+                          <a:cs typeface="Arial" panose="020B0604020202020204" pitchFamily="34" charset="0"/>
                         </a:rPr>
                         <a:t>1</a:t>
                       </a:r>
-                      <a:endParaRPr lang="en-GB" sz="1800" b="0" i="0" u="none" strike="noStrike" dirty="0">
+                      <a:endParaRPr lang="en-GB" sz="1200" b="0" i="0" u="none" strike="noStrike" dirty="0">
                         <a:solidFill>
                           <a:srgbClr val="000000"/>
                         </a:solidFill>
                         <a:effectLst/>
-                        <a:latin typeface="Times New Roman" panose="02020603050405020304" pitchFamily="18" charset="0"/>
-                        <a:cs typeface="Times New Roman" panose="02020603050405020304" pitchFamily="18" charset="0"/>
+                        <a:latin typeface="Arial" panose="020B0604020202020204" pitchFamily="34" charset="0"/>
+                        <a:cs typeface="Arial" panose="020B0604020202020204" pitchFamily="34" charset="0"/>
                       </a:endParaRPr>
                     </a:p>
                   </a:txBody>
@@ -9030,10 +9513,7 @@
                       <a:tailEnd type="none" w="med" len="med"/>
                     </a:lnB>
                     <a:solidFill>
-                      <a:schemeClr val="accent2">
-                        <a:lumMod val="20000"/>
-                        <a:lumOff val="80000"/>
-                      </a:schemeClr>
+                      <a:schemeClr val="bg2"/>
                     </a:solidFill>
                   </a:tcPr>
                 </a:tc>
@@ -9044,20 +9524,20 @@
                     <a:p>
                       <a:pPr algn="r" fontAlgn="b"/>
                       <a:r>
-                        <a:rPr lang="en-GB" sz="1800" u="none" strike="noStrike" dirty="0">
+                        <a:rPr lang="en-GB" sz="1200" u="none" strike="noStrike" dirty="0">
                           <a:effectLst/>
-                          <a:latin typeface="Times New Roman" panose="02020603050405020304" pitchFamily="18" charset="0"/>
-                          <a:cs typeface="Times New Roman" panose="02020603050405020304" pitchFamily="18" charset="0"/>
+                          <a:latin typeface="Arial" panose="020B0604020202020204" pitchFamily="34" charset="0"/>
+                          <a:cs typeface="Arial" panose="020B0604020202020204" pitchFamily="34" charset="0"/>
                         </a:rPr>
                         <a:t>0.8125</a:t>
                       </a:r>
-                      <a:endParaRPr lang="en-GB" sz="1800" b="0" i="0" u="none" strike="noStrike" dirty="0">
+                      <a:endParaRPr lang="en-GB" sz="1200" b="0" i="0" u="none" strike="noStrike" dirty="0">
                         <a:solidFill>
                           <a:srgbClr val="000000"/>
                         </a:solidFill>
                         <a:effectLst/>
-                        <a:latin typeface="Times New Roman" panose="02020603050405020304" pitchFamily="18" charset="0"/>
-                        <a:cs typeface="Times New Roman" panose="02020603050405020304" pitchFamily="18" charset="0"/>
+                        <a:latin typeface="Arial" panose="020B0604020202020204" pitchFamily="34" charset="0"/>
+                        <a:cs typeface="Arial" panose="020B0604020202020204" pitchFamily="34" charset="0"/>
                       </a:endParaRPr>
                     </a:p>
                   </a:txBody>
@@ -9099,10 +9579,7 @@
                       <a:tailEnd type="none" w="med" len="med"/>
                     </a:lnB>
                     <a:solidFill>
-                      <a:schemeClr val="accent4">
-                        <a:lumMod val="20000"/>
-                        <a:lumOff val="80000"/>
-                      </a:schemeClr>
+                      <a:schemeClr val="bg2"/>
                     </a:solidFill>
                   </a:tcPr>
                 </a:tc>
@@ -9113,20 +9590,20 @@
                     <a:p>
                       <a:pPr algn="r" fontAlgn="b"/>
                       <a:r>
-                        <a:rPr lang="en-GB" sz="1800" u="none" strike="noStrike" dirty="0">
+                        <a:rPr lang="en-GB" sz="1200" u="none" strike="noStrike" dirty="0">
                           <a:effectLst/>
-                          <a:latin typeface="Times New Roman" panose="02020603050405020304" pitchFamily="18" charset="0"/>
-                          <a:cs typeface="Times New Roman" panose="02020603050405020304" pitchFamily="18" charset="0"/>
+                          <a:latin typeface="Arial" panose="020B0604020202020204" pitchFamily="34" charset="0"/>
+                          <a:cs typeface="Arial" panose="020B0604020202020204" pitchFamily="34" charset="0"/>
                         </a:rPr>
                         <a:t>0.325</a:t>
                       </a:r>
-                      <a:endParaRPr lang="en-GB" sz="1800" b="0" i="0" u="none" strike="noStrike" dirty="0">
+                      <a:endParaRPr lang="en-GB" sz="1200" b="0" i="0" u="none" strike="noStrike" dirty="0">
                         <a:solidFill>
                           <a:srgbClr val="000000"/>
                         </a:solidFill>
                         <a:effectLst/>
-                        <a:latin typeface="Times New Roman" panose="02020603050405020304" pitchFamily="18" charset="0"/>
-                        <a:cs typeface="Times New Roman" panose="02020603050405020304" pitchFamily="18" charset="0"/>
+                        <a:latin typeface="Arial" panose="020B0604020202020204" pitchFamily="34" charset="0"/>
+                        <a:cs typeface="Arial" panose="020B0604020202020204" pitchFamily="34" charset="0"/>
                       </a:endParaRPr>
                     </a:p>
                   </a:txBody>
@@ -9168,10 +9645,7 @@
                       <a:tailEnd type="none" w="med" len="med"/>
                     </a:lnB>
                     <a:solidFill>
-                      <a:schemeClr val="accent1">
-                        <a:lumMod val="20000"/>
-                        <a:lumOff val="80000"/>
-                      </a:schemeClr>
+                      <a:schemeClr val="bg2"/>
                     </a:solidFill>
                   </a:tcPr>
                 </a:tc>
@@ -9182,20 +9656,20 @@
                     <a:p>
                       <a:pPr algn="r" fontAlgn="b"/>
                       <a:r>
-                        <a:rPr lang="en-GB" sz="1800" u="none" strike="noStrike" dirty="0">
+                        <a:rPr lang="en-GB" sz="1200" u="none" strike="noStrike" dirty="0">
                           <a:effectLst/>
-                          <a:latin typeface="Times New Roman" panose="02020603050405020304" pitchFamily="18" charset="0"/>
-                          <a:cs typeface="Times New Roman" panose="02020603050405020304" pitchFamily="18" charset="0"/>
+                          <a:latin typeface="Arial" panose="020B0604020202020204" pitchFamily="34" charset="0"/>
+                          <a:cs typeface="Arial" panose="020B0604020202020204" pitchFamily="34" charset="0"/>
                         </a:rPr>
                         <a:t>1</a:t>
                       </a:r>
-                      <a:endParaRPr lang="en-GB" sz="1800" b="0" i="0" u="none" strike="noStrike" dirty="0">
+                      <a:endParaRPr lang="en-GB" sz="1200" b="0" i="0" u="none" strike="noStrike" dirty="0">
                         <a:solidFill>
                           <a:srgbClr val="000000"/>
                         </a:solidFill>
                         <a:effectLst/>
-                        <a:latin typeface="Times New Roman" panose="02020603050405020304" pitchFamily="18" charset="0"/>
-                        <a:cs typeface="Times New Roman" panose="02020603050405020304" pitchFamily="18" charset="0"/>
+                        <a:latin typeface="Arial" panose="020B0604020202020204" pitchFamily="34" charset="0"/>
+                        <a:cs typeface="Arial" panose="020B0604020202020204" pitchFamily="34" charset="0"/>
                       </a:endParaRPr>
                     </a:p>
                   </a:txBody>
@@ -9237,10 +9711,7 @@
                       <a:tailEnd type="none" w="med" len="med"/>
                     </a:lnB>
                     <a:solidFill>
-                      <a:schemeClr val="accent2">
-                        <a:lumMod val="20000"/>
-                        <a:lumOff val="80000"/>
-                      </a:schemeClr>
+                      <a:schemeClr val="bg2"/>
                     </a:solidFill>
                   </a:tcPr>
                 </a:tc>
@@ -9251,20 +9722,20 @@
                     <a:p>
                       <a:pPr algn="r" fontAlgn="b"/>
                       <a:r>
-                        <a:rPr lang="en-GB" sz="1800" u="none" strike="noStrike" dirty="0">
+                        <a:rPr lang="en-GB" sz="1200" u="none" strike="noStrike" dirty="0">
                           <a:effectLst/>
-                          <a:latin typeface="Times New Roman" panose="02020603050405020304" pitchFamily="18" charset="0"/>
-                          <a:cs typeface="Times New Roman" panose="02020603050405020304" pitchFamily="18" charset="0"/>
+                          <a:latin typeface="Arial" panose="020B0604020202020204" pitchFamily="34" charset="0"/>
+                          <a:cs typeface="Arial" panose="020B0604020202020204" pitchFamily="34" charset="0"/>
                         </a:rPr>
                         <a:t>0.3375</a:t>
                       </a:r>
-                      <a:endParaRPr lang="en-GB" sz="1800" b="0" i="0" u="none" strike="noStrike" dirty="0">
+                      <a:endParaRPr lang="en-GB" sz="1200" b="0" i="0" u="none" strike="noStrike" dirty="0">
                         <a:solidFill>
                           <a:srgbClr val="000000"/>
                         </a:solidFill>
                         <a:effectLst/>
-                        <a:latin typeface="Times New Roman" panose="02020603050405020304" pitchFamily="18" charset="0"/>
-                        <a:cs typeface="Times New Roman" panose="02020603050405020304" pitchFamily="18" charset="0"/>
+                        <a:latin typeface="Arial" panose="020B0604020202020204" pitchFamily="34" charset="0"/>
+                        <a:cs typeface="Arial" panose="020B0604020202020204" pitchFamily="34" charset="0"/>
                       </a:endParaRPr>
                     </a:p>
                   </a:txBody>
@@ -9306,10 +9777,7 @@
                       <a:tailEnd type="none" w="med" len="med"/>
                     </a:lnB>
                     <a:solidFill>
-                      <a:schemeClr val="accent4">
-                        <a:lumMod val="20000"/>
-                        <a:lumOff val="80000"/>
-                      </a:schemeClr>
+                      <a:schemeClr val="bg2"/>
                     </a:solidFill>
                   </a:tcPr>
                 </a:tc>
@@ -9338,14 +9806,14 @@
           <p:nvPr>
             <p:extLst>
               <p:ext uri="{D42A27DB-BD31-4B8C-83A1-F6EECF244321}">
-                <p14:modId xmlns:p14="http://schemas.microsoft.com/office/powerpoint/2010/main" val="1498178473"/>
+                <p14:modId xmlns:p14="http://schemas.microsoft.com/office/powerpoint/2010/main" val="2353611694"/>
               </p:ext>
             </p:extLst>
           </p:nvPr>
         </p:nvGraphicFramePr>
         <p:xfrm>
-          <a:off x="838200" y="2665732"/>
-          <a:ext cx="10587516" cy="1434010"/>
+          <a:off x="838200" y="2779904"/>
+          <a:ext cx="10587516" cy="1440000"/>
         </p:xfrm>
         <a:graphic>
           <a:graphicData uri="http://schemas.openxmlformats.org/drawingml/2006/table">
@@ -9368,10 +9836,17 @@
                     </a:ext>
                   </a:extLst>
                 </a:gridCol>
-                <a:gridCol w="1421589">
+                <a:gridCol w="685888">
                   <a:extLst>
                     <a:ext uri="{9D8B030D-6E8A-4147-A177-3AD203B41FA5}">
                       <a16:colId xmlns:a16="http://schemas.microsoft.com/office/drawing/2014/main" val="2393979863"/>
+                    </a:ext>
+                  </a:extLst>
+                </a:gridCol>
+                <a:gridCol w="735701">
+                  <a:extLst>
+                    <a:ext uri="{9D8B030D-6E8A-4147-A177-3AD203B41FA5}">
+                      <a16:colId xmlns:a16="http://schemas.microsoft.com/office/drawing/2014/main" val="1178491975"/>
                     </a:ext>
                   </a:extLst>
                 </a:gridCol>
@@ -9425,28 +9900,28 @@
                   </a:extLst>
                 </a:gridCol>
               </a:tblGrid>
-              <a:tr h="161778">
-                <a:tc gridSpan="10">
+              <a:tr h="288000">
+                <a:tc gridSpan="11">
                   <a:txBody>
                     <a:bodyPr/>
                     <a:lstStyle/>
                     <a:p>
                       <a:pPr algn="ctr" fontAlgn="b"/>
                       <a:r>
-                        <a:rPr lang="en-GB" sz="2000" b="1" u="none" strike="noStrike" dirty="0">
+                        <a:rPr lang="en-GB" sz="1600" b="1" u="none" strike="noStrike" dirty="0">
                           <a:effectLst/>
-                          <a:latin typeface="Times New Roman" panose="02020603050405020304" pitchFamily="18" charset="0"/>
-                          <a:cs typeface="Times New Roman" panose="02020603050405020304" pitchFamily="18" charset="0"/>
+                          <a:latin typeface="Arial" panose="020B0604020202020204" pitchFamily="34" charset="0"/>
+                          <a:cs typeface="Arial" panose="020B0604020202020204" pitchFamily="34" charset="0"/>
                         </a:rPr>
                         <a:t> MMI selected</a:t>
                       </a:r>
-                      <a:endParaRPr lang="en-GB" sz="2000" b="1" i="0" u="none" strike="noStrike" dirty="0">
+                      <a:endParaRPr lang="en-GB" sz="1600" b="1" i="0" u="none" strike="noStrike" dirty="0">
                         <a:solidFill>
                           <a:srgbClr val="0D0D0D"/>
                         </a:solidFill>
                         <a:effectLst/>
-                        <a:latin typeface="Times New Roman" panose="02020603050405020304" pitchFamily="18" charset="0"/>
-                        <a:cs typeface="Times New Roman" panose="02020603050405020304" pitchFamily="18" charset="0"/>
+                        <a:latin typeface="Arial" panose="020B0604020202020204" pitchFamily="34" charset="0"/>
+                        <a:cs typeface="Arial" panose="020B0604020202020204" pitchFamily="34" charset="0"/>
                       </a:endParaRPr>
                     </a:p>
                   </a:txBody>
@@ -9488,7 +9963,7 @@
                       <a:tailEnd type="none" w="med" len="med"/>
                     </a:lnB>
                     <a:solidFill>
-                      <a:schemeClr val="accent6">
+                      <a:schemeClr val="accent2">
                         <a:lumMod val="20000"/>
                         <a:lumOff val="80000"/>
                       </a:schemeClr>
@@ -9570,6 +10045,16 @@
                       <a:tailEnd type="none" w="med" len="med"/>
                     </a:lnL>
                   </a:tcPr>
+                </a:tc>
+                <a:tc hMerge="1">
+                  <a:txBody>
+                    <a:bodyPr/>
+                    <a:lstStyle/>
+                    <a:p>
+                      <a:endParaRPr lang="en-US"/>
+                    </a:p>
+                  </a:txBody>
+                  <a:tcPr/>
                 </a:tc>
                 <a:tc hMerge="1">
                   <a:txBody>
@@ -9657,7 +10142,7 @@
                   </a:ext>
                 </a:extLst>
               </a:tr>
-              <a:tr h="188720">
+              <a:tr h="288000">
                 <a:tc gridSpan="3">
                   <a:txBody>
                     <a:bodyPr/>
@@ -9665,20 +10150,20 @@
                     <a:p>
                       <a:pPr algn="l" fontAlgn="b"/>
                       <a:r>
-                        <a:rPr lang="en-GB" sz="1800" u="none" strike="noStrike" dirty="0">
+                        <a:rPr lang="en-GB" sz="1200" u="none" strike="noStrike" dirty="0">
                           <a:effectLst/>
-                          <a:latin typeface="Times New Roman" panose="02020603050405020304" pitchFamily="18" charset="0"/>
-                          <a:cs typeface="Times New Roman" panose="02020603050405020304" pitchFamily="18" charset="0"/>
+                          <a:latin typeface="Arial" panose="020B0604020202020204" pitchFamily="34" charset="0"/>
+                          <a:cs typeface="Arial" panose="020B0604020202020204" pitchFamily="34" charset="0"/>
                         </a:rPr>
                         <a:t> 267 images</a:t>
                       </a:r>
-                      <a:endParaRPr lang="en-GB" sz="1800" b="0" i="0" u="none" strike="noStrike" dirty="0">
+                      <a:endParaRPr lang="en-GB" sz="1200" b="0" i="0" u="none" strike="noStrike" dirty="0">
                         <a:solidFill>
                           <a:srgbClr val="000000"/>
                         </a:solidFill>
                         <a:effectLst/>
-                        <a:latin typeface="Times New Roman" panose="02020603050405020304" pitchFamily="18" charset="0"/>
-                        <a:cs typeface="Times New Roman" panose="02020603050405020304" pitchFamily="18" charset="0"/>
+                        <a:latin typeface="Arial" panose="020B0604020202020204" pitchFamily="34" charset="0"/>
+                        <a:cs typeface="Arial" panose="020B0604020202020204" pitchFamily="34" charset="0"/>
                       </a:endParaRPr>
                     </a:p>
                   </a:txBody>
@@ -9817,27 +10302,91 @@
                     <a:noFill/>
                   </a:tcPr>
                 </a:tc>
-                <a:tc gridSpan="2">
+                <a:tc gridSpan="3">
                   <a:txBody>
                     <a:bodyPr/>
                     <a:lstStyle/>
                     <a:p>
                       <a:pPr algn="l" fontAlgn="b"/>
                       <a:r>
-                        <a:rPr lang="en-GB" sz="1800" u="none" strike="noStrike" dirty="0">
+                        <a:rPr lang="en-GB" sz="1200" u="none" strike="noStrike" dirty="0">
                           <a:effectLst/>
-                          <a:latin typeface="Times New Roman" panose="02020603050405020304" pitchFamily="18" charset="0"/>
-                          <a:cs typeface="Times New Roman" panose="02020603050405020304" pitchFamily="18" charset="0"/>
+                          <a:latin typeface="Arial" panose="020B0604020202020204" pitchFamily="34" charset="0"/>
+                          <a:cs typeface="Arial" panose="020B0604020202020204" pitchFamily="34" charset="0"/>
                         </a:rPr>
                         <a:t>Train = 187</a:t>
                       </a:r>
-                      <a:endParaRPr lang="en-GB" sz="1800" b="0" i="0" u="none" strike="noStrike" dirty="0">
+                      <a:endParaRPr lang="en-GB" sz="1200" b="0" i="0" u="none" strike="noStrike" dirty="0">
                         <a:solidFill>
                           <a:srgbClr val="000000"/>
                         </a:solidFill>
                         <a:effectLst/>
-                        <a:latin typeface="Times New Roman" panose="02020603050405020304" pitchFamily="18" charset="0"/>
-                        <a:cs typeface="Times New Roman" panose="02020603050405020304" pitchFamily="18" charset="0"/>
+                        <a:latin typeface="Arial" panose="020B0604020202020204" pitchFamily="34" charset="0"/>
+                        <a:cs typeface="Arial" panose="020B0604020202020204" pitchFamily="34" charset="0"/>
+                      </a:endParaRPr>
+                    </a:p>
+                  </a:txBody>
+                  <a:tcPr marL="6386" marR="6386" marT="6386" marB="0" anchor="b">
+                    <a:lnL w="12700" cap="flat" cmpd="sng" algn="ctr">
+                      <a:solidFill>
+                        <a:schemeClr val="tx1"/>
+                      </a:solidFill>
+                      <a:prstDash val="solid"/>
+                      <a:round/>
+                      <a:headEnd type="none" w="med" len="med"/>
+                      <a:tailEnd type="none" w="med" len="med"/>
+                    </a:lnL>
+                    <a:lnR w="12700" cap="flat" cmpd="sng" algn="ctr">
+                      <a:solidFill>
+                        <a:schemeClr val="tx1"/>
+                      </a:solidFill>
+                      <a:prstDash val="solid"/>
+                      <a:round/>
+                      <a:headEnd type="none" w="med" len="med"/>
+                      <a:tailEnd type="none" w="med" len="med"/>
+                    </a:lnR>
+                    <a:lnT w="12700" cap="flat" cmpd="sng" algn="ctr">
+                      <a:solidFill>
+                        <a:schemeClr val="tx1"/>
+                      </a:solidFill>
+                      <a:prstDash val="solid"/>
+                      <a:round/>
+                      <a:headEnd type="none" w="med" len="med"/>
+                      <a:tailEnd type="none" w="med" len="med"/>
+                    </a:lnT>
+                    <a:lnB w="12700" cap="flat" cmpd="sng" algn="ctr">
+                      <a:solidFill>
+                        <a:schemeClr val="tx1"/>
+                      </a:solidFill>
+                      <a:prstDash val="solid"/>
+                      <a:round/>
+                      <a:headEnd type="none" w="med" len="med"/>
+                      <a:tailEnd type="none" w="med" len="med"/>
+                    </a:lnB>
+                    <a:noFill/>
+                  </a:tcPr>
+                </a:tc>
+                <a:tc hMerge="1">
+                  <a:txBody>
+                    <a:bodyPr/>
+                    <a:lstStyle/>
+                    <a:p>
+                      <a:pPr algn="l" fontAlgn="b"/>
+                      <a:r>
+                        <a:rPr lang="en-GB" sz="1200" u="none" strike="noStrike" dirty="0">
+                          <a:effectLst/>
+                          <a:latin typeface="Arial" panose="020B0604020202020204" pitchFamily="34" charset="0"/>
+                          <a:cs typeface="Arial" panose="020B0604020202020204" pitchFamily="34" charset="0"/>
+                        </a:rPr>
+                        <a:t>Train = 187</a:t>
+                      </a:r>
+                      <a:endParaRPr lang="en-GB" sz="1200" b="0" i="0" u="none" strike="noStrike" dirty="0">
+                        <a:solidFill>
+                          <a:srgbClr val="000000"/>
+                        </a:solidFill>
+                        <a:effectLst/>
+                        <a:latin typeface="Arial" panose="020B0604020202020204" pitchFamily="34" charset="0"/>
+                        <a:cs typeface="Arial" panose="020B0604020202020204" pitchFamily="34" charset="0"/>
                       </a:endParaRPr>
                     </a:p>
                   </a:txBody>
@@ -9927,20 +10476,20 @@
                     <a:p>
                       <a:pPr algn="l" fontAlgn="b"/>
                       <a:r>
-                        <a:rPr lang="en-GB" sz="1800" u="none" strike="noStrike" dirty="0">
+                        <a:rPr lang="en-GB" sz="1200" u="none" strike="noStrike" dirty="0">
                           <a:effectLst/>
-                          <a:latin typeface="Times New Roman" panose="02020603050405020304" pitchFamily="18" charset="0"/>
-                          <a:cs typeface="Times New Roman" panose="02020603050405020304" pitchFamily="18" charset="0"/>
+                          <a:latin typeface="Arial" panose="020B0604020202020204" pitchFamily="34" charset="0"/>
+                          <a:cs typeface="Arial" panose="020B0604020202020204" pitchFamily="34" charset="0"/>
                         </a:rPr>
                         <a:t>Test = 80</a:t>
                       </a:r>
-                      <a:endParaRPr lang="en-GB" sz="1800" b="0" i="0" u="none" strike="noStrike" dirty="0">
+                      <a:endParaRPr lang="en-GB" sz="1200" b="0" i="0" u="none" strike="noStrike" dirty="0">
                         <a:solidFill>
                           <a:srgbClr val="000000"/>
                         </a:solidFill>
                         <a:effectLst/>
-                        <a:latin typeface="Times New Roman" panose="02020603050405020304" pitchFamily="18" charset="0"/>
-                        <a:cs typeface="Times New Roman" panose="02020603050405020304" pitchFamily="18" charset="0"/>
+                        <a:latin typeface="Arial" panose="020B0604020202020204" pitchFamily="34" charset="0"/>
+                        <a:cs typeface="Arial" panose="020B0604020202020204" pitchFamily="34" charset="0"/>
                       </a:endParaRPr>
                     </a:p>
                   </a:txBody>
@@ -10062,20 +10611,20 @@
                         <a:defRPr/>
                       </a:pPr>
                       <a:r>
-                        <a:rPr lang="en-GB" sz="1800" u="none" strike="noStrike" dirty="0">
+                        <a:rPr lang="en-GB" sz="1200" u="none" strike="noStrike" dirty="0">
                           <a:effectLst/>
-                          <a:latin typeface="Times New Roman" panose="02020603050405020304" pitchFamily="18" charset="0"/>
-                          <a:cs typeface="Times New Roman" panose="02020603050405020304" pitchFamily="18" charset="0"/>
+                          <a:latin typeface="Arial" panose="020B0604020202020204" pitchFamily="34" charset="0"/>
+                          <a:cs typeface="Arial" panose="020B0604020202020204" pitchFamily="34" charset="0"/>
                         </a:rPr>
                         <a:t>Learning rate = 1e-4 </a:t>
                       </a:r>
-                      <a:endParaRPr lang="en-GB" sz="1800" b="0" i="0" u="none" strike="noStrike" dirty="0">
+                      <a:endParaRPr lang="en-GB" sz="1200" b="0" i="0" u="none" strike="noStrike" dirty="0">
                         <a:solidFill>
                           <a:srgbClr val="000000"/>
                         </a:solidFill>
                         <a:effectLst/>
-                        <a:latin typeface="Times New Roman" panose="02020603050405020304" pitchFamily="18" charset="0"/>
-                        <a:cs typeface="Times New Roman" panose="02020603050405020304" pitchFamily="18" charset="0"/>
+                        <a:latin typeface="Arial" panose="020B0604020202020204" pitchFamily="34" charset="0"/>
+                        <a:cs typeface="Arial" panose="020B0604020202020204" pitchFamily="34" charset="0"/>
                       </a:endParaRPr>
                     </a:p>
                   </a:txBody>
@@ -10235,92 +10784,92 @@
                   </a:ext>
                 </a:extLst>
               </a:tr>
-              <a:tr h="136234">
+              <a:tr h="288000">
                 <a:tc>
-                  <a:txBody>
-                    <a:bodyPr/>
-                    <a:lstStyle/>
-                    <a:p>
-                      <a:pPr algn="l" fontAlgn="b"/>
-                      <a:r>
-                        <a:rPr lang="en-GB" sz="1800" u="none" strike="noStrike" dirty="0">
-                          <a:effectLst/>
-                          <a:latin typeface="Times New Roman" panose="02020603050405020304" pitchFamily="18" charset="0"/>
-                          <a:cs typeface="Times New Roman" panose="02020603050405020304" pitchFamily="18" charset="0"/>
-                        </a:rPr>
-                        <a:t> </a:t>
-                      </a:r>
-                      <a:endParaRPr lang="en-GB" sz="1800" b="0" i="0" u="none" strike="noStrike" dirty="0">
-                        <a:solidFill>
-                          <a:srgbClr val="000000"/>
-                        </a:solidFill>
-                        <a:effectLst/>
-                        <a:latin typeface="Times New Roman" panose="02020603050405020304" pitchFamily="18" charset="0"/>
-                        <a:cs typeface="Times New Roman" panose="02020603050405020304" pitchFamily="18" charset="0"/>
-                      </a:endParaRPr>
-                    </a:p>
-                  </a:txBody>
-                  <a:tcPr marL="6386" marR="6386" marT="6386" marB="0" anchor="b">
-                    <a:lnL w="12700" cap="flat" cmpd="sng" algn="ctr">
-                      <a:solidFill>
-                        <a:schemeClr val="tx1"/>
-                      </a:solidFill>
-                      <a:prstDash val="solid"/>
-                      <a:round/>
-                      <a:headEnd type="none" w="med" len="med"/>
-                      <a:tailEnd type="none" w="med" len="med"/>
-                    </a:lnL>
-                    <a:lnR w="12700" cap="flat" cmpd="sng" algn="ctr">
-                      <a:solidFill>
-                        <a:schemeClr val="tx1"/>
-                      </a:solidFill>
-                      <a:prstDash val="solid"/>
-                      <a:round/>
-                      <a:headEnd type="none" w="med" len="med"/>
-                      <a:tailEnd type="none" w="med" len="med"/>
-                    </a:lnR>
-                    <a:lnT w="12700" cap="flat" cmpd="sng" algn="ctr">
-                      <a:solidFill>
-                        <a:schemeClr val="tx1"/>
-                      </a:solidFill>
-                      <a:prstDash val="solid"/>
-                      <a:round/>
-                      <a:headEnd type="none" w="med" len="med"/>
-                      <a:tailEnd type="none" w="med" len="med"/>
-                    </a:lnT>
-                    <a:lnB w="12700" cap="flat" cmpd="sng" algn="ctr">
-                      <a:solidFill>
-                        <a:schemeClr val="tx1"/>
-                      </a:solidFill>
-                      <a:prstDash val="solid"/>
-                      <a:round/>
-                      <a:headEnd type="none" w="med" len="med"/>
-                      <a:tailEnd type="none" w="med" len="med"/>
-                    </a:lnB>
-                    <a:noFill/>
-                  </a:tcPr>
-                </a:tc>
-                <a:tc gridSpan="3">
                   <a:txBody>
                     <a:bodyPr/>
                     <a:lstStyle/>
                     <a:p>
                       <a:pPr algn="ctr" fontAlgn="b"/>
                       <a:r>
-                        <a:rPr lang="en-GB" sz="1800" b="1" u="none" strike="noStrike" dirty="0">
+                        <a:rPr lang="en-GB" sz="1600" u="none" strike="noStrike" dirty="0">
                           <a:effectLst/>
-                          <a:latin typeface="Times New Roman" panose="02020603050405020304" pitchFamily="18" charset="0"/>
-                          <a:cs typeface="Times New Roman" panose="02020603050405020304" pitchFamily="18" charset="0"/>
+                          <a:latin typeface="Arial" panose="020B0604020202020204" pitchFamily="34" charset="0"/>
+                          <a:cs typeface="Arial" panose="020B0604020202020204" pitchFamily="34" charset="0"/>
                         </a:rPr>
-                        <a:t>Adam</a:t>
+                        <a:t> </a:t>
                       </a:r>
-                      <a:endParaRPr lang="en-GB" sz="1800" b="1" i="0" u="none" strike="noStrike" dirty="0">
+                      <a:endParaRPr lang="en-GB" sz="1600" b="0" i="0" u="none" strike="noStrike" dirty="0">
                         <a:solidFill>
                           <a:srgbClr val="000000"/>
                         </a:solidFill>
                         <a:effectLst/>
-                        <a:latin typeface="Times New Roman" panose="02020603050405020304" pitchFamily="18" charset="0"/>
-                        <a:cs typeface="Times New Roman" panose="02020603050405020304" pitchFamily="18" charset="0"/>
+                        <a:latin typeface="Arial" panose="020B0604020202020204" pitchFamily="34" charset="0"/>
+                        <a:cs typeface="Arial" panose="020B0604020202020204" pitchFamily="34" charset="0"/>
+                      </a:endParaRPr>
+                    </a:p>
+                  </a:txBody>
+                  <a:tcPr marL="6386" marR="6386" marT="6386" marB="0" anchor="b">
+                    <a:lnL w="12700" cap="flat" cmpd="sng" algn="ctr">
+                      <a:solidFill>
+                        <a:schemeClr val="tx1"/>
+                      </a:solidFill>
+                      <a:prstDash val="solid"/>
+                      <a:round/>
+                      <a:headEnd type="none" w="med" len="med"/>
+                      <a:tailEnd type="none" w="med" len="med"/>
+                    </a:lnL>
+                    <a:lnR w="12700" cap="flat" cmpd="sng" algn="ctr">
+                      <a:solidFill>
+                        <a:schemeClr val="tx1"/>
+                      </a:solidFill>
+                      <a:prstDash val="solid"/>
+                      <a:round/>
+                      <a:headEnd type="none" w="med" len="med"/>
+                      <a:tailEnd type="none" w="med" len="med"/>
+                    </a:lnR>
+                    <a:lnT w="12700" cap="flat" cmpd="sng" algn="ctr">
+                      <a:solidFill>
+                        <a:schemeClr val="tx1"/>
+                      </a:solidFill>
+                      <a:prstDash val="solid"/>
+                      <a:round/>
+                      <a:headEnd type="none" w="med" len="med"/>
+                      <a:tailEnd type="none" w="med" len="med"/>
+                    </a:lnT>
+                    <a:lnB w="12700" cap="flat" cmpd="sng" algn="ctr">
+                      <a:solidFill>
+                        <a:schemeClr val="tx1"/>
+                      </a:solidFill>
+                      <a:prstDash val="solid"/>
+                      <a:round/>
+                      <a:headEnd type="none" w="med" len="med"/>
+                      <a:tailEnd type="none" w="med" len="med"/>
+                    </a:lnB>
+                    <a:noFill/>
+                  </a:tcPr>
+                </a:tc>
+                <a:tc gridSpan="4">
+                  <a:txBody>
+                    <a:bodyPr/>
+                    <a:lstStyle/>
+                    <a:p>
+                      <a:pPr algn="ctr" fontAlgn="b"/>
+                      <a:r>
+                        <a:rPr lang="en-GB" sz="1400" b="1" u="none" strike="noStrike" dirty="0">
+                          <a:effectLst/>
+                          <a:latin typeface="Arial" panose="020B0604020202020204" pitchFamily="34" charset="0"/>
+                          <a:cs typeface="Arial" panose="020B0604020202020204" pitchFamily="34" charset="0"/>
+                        </a:rPr>
+                        <a:t>Adam</a:t>
+                      </a:r>
+                      <a:endParaRPr lang="en-GB" sz="1400" b="1" i="0" u="none" strike="noStrike" dirty="0">
+                        <a:solidFill>
+                          <a:srgbClr val="000000"/>
+                        </a:solidFill>
+                        <a:effectLst/>
+                        <a:latin typeface="Arial" panose="020B0604020202020204" pitchFamily="34" charset="0"/>
+                        <a:cs typeface="Arial" panose="020B0604020202020204" pitchFamily="34" charset="0"/>
                       </a:endParaRPr>
                     </a:p>
                   </a:txBody>
@@ -10392,6 +10941,16 @@
                       <a:tailEnd type="none" w="med" len="med"/>
                     </a:lnT>
                   </a:tcPr>
+                </a:tc>
+                <a:tc hMerge="1">
+                  <a:txBody>
+                    <a:bodyPr/>
+                    <a:lstStyle/>
+                    <a:p>
+                      <a:endParaRPr lang="en-US"/>
+                    </a:p>
+                  </a:txBody>
+                  <a:tcPr/>
                 </a:tc>
                 <a:tc hMerge="1">
                   <a:txBody>
@@ -10410,20 +10969,20 @@
                     <a:p>
                       <a:pPr algn="ctr" fontAlgn="b"/>
                       <a:r>
-                        <a:rPr lang="en-GB" sz="1800" b="1" u="none" strike="noStrike" dirty="0" err="1">
+                        <a:rPr lang="en-GB" sz="1400" b="1" u="none" strike="noStrike" dirty="0" err="1">
                           <a:effectLst/>
-                          <a:latin typeface="Times New Roman" panose="02020603050405020304" pitchFamily="18" charset="0"/>
-                          <a:cs typeface="Times New Roman" panose="02020603050405020304" pitchFamily="18" charset="0"/>
+                          <a:latin typeface="Arial" panose="020B0604020202020204" pitchFamily="34" charset="0"/>
+                          <a:cs typeface="Arial" panose="020B0604020202020204" pitchFamily="34" charset="0"/>
                         </a:rPr>
                         <a:t>RMSProp</a:t>
                       </a:r>
-                      <a:endParaRPr lang="en-GB" sz="1800" b="1" i="0" u="none" strike="noStrike" dirty="0">
+                      <a:endParaRPr lang="en-GB" sz="1400" b="1" i="0" u="none" strike="noStrike" dirty="0">
                         <a:solidFill>
                           <a:srgbClr val="000000"/>
                         </a:solidFill>
                         <a:effectLst/>
-                        <a:latin typeface="Times New Roman" panose="02020603050405020304" pitchFamily="18" charset="0"/>
-                        <a:cs typeface="Times New Roman" panose="02020603050405020304" pitchFamily="18" charset="0"/>
+                        <a:latin typeface="Arial" panose="020B0604020202020204" pitchFamily="34" charset="0"/>
+                        <a:cs typeface="Arial" panose="020B0604020202020204" pitchFamily="34" charset="0"/>
                       </a:endParaRPr>
                     </a:p>
                   </a:txBody>
@@ -10494,20 +11053,20 @@
                     <a:p>
                       <a:pPr algn="ctr" fontAlgn="b"/>
                       <a:r>
-                        <a:rPr lang="en-GB" sz="1800" b="1" u="none" strike="noStrike" dirty="0">
+                        <a:rPr lang="en-GB" sz="1400" b="1" u="none" strike="noStrike" dirty="0">
                           <a:effectLst/>
-                          <a:latin typeface="Times New Roman" panose="02020603050405020304" pitchFamily="18" charset="0"/>
-                          <a:cs typeface="Times New Roman" panose="02020603050405020304" pitchFamily="18" charset="0"/>
+                          <a:latin typeface="Arial" panose="020B0604020202020204" pitchFamily="34" charset="0"/>
+                          <a:cs typeface="Arial" panose="020B0604020202020204" pitchFamily="34" charset="0"/>
                         </a:rPr>
                         <a:t>SGDM</a:t>
                       </a:r>
-                      <a:endParaRPr lang="en-GB" sz="1800" b="1" i="0" u="none" strike="noStrike" dirty="0">
+                      <a:endParaRPr lang="en-GB" sz="1400" b="1" i="0" u="none" strike="noStrike" dirty="0">
                         <a:solidFill>
                           <a:srgbClr val="000000"/>
                         </a:solidFill>
                         <a:effectLst/>
-                        <a:latin typeface="Times New Roman" panose="02020603050405020304" pitchFamily="18" charset="0"/>
-                        <a:cs typeface="Times New Roman" panose="02020603050405020304" pitchFamily="18" charset="0"/>
+                        <a:latin typeface="Arial" panose="020B0604020202020204" pitchFamily="34" charset="0"/>
+                        <a:cs typeface="Arial" panose="020B0604020202020204" pitchFamily="34" charset="0"/>
                       </a:endParaRPr>
                     </a:p>
                   </a:txBody>
@@ -10577,28 +11136,28 @@
                   </a:ext>
                 </a:extLst>
               </a:tr>
-              <a:tr h="136234">
+              <a:tr h="288000">
                 <a:tc>
                   <a:txBody>
                     <a:bodyPr/>
                     <a:lstStyle/>
                     <a:p>
-                      <a:pPr algn="l" fontAlgn="b"/>
+                      <a:pPr algn="ctr" fontAlgn="b"/>
                       <a:r>
-                        <a:rPr lang="en-GB" sz="1800" u="none" strike="noStrike" dirty="0">
+                        <a:rPr lang="en-GB" sz="1600" u="none" strike="noStrike" dirty="0">
                           <a:effectLst/>
-                          <a:latin typeface="Times New Roman" panose="02020603050405020304" pitchFamily="18" charset="0"/>
-                          <a:cs typeface="Times New Roman" panose="02020603050405020304" pitchFamily="18" charset="0"/>
+                          <a:latin typeface="Arial" panose="020B0604020202020204" pitchFamily="34" charset="0"/>
+                          <a:cs typeface="Arial" panose="020B0604020202020204" pitchFamily="34" charset="0"/>
                         </a:rPr>
                         <a:t> </a:t>
                       </a:r>
-                      <a:endParaRPr lang="en-GB" sz="1800" b="0" i="0" u="none" strike="noStrike" dirty="0">
+                      <a:endParaRPr lang="en-GB" sz="1600" b="0" i="0" u="none" strike="noStrike" dirty="0">
                         <a:solidFill>
                           <a:srgbClr val="000000"/>
                         </a:solidFill>
                         <a:effectLst/>
-                        <a:latin typeface="Times New Roman" panose="02020603050405020304" pitchFamily="18" charset="0"/>
-                        <a:cs typeface="Times New Roman" panose="02020603050405020304" pitchFamily="18" charset="0"/>
+                        <a:latin typeface="Arial" panose="020B0604020202020204" pitchFamily="34" charset="0"/>
+                        <a:cs typeface="Arial" panose="020B0604020202020204" pitchFamily="34" charset="0"/>
                       </a:endParaRPr>
                     </a:p>
                   </a:txBody>
@@ -10639,75 +11198,8 @@
                       <a:headEnd type="none" w="med" len="med"/>
                       <a:tailEnd type="none" w="med" len="med"/>
                     </a:lnB>
-                    <a:noFill/>
-                  </a:tcPr>
-                </a:tc>
-                <a:tc>
-                  <a:txBody>
-                    <a:bodyPr/>
-                    <a:lstStyle/>
-                    <a:p>
-                      <a:pPr algn="l" fontAlgn="b"/>
-                      <a:r>
-                        <a:rPr lang="en-GB" sz="1600" b="1" u="none" strike="noStrike" dirty="0" err="1">
-                          <a:effectLst/>
-                          <a:latin typeface="Times New Roman" panose="02020603050405020304" pitchFamily="18" charset="0"/>
-                          <a:cs typeface="Times New Roman" panose="02020603050405020304" pitchFamily="18" charset="0"/>
-                        </a:rPr>
-                        <a:t>Relu</a:t>
-                      </a:r>
-                      <a:endParaRPr lang="en-GB" sz="1600" b="1" i="0" u="none" strike="noStrike" dirty="0">
-                        <a:solidFill>
-                          <a:srgbClr val="000000"/>
-                        </a:solidFill>
-                        <a:effectLst/>
-                        <a:latin typeface="Times New Roman" panose="02020603050405020304" pitchFamily="18" charset="0"/>
-                        <a:cs typeface="Times New Roman" panose="02020603050405020304" pitchFamily="18" charset="0"/>
-                      </a:endParaRPr>
-                    </a:p>
-                  </a:txBody>
-                  <a:tcPr marL="6386" marR="6386" marT="6386" marB="0" anchor="b">
-                    <a:lnL w="12700" cap="flat" cmpd="sng" algn="ctr">
-                      <a:solidFill>
-                        <a:schemeClr val="tx1"/>
-                      </a:solidFill>
-                      <a:prstDash val="solid"/>
-                      <a:round/>
-                      <a:headEnd type="none" w="med" len="med"/>
-                      <a:tailEnd type="none" w="med" len="med"/>
-                    </a:lnL>
-                    <a:lnR w="12700" cap="flat" cmpd="sng" algn="ctr">
-                      <a:solidFill>
-                        <a:schemeClr val="tx1"/>
-                      </a:solidFill>
-                      <a:prstDash val="solid"/>
-                      <a:round/>
-                      <a:headEnd type="none" w="med" len="med"/>
-                      <a:tailEnd type="none" w="med" len="med"/>
-                    </a:lnR>
-                    <a:lnT w="12700" cap="flat" cmpd="sng" algn="ctr">
-                      <a:solidFill>
-                        <a:schemeClr val="tx1"/>
-                      </a:solidFill>
-                      <a:prstDash val="solid"/>
-                      <a:round/>
-                      <a:headEnd type="none" w="med" len="med"/>
-                      <a:tailEnd type="none" w="med" len="med"/>
-                    </a:lnT>
-                    <a:lnB w="12700" cap="flat" cmpd="sng" algn="ctr">
-                      <a:solidFill>
-                        <a:schemeClr val="tx1"/>
-                      </a:solidFill>
-                      <a:prstDash val="solid"/>
-                      <a:round/>
-                      <a:headEnd type="none" w="med" len="med"/>
-                      <a:tailEnd type="none" w="med" len="med"/>
-                    </a:lnB>
                     <a:solidFill>
-                      <a:schemeClr val="accent1">
-                        <a:lumMod val="20000"/>
-                        <a:lumOff val="80000"/>
-                      </a:schemeClr>
+                      <a:schemeClr val="bg1"/>
                     </a:solidFill>
                   </a:tcPr>
                 </a:tc>
@@ -10716,22 +11208,22 @@
                     <a:bodyPr/>
                     <a:lstStyle/>
                     <a:p>
-                      <a:pPr algn="l" fontAlgn="b"/>
+                      <a:pPr algn="ctr" fontAlgn="b"/>
                       <a:r>
-                        <a:rPr lang="en-GB" sz="1600" b="1" u="none" strike="noStrike" dirty="0" err="1">
+                        <a:rPr lang="en-GB" sz="1200" b="1" u="none" strike="noStrike" dirty="0" err="1">
                           <a:effectLst/>
-                          <a:latin typeface="Times New Roman" panose="02020603050405020304" pitchFamily="18" charset="0"/>
-                          <a:cs typeface="Times New Roman" panose="02020603050405020304" pitchFamily="18" charset="0"/>
+                          <a:latin typeface="Arial" panose="020B0604020202020204" pitchFamily="34" charset="0"/>
+                          <a:cs typeface="Arial" panose="020B0604020202020204" pitchFamily="34" charset="0"/>
                         </a:rPr>
-                        <a:t>ClippedRelu</a:t>
+                        <a:t>Relu</a:t>
                       </a:r>
-                      <a:endParaRPr lang="en-GB" sz="1600" b="1" i="0" u="none" strike="noStrike" dirty="0">
+                      <a:endParaRPr lang="en-GB" sz="1200" b="1" i="0" u="none" strike="noStrike" dirty="0">
                         <a:solidFill>
                           <a:srgbClr val="000000"/>
                         </a:solidFill>
                         <a:effectLst/>
-                        <a:latin typeface="Times New Roman" panose="02020603050405020304" pitchFamily="18" charset="0"/>
-                        <a:cs typeface="Times New Roman" panose="02020603050405020304" pitchFamily="18" charset="0"/>
+                        <a:latin typeface="Arial" panose="020B0604020202020204" pitchFamily="34" charset="0"/>
+                        <a:cs typeface="Arial" panose="020B0604020202020204" pitchFamily="34" charset="0"/>
                       </a:endParaRPr>
                     </a:p>
                   </a:txBody>
@@ -10773,10 +11265,131 @@
                       <a:tailEnd type="none" w="med" len="med"/>
                     </a:lnB>
                     <a:solidFill>
-                      <a:schemeClr val="accent2">
-                        <a:lumMod val="20000"/>
-                        <a:lumOff val="80000"/>
-                      </a:schemeClr>
+                      <a:schemeClr val="bg1"/>
+                    </a:solidFill>
+                  </a:tcPr>
+                </a:tc>
+                <a:tc gridSpan="2">
+                  <a:txBody>
+                    <a:bodyPr/>
+                    <a:lstStyle/>
+                    <a:p>
+                      <a:pPr algn="ctr" fontAlgn="b"/>
+                      <a:r>
+                        <a:rPr lang="en-GB" sz="1200" b="1" u="none" strike="noStrike" dirty="0" err="1">
+                          <a:effectLst/>
+                          <a:latin typeface="Arial" panose="020B0604020202020204" pitchFamily="34" charset="0"/>
+                          <a:cs typeface="Arial" panose="020B0604020202020204" pitchFamily="34" charset="0"/>
+                        </a:rPr>
+                        <a:t>ClippedRelu</a:t>
+                      </a:r>
+                      <a:endParaRPr lang="en-GB" sz="1200" b="1" i="0" u="none" strike="noStrike" dirty="0">
+                        <a:solidFill>
+                          <a:srgbClr val="000000"/>
+                        </a:solidFill>
+                        <a:effectLst/>
+                        <a:latin typeface="Arial" panose="020B0604020202020204" pitchFamily="34" charset="0"/>
+                        <a:cs typeface="Arial" panose="020B0604020202020204" pitchFamily="34" charset="0"/>
+                      </a:endParaRPr>
+                    </a:p>
+                  </a:txBody>
+                  <a:tcPr marL="6386" marR="6386" marT="6386" marB="0" anchor="b">
+                    <a:lnL w="12700" cap="flat" cmpd="sng" algn="ctr">
+                      <a:solidFill>
+                        <a:schemeClr val="tx1"/>
+                      </a:solidFill>
+                      <a:prstDash val="solid"/>
+                      <a:round/>
+                      <a:headEnd type="none" w="med" len="med"/>
+                      <a:tailEnd type="none" w="med" len="med"/>
+                    </a:lnL>
+                    <a:lnR w="12700" cap="flat" cmpd="sng" algn="ctr">
+                      <a:solidFill>
+                        <a:schemeClr val="tx1"/>
+                      </a:solidFill>
+                      <a:prstDash val="solid"/>
+                      <a:round/>
+                      <a:headEnd type="none" w="med" len="med"/>
+                      <a:tailEnd type="none" w="med" len="med"/>
+                    </a:lnR>
+                    <a:lnT w="12700" cap="flat" cmpd="sng" algn="ctr">
+                      <a:solidFill>
+                        <a:schemeClr val="tx1"/>
+                      </a:solidFill>
+                      <a:prstDash val="solid"/>
+                      <a:round/>
+                      <a:headEnd type="none" w="med" len="med"/>
+                      <a:tailEnd type="none" w="med" len="med"/>
+                    </a:lnT>
+                    <a:lnB w="12700" cap="flat" cmpd="sng" algn="ctr">
+                      <a:solidFill>
+                        <a:schemeClr val="tx1"/>
+                      </a:solidFill>
+                      <a:prstDash val="solid"/>
+                      <a:round/>
+                      <a:headEnd type="none" w="med" len="med"/>
+                      <a:tailEnd type="none" w="med" len="med"/>
+                    </a:lnB>
+                    <a:solidFill>
+                      <a:schemeClr val="bg1"/>
+                    </a:solidFill>
+                  </a:tcPr>
+                </a:tc>
+                <a:tc hMerge="1">
+                  <a:txBody>
+                    <a:bodyPr/>
+                    <a:lstStyle/>
+                    <a:p>
+                      <a:pPr algn="l" fontAlgn="b"/>
+                      <a:endParaRPr lang="en-GB" sz="1400" b="1" i="0" u="none" strike="noStrike" dirty="0">
+                        <a:solidFill>
+                          <a:srgbClr val="000000"/>
+                        </a:solidFill>
+                        <a:effectLst/>
+                        <a:latin typeface="Arial" panose="020B0604020202020204" pitchFamily="34" charset="0"/>
+                        <a:cs typeface="Arial" panose="020B0604020202020204" pitchFamily="34" charset="0"/>
+                      </a:endParaRPr>
+                    </a:p>
+                  </a:txBody>
+                  <a:tcPr marL="6386" marR="6386" marT="6386" marB="0" anchor="b">
+                    <a:lnL w="12700" cap="flat" cmpd="sng" algn="ctr">
+                      <a:solidFill>
+                        <a:schemeClr val="tx1"/>
+                      </a:solidFill>
+                      <a:prstDash val="solid"/>
+                      <a:round/>
+                      <a:headEnd type="none" w="med" len="med"/>
+                      <a:tailEnd type="none" w="med" len="med"/>
+                    </a:lnL>
+                    <a:lnR w="12700" cap="flat" cmpd="sng" algn="ctr">
+                      <a:solidFill>
+                        <a:schemeClr val="tx1"/>
+                      </a:solidFill>
+                      <a:prstDash val="solid"/>
+                      <a:round/>
+                      <a:headEnd type="none" w="med" len="med"/>
+                      <a:tailEnd type="none" w="med" len="med"/>
+                    </a:lnR>
+                    <a:lnT w="12700" cap="flat" cmpd="sng" algn="ctr">
+                      <a:solidFill>
+                        <a:schemeClr val="tx1"/>
+                      </a:solidFill>
+                      <a:prstDash val="solid"/>
+                      <a:round/>
+                      <a:headEnd type="none" w="med" len="med"/>
+                      <a:tailEnd type="none" w="med" len="med"/>
+                    </a:lnT>
+                    <a:lnB w="12700" cap="flat" cmpd="sng" algn="ctr">
+                      <a:solidFill>
+                        <a:schemeClr val="tx1"/>
+                      </a:solidFill>
+                      <a:prstDash val="solid"/>
+                      <a:round/>
+                      <a:headEnd type="none" w="med" len="med"/>
+                      <a:tailEnd type="none" w="med" len="med"/>
+                    </a:lnB>
+                    <a:solidFill>
+                      <a:schemeClr val="bg1"/>
                     </a:solidFill>
                   </a:tcPr>
                 </a:tc>
@@ -10785,22 +11398,22 @@
                     <a:bodyPr/>
                     <a:lstStyle/>
                     <a:p>
-                      <a:pPr algn="l" fontAlgn="b"/>
+                      <a:pPr algn="ctr" fontAlgn="b"/>
                       <a:r>
-                        <a:rPr lang="en-GB" sz="1600" b="1" u="none" strike="noStrike" dirty="0" err="1">
+                        <a:rPr lang="en-GB" sz="1200" b="1" u="none" strike="noStrike" dirty="0" err="1">
                           <a:effectLst/>
-                          <a:latin typeface="Times New Roman" panose="02020603050405020304" pitchFamily="18" charset="0"/>
-                          <a:cs typeface="Times New Roman" panose="02020603050405020304" pitchFamily="18" charset="0"/>
+                          <a:latin typeface="Arial" panose="020B0604020202020204" pitchFamily="34" charset="0"/>
+                          <a:cs typeface="Arial" panose="020B0604020202020204" pitchFamily="34" charset="0"/>
                         </a:rPr>
                         <a:t>LeakyRelu</a:t>
                       </a:r>
-                      <a:endParaRPr lang="en-GB" sz="1600" b="1" i="0" u="none" strike="noStrike" dirty="0">
+                      <a:endParaRPr lang="en-GB" sz="1200" b="1" i="0" u="none" strike="noStrike" dirty="0">
                         <a:solidFill>
                           <a:srgbClr val="000000"/>
                         </a:solidFill>
                         <a:effectLst/>
-                        <a:latin typeface="Times New Roman" panose="02020603050405020304" pitchFamily="18" charset="0"/>
-                        <a:cs typeface="Times New Roman" panose="02020603050405020304" pitchFamily="18" charset="0"/>
+                        <a:latin typeface="Arial" panose="020B0604020202020204" pitchFamily="34" charset="0"/>
+                        <a:cs typeface="Arial" panose="020B0604020202020204" pitchFamily="34" charset="0"/>
                       </a:endParaRPr>
                     </a:p>
                   </a:txBody>
@@ -10842,10 +11455,7 @@
                       <a:tailEnd type="none" w="med" len="med"/>
                     </a:lnB>
                     <a:solidFill>
-                      <a:schemeClr val="accent4">
-                        <a:lumMod val="20000"/>
-                        <a:lumOff val="80000"/>
-                      </a:schemeClr>
+                      <a:schemeClr val="bg1"/>
                     </a:solidFill>
                   </a:tcPr>
                 </a:tc>
@@ -10854,22 +11464,22 @@
                     <a:bodyPr/>
                     <a:lstStyle/>
                     <a:p>
-                      <a:pPr algn="l" fontAlgn="b"/>
+                      <a:pPr algn="ctr" fontAlgn="b"/>
                       <a:r>
-                        <a:rPr lang="en-GB" sz="1600" b="1" u="none" strike="noStrike" dirty="0" err="1">
+                        <a:rPr lang="en-GB" sz="1200" b="1" u="none" strike="noStrike" dirty="0" err="1">
                           <a:effectLst/>
-                          <a:latin typeface="Times New Roman" panose="02020603050405020304" pitchFamily="18" charset="0"/>
-                          <a:cs typeface="Times New Roman" panose="02020603050405020304" pitchFamily="18" charset="0"/>
+                          <a:latin typeface="Arial" panose="020B0604020202020204" pitchFamily="34" charset="0"/>
+                          <a:cs typeface="Arial" panose="020B0604020202020204" pitchFamily="34" charset="0"/>
                         </a:rPr>
                         <a:t>Relu</a:t>
                       </a:r>
-                      <a:endParaRPr lang="en-GB" sz="1600" b="1" i="0" u="none" strike="noStrike" dirty="0">
+                      <a:endParaRPr lang="en-GB" sz="1200" b="1" i="0" u="none" strike="noStrike" dirty="0">
                         <a:solidFill>
                           <a:srgbClr val="000000"/>
                         </a:solidFill>
                         <a:effectLst/>
-                        <a:latin typeface="Times New Roman" panose="02020603050405020304" pitchFamily="18" charset="0"/>
-                        <a:cs typeface="Times New Roman" panose="02020603050405020304" pitchFamily="18" charset="0"/>
+                        <a:latin typeface="Arial" panose="020B0604020202020204" pitchFamily="34" charset="0"/>
+                        <a:cs typeface="Arial" panose="020B0604020202020204" pitchFamily="34" charset="0"/>
                       </a:endParaRPr>
                     </a:p>
                   </a:txBody>
@@ -10911,10 +11521,7 @@
                       <a:tailEnd type="none" w="med" len="med"/>
                     </a:lnB>
                     <a:solidFill>
-                      <a:schemeClr val="accent1">
-                        <a:lumMod val="20000"/>
-                        <a:lumOff val="80000"/>
-                      </a:schemeClr>
+                      <a:schemeClr val="bg1"/>
                     </a:solidFill>
                   </a:tcPr>
                 </a:tc>
@@ -10923,22 +11530,22 @@
                     <a:bodyPr/>
                     <a:lstStyle/>
                     <a:p>
-                      <a:pPr algn="l" fontAlgn="b"/>
+                      <a:pPr algn="ctr" fontAlgn="b"/>
                       <a:r>
-                        <a:rPr lang="en-GB" sz="1600" b="1" u="none" strike="noStrike" dirty="0" err="1">
+                        <a:rPr lang="en-GB" sz="1200" b="1" u="none" strike="noStrike" dirty="0" err="1">
                           <a:effectLst/>
-                          <a:latin typeface="Times New Roman" panose="02020603050405020304" pitchFamily="18" charset="0"/>
-                          <a:cs typeface="Times New Roman" panose="02020603050405020304" pitchFamily="18" charset="0"/>
+                          <a:latin typeface="Arial" panose="020B0604020202020204" pitchFamily="34" charset="0"/>
+                          <a:cs typeface="Arial" panose="020B0604020202020204" pitchFamily="34" charset="0"/>
                         </a:rPr>
                         <a:t>ClippedRelu</a:t>
                       </a:r>
-                      <a:endParaRPr lang="en-GB" sz="1600" b="1" i="0" u="none" strike="noStrike" dirty="0">
+                      <a:endParaRPr lang="en-GB" sz="1200" b="1" i="0" u="none" strike="noStrike" dirty="0">
                         <a:solidFill>
                           <a:srgbClr val="000000"/>
                         </a:solidFill>
                         <a:effectLst/>
-                        <a:latin typeface="Times New Roman" panose="02020603050405020304" pitchFamily="18" charset="0"/>
-                        <a:cs typeface="Times New Roman" panose="02020603050405020304" pitchFamily="18" charset="0"/>
+                        <a:latin typeface="Arial" panose="020B0604020202020204" pitchFamily="34" charset="0"/>
+                        <a:cs typeface="Arial" panose="020B0604020202020204" pitchFamily="34" charset="0"/>
                       </a:endParaRPr>
                     </a:p>
                   </a:txBody>
@@ -10980,10 +11587,7 @@
                       <a:tailEnd type="none" w="med" len="med"/>
                     </a:lnB>
                     <a:solidFill>
-                      <a:schemeClr val="accent2">
-                        <a:lumMod val="20000"/>
-                        <a:lumOff val="80000"/>
-                      </a:schemeClr>
+                      <a:schemeClr val="bg1"/>
                     </a:solidFill>
                   </a:tcPr>
                 </a:tc>
@@ -10992,22 +11596,22 @@
                     <a:bodyPr/>
                     <a:lstStyle/>
                     <a:p>
-                      <a:pPr algn="l" fontAlgn="b"/>
+                      <a:pPr algn="ctr" fontAlgn="b"/>
                       <a:r>
-                        <a:rPr lang="en-GB" sz="1600" b="1" u="none" strike="noStrike" dirty="0" err="1">
+                        <a:rPr lang="en-GB" sz="1200" b="1" u="none" strike="noStrike" dirty="0" err="1">
                           <a:effectLst/>
-                          <a:latin typeface="Times New Roman" panose="02020603050405020304" pitchFamily="18" charset="0"/>
-                          <a:cs typeface="Times New Roman" panose="02020603050405020304" pitchFamily="18" charset="0"/>
+                          <a:latin typeface="Arial" panose="020B0604020202020204" pitchFamily="34" charset="0"/>
+                          <a:cs typeface="Arial" panose="020B0604020202020204" pitchFamily="34" charset="0"/>
                         </a:rPr>
                         <a:t>LeakyRelu</a:t>
                       </a:r>
-                      <a:endParaRPr lang="en-GB" sz="1600" b="1" i="0" u="none" strike="noStrike" dirty="0">
+                      <a:endParaRPr lang="en-GB" sz="1200" b="1" i="0" u="none" strike="noStrike" dirty="0">
                         <a:solidFill>
                           <a:srgbClr val="000000"/>
                         </a:solidFill>
                         <a:effectLst/>
-                        <a:latin typeface="Times New Roman" panose="02020603050405020304" pitchFamily="18" charset="0"/>
-                        <a:cs typeface="Times New Roman" panose="02020603050405020304" pitchFamily="18" charset="0"/>
+                        <a:latin typeface="Arial" panose="020B0604020202020204" pitchFamily="34" charset="0"/>
+                        <a:cs typeface="Arial" panose="020B0604020202020204" pitchFamily="34" charset="0"/>
                       </a:endParaRPr>
                     </a:p>
                   </a:txBody>
@@ -11049,10 +11653,7 @@
                       <a:tailEnd type="none" w="med" len="med"/>
                     </a:lnB>
                     <a:solidFill>
-                      <a:schemeClr val="accent4">
-                        <a:lumMod val="20000"/>
-                        <a:lumOff val="80000"/>
-                      </a:schemeClr>
+                      <a:schemeClr val="bg1"/>
                     </a:solidFill>
                   </a:tcPr>
                 </a:tc>
@@ -11061,22 +11662,22 @@
                     <a:bodyPr/>
                     <a:lstStyle/>
                     <a:p>
-                      <a:pPr algn="l" fontAlgn="b"/>
+                      <a:pPr algn="ctr" fontAlgn="b"/>
                       <a:r>
-                        <a:rPr lang="en-GB" sz="1600" b="1" u="none" strike="noStrike" dirty="0" err="1">
+                        <a:rPr lang="en-GB" sz="1200" b="1" u="none" strike="noStrike" dirty="0" err="1">
                           <a:effectLst/>
-                          <a:latin typeface="Times New Roman" panose="02020603050405020304" pitchFamily="18" charset="0"/>
-                          <a:cs typeface="Times New Roman" panose="02020603050405020304" pitchFamily="18" charset="0"/>
+                          <a:latin typeface="Arial" panose="020B0604020202020204" pitchFamily="34" charset="0"/>
+                          <a:cs typeface="Arial" panose="020B0604020202020204" pitchFamily="34" charset="0"/>
                         </a:rPr>
                         <a:t>Relu</a:t>
                       </a:r>
-                      <a:endParaRPr lang="en-GB" sz="1600" b="1" i="0" u="none" strike="noStrike" dirty="0">
+                      <a:endParaRPr lang="en-GB" sz="1200" b="1" i="0" u="none" strike="noStrike" dirty="0">
                         <a:solidFill>
                           <a:srgbClr val="000000"/>
                         </a:solidFill>
                         <a:effectLst/>
-                        <a:latin typeface="Times New Roman" panose="02020603050405020304" pitchFamily="18" charset="0"/>
-                        <a:cs typeface="Times New Roman" panose="02020603050405020304" pitchFamily="18" charset="0"/>
+                        <a:latin typeface="Arial" panose="020B0604020202020204" pitchFamily="34" charset="0"/>
+                        <a:cs typeface="Arial" panose="020B0604020202020204" pitchFamily="34" charset="0"/>
                       </a:endParaRPr>
                     </a:p>
                   </a:txBody>
@@ -11118,10 +11719,7 @@
                       <a:tailEnd type="none" w="med" len="med"/>
                     </a:lnB>
                     <a:solidFill>
-                      <a:schemeClr val="accent1">
-                        <a:lumMod val="20000"/>
-                        <a:lumOff val="80000"/>
-                      </a:schemeClr>
+                      <a:schemeClr val="bg1"/>
                     </a:solidFill>
                   </a:tcPr>
                 </a:tc>
@@ -11130,22 +11728,22 @@
                     <a:bodyPr/>
                     <a:lstStyle/>
                     <a:p>
-                      <a:pPr algn="l" fontAlgn="b"/>
+                      <a:pPr algn="ctr" fontAlgn="b"/>
                       <a:r>
-                        <a:rPr lang="en-GB" sz="1600" b="1" u="none" strike="noStrike" dirty="0" err="1">
+                        <a:rPr lang="en-GB" sz="1200" b="1" u="none" strike="noStrike" dirty="0" err="1">
                           <a:effectLst/>
-                          <a:latin typeface="Times New Roman" panose="02020603050405020304" pitchFamily="18" charset="0"/>
-                          <a:cs typeface="Times New Roman" panose="02020603050405020304" pitchFamily="18" charset="0"/>
+                          <a:latin typeface="Arial" panose="020B0604020202020204" pitchFamily="34" charset="0"/>
+                          <a:cs typeface="Arial" panose="020B0604020202020204" pitchFamily="34" charset="0"/>
                         </a:rPr>
                         <a:t>ClippedRelu</a:t>
                       </a:r>
-                      <a:endParaRPr lang="en-GB" sz="1600" b="1" i="0" u="none" strike="noStrike" dirty="0">
+                      <a:endParaRPr lang="en-GB" sz="1200" b="1" i="0" u="none" strike="noStrike" dirty="0">
                         <a:solidFill>
                           <a:srgbClr val="000000"/>
                         </a:solidFill>
                         <a:effectLst/>
-                        <a:latin typeface="Times New Roman" panose="02020603050405020304" pitchFamily="18" charset="0"/>
-                        <a:cs typeface="Times New Roman" panose="02020603050405020304" pitchFamily="18" charset="0"/>
+                        <a:latin typeface="Arial" panose="020B0604020202020204" pitchFamily="34" charset="0"/>
+                        <a:cs typeface="Arial" panose="020B0604020202020204" pitchFamily="34" charset="0"/>
                       </a:endParaRPr>
                     </a:p>
                   </a:txBody>
@@ -11187,10 +11785,7 @@
                       <a:tailEnd type="none" w="med" len="med"/>
                     </a:lnB>
                     <a:solidFill>
-                      <a:schemeClr val="accent2">
-                        <a:lumMod val="20000"/>
-                        <a:lumOff val="80000"/>
-                      </a:schemeClr>
+                      <a:schemeClr val="bg1"/>
                     </a:solidFill>
                   </a:tcPr>
                 </a:tc>
@@ -11199,22 +11794,22 @@
                     <a:bodyPr/>
                     <a:lstStyle/>
                     <a:p>
-                      <a:pPr algn="l" fontAlgn="b"/>
+                      <a:pPr algn="ctr" fontAlgn="b"/>
                       <a:r>
-                        <a:rPr lang="en-GB" sz="1600" b="1" u="none" strike="noStrike" dirty="0" err="1">
+                        <a:rPr lang="en-GB" sz="1200" b="1" u="none" strike="noStrike" dirty="0" err="1">
                           <a:effectLst/>
-                          <a:latin typeface="Times New Roman" panose="02020603050405020304" pitchFamily="18" charset="0"/>
-                          <a:cs typeface="Times New Roman" panose="02020603050405020304" pitchFamily="18" charset="0"/>
+                          <a:latin typeface="Arial" panose="020B0604020202020204" pitchFamily="34" charset="0"/>
+                          <a:cs typeface="Arial" panose="020B0604020202020204" pitchFamily="34" charset="0"/>
                         </a:rPr>
                         <a:t>LeakyRelu</a:t>
                       </a:r>
-                      <a:endParaRPr lang="en-GB" sz="1600" b="1" i="0" u="none" strike="noStrike" dirty="0">
+                      <a:endParaRPr lang="en-GB" sz="1200" b="1" i="0" u="none" strike="noStrike" dirty="0">
                         <a:solidFill>
                           <a:srgbClr val="000000"/>
                         </a:solidFill>
                         <a:effectLst/>
-                        <a:latin typeface="Times New Roman" panose="02020603050405020304" pitchFamily="18" charset="0"/>
-                        <a:cs typeface="Times New Roman" panose="02020603050405020304" pitchFamily="18" charset="0"/>
+                        <a:latin typeface="Arial" panose="020B0604020202020204" pitchFamily="34" charset="0"/>
+                        <a:cs typeface="Arial" panose="020B0604020202020204" pitchFamily="34" charset="0"/>
                       </a:endParaRPr>
                     </a:p>
                   </a:txBody>
@@ -11256,10 +11851,7 @@
                       <a:tailEnd type="none" w="med" len="med"/>
                     </a:lnB>
                     <a:solidFill>
-                      <a:schemeClr val="accent4">
-                        <a:lumMod val="20000"/>
-                        <a:lumOff val="80000"/>
-                      </a:schemeClr>
+                      <a:schemeClr val="bg1"/>
                     </a:solidFill>
                   </a:tcPr>
                 </a:tc>
@@ -11269,28 +11861,28 @@
                   </a:ext>
                 </a:extLst>
               </a:tr>
-              <a:tr h="136234">
+              <a:tr h="288000">
                 <a:tc>
                   <a:txBody>
                     <a:bodyPr/>
                     <a:lstStyle/>
                     <a:p>
-                      <a:pPr algn="l" fontAlgn="b"/>
+                      <a:pPr algn="ctr" fontAlgn="b"/>
                       <a:r>
-                        <a:rPr lang="en-GB" sz="1800" b="1" u="none" strike="noStrike" dirty="0">
+                        <a:rPr lang="en-GB" sz="1200" b="1" u="none" strike="noStrike" dirty="0">
                           <a:effectLst/>
-                          <a:latin typeface="Times New Roman" panose="02020603050405020304" pitchFamily="18" charset="0"/>
-                          <a:cs typeface="Times New Roman" panose="02020603050405020304" pitchFamily="18" charset="0"/>
+                          <a:latin typeface="Arial" panose="020B0604020202020204" pitchFamily="34" charset="0"/>
+                          <a:cs typeface="Arial" panose="020B0604020202020204" pitchFamily="34" charset="0"/>
                         </a:rPr>
                         <a:t>Accuracy</a:t>
                       </a:r>
-                      <a:endParaRPr lang="en-GB" sz="1800" b="1" i="0" u="none" strike="noStrike" dirty="0">
+                      <a:endParaRPr lang="en-GB" sz="1200" b="1" i="0" u="none" strike="noStrike" dirty="0">
                         <a:solidFill>
                           <a:srgbClr val="000000"/>
                         </a:solidFill>
                         <a:effectLst/>
-                        <a:latin typeface="Times New Roman" panose="02020603050405020304" pitchFamily="18" charset="0"/>
-                        <a:cs typeface="Times New Roman" panose="02020603050405020304" pitchFamily="18" charset="0"/>
+                        <a:latin typeface="Arial" panose="020B0604020202020204" pitchFamily="34" charset="0"/>
+                        <a:cs typeface="Arial" panose="020B0604020202020204" pitchFamily="34" charset="0"/>
                       </a:endParaRPr>
                     </a:p>
                   </a:txBody>
@@ -11331,75 +11923,8 @@
                       <a:headEnd type="none" w="med" len="med"/>
                       <a:tailEnd type="none" w="med" len="med"/>
                     </a:lnB>
-                    <a:noFill/>
-                  </a:tcPr>
-                </a:tc>
-                <a:tc>
-                  <a:txBody>
-                    <a:bodyPr/>
-                    <a:lstStyle/>
-                    <a:p>
-                      <a:pPr algn="r" fontAlgn="b"/>
-                      <a:r>
-                        <a:rPr lang="en-GB" sz="1800" u="none" strike="noStrike" dirty="0">
-                          <a:effectLst/>
-                          <a:latin typeface="Times New Roman" panose="02020603050405020304" pitchFamily="18" charset="0"/>
-                          <a:cs typeface="Times New Roman" panose="02020603050405020304" pitchFamily="18" charset="0"/>
-                        </a:rPr>
-                        <a:t>1</a:t>
-                      </a:r>
-                      <a:endParaRPr lang="en-GB" sz="1800" b="0" i="0" u="none" strike="noStrike" dirty="0">
-                        <a:solidFill>
-                          <a:srgbClr val="000000"/>
-                        </a:solidFill>
-                        <a:effectLst/>
-                        <a:latin typeface="Times New Roman" panose="02020603050405020304" pitchFamily="18" charset="0"/>
-                        <a:cs typeface="Times New Roman" panose="02020603050405020304" pitchFamily="18" charset="0"/>
-                      </a:endParaRPr>
-                    </a:p>
-                  </a:txBody>
-                  <a:tcPr marL="6386" marR="6386" marT="6386" marB="0" anchor="b">
-                    <a:lnL w="12700" cap="flat" cmpd="sng" algn="ctr">
-                      <a:solidFill>
-                        <a:schemeClr val="tx1"/>
-                      </a:solidFill>
-                      <a:prstDash val="solid"/>
-                      <a:round/>
-                      <a:headEnd type="none" w="med" len="med"/>
-                      <a:tailEnd type="none" w="med" len="med"/>
-                    </a:lnL>
-                    <a:lnR w="12700" cap="flat" cmpd="sng" algn="ctr">
-                      <a:solidFill>
-                        <a:schemeClr val="tx1"/>
-                      </a:solidFill>
-                      <a:prstDash val="solid"/>
-                      <a:round/>
-                      <a:headEnd type="none" w="med" len="med"/>
-                      <a:tailEnd type="none" w="med" len="med"/>
-                    </a:lnR>
-                    <a:lnT w="12700" cap="flat" cmpd="sng" algn="ctr">
-                      <a:solidFill>
-                        <a:schemeClr val="tx1"/>
-                      </a:solidFill>
-                      <a:prstDash val="solid"/>
-                      <a:round/>
-                      <a:headEnd type="none" w="med" len="med"/>
-                      <a:tailEnd type="none" w="med" len="med"/>
-                    </a:lnT>
-                    <a:lnB w="12700" cap="flat" cmpd="sng" algn="ctr">
-                      <a:solidFill>
-                        <a:schemeClr val="tx1"/>
-                      </a:solidFill>
-                      <a:prstDash val="solid"/>
-                      <a:round/>
-                      <a:headEnd type="none" w="med" len="med"/>
-                      <a:tailEnd type="none" w="med" len="med"/>
-                    </a:lnB>
                     <a:solidFill>
-                      <a:schemeClr val="accent1">
-                        <a:lumMod val="20000"/>
-                        <a:lumOff val="80000"/>
-                      </a:schemeClr>
+                      <a:schemeClr val="bg1"/>
                     </a:solidFill>
                   </a:tcPr>
                 </a:tc>
@@ -11410,20 +11935,20 @@
                     <a:p>
                       <a:pPr algn="r" fontAlgn="b"/>
                       <a:r>
-                        <a:rPr lang="en-GB" sz="1800" u="none" strike="noStrike" dirty="0">
+                        <a:rPr lang="en-GB" sz="1200" u="none" strike="noStrike" dirty="0">
                           <a:effectLst/>
-                          <a:latin typeface="Times New Roman" panose="02020603050405020304" pitchFamily="18" charset="0"/>
-                          <a:cs typeface="Times New Roman" panose="02020603050405020304" pitchFamily="18" charset="0"/>
+                          <a:latin typeface="Arial" panose="020B0604020202020204" pitchFamily="34" charset="0"/>
+                          <a:cs typeface="Arial" panose="020B0604020202020204" pitchFamily="34" charset="0"/>
                         </a:rPr>
                         <a:t>1</a:t>
                       </a:r>
-                      <a:endParaRPr lang="en-GB" sz="1800" b="0" i="0" u="none" strike="noStrike" dirty="0">
+                      <a:endParaRPr lang="en-GB" sz="1200" b="0" i="0" u="none" strike="noStrike" dirty="0">
                         <a:solidFill>
                           <a:srgbClr val="000000"/>
                         </a:solidFill>
                         <a:effectLst/>
-                        <a:latin typeface="Times New Roman" panose="02020603050405020304" pitchFamily="18" charset="0"/>
-                        <a:cs typeface="Times New Roman" panose="02020603050405020304" pitchFamily="18" charset="0"/>
+                        <a:latin typeface="Arial" panose="020B0604020202020204" pitchFamily="34" charset="0"/>
+                        <a:cs typeface="Arial" panose="020B0604020202020204" pitchFamily="34" charset="0"/>
                       </a:endParaRPr>
                     </a:p>
                   </a:txBody>
@@ -11465,10 +11990,131 @@
                       <a:tailEnd type="none" w="med" len="med"/>
                     </a:lnB>
                     <a:solidFill>
-                      <a:schemeClr val="accent2">
-                        <a:lumMod val="20000"/>
-                        <a:lumOff val="80000"/>
-                      </a:schemeClr>
+                      <a:schemeClr val="bg2"/>
+                    </a:solidFill>
+                  </a:tcPr>
+                </a:tc>
+                <a:tc gridSpan="2">
+                  <a:txBody>
+                    <a:bodyPr/>
+                    <a:lstStyle/>
+                    <a:p>
+                      <a:pPr algn="r" fontAlgn="b"/>
+                      <a:r>
+                        <a:rPr lang="en-GB" sz="1200" u="none" strike="noStrike" dirty="0">
+                          <a:effectLst/>
+                          <a:latin typeface="Arial" panose="020B0604020202020204" pitchFamily="34" charset="0"/>
+                          <a:cs typeface="Arial" panose="020B0604020202020204" pitchFamily="34" charset="0"/>
+                        </a:rPr>
+                        <a:t>1</a:t>
+                      </a:r>
+                      <a:endParaRPr lang="en-GB" sz="1200" b="0" i="0" u="none" strike="noStrike" dirty="0">
+                        <a:solidFill>
+                          <a:srgbClr val="000000"/>
+                        </a:solidFill>
+                        <a:effectLst/>
+                        <a:latin typeface="Arial" panose="020B0604020202020204" pitchFamily="34" charset="0"/>
+                        <a:cs typeface="Arial" panose="020B0604020202020204" pitchFamily="34" charset="0"/>
+                      </a:endParaRPr>
+                    </a:p>
+                  </a:txBody>
+                  <a:tcPr marL="6386" marR="6386" marT="6386" marB="0" anchor="b">
+                    <a:lnL w="12700" cap="flat" cmpd="sng" algn="ctr">
+                      <a:solidFill>
+                        <a:schemeClr val="tx1"/>
+                      </a:solidFill>
+                      <a:prstDash val="solid"/>
+                      <a:round/>
+                      <a:headEnd type="none" w="med" len="med"/>
+                      <a:tailEnd type="none" w="med" len="med"/>
+                    </a:lnL>
+                    <a:lnR w="12700" cap="flat" cmpd="sng" algn="ctr">
+                      <a:solidFill>
+                        <a:schemeClr val="tx1"/>
+                      </a:solidFill>
+                      <a:prstDash val="solid"/>
+                      <a:round/>
+                      <a:headEnd type="none" w="med" len="med"/>
+                      <a:tailEnd type="none" w="med" len="med"/>
+                    </a:lnR>
+                    <a:lnT w="12700" cap="flat" cmpd="sng" algn="ctr">
+                      <a:solidFill>
+                        <a:schemeClr val="tx1"/>
+                      </a:solidFill>
+                      <a:prstDash val="solid"/>
+                      <a:round/>
+                      <a:headEnd type="none" w="med" len="med"/>
+                      <a:tailEnd type="none" w="med" len="med"/>
+                    </a:lnT>
+                    <a:lnB w="12700" cap="flat" cmpd="sng" algn="ctr">
+                      <a:solidFill>
+                        <a:schemeClr val="tx1"/>
+                      </a:solidFill>
+                      <a:prstDash val="solid"/>
+                      <a:round/>
+                      <a:headEnd type="none" w="med" len="med"/>
+                      <a:tailEnd type="none" w="med" len="med"/>
+                    </a:lnB>
+                    <a:solidFill>
+                      <a:schemeClr val="bg2"/>
+                    </a:solidFill>
+                  </a:tcPr>
+                </a:tc>
+                <a:tc hMerge="1">
+                  <a:txBody>
+                    <a:bodyPr/>
+                    <a:lstStyle/>
+                    <a:p>
+                      <a:pPr algn="r" fontAlgn="b"/>
+                      <a:endParaRPr lang="en-GB" sz="1600" b="0" i="0" u="none" strike="noStrike" dirty="0">
+                        <a:solidFill>
+                          <a:srgbClr val="000000"/>
+                        </a:solidFill>
+                        <a:effectLst/>
+                        <a:latin typeface="Arial" panose="020B0604020202020204" pitchFamily="34" charset="0"/>
+                        <a:cs typeface="Arial" panose="020B0604020202020204" pitchFamily="34" charset="0"/>
+                      </a:endParaRPr>
+                    </a:p>
+                  </a:txBody>
+                  <a:tcPr marL="6386" marR="6386" marT="6386" marB="0" anchor="b">
+                    <a:lnL w="12700" cap="flat" cmpd="sng" algn="ctr">
+                      <a:solidFill>
+                        <a:schemeClr val="tx1"/>
+                      </a:solidFill>
+                      <a:prstDash val="solid"/>
+                      <a:round/>
+                      <a:headEnd type="none" w="med" len="med"/>
+                      <a:tailEnd type="none" w="med" len="med"/>
+                    </a:lnL>
+                    <a:lnR w="12700" cap="flat" cmpd="sng" algn="ctr">
+                      <a:solidFill>
+                        <a:schemeClr val="tx1"/>
+                      </a:solidFill>
+                      <a:prstDash val="solid"/>
+                      <a:round/>
+                      <a:headEnd type="none" w="med" len="med"/>
+                      <a:tailEnd type="none" w="med" len="med"/>
+                    </a:lnR>
+                    <a:lnT w="12700" cap="flat" cmpd="sng" algn="ctr">
+                      <a:solidFill>
+                        <a:schemeClr val="tx1"/>
+                      </a:solidFill>
+                      <a:prstDash val="solid"/>
+                      <a:round/>
+                      <a:headEnd type="none" w="med" len="med"/>
+                      <a:tailEnd type="none" w="med" len="med"/>
+                    </a:lnT>
+                    <a:lnB w="12700" cap="flat" cmpd="sng" algn="ctr">
+                      <a:solidFill>
+                        <a:schemeClr val="tx1"/>
+                      </a:solidFill>
+                      <a:prstDash val="solid"/>
+                      <a:round/>
+                      <a:headEnd type="none" w="med" len="med"/>
+                      <a:tailEnd type="none" w="med" len="med"/>
+                    </a:lnB>
+                    <a:solidFill>
+                      <a:schemeClr val="bg1"/>
                     </a:solidFill>
                   </a:tcPr>
                 </a:tc>
@@ -11479,20 +12125,20 @@
                     <a:p>
                       <a:pPr algn="r" fontAlgn="b"/>
                       <a:r>
-                        <a:rPr lang="en-GB" sz="1800" u="none" strike="noStrike" dirty="0">
+                        <a:rPr lang="en-GB" sz="1200" u="none" strike="noStrike" dirty="0">
                           <a:effectLst/>
-                          <a:latin typeface="Times New Roman" panose="02020603050405020304" pitchFamily="18" charset="0"/>
-                          <a:cs typeface="Times New Roman" panose="02020603050405020304" pitchFamily="18" charset="0"/>
+                          <a:latin typeface="Arial" panose="020B0604020202020204" pitchFamily="34" charset="0"/>
+                          <a:cs typeface="Arial" panose="020B0604020202020204" pitchFamily="34" charset="0"/>
                         </a:rPr>
                         <a:t>1</a:t>
                       </a:r>
-                      <a:endParaRPr lang="en-GB" sz="1800" b="0" i="0" u="none" strike="noStrike" dirty="0">
+                      <a:endParaRPr lang="en-GB" sz="1200" b="0" i="0" u="none" strike="noStrike" dirty="0">
                         <a:solidFill>
                           <a:srgbClr val="000000"/>
                         </a:solidFill>
                         <a:effectLst/>
-                        <a:latin typeface="Times New Roman" panose="02020603050405020304" pitchFamily="18" charset="0"/>
-                        <a:cs typeface="Times New Roman" panose="02020603050405020304" pitchFamily="18" charset="0"/>
+                        <a:latin typeface="Arial" panose="020B0604020202020204" pitchFamily="34" charset="0"/>
+                        <a:cs typeface="Arial" panose="020B0604020202020204" pitchFamily="34" charset="0"/>
                       </a:endParaRPr>
                     </a:p>
                   </a:txBody>
@@ -11534,10 +12180,7 @@
                       <a:tailEnd type="none" w="med" len="med"/>
                     </a:lnB>
                     <a:solidFill>
-                      <a:schemeClr val="accent4">
-                        <a:lumMod val="20000"/>
-                        <a:lumOff val="80000"/>
-                      </a:schemeClr>
+                      <a:schemeClr val="bg2"/>
                     </a:solidFill>
                   </a:tcPr>
                 </a:tc>
@@ -11548,20 +12191,20 @@
                     <a:p>
                       <a:pPr algn="r" fontAlgn="b"/>
                       <a:r>
-                        <a:rPr lang="en-GB" sz="1800" u="none" strike="noStrike" dirty="0">
+                        <a:rPr lang="en-GB" sz="1200" u="none" strike="noStrike" dirty="0">
                           <a:effectLst/>
-                          <a:latin typeface="Times New Roman" panose="02020603050405020304" pitchFamily="18" charset="0"/>
-                          <a:cs typeface="Times New Roman" panose="02020603050405020304" pitchFamily="18" charset="0"/>
+                          <a:latin typeface="Arial" panose="020B0604020202020204" pitchFamily="34" charset="0"/>
+                          <a:cs typeface="Arial" panose="020B0604020202020204" pitchFamily="34" charset="0"/>
                         </a:rPr>
                         <a:t>0.9721</a:t>
                       </a:r>
-                      <a:endParaRPr lang="en-GB" sz="1800" b="0" i="0" u="none" strike="noStrike" dirty="0">
+                      <a:endParaRPr lang="en-GB" sz="1200" b="0" i="0" u="none" strike="noStrike" dirty="0">
                         <a:solidFill>
                           <a:srgbClr val="000000"/>
                         </a:solidFill>
                         <a:effectLst/>
-                        <a:latin typeface="Times New Roman" panose="02020603050405020304" pitchFamily="18" charset="0"/>
-                        <a:cs typeface="Times New Roman" panose="02020603050405020304" pitchFamily="18" charset="0"/>
+                        <a:latin typeface="Arial" panose="020B0604020202020204" pitchFamily="34" charset="0"/>
+                        <a:cs typeface="Arial" panose="020B0604020202020204" pitchFamily="34" charset="0"/>
                       </a:endParaRPr>
                     </a:p>
                   </a:txBody>
@@ -11603,10 +12246,7 @@
                       <a:tailEnd type="none" w="med" len="med"/>
                     </a:lnB>
                     <a:solidFill>
-                      <a:schemeClr val="accent1">
-                        <a:lumMod val="20000"/>
-                        <a:lumOff val="80000"/>
-                      </a:schemeClr>
+                      <a:schemeClr val="bg2"/>
                     </a:solidFill>
                   </a:tcPr>
                 </a:tc>
@@ -11617,20 +12257,20 @@
                     <a:p>
                       <a:pPr algn="r" fontAlgn="b"/>
                       <a:r>
-                        <a:rPr lang="en-GB" sz="1800" u="none" strike="noStrike" dirty="0">
+                        <a:rPr lang="en-GB" sz="1200" u="none" strike="noStrike" dirty="0">
                           <a:effectLst/>
-                          <a:latin typeface="Times New Roman" panose="02020603050405020304" pitchFamily="18" charset="0"/>
-                          <a:cs typeface="Times New Roman" panose="02020603050405020304" pitchFamily="18" charset="0"/>
+                          <a:latin typeface="Arial" panose="020B0604020202020204" pitchFamily="34" charset="0"/>
+                          <a:cs typeface="Arial" panose="020B0604020202020204" pitchFamily="34" charset="0"/>
                         </a:rPr>
                         <a:t>1</a:t>
                       </a:r>
-                      <a:endParaRPr lang="en-GB" sz="1800" b="0" i="0" u="none" strike="noStrike" dirty="0">
+                      <a:endParaRPr lang="en-GB" sz="1200" b="0" i="0" u="none" strike="noStrike" dirty="0">
                         <a:solidFill>
                           <a:srgbClr val="000000"/>
                         </a:solidFill>
                         <a:effectLst/>
-                        <a:latin typeface="Times New Roman" panose="02020603050405020304" pitchFamily="18" charset="0"/>
-                        <a:cs typeface="Times New Roman" panose="02020603050405020304" pitchFamily="18" charset="0"/>
+                        <a:latin typeface="Arial" panose="020B0604020202020204" pitchFamily="34" charset="0"/>
+                        <a:cs typeface="Arial" panose="020B0604020202020204" pitchFamily="34" charset="0"/>
                       </a:endParaRPr>
                     </a:p>
                   </a:txBody>
@@ -11672,10 +12312,7 @@
                       <a:tailEnd type="none" w="med" len="med"/>
                     </a:lnB>
                     <a:solidFill>
-                      <a:schemeClr val="accent2">
-                        <a:lumMod val="20000"/>
-                        <a:lumOff val="80000"/>
-                      </a:schemeClr>
+                      <a:schemeClr val="bg2"/>
                     </a:solidFill>
                   </a:tcPr>
                 </a:tc>
@@ -11686,20 +12323,20 @@
                     <a:p>
                       <a:pPr algn="r" fontAlgn="b"/>
                       <a:r>
-                        <a:rPr lang="en-GB" sz="1800" u="none" strike="noStrike" dirty="0">
+                        <a:rPr lang="en-GB" sz="1200" u="none" strike="noStrike" dirty="0">
                           <a:effectLst/>
-                          <a:latin typeface="Times New Roman" panose="02020603050405020304" pitchFamily="18" charset="0"/>
-                          <a:cs typeface="Times New Roman" panose="02020603050405020304" pitchFamily="18" charset="0"/>
+                          <a:latin typeface="Arial" panose="020B0604020202020204" pitchFamily="34" charset="0"/>
+                          <a:cs typeface="Arial" panose="020B0604020202020204" pitchFamily="34" charset="0"/>
                         </a:rPr>
                         <a:t>0.9880</a:t>
                       </a:r>
-                      <a:endParaRPr lang="en-GB" sz="1800" b="0" i="0" u="none" strike="noStrike" dirty="0">
+                      <a:endParaRPr lang="en-GB" sz="1200" b="0" i="0" u="none" strike="noStrike" dirty="0">
                         <a:solidFill>
                           <a:srgbClr val="000000"/>
                         </a:solidFill>
                         <a:effectLst/>
-                        <a:latin typeface="Times New Roman" panose="02020603050405020304" pitchFamily="18" charset="0"/>
-                        <a:cs typeface="Times New Roman" panose="02020603050405020304" pitchFamily="18" charset="0"/>
+                        <a:latin typeface="Arial" panose="020B0604020202020204" pitchFamily="34" charset="0"/>
+                        <a:cs typeface="Arial" panose="020B0604020202020204" pitchFamily="34" charset="0"/>
                       </a:endParaRPr>
                     </a:p>
                   </a:txBody>
@@ -11741,10 +12378,7 @@
                       <a:tailEnd type="none" w="med" len="med"/>
                     </a:lnB>
                     <a:solidFill>
-                      <a:schemeClr val="accent4">
-                        <a:lumMod val="20000"/>
-                        <a:lumOff val="80000"/>
-                      </a:schemeClr>
+                      <a:schemeClr val="bg2"/>
                     </a:solidFill>
                   </a:tcPr>
                 </a:tc>
@@ -11755,20 +12389,20 @@
                     <a:p>
                       <a:pPr algn="r" fontAlgn="b"/>
                       <a:r>
-                        <a:rPr lang="en-GB" sz="1800" u="none" strike="noStrike" dirty="0">
+                        <a:rPr lang="en-GB" sz="1200" u="none" strike="noStrike" dirty="0">
                           <a:effectLst/>
-                          <a:latin typeface="Times New Roman" panose="02020603050405020304" pitchFamily="18" charset="0"/>
-                          <a:cs typeface="Times New Roman" panose="02020603050405020304" pitchFamily="18" charset="0"/>
+                          <a:latin typeface="Arial" panose="020B0604020202020204" pitchFamily="34" charset="0"/>
+                          <a:cs typeface="Arial" panose="020B0604020202020204" pitchFamily="34" charset="0"/>
                         </a:rPr>
                         <a:t>0.753</a:t>
                       </a:r>
-                      <a:endParaRPr lang="en-GB" sz="1800" b="0" i="0" u="none" strike="noStrike" dirty="0">
+                      <a:endParaRPr lang="en-GB" sz="1200" b="0" i="0" u="none" strike="noStrike" dirty="0">
                         <a:solidFill>
                           <a:srgbClr val="000000"/>
                         </a:solidFill>
                         <a:effectLst/>
-                        <a:latin typeface="Times New Roman" panose="02020603050405020304" pitchFamily="18" charset="0"/>
-                        <a:cs typeface="Times New Roman" panose="02020603050405020304" pitchFamily="18" charset="0"/>
+                        <a:latin typeface="Arial" panose="020B0604020202020204" pitchFamily="34" charset="0"/>
+                        <a:cs typeface="Arial" panose="020B0604020202020204" pitchFamily="34" charset="0"/>
                       </a:endParaRPr>
                     </a:p>
                   </a:txBody>
@@ -11810,10 +12444,7 @@
                       <a:tailEnd type="none" w="med" len="med"/>
                     </a:lnB>
                     <a:solidFill>
-                      <a:schemeClr val="accent1">
-                        <a:lumMod val="20000"/>
-                        <a:lumOff val="80000"/>
-                      </a:schemeClr>
+                      <a:schemeClr val="bg2"/>
                     </a:solidFill>
                   </a:tcPr>
                 </a:tc>
@@ -11824,20 +12455,20 @@
                     <a:p>
                       <a:pPr algn="r" fontAlgn="b"/>
                       <a:r>
-                        <a:rPr lang="en-GB" sz="1800" u="none" strike="noStrike" dirty="0">
+                        <a:rPr lang="en-GB" sz="1200" u="none" strike="noStrike" dirty="0">
                           <a:effectLst/>
-                          <a:latin typeface="Times New Roman" panose="02020603050405020304" pitchFamily="18" charset="0"/>
-                          <a:cs typeface="Times New Roman" panose="02020603050405020304" pitchFamily="18" charset="0"/>
+                          <a:latin typeface="Arial" panose="020B0604020202020204" pitchFamily="34" charset="0"/>
+                          <a:cs typeface="Arial" panose="020B0604020202020204" pitchFamily="34" charset="0"/>
                         </a:rPr>
                         <a:t>1</a:t>
                       </a:r>
-                      <a:endParaRPr lang="en-GB" sz="1800" b="0" i="0" u="none" strike="noStrike" dirty="0">
+                      <a:endParaRPr lang="en-GB" sz="1200" b="0" i="0" u="none" strike="noStrike" dirty="0">
                         <a:solidFill>
                           <a:srgbClr val="000000"/>
                         </a:solidFill>
                         <a:effectLst/>
-                        <a:latin typeface="Times New Roman" panose="02020603050405020304" pitchFamily="18" charset="0"/>
-                        <a:cs typeface="Times New Roman" panose="02020603050405020304" pitchFamily="18" charset="0"/>
+                        <a:latin typeface="Arial" panose="020B0604020202020204" pitchFamily="34" charset="0"/>
+                        <a:cs typeface="Arial" panose="020B0604020202020204" pitchFamily="34" charset="0"/>
                       </a:endParaRPr>
                     </a:p>
                   </a:txBody>
@@ -11879,10 +12510,7 @@
                       <a:tailEnd type="none" w="med" len="med"/>
                     </a:lnB>
                     <a:solidFill>
-                      <a:schemeClr val="accent2">
-                        <a:lumMod val="20000"/>
-                        <a:lumOff val="80000"/>
-                      </a:schemeClr>
+                      <a:schemeClr val="bg2"/>
                     </a:solidFill>
                   </a:tcPr>
                 </a:tc>
@@ -11893,20 +12521,20 @@
                     <a:p>
                       <a:pPr algn="r" fontAlgn="b"/>
                       <a:r>
-                        <a:rPr lang="en-GB" sz="1800" u="none" strike="noStrike" dirty="0">
+                        <a:rPr lang="en-GB" sz="1200" u="none" strike="noStrike" dirty="0">
                           <a:effectLst/>
-                          <a:latin typeface="Times New Roman" panose="02020603050405020304" pitchFamily="18" charset="0"/>
-                          <a:cs typeface="Times New Roman" panose="02020603050405020304" pitchFamily="18" charset="0"/>
+                          <a:latin typeface="Arial" panose="020B0604020202020204" pitchFamily="34" charset="0"/>
+                          <a:cs typeface="Arial" panose="020B0604020202020204" pitchFamily="34" charset="0"/>
                         </a:rPr>
                         <a:t>0.9323</a:t>
                       </a:r>
-                      <a:endParaRPr lang="en-GB" sz="1800" b="0" i="0" u="none" strike="noStrike" dirty="0">
+                      <a:endParaRPr lang="en-GB" sz="1200" b="0" i="0" u="none" strike="noStrike" dirty="0">
                         <a:solidFill>
                           <a:srgbClr val="000000"/>
                         </a:solidFill>
                         <a:effectLst/>
-                        <a:latin typeface="Times New Roman" panose="02020603050405020304" pitchFamily="18" charset="0"/>
-                        <a:cs typeface="Times New Roman" panose="02020603050405020304" pitchFamily="18" charset="0"/>
+                        <a:latin typeface="Arial" panose="020B0604020202020204" pitchFamily="34" charset="0"/>
+                        <a:cs typeface="Arial" panose="020B0604020202020204" pitchFamily="34" charset="0"/>
                       </a:endParaRPr>
                     </a:p>
                   </a:txBody>
@@ -11948,10 +12576,7 @@
                       <a:tailEnd type="none" w="med" len="med"/>
                     </a:lnB>
                     <a:solidFill>
-                      <a:schemeClr val="accent4">
-                        <a:lumMod val="20000"/>
-                        <a:lumOff val="80000"/>
-                      </a:schemeClr>
+                      <a:schemeClr val="bg2"/>
                     </a:solidFill>
                   </a:tcPr>
                 </a:tc>
@@ -12022,10 +12647,7 @@
           <a:lstStyle/>
           <a:p>
             <a:r>
-              <a:rPr lang="en-US" dirty="0">
-                <a:latin typeface="Times New Roman" panose="02020603050405020304" pitchFamily="18" charset="0"/>
-                <a:cs typeface="Times New Roman" panose="02020603050405020304" pitchFamily="18" charset="0"/>
-              </a:rPr>
+              <a:rPr lang="en-US" dirty="0"/>
               <a:t>Introduction</a:t>
             </a:r>
           </a:p>
@@ -12049,8 +12671,8 @@
         </p:nvSpPr>
         <p:spPr>
           <a:xfrm>
-            <a:off x="838200" y="1092820"/>
-            <a:ext cx="10515600" cy="5084143"/>
+            <a:off x="838200" y="1271752"/>
+            <a:ext cx="10515600" cy="4905211"/>
           </a:xfrm>
         </p:spPr>
         <p:txBody>
@@ -12060,53 +12682,65 @@
           <a:lstStyle/>
           <a:p>
             <a:r>
-              <a:rPr lang="en-GB" dirty="0">
-                <a:latin typeface="Times New Roman" panose="02020603050405020304" pitchFamily="18" charset="0"/>
-                <a:cs typeface="Times New Roman" panose="02020603050405020304" pitchFamily="18" charset="0"/>
-              </a:rPr>
+              <a:rPr lang="en-GB" dirty="0"/>
               <a:t>Depending on the probability distribution of dataset, the performance of deep learning model changes.</a:t>
             </a:r>
           </a:p>
           <a:p>
             <a:r>
-              <a:rPr lang="en-GB" dirty="0">
-                <a:latin typeface="Times New Roman" panose="02020603050405020304" pitchFamily="18" charset="0"/>
-                <a:cs typeface="Times New Roman" panose="02020603050405020304" pitchFamily="18" charset="0"/>
-              </a:rPr>
+              <a:rPr lang="en-GB" dirty="0"/>
               <a:t>FER datasets are chosen because there are various datasets available</a:t>
             </a:r>
           </a:p>
           <a:p>
             <a:r>
-              <a:rPr lang="en-GB" dirty="0">
-                <a:latin typeface="Times New Roman" panose="02020603050405020304" pitchFamily="18" charset="0"/>
-                <a:cs typeface="Times New Roman" panose="02020603050405020304" pitchFamily="18" charset="0"/>
-              </a:rPr>
+              <a:rPr lang="en-GB" dirty="0"/>
               <a:t>We show the different probability distribution of each FER dataset.</a:t>
             </a:r>
           </a:p>
           <a:p>
             <a:r>
-              <a:rPr lang="en-GB" dirty="0">
-                <a:latin typeface="Times New Roman" panose="02020603050405020304" pitchFamily="18" charset="0"/>
-                <a:cs typeface="Times New Roman" panose="02020603050405020304" pitchFamily="18" charset="0"/>
-              </a:rPr>
+              <a:rPr lang="en-GB" dirty="0"/>
               <a:t>Use </a:t>
             </a:r>
             <a:r>
-              <a:rPr lang="en-GB" dirty="0" err="1">
-                <a:latin typeface="Times New Roman" panose="02020603050405020304" pitchFamily="18" charset="0"/>
-                <a:cs typeface="Times New Roman" panose="02020603050405020304" pitchFamily="18" charset="0"/>
-              </a:rPr>
+              <a:rPr lang="en-GB" dirty="0" err="1"/>
               <a:t>CatGAN</a:t>
             </a:r>
             <a:r>
-              <a:rPr lang="en-GB" dirty="0">
-                <a:latin typeface="Times New Roman" panose="02020603050405020304" pitchFamily="18" charset="0"/>
-                <a:cs typeface="Times New Roman" panose="02020603050405020304" pitchFamily="18" charset="0"/>
-              </a:rPr>
+              <a:rPr lang="en-GB" dirty="0"/>
               <a:t> to prove the change in performance.</a:t>
             </a:r>
+          </a:p>
+        </p:txBody>
+      </p:sp>
+      <p:sp>
+        <p:nvSpPr>
+          <p:cNvPr id="4" name="Slide Number Placeholder 3">
+            <a:extLst>
+              <a:ext uri="{FF2B5EF4-FFF2-40B4-BE49-F238E27FC236}">
+                <a16:creationId xmlns:a16="http://schemas.microsoft.com/office/drawing/2014/main" id="{8DE417C9-AB04-C14D-B79A-DEF1B6E7AC83}"/>
+              </a:ext>
+            </a:extLst>
+          </p:cNvPr>
+          <p:cNvSpPr>
+            <a:spLocks noGrp="1"/>
+          </p:cNvSpPr>
+          <p:nvPr>
+            <p:ph type="sldNum" sz="quarter" idx="12"/>
+          </p:nvPr>
+        </p:nvSpPr>
+        <p:spPr/>
+        <p:txBody>
+          <a:bodyPr/>
+          <a:lstStyle/>
+          <a:p>
+            <a:fld id="{3E7EE812-F71C-4E4B-B8B2-FF1B39C3C812}" type="slidenum">
+              <a:rPr lang="en-US" smtClean="0"/>
+              <a:pPr/>
+              <a:t>1</a:t>
+            </a:fld>
+            <a:endParaRPr lang="en-US" dirty="0"/>
           </a:p>
         </p:txBody>
       </p:sp>
@@ -12167,23 +12801,14 @@
           <a:lstStyle/>
           <a:p>
             <a:r>
-              <a:rPr lang="en-US" dirty="0">
-                <a:latin typeface="Times New Roman" panose="02020603050405020304" pitchFamily="18" charset="0"/>
-                <a:cs typeface="Times New Roman" panose="02020603050405020304" pitchFamily="18" charset="0"/>
-              </a:rPr>
+              <a:rPr lang="en-US" dirty="0"/>
               <a:t>T-SNE</a:t>
             </a:r>
             <a:r>
-              <a:rPr lang="en-US" baseline="30000" dirty="0">
-                <a:latin typeface="Times New Roman" panose="02020603050405020304" pitchFamily="18" charset="0"/>
-                <a:cs typeface="Times New Roman" panose="02020603050405020304" pitchFamily="18" charset="0"/>
-              </a:rPr>
+              <a:rPr lang="en-US" baseline="30000" dirty="0"/>
               <a:t>[1]</a:t>
             </a:r>
-            <a:endParaRPr lang="en-US" dirty="0">
-              <a:latin typeface="Times New Roman" panose="02020603050405020304" pitchFamily="18" charset="0"/>
-              <a:cs typeface="Times New Roman" panose="02020603050405020304" pitchFamily="18" charset="0"/>
-            </a:endParaRPr>
+            <a:endParaRPr lang="en-US" dirty="0"/>
           </a:p>
         </p:txBody>
       </p:sp>
@@ -12205,8 +12830,8 @@
         </p:nvSpPr>
         <p:spPr>
           <a:xfrm>
-            <a:off x="838200" y="1092820"/>
-            <a:ext cx="10515600" cy="5084143"/>
+            <a:off x="838200" y="1271752"/>
+            <a:ext cx="10515600" cy="4905211"/>
           </a:xfrm>
         </p:spPr>
         <p:txBody>
@@ -12214,50 +12839,64 @@
           <a:lstStyle/>
           <a:p>
             <a:r>
-              <a:rPr lang="en-US" dirty="0">
-                <a:latin typeface="Times New Roman" panose="02020603050405020304" pitchFamily="18" charset="0"/>
-                <a:cs typeface="Times New Roman" panose="02020603050405020304" pitchFamily="18" charset="0"/>
-              </a:rPr>
+              <a:rPr lang="en-US" dirty="0"/>
               <a:t>A method to perform dimensionality reduction</a:t>
             </a:r>
           </a:p>
           <a:p>
             <a:r>
-              <a:rPr lang="en-US" dirty="0">
-                <a:latin typeface="Times New Roman" panose="02020603050405020304" pitchFamily="18" charset="0"/>
-                <a:cs typeface="Times New Roman" panose="02020603050405020304" pitchFamily="18" charset="0"/>
-              </a:rPr>
+              <a:rPr lang="en-US" dirty="0"/>
               <a:t>Minimizes divergence between two distributions</a:t>
             </a:r>
           </a:p>
           <a:p>
             <a:pPr lvl="1"/>
             <a:r>
-              <a:rPr lang="en-US" dirty="0">
-                <a:latin typeface="Times New Roman" panose="02020603050405020304" pitchFamily="18" charset="0"/>
-                <a:cs typeface="Times New Roman" panose="02020603050405020304" pitchFamily="18" charset="0"/>
-              </a:rPr>
+              <a:rPr lang="en-US" dirty="0"/>
               <a:t>Distribution that measures pairwise similarities of input objects</a:t>
             </a:r>
           </a:p>
           <a:p>
             <a:pPr lvl="1"/>
             <a:r>
-              <a:rPr lang="en-US" dirty="0">
-                <a:latin typeface="Times New Roman" panose="02020603050405020304" pitchFamily="18" charset="0"/>
-                <a:cs typeface="Times New Roman" panose="02020603050405020304" pitchFamily="18" charset="0"/>
-              </a:rPr>
+              <a:rPr lang="en-US" dirty="0"/>
               <a:t>Similar distribution in low dimensional points</a:t>
             </a:r>
           </a:p>
           <a:p>
             <a:r>
-              <a:rPr lang="en-US" dirty="0">
-                <a:latin typeface="Times New Roman" panose="02020603050405020304" pitchFamily="18" charset="0"/>
-                <a:cs typeface="Times New Roman" panose="02020603050405020304" pitchFamily="18" charset="0"/>
-              </a:rPr>
+              <a:rPr lang="en-US" dirty="0"/>
               <a:t>T-SNE preserves local similarities, and therefore is better at visualizing high dimensional data.</a:t>
             </a:r>
+          </a:p>
+        </p:txBody>
+      </p:sp>
+      <p:sp>
+        <p:nvSpPr>
+          <p:cNvPr id="5" name="Slide Number Placeholder 4">
+            <a:extLst>
+              <a:ext uri="{FF2B5EF4-FFF2-40B4-BE49-F238E27FC236}">
+                <a16:creationId xmlns:a16="http://schemas.microsoft.com/office/drawing/2014/main" id="{18D07C71-9E50-2A45-96E0-7267D189A4F6}"/>
+              </a:ext>
+            </a:extLst>
+          </p:cNvPr>
+          <p:cNvSpPr>
+            <a:spLocks noGrp="1"/>
+          </p:cNvSpPr>
+          <p:nvPr>
+            <p:ph type="sldNum" sz="quarter" idx="12"/>
+          </p:nvPr>
+        </p:nvSpPr>
+        <p:spPr/>
+        <p:txBody>
+          <a:bodyPr/>
+          <a:lstStyle/>
+          <a:p>
+            <a:fld id="{3E7EE812-F71C-4E4B-B8B2-FF1B39C3C812}" type="slidenum">
+              <a:rPr lang="en-US" smtClean="0"/>
+              <a:t>2</a:t>
+            </a:fld>
+            <a:endParaRPr lang="en-US" dirty="0"/>
           </a:p>
         </p:txBody>
       </p:sp>
@@ -12275,8 +12914,8 @@
         </p:nvSpPr>
         <p:spPr>
           <a:xfrm>
-            <a:off x="2159875" y="6492875"/>
-            <a:ext cx="7872249" cy="338554"/>
+            <a:off x="2751082" y="6389510"/>
+            <a:ext cx="6689835" cy="276999"/>
           </a:xfrm>
           <a:prstGeom prst="rect">
             <a:avLst/>
@@ -12290,23 +12929,38 @@
           <a:lstStyle/>
           <a:p>
             <a:r>
-              <a:rPr lang="en-GB" sz="1600" dirty="0"/>
+              <a:rPr lang="en-GB" sz="1200" dirty="0">
+                <a:latin typeface="Arial" panose="020B0604020202020204" pitchFamily="34" charset="0"/>
+                <a:cs typeface="Arial" panose="020B0604020202020204" pitchFamily="34" charset="0"/>
+              </a:rPr>
               <a:t>1. L. </a:t>
             </a:r>
             <a:r>
-              <a:rPr lang="en-GB" sz="1600" dirty="0" err="1"/>
+              <a:rPr lang="en-GB" sz="1200" dirty="0" err="1">
+                <a:latin typeface="Arial" panose="020B0604020202020204" pitchFamily="34" charset="0"/>
+                <a:cs typeface="Arial" panose="020B0604020202020204" pitchFamily="34" charset="0"/>
+              </a:rPr>
               <a:t>Maaten</a:t>
             </a:r>
             <a:r>
-              <a:rPr lang="en-GB" sz="1600" dirty="0"/>
+              <a:rPr lang="en-GB" sz="1200" dirty="0">
+                <a:latin typeface="Arial" panose="020B0604020202020204" pitchFamily="34" charset="0"/>
+                <a:cs typeface="Arial" panose="020B0604020202020204" pitchFamily="34" charset="0"/>
+              </a:rPr>
               <a:t>, G. Hinton. Visualizing Data using t-SNE. </a:t>
             </a:r>
             <a:r>
-              <a:rPr lang="en-GB" sz="1600" i="1" dirty="0"/>
+              <a:rPr lang="en-GB" sz="1200" i="1" dirty="0">
+                <a:latin typeface="Arial" panose="020B0604020202020204" pitchFamily="34" charset="0"/>
+                <a:cs typeface="Arial" panose="020B0604020202020204" pitchFamily="34" charset="0"/>
+              </a:rPr>
               <a:t>J. Mach. Learn. Res</a:t>
             </a:r>
             <a:r>
-              <a:rPr lang="en-GB" sz="1600" dirty="0"/>
+              <a:rPr lang="en-GB" sz="1200" dirty="0">
+                <a:latin typeface="Arial" panose="020B0604020202020204" pitchFamily="34" charset="0"/>
+                <a:cs typeface="Arial" panose="020B0604020202020204" pitchFamily="34" charset="0"/>
+              </a:rPr>
               <a:t>, 2008, 9, 2579-2605.</a:t>
             </a:r>
           </a:p>
@@ -12369,10 +13023,7 @@
           <a:lstStyle/>
           <a:p>
             <a:r>
-              <a:rPr lang="en-US" dirty="0">
-                <a:latin typeface="Times New Roman" panose="02020603050405020304" pitchFamily="18" charset="0"/>
-                <a:cs typeface="Times New Roman" panose="02020603050405020304" pitchFamily="18" charset="0"/>
-              </a:rPr>
+              <a:rPr lang="en-US" dirty="0"/>
               <a:t>Results</a:t>
             </a:r>
           </a:p>
@@ -12410,6 +13061,35 @@
           </a:prstGeom>
         </p:spPr>
       </p:pic>
+      <p:sp>
+        <p:nvSpPr>
+          <p:cNvPr id="3" name="Slide Number Placeholder 2">
+            <a:extLst>
+              <a:ext uri="{FF2B5EF4-FFF2-40B4-BE49-F238E27FC236}">
+                <a16:creationId xmlns:a16="http://schemas.microsoft.com/office/drawing/2014/main" id="{DACDEC62-DD70-E242-AB8E-AE026C6096DD}"/>
+              </a:ext>
+            </a:extLst>
+          </p:cNvPr>
+          <p:cNvSpPr>
+            <a:spLocks noGrp="1"/>
+          </p:cNvSpPr>
+          <p:nvPr>
+            <p:ph type="sldNum" sz="quarter" idx="12"/>
+          </p:nvPr>
+        </p:nvSpPr>
+        <p:spPr/>
+        <p:txBody>
+          <a:bodyPr/>
+          <a:lstStyle/>
+          <a:p>
+            <a:fld id="{3E7EE812-F71C-4E4B-B8B2-FF1B39C3C812}" type="slidenum">
+              <a:rPr lang="en-US" smtClean="0"/>
+              <a:t>3</a:t>
+            </a:fld>
+            <a:endParaRPr lang="en-US" dirty="0"/>
+          </a:p>
+        </p:txBody>
+      </p:sp>
       <p:pic>
         <p:nvPicPr>
           <p:cNvPr id="5" name="Picture 4">
@@ -12484,7 +13164,7 @@
         <p:spPr>
           <a:xfrm>
             <a:off x="838200" y="4375233"/>
-            <a:ext cx="10515600" cy="954107"/>
+            <a:ext cx="10515600" cy="830997"/>
           </a:xfrm>
           <a:prstGeom prst="rect">
             <a:avLst/>
@@ -12501,9 +13181,9 @@
               <a:buChar char="•"/>
             </a:pPr>
             <a:r>
-              <a:rPr lang="en-US" sz="2800" dirty="0">
-                <a:latin typeface="Times New Roman" panose="02020603050405020304" pitchFamily="18" charset="0"/>
-                <a:cs typeface="Times New Roman" panose="02020603050405020304" pitchFamily="18" charset="0"/>
+              <a:rPr lang="en-US" sz="2400" dirty="0">
+                <a:latin typeface="Arial" panose="020B0604020202020204" pitchFamily="34" charset="0"/>
+                <a:cs typeface="Arial" panose="020B0604020202020204" pitchFamily="34" charset="0"/>
               </a:rPr>
               <a:t>It is possible to observe that distributions of KDEF and MMI selected datasets are different </a:t>
             </a:r>
@@ -12567,23 +13247,14 @@
           <a:lstStyle/>
           <a:p>
             <a:r>
-              <a:rPr lang="en-US" dirty="0">
-                <a:latin typeface="Times New Roman" panose="02020603050405020304" pitchFamily="18" charset="0"/>
-                <a:cs typeface="Times New Roman" panose="02020603050405020304" pitchFamily="18" charset="0"/>
-              </a:rPr>
+              <a:rPr lang="en-US" dirty="0"/>
               <a:t>Visualizing with </a:t>
             </a:r>
             <a:r>
-              <a:rPr lang="en-US" dirty="0" err="1">
-                <a:latin typeface="Times New Roman" panose="02020603050405020304" pitchFamily="18" charset="0"/>
-                <a:cs typeface="Times New Roman" panose="02020603050405020304" pitchFamily="18" charset="0"/>
-              </a:rPr>
+              <a:rPr lang="en-US" dirty="0" err="1"/>
               <a:t>MoG</a:t>
             </a:r>
-            <a:endParaRPr lang="en-US" dirty="0">
-              <a:latin typeface="Times New Roman" panose="02020603050405020304" pitchFamily="18" charset="0"/>
-              <a:cs typeface="Times New Roman" panose="02020603050405020304" pitchFamily="18" charset="0"/>
-            </a:endParaRPr>
+            <a:endParaRPr lang="en-US" dirty="0"/>
           </a:p>
         </p:txBody>
       </p:sp>
@@ -12605,8 +13276,8 @@
         </p:nvSpPr>
         <p:spPr>
           <a:xfrm>
-            <a:off x="838200" y="1092820"/>
-            <a:ext cx="10515600" cy="5084143"/>
+            <a:off x="838200" y="1271752"/>
+            <a:ext cx="10515600" cy="4905211"/>
           </a:xfrm>
         </p:spPr>
         <p:txBody>
@@ -12614,41 +13285,55 @@
           <a:lstStyle/>
           <a:p>
             <a:r>
-              <a:rPr lang="en-US" dirty="0">
-                <a:latin typeface="Times New Roman" panose="02020603050405020304" pitchFamily="18" charset="0"/>
-                <a:cs typeface="Times New Roman" panose="02020603050405020304" pitchFamily="18" charset="0"/>
-              </a:rPr>
+              <a:rPr lang="en-US" dirty="0"/>
               <a:t>Assumption – an image can be represented by </a:t>
             </a:r>
             <a:r>
-              <a:rPr lang="en-US" i="1" dirty="0">
-                <a:latin typeface="Times New Roman" panose="02020603050405020304" pitchFamily="18" charset="0"/>
-                <a:cs typeface="Times New Roman" panose="02020603050405020304" pitchFamily="18" charset="0"/>
-              </a:rPr>
+              <a:rPr lang="en-US" i="1" dirty="0"/>
               <a:t>Mixture of Gaussian </a:t>
             </a:r>
             <a:r>
-              <a:rPr lang="en-US" dirty="0">
-                <a:latin typeface="Times New Roman" panose="02020603050405020304" pitchFamily="18" charset="0"/>
-                <a:cs typeface="Times New Roman" panose="02020603050405020304" pitchFamily="18" charset="0"/>
-              </a:rPr>
+              <a:rPr lang="en-US" dirty="0"/>
               <a:t>distributions of three channels; Red, Blue and Green</a:t>
             </a:r>
           </a:p>
           <a:p>
             <a:r>
-              <a:rPr lang="en-US" dirty="0">
-                <a:latin typeface="Times New Roman" panose="02020603050405020304" pitchFamily="18" charset="0"/>
-                <a:cs typeface="Times New Roman" panose="02020603050405020304" pitchFamily="18" charset="0"/>
-              </a:rPr>
+              <a:rPr lang="en-US" dirty="0"/>
               <a:t>Since distributions of each dataset are different, gaussian mixture models will be different as well.</a:t>
             </a:r>
           </a:p>
           <a:p>
-            <a:endParaRPr lang="en-US" dirty="0">
-              <a:latin typeface="Times New Roman" panose="02020603050405020304" pitchFamily="18" charset="0"/>
-              <a:cs typeface="Times New Roman" panose="02020603050405020304" pitchFamily="18" charset="0"/>
-            </a:endParaRPr>
+            <a:endParaRPr lang="en-US" dirty="0"/>
+          </a:p>
+        </p:txBody>
+      </p:sp>
+      <p:sp>
+        <p:nvSpPr>
+          <p:cNvPr id="4" name="Slide Number Placeholder 3">
+            <a:extLst>
+              <a:ext uri="{FF2B5EF4-FFF2-40B4-BE49-F238E27FC236}">
+                <a16:creationId xmlns:a16="http://schemas.microsoft.com/office/drawing/2014/main" id="{B605AE85-C6D7-1448-BE9F-24553E9EFE7B}"/>
+              </a:ext>
+            </a:extLst>
+          </p:cNvPr>
+          <p:cNvSpPr>
+            <a:spLocks noGrp="1"/>
+          </p:cNvSpPr>
+          <p:nvPr>
+            <p:ph type="sldNum" sz="quarter" idx="12"/>
+          </p:nvPr>
+        </p:nvSpPr>
+        <p:spPr/>
+        <p:txBody>
+          <a:bodyPr/>
+          <a:lstStyle/>
+          <a:p>
+            <a:fld id="{3E7EE812-F71C-4E4B-B8B2-FF1B39C3C812}" type="slidenum">
+              <a:rPr lang="en-US" smtClean="0"/>
+              <a:t>4</a:t>
+            </a:fld>
+            <a:endParaRPr lang="en-US" dirty="0"/>
           </a:p>
         </p:txBody>
       </p:sp>
@@ -12709,12 +13394,38 @@
           <a:lstStyle/>
           <a:p>
             <a:r>
-              <a:rPr lang="en-US" dirty="0">
-                <a:latin typeface="Times New Roman" panose="02020603050405020304" pitchFamily="18" charset="0"/>
-                <a:cs typeface="Times New Roman" panose="02020603050405020304" pitchFamily="18" charset="0"/>
-              </a:rPr>
+              <a:rPr lang="en-US" dirty="0"/>
               <a:t>Results</a:t>
             </a:r>
+          </a:p>
+        </p:txBody>
+      </p:sp>
+      <p:sp>
+        <p:nvSpPr>
+          <p:cNvPr id="3" name="Slide Number Placeholder 2">
+            <a:extLst>
+              <a:ext uri="{FF2B5EF4-FFF2-40B4-BE49-F238E27FC236}">
+                <a16:creationId xmlns:a16="http://schemas.microsoft.com/office/drawing/2014/main" id="{761FEAD8-F5A4-1B49-B68D-AABDBA25FCCE}"/>
+              </a:ext>
+            </a:extLst>
+          </p:cNvPr>
+          <p:cNvSpPr>
+            <a:spLocks noGrp="1"/>
+          </p:cNvSpPr>
+          <p:nvPr>
+            <p:ph type="sldNum" sz="quarter" idx="12"/>
+          </p:nvPr>
+        </p:nvSpPr>
+        <p:spPr/>
+        <p:txBody>
+          <a:bodyPr/>
+          <a:lstStyle/>
+          <a:p>
+            <a:fld id="{3E7EE812-F71C-4E4B-B8B2-FF1B39C3C812}" type="slidenum">
+              <a:rPr lang="en-US" smtClean="0"/>
+              <a:t>5</a:t>
+            </a:fld>
+            <a:endParaRPr lang="en-US" dirty="0"/>
           </a:p>
         </p:txBody>
       </p:sp>
@@ -12793,7 +13504,7 @@
         <p:spPr>
           <a:xfrm>
             <a:off x="838200" y="5008959"/>
-            <a:ext cx="10515600" cy="1569660"/>
+            <a:ext cx="10515600" cy="1384995"/>
           </a:xfrm>
           <a:prstGeom prst="rect">
             <a:avLst/>
@@ -12810,17 +13521,17 @@
               <a:buChar char="•"/>
             </a:pPr>
             <a:r>
-              <a:rPr lang="en-US" sz="2800" dirty="0">
-                <a:latin typeface="Times New Roman" panose="02020603050405020304" pitchFamily="18" charset="0"/>
-                <a:cs typeface="Times New Roman" panose="02020603050405020304" pitchFamily="18" charset="0"/>
+              <a:rPr lang="en-US" sz="2400" dirty="0">
+                <a:latin typeface="Arial" panose="020B0604020202020204" pitchFamily="34" charset="0"/>
+                <a:cs typeface="Arial" panose="020B0604020202020204" pitchFamily="34" charset="0"/>
               </a:rPr>
               <a:t>It is possible to observe that each distributions contain different combinations of Gaussian distributions</a:t>
             </a:r>
           </a:p>
           <a:p>
-            <a:endParaRPr lang="en-US" sz="4000" dirty="0">
-              <a:latin typeface="Times New Roman" panose="02020603050405020304" pitchFamily="18" charset="0"/>
-              <a:cs typeface="Times New Roman" panose="02020603050405020304" pitchFamily="18" charset="0"/>
+            <a:endParaRPr lang="en-US" sz="3600" dirty="0">
+              <a:latin typeface="Arial" panose="020B0604020202020204" pitchFamily="34" charset="0"/>
+              <a:cs typeface="Arial" panose="020B0604020202020204" pitchFamily="34" charset="0"/>
             </a:endParaRPr>
           </a:p>
         </p:txBody>
@@ -12882,17 +13593,11 @@
           <a:lstStyle/>
           <a:p>
             <a:r>
-              <a:rPr lang="en-US" dirty="0">
-                <a:latin typeface="Times New Roman" panose="02020603050405020304" pitchFamily="18" charset="0"/>
-                <a:cs typeface="Times New Roman" panose="02020603050405020304" pitchFamily="18" charset="0"/>
-              </a:rPr>
+              <a:rPr lang="en-US" dirty="0"/>
               <a:t>GAN</a:t>
             </a:r>
             <a:r>
-              <a:rPr lang="en-US" baseline="30000" dirty="0">
-                <a:latin typeface="Times New Roman" panose="02020603050405020304" pitchFamily="18" charset="0"/>
-                <a:cs typeface="Times New Roman" panose="02020603050405020304" pitchFamily="18" charset="0"/>
-              </a:rPr>
+              <a:rPr lang="en-US" baseline="30000" dirty="0"/>
               <a:t>[1]</a:t>
             </a:r>
           </a:p>
@@ -12925,14 +13630,40 @@
           <a:lstStyle/>
           <a:p>
             <a:r>
-              <a:rPr lang="en-US" dirty="0">
-                <a:latin typeface="Times New Roman" panose="02020603050405020304" pitchFamily="18" charset="0"/>
-                <a:cs typeface="Times New Roman" panose="02020603050405020304" pitchFamily="18" charset="0"/>
-              </a:rPr>
+              <a:rPr lang="en-US" dirty="0"/>
               <a:t>Generative Adversarial  Network – a network to perform unsupervised training.</a:t>
             </a:r>
           </a:p>
           <a:p>
+            <a:endParaRPr lang="en-US" dirty="0"/>
+          </a:p>
+        </p:txBody>
+      </p:sp>
+      <p:sp>
+        <p:nvSpPr>
+          <p:cNvPr id="22" name="Slide Number Placeholder 21">
+            <a:extLst>
+              <a:ext uri="{FF2B5EF4-FFF2-40B4-BE49-F238E27FC236}">
+                <a16:creationId xmlns:a16="http://schemas.microsoft.com/office/drawing/2014/main" id="{6BF5D562-47C1-C64B-81C6-5329FD0EB6FB}"/>
+              </a:ext>
+            </a:extLst>
+          </p:cNvPr>
+          <p:cNvSpPr>
+            <a:spLocks noGrp="1"/>
+          </p:cNvSpPr>
+          <p:nvPr>
+            <p:ph type="sldNum" sz="quarter" idx="12"/>
+          </p:nvPr>
+        </p:nvSpPr>
+        <p:spPr/>
+        <p:txBody>
+          <a:bodyPr/>
+          <a:lstStyle/>
+          <a:p>
+            <a:fld id="{3E7EE812-F71C-4E4B-B8B2-FF1B39C3C812}" type="slidenum">
+              <a:rPr lang="en-US" smtClean="0"/>
+              <a:t>6</a:t>
+            </a:fld>
             <a:endParaRPr lang="en-US" dirty="0"/>
           </a:p>
         </p:txBody>
@@ -13010,7 +13741,8 @@
               <a:pPr algn="ctr"/>
               <a:r>
                 <a:rPr lang="en-US" sz="1400" dirty="0">
-                  <a:cs typeface="Rubik" panose="02000604000000020004" pitchFamily="2" charset="-79"/>
+                  <a:latin typeface="Arial" panose="020B0604020202020204" pitchFamily="34" charset="0"/>
+                  <a:cs typeface="Arial" panose="020B0604020202020204" pitchFamily="34" charset="0"/>
                 </a:rPr>
                 <a:t>Generator</a:t>
               </a:r>
@@ -13070,7 +13802,8 @@
               <a:pPr algn="ctr"/>
               <a:r>
                 <a:rPr lang="en-US" sz="1400" dirty="0">
-                  <a:cs typeface="Rubik" panose="02000604000000020004" pitchFamily="2" charset="-79"/>
+                  <a:latin typeface="Arial" panose="020B0604020202020204" pitchFamily="34" charset="0"/>
+                  <a:cs typeface="Arial" panose="020B0604020202020204" pitchFamily="34" charset="0"/>
                 </a:rPr>
                 <a:t>Discriminator</a:t>
               </a:r>
@@ -13124,7 +13857,8 @@
               <a:pPr algn="ctr"/>
               <a:r>
                 <a:rPr lang="en-US" sz="1400" dirty="0">
-                  <a:cs typeface="Rubik" panose="02000604000000020004" pitchFamily="2" charset="-79"/>
+                  <a:latin typeface="Arial" panose="020B0604020202020204" pitchFamily="34" charset="0"/>
+                  <a:cs typeface="Arial" panose="020B0604020202020204" pitchFamily="34" charset="0"/>
                 </a:rPr>
                 <a:t>Inverse Transform Sampling</a:t>
               </a:r>
@@ -13178,7 +13912,8 @@
               <a:pPr algn="ctr"/>
               <a:r>
                 <a:rPr lang="en-US" sz="1400" dirty="0">
-                  <a:cs typeface="Rubik" panose="02000604000000020004" pitchFamily="2" charset="-79"/>
+                  <a:latin typeface="Arial" panose="020B0604020202020204" pitchFamily="34" charset="0"/>
+                  <a:cs typeface="Arial" panose="020B0604020202020204" pitchFamily="34" charset="0"/>
                 </a:rPr>
                 <a:t>Uniform Distribution</a:t>
               </a:r>
@@ -13232,7 +13967,8 @@
               <a:pPr algn="ctr"/>
               <a:r>
                 <a:rPr lang="en-US" sz="1400" dirty="0">
-                  <a:cs typeface="Rubik" panose="02000604000000020004" pitchFamily="2" charset="-79"/>
+                  <a:latin typeface="Arial" panose="020B0604020202020204" pitchFamily="34" charset="0"/>
+                  <a:cs typeface="Arial" panose="020B0604020202020204" pitchFamily="34" charset="0"/>
                 </a:rPr>
                 <a:t>Fake Data</a:t>
               </a:r>
@@ -13286,7 +14022,8 @@
               <a:pPr algn="ctr"/>
               <a:r>
                 <a:rPr lang="en-US" sz="1400" dirty="0">
-                  <a:cs typeface="Rubik" panose="02000604000000020004" pitchFamily="2" charset="-79"/>
+                  <a:latin typeface="Arial" panose="020B0604020202020204" pitchFamily="34" charset="0"/>
+                  <a:cs typeface="Arial" panose="020B0604020202020204" pitchFamily="34" charset="0"/>
                 </a:rPr>
                 <a:t>Real Data</a:t>
               </a:r>
@@ -13561,7 +14298,8 @@
               <a:pPr algn="ctr"/>
               <a:r>
                 <a:rPr lang="en-US" sz="1400" dirty="0">
-                  <a:cs typeface="Rubik" panose="02000604000000020004" pitchFamily="2" charset="-79"/>
+                  <a:latin typeface="Arial" panose="020B0604020202020204" pitchFamily="34" charset="0"/>
+                  <a:cs typeface="Arial" panose="020B0604020202020204" pitchFamily="34" charset="0"/>
                 </a:rPr>
                 <a:t>Losses</a:t>
               </a:r>
@@ -13724,7 +14462,7 @@
           <p:spPr>
             <a:xfrm>
               <a:off x="9009705" y="2196924"/>
-              <a:ext cx="1207625" cy="280013"/>
+              <a:ext cx="1320076" cy="280013"/>
             </a:xfrm>
             <a:prstGeom prst="rect">
               <a:avLst/>
@@ -13739,7 +14477,8 @@
             <a:p>
               <a:r>
                 <a:rPr lang="en-US" sz="1200" dirty="0">
-                  <a:cs typeface="Rubik" panose="02000604000000020004" pitchFamily="2" charset="-79"/>
+                  <a:latin typeface="Arial" panose="020B0604020202020204" pitchFamily="34" charset="0"/>
+                  <a:cs typeface="Arial" panose="020B0604020202020204" pitchFamily="34" charset="0"/>
                 </a:rPr>
                 <a:t>Update Models</a:t>
               </a:r>
@@ -13939,10 +14678,7 @@
           <a:lstStyle/>
           <a:p>
             <a:r>
-              <a:rPr lang="en-US" dirty="0">
-                <a:latin typeface="Times New Roman" panose="02020603050405020304" pitchFamily="18" charset="0"/>
-                <a:cs typeface="Times New Roman" panose="02020603050405020304" pitchFamily="18" charset="0"/>
-              </a:rPr>
+              <a:rPr lang="en-US" dirty="0"/>
               <a:t>Inverse Transform Sampling</a:t>
             </a:r>
           </a:p>
@@ -13966,8 +14702,8 @@
         </p:nvSpPr>
         <p:spPr>
           <a:xfrm>
-            <a:off x="838200" y="1092820"/>
-            <a:ext cx="10515600" cy="5084143"/>
+            <a:off x="838200" y="1271752"/>
+            <a:ext cx="10515600" cy="4905211"/>
           </a:xfrm>
         </p:spPr>
         <p:txBody>
@@ -13975,12 +14711,38 @@
           <a:lstStyle/>
           <a:p>
             <a:r>
-              <a:rPr lang="en-US" dirty="0">
-                <a:latin typeface="Times New Roman" panose="02020603050405020304" pitchFamily="18" charset="0"/>
-                <a:cs typeface="Times New Roman" panose="02020603050405020304" pitchFamily="18" charset="0"/>
-              </a:rPr>
+              <a:rPr lang="en-US" dirty="0"/>
               <a:t>Used to generate samples of RGB distribution, which are remodeled using mixture of gaussians.</a:t>
             </a:r>
+          </a:p>
+        </p:txBody>
+      </p:sp>
+      <p:sp>
+        <p:nvSpPr>
+          <p:cNvPr id="9" name="Slide Number Placeholder 8">
+            <a:extLst>
+              <a:ext uri="{FF2B5EF4-FFF2-40B4-BE49-F238E27FC236}">
+                <a16:creationId xmlns:a16="http://schemas.microsoft.com/office/drawing/2014/main" id="{B6E8C361-4D73-F441-BE4A-C27E130EA98D}"/>
+              </a:ext>
+            </a:extLst>
+          </p:cNvPr>
+          <p:cNvSpPr>
+            <a:spLocks noGrp="1"/>
+          </p:cNvSpPr>
+          <p:nvPr>
+            <p:ph type="sldNum" sz="quarter" idx="12"/>
+          </p:nvPr>
+        </p:nvSpPr>
+        <p:spPr/>
+        <p:txBody>
+          <a:bodyPr/>
+          <a:lstStyle/>
+          <a:p>
+            <a:fld id="{3E7EE812-F71C-4E4B-B8B2-FF1B39C3C812}" type="slidenum">
+              <a:rPr lang="en-US" smtClean="0"/>
+              <a:t>7</a:t>
+            </a:fld>
+            <a:endParaRPr lang="en-US" dirty="0"/>
           </a:p>
         </p:txBody>
       </p:sp>
@@ -14005,7 +14767,7 @@
         </p:blipFill>
         <p:spPr>
           <a:xfrm>
-            <a:off x="8329502" y="1891516"/>
+            <a:off x="8329502" y="1976869"/>
             <a:ext cx="2880000" cy="2537933"/>
           </a:xfrm>
           <a:prstGeom prst="rect">
@@ -14034,7 +14796,7 @@
         </p:blipFill>
         <p:spPr>
           <a:xfrm>
-            <a:off x="4656000" y="1891516"/>
+            <a:off x="4656000" y="1976869"/>
             <a:ext cx="2880000" cy="2509092"/>
           </a:xfrm>
           <a:prstGeom prst="rect">
@@ -14063,7 +14825,7 @@
         </p:blipFill>
         <p:spPr>
           <a:xfrm>
-            <a:off x="982498" y="1892786"/>
+            <a:off x="982498" y="1976869"/>
             <a:ext cx="2880000" cy="2535391"/>
           </a:xfrm>
           <a:prstGeom prst="rect">
@@ -14188,10 +14950,7 @@
           <a:lstStyle/>
           <a:p>
             <a:r>
-              <a:rPr lang="en-US" dirty="0">
-                <a:latin typeface="Times New Roman" panose="02020603050405020304" pitchFamily="18" charset="0"/>
-                <a:cs typeface="Times New Roman" panose="02020603050405020304" pitchFamily="18" charset="0"/>
-              </a:rPr>
+              <a:rPr lang="en-US" dirty="0"/>
               <a:t>Test Plans</a:t>
             </a:r>
           </a:p>
@@ -14217,8 +14976,8 @@
             </p:nvSpPr>
             <p:spPr>
               <a:xfrm>
-                <a:off x="838200" y="1092820"/>
-                <a:ext cx="10515600" cy="5084143"/>
+                <a:off x="838200" y="1229710"/>
+                <a:ext cx="10515600" cy="4947253"/>
               </a:xfrm>
             </p:spPr>
             <p:txBody>
@@ -14228,30 +14987,27 @@
               <a:lstStyle/>
               <a:p>
                 <a:r>
-                  <a:rPr lang="en-US" dirty="0">
-                    <a:latin typeface="Times New Roman" panose="02020603050405020304" pitchFamily="18" charset="0"/>
-                    <a:cs typeface="Times New Roman" panose="02020603050405020304" pitchFamily="18" charset="0"/>
-                  </a:rPr>
+                  <a:rPr lang="en-US" dirty="0"/>
                   <a:t>For each data shown in histograms</a:t>
                 </a:r>
               </a:p>
               <a:p>
                 <a:pPr lvl="1"/>
                 <a:r>
-                  <a:rPr lang="en-US" dirty="0">
-                    <a:latin typeface="Times New Roman" panose="02020603050405020304" pitchFamily="18" charset="0"/>
-                    <a:cs typeface="Times New Roman" panose="02020603050405020304" pitchFamily="18" charset="0"/>
-                  </a:rPr>
+                  <a:rPr lang="en-US" dirty="0"/>
                   <a:t>Produce arrays with size </a:t>
                 </a:r>
                 <a14:m>
                   <m:oMath xmlns:m="http://schemas.openxmlformats.org/officeDocument/2006/math">
                     <m:r>
-                      <a:rPr lang="en-US" b="0" i="1" smtClean="0"/>
+                      <a:rPr lang="en-US" b="0" i="1" smtClean="0">
+                        <a:latin typeface="Cambria Math" panose="02040503050406030204" pitchFamily="18" charset="0"/>
+                      </a:rPr>
                       <m:t>28</m:t>
                     </m:r>
                     <m:r>
                       <a:rPr lang="en-US" b="0" i="1" smtClean="0">
+                        <a:latin typeface="Cambria Math" panose="02040503050406030204" pitchFamily="18" charset="0"/>
                         <a:ea typeface="Cambria Math" panose="02040503050406030204" pitchFamily="18" charset="0"/>
                       </a:rPr>
                       <m:t>×28</m:t>
@@ -14259,54 +15015,36 @@
                   </m:oMath>
                 </a14:m>
                 <a:r>
-                  <a:rPr lang="en-US" dirty="0">
-                    <a:latin typeface="Times New Roman" panose="02020603050405020304" pitchFamily="18" charset="0"/>
-                    <a:cs typeface="Times New Roman" panose="02020603050405020304" pitchFamily="18" charset="0"/>
-                  </a:rPr>
+                  <a:rPr lang="en-US" dirty="0"/>
                   <a:t> and put data into the array.</a:t>
                 </a:r>
               </a:p>
               <a:p>
                 <a:pPr lvl="1"/>
                 <a:r>
-                  <a:rPr lang="en-US" dirty="0">
-                    <a:latin typeface="Times New Roman" panose="02020603050405020304" pitchFamily="18" charset="0"/>
-                    <a:cs typeface="Times New Roman" panose="02020603050405020304" pitchFamily="18" charset="0"/>
-                  </a:rPr>
+                  <a:rPr lang="en-US" dirty="0"/>
                   <a:t>Run DCGAN</a:t>
                 </a:r>
                 <a:r>
-                  <a:rPr lang="en-US" baseline="30000" dirty="0">
-                    <a:latin typeface="Times New Roman" panose="02020603050405020304" pitchFamily="18" charset="0"/>
-                    <a:cs typeface="Times New Roman" panose="02020603050405020304" pitchFamily="18" charset="0"/>
-                  </a:rPr>
+                  <a:rPr lang="en-US" baseline="30000" dirty="0"/>
                   <a:t>[1]</a:t>
                 </a:r>
                 <a:r>
-                  <a:rPr lang="en-US" dirty="0">
-                    <a:latin typeface="Times New Roman" panose="02020603050405020304" pitchFamily="18" charset="0"/>
-                    <a:cs typeface="Times New Roman" panose="02020603050405020304" pitchFamily="18" charset="0"/>
-                  </a:rPr>
+                  <a:rPr lang="en-US" dirty="0"/>
                   <a:t> using this modified dataset.</a:t>
                 </a:r>
               </a:p>
               <a:p>
                 <a:pPr lvl="1"/>
                 <a:r>
-                  <a:rPr lang="en-US" dirty="0">
-                    <a:latin typeface="Times New Roman" panose="02020603050405020304" pitchFamily="18" charset="0"/>
-                    <a:cs typeface="Times New Roman" panose="02020603050405020304" pitchFamily="18" charset="0"/>
-                  </a:rPr>
+                  <a:rPr lang="en-US" dirty="0"/>
                   <a:t>Get sum of mean squared errors between ‘real data’ and ‘fake data’ using the trained generator.</a:t>
                 </a:r>
               </a:p>
               <a:p>
                 <a:pPr lvl="1"/>
                 <a:r>
-                  <a:rPr lang="en-US" dirty="0">
-                    <a:latin typeface="Times New Roman" panose="02020603050405020304" pitchFamily="18" charset="0"/>
-                    <a:cs typeface="Times New Roman" panose="02020603050405020304" pitchFamily="18" charset="0"/>
-                  </a:rPr>
+                  <a:rPr lang="en-US" dirty="0"/>
                   <a:t>Used Adam as optimizer</a:t>
                 </a:r>
               </a:p>
@@ -14332,13 +15070,13 @@
             </p:nvSpPr>
             <p:spPr>
               <a:xfrm>
-                <a:off x="838200" y="1092820"/>
-                <a:ext cx="10515600" cy="5084143"/>
+                <a:off x="838200" y="1229710"/>
+                <a:ext cx="10515600" cy="4947253"/>
               </a:xfrm>
               <a:blipFill>
                 <a:blip r:embed="rId2"/>
                 <a:stretch>
-                  <a:fillRect l="-965" t="-1995"/>
+                  <a:fillRect l="-724" t="-1795"/>
                 </a:stretch>
               </a:blipFill>
             </p:spPr>
@@ -14359,6 +15097,35 @@
       </mc:AlternateContent>
       <p:sp>
         <p:nvSpPr>
+          <p:cNvPr id="4" name="Slide Number Placeholder 3">
+            <a:extLst>
+              <a:ext uri="{FF2B5EF4-FFF2-40B4-BE49-F238E27FC236}">
+                <a16:creationId xmlns:a16="http://schemas.microsoft.com/office/drawing/2014/main" id="{A39ECEB4-5ED1-3941-A7AA-6EB79A35BA76}"/>
+              </a:ext>
+            </a:extLst>
+          </p:cNvPr>
+          <p:cNvSpPr>
+            <a:spLocks noGrp="1"/>
+          </p:cNvSpPr>
+          <p:nvPr>
+            <p:ph type="sldNum" sz="quarter" idx="12"/>
+          </p:nvPr>
+        </p:nvSpPr>
+        <p:spPr/>
+        <p:txBody>
+          <a:bodyPr/>
+          <a:lstStyle/>
+          <a:p>
+            <a:fld id="{3E7EE812-F71C-4E4B-B8B2-FF1B39C3C812}" type="slidenum">
+              <a:rPr lang="en-US" smtClean="0"/>
+              <a:t>8</a:t>
+            </a:fld>
+            <a:endParaRPr lang="en-US" dirty="0"/>
+          </a:p>
+        </p:txBody>
+      </p:sp>
+      <p:sp>
+        <p:nvSpPr>
           <p:cNvPr id="6" name="Rectangle 5">
             <a:extLst>
               <a:ext uri="{FF2B5EF4-FFF2-40B4-BE49-F238E27FC236}">
@@ -14371,8 +15138,8 @@
         </p:nvSpPr>
         <p:spPr>
           <a:xfrm>
-            <a:off x="2864068" y="6319883"/>
-            <a:ext cx="6463863" cy="584775"/>
+            <a:off x="2864068" y="6332009"/>
+            <a:ext cx="6463863" cy="461665"/>
           </a:xfrm>
           <a:prstGeom prst="rect">
             <a:avLst/>
@@ -14389,29 +15156,35 @@
               <a:buAutoNum type="arabicPeriod"/>
             </a:pPr>
             <a:r>
-              <a:rPr lang="en-GB" sz="1600" b="0" i="0" u="none" strike="noStrike" dirty="0">
+              <a:rPr lang="en-GB" sz="1200" b="0" i="0" u="none" strike="noStrike" dirty="0">
                 <a:solidFill>
                   <a:srgbClr val="24292E"/>
                 </a:solidFill>
                 <a:effectLst/>
+                <a:latin typeface="Arial" panose="020B0604020202020204" pitchFamily="34" charset="0"/>
+                <a:cs typeface="Arial" panose="020B0604020202020204" pitchFamily="34" charset="0"/>
               </a:rPr>
               <a:t>A. Radford, L. Metz, S. </a:t>
             </a:r>
             <a:r>
-              <a:rPr lang="en-GB" sz="1600" b="0" i="0" u="none" strike="noStrike" dirty="0" err="1">
+              <a:rPr lang="en-GB" sz="1200" b="0" i="0" u="none" strike="noStrike" dirty="0" err="1">
                 <a:solidFill>
                   <a:srgbClr val="24292E"/>
                 </a:solidFill>
                 <a:effectLst/>
+                <a:latin typeface="Arial" panose="020B0604020202020204" pitchFamily="34" charset="0"/>
+                <a:cs typeface="Arial" panose="020B0604020202020204" pitchFamily="34" charset="0"/>
               </a:rPr>
               <a:t>Chintala</a:t>
             </a:r>
             <a:r>
-              <a:rPr lang="en-GB" sz="1600" b="0" i="0" u="none" strike="noStrike" dirty="0">
+              <a:rPr lang="en-GB" sz="1200" b="0" i="0" u="none" strike="noStrike" dirty="0">
                 <a:solidFill>
                   <a:srgbClr val="24292E"/>
                 </a:solidFill>
                 <a:effectLst/>
+                <a:latin typeface="Arial" panose="020B0604020202020204" pitchFamily="34" charset="0"/>
+                <a:cs typeface="Arial" panose="020B0604020202020204" pitchFamily="34" charset="0"/>
               </a:rPr>
               <a:t>. Unsupervised Representation Learning with Deep Convolutional Generative Adversarial Networks. ICLR 2016.</a:t>
             </a:r>
@@ -14432,6 +15205,267 @@
 </file>
 
 <file path=ppt/theme/theme1.xml><?xml version="1.0" encoding="utf-8"?>
+<a:theme xmlns:a="http://schemas.openxmlformats.org/drawingml/2006/main" name="Cusrom">
+  <a:themeElements>
+    <a:clrScheme name="Custom 2">
+      <a:dk1>
+        <a:srgbClr val="000000"/>
+      </a:dk1>
+      <a:lt1>
+        <a:srgbClr val="FFFFFF"/>
+      </a:lt1>
+      <a:dk2>
+        <a:srgbClr val="1C090A"/>
+      </a:dk2>
+      <a:lt2>
+        <a:srgbClr val="F1ECEC"/>
+      </a:lt2>
+      <a:accent1>
+        <a:srgbClr val="E7978D"/>
+      </a:accent1>
+      <a:accent2>
+        <a:srgbClr val="EF585C"/>
+      </a:accent2>
+      <a:accent3>
+        <a:srgbClr val="FFDA96"/>
+      </a:accent3>
+      <a:accent4>
+        <a:srgbClr val="83B87D"/>
+      </a:accent4>
+      <a:accent5>
+        <a:srgbClr val="80ACFE"/>
+      </a:accent5>
+      <a:accent6>
+        <a:srgbClr val="4C5DCF"/>
+      </a:accent6>
+      <a:hlink>
+        <a:srgbClr val="CE6980"/>
+      </a:hlink>
+      <a:folHlink>
+        <a:srgbClr val="8B8B8B"/>
+      </a:folHlink>
+    </a:clrScheme>
+    <a:fontScheme name="Calibri">
+      <a:majorFont>
+        <a:latin typeface="Calibri" panose="020F0502020204030204"/>
+        <a:ea typeface=""/>
+        <a:cs typeface=""/>
+        <a:font script="Jpan" typeface="メイリオ"/>
+        <a:font script="Hang" typeface="맑은 고딕"/>
+        <a:font script="Hans" typeface="宋体"/>
+        <a:font script="Hant" typeface="新細明體"/>
+        <a:font script="Arab" typeface="Arial"/>
+        <a:font script="Hebr" typeface="Arial"/>
+        <a:font script="Thai" typeface="Cordia New"/>
+        <a:font script="Ethi" typeface="Nyala"/>
+        <a:font script="Beng" typeface="Vrinda"/>
+        <a:font script="Gujr" typeface="Shruti"/>
+        <a:font script="Khmr" typeface="DaunPenh"/>
+        <a:font script="Knda" typeface="Tunga"/>
+        <a:font script="Guru" typeface="Raavi"/>
+        <a:font script="Cans" typeface="Euphemia"/>
+        <a:font script="Cher" typeface="Plantagenet Cherokee"/>
+        <a:font script="Yiii" typeface="Microsoft Yi Baiti"/>
+        <a:font script="Tibt" typeface="Microsoft Himalaya"/>
+        <a:font script="Thaa" typeface="MV Boli"/>
+        <a:font script="Deva" typeface="Mangal"/>
+        <a:font script="Telu" typeface="Gautami"/>
+        <a:font script="Taml" typeface="Latha"/>
+        <a:font script="Syrc" typeface="Estrangelo Edessa"/>
+        <a:font script="Orya" typeface="Kalinga"/>
+        <a:font script="Mlym" typeface="Kartika"/>
+        <a:font script="Laoo" typeface="DokChampa"/>
+        <a:font script="Sinh" typeface="Iskoola Pota"/>
+        <a:font script="Mong" typeface="Mongolian Baiti"/>
+        <a:font script="Viet" typeface="Tahoma"/>
+        <a:font script="Uigh" typeface="Microsoft Uighur"/>
+        <a:font script="Geor" typeface="Sylfaen"/>
+      </a:majorFont>
+      <a:minorFont>
+        <a:latin typeface="Calibri" panose="020F0502020204030204"/>
+        <a:ea typeface=""/>
+        <a:cs typeface=""/>
+        <a:font script="Jpan" typeface="メイリオ"/>
+        <a:font script="Hang" typeface="맑은 고딕"/>
+        <a:font script="Hans" typeface="宋体"/>
+        <a:font script="Hant" typeface="新細明體"/>
+        <a:font script="Arab" typeface="Arial"/>
+        <a:font script="Hebr" typeface="Arial"/>
+        <a:font script="Thai" typeface="Cordia New"/>
+        <a:font script="Ethi" typeface="Nyala"/>
+        <a:font script="Beng" typeface="Vrinda"/>
+        <a:font script="Gujr" typeface="Shruti"/>
+        <a:font script="Khmr" typeface="DaunPenh"/>
+        <a:font script="Knda" typeface="Tunga"/>
+        <a:font script="Guru" typeface="Raavi"/>
+        <a:font script="Cans" typeface="Euphemia"/>
+        <a:font script="Cher" typeface="Plantagenet Cherokee"/>
+        <a:font script="Yiii" typeface="Microsoft Yi Baiti"/>
+        <a:font script="Tibt" typeface="Microsoft Himalaya"/>
+        <a:font script="Thaa" typeface="MV Boli"/>
+        <a:font script="Deva" typeface="Mangal"/>
+        <a:font script="Telu" typeface="Gautami"/>
+        <a:font script="Taml" typeface="Latha"/>
+        <a:font script="Syrc" typeface="Estrangelo Edessa"/>
+        <a:font script="Orya" typeface="Kalinga"/>
+        <a:font script="Mlym" typeface="Kartika"/>
+        <a:font script="Laoo" typeface="DokChampa"/>
+        <a:font script="Sinh" typeface="Iskoola Pota"/>
+        <a:font script="Mong" typeface="Mongolian Baiti"/>
+        <a:font script="Viet" typeface="Tahoma"/>
+        <a:font script="Uigh" typeface="Microsoft Uighur"/>
+        <a:font script="Geor" typeface="Sylfaen"/>
+      </a:minorFont>
+    </a:fontScheme>
+    <a:fmtScheme name="Office Theme">
+      <a:fillStyleLst>
+        <a:solidFill>
+          <a:schemeClr val="phClr"/>
+        </a:solidFill>
+        <a:gradFill rotWithShape="1">
+          <a:gsLst>
+            <a:gs pos="0">
+              <a:schemeClr val="phClr">
+                <a:lumMod val="110000"/>
+                <a:satMod val="105000"/>
+                <a:tint val="67000"/>
+              </a:schemeClr>
+            </a:gs>
+            <a:gs pos="50000">
+              <a:schemeClr val="phClr">
+                <a:lumMod val="105000"/>
+                <a:satMod val="103000"/>
+                <a:tint val="73000"/>
+              </a:schemeClr>
+            </a:gs>
+            <a:gs pos="100000">
+              <a:schemeClr val="phClr">
+                <a:lumMod val="105000"/>
+                <a:satMod val="109000"/>
+                <a:tint val="81000"/>
+              </a:schemeClr>
+            </a:gs>
+          </a:gsLst>
+          <a:lin ang="5400000" scaled="0"/>
+        </a:gradFill>
+        <a:gradFill rotWithShape="1">
+          <a:gsLst>
+            <a:gs pos="0">
+              <a:schemeClr val="phClr">
+                <a:satMod val="103000"/>
+                <a:lumMod val="102000"/>
+                <a:tint val="94000"/>
+              </a:schemeClr>
+            </a:gs>
+            <a:gs pos="50000">
+              <a:schemeClr val="phClr">
+                <a:satMod val="110000"/>
+                <a:lumMod val="100000"/>
+                <a:shade val="100000"/>
+              </a:schemeClr>
+            </a:gs>
+            <a:gs pos="100000">
+              <a:schemeClr val="phClr">
+                <a:lumMod val="99000"/>
+                <a:satMod val="120000"/>
+                <a:shade val="78000"/>
+              </a:schemeClr>
+            </a:gs>
+          </a:gsLst>
+          <a:lin ang="5400000" scaled="0"/>
+        </a:gradFill>
+      </a:fillStyleLst>
+      <a:lnStyleLst>
+        <a:ln w="6350" cap="flat" cmpd="sng" algn="ctr">
+          <a:solidFill>
+            <a:schemeClr val="phClr"/>
+          </a:solidFill>
+          <a:prstDash val="solid"/>
+          <a:miter lim="800000"/>
+        </a:ln>
+        <a:ln w="12700" cap="flat" cmpd="sng" algn="ctr">
+          <a:solidFill>
+            <a:schemeClr val="phClr"/>
+          </a:solidFill>
+          <a:prstDash val="solid"/>
+          <a:miter lim="800000"/>
+        </a:ln>
+        <a:ln w="19050" cap="flat" cmpd="sng" algn="ctr">
+          <a:solidFill>
+            <a:schemeClr val="phClr"/>
+          </a:solidFill>
+          <a:prstDash val="solid"/>
+          <a:miter lim="800000"/>
+        </a:ln>
+      </a:lnStyleLst>
+      <a:effectStyleLst>
+        <a:effectStyle>
+          <a:effectLst/>
+        </a:effectStyle>
+        <a:effectStyle>
+          <a:effectLst/>
+        </a:effectStyle>
+        <a:effectStyle>
+          <a:effectLst>
+            <a:outerShdw blurRad="57150" dist="19050" dir="5400000" algn="ctr" rotWithShape="0">
+              <a:srgbClr val="000000">
+                <a:alpha val="63000"/>
+              </a:srgbClr>
+            </a:outerShdw>
+          </a:effectLst>
+        </a:effectStyle>
+      </a:effectStyleLst>
+      <a:bgFillStyleLst>
+        <a:solidFill>
+          <a:schemeClr val="phClr"/>
+        </a:solidFill>
+        <a:solidFill>
+          <a:schemeClr val="phClr">
+            <a:tint val="95000"/>
+            <a:satMod val="170000"/>
+          </a:schemeClr>
+        </a:solidFill>
+        <a:gradFill rotWithShape="1">
+          <a:gsLst>
+            <a:gs pos="0">
+              <a:schemeClr val="phClr">
+                <a:tint val="93000"/>
+                <a:satMod val="150000"/>
+                <a:shade val="98000"/>
+                <a:lumMod val="102000"/>
+              </a:schemeClr>
+            </a:gs>
+            <a:gs pos="50000">
+              <a:schemeClr val="phClr">
+                <a:tint val="98000"/>
+                <a:satMod val="130000"/>
+                <a:shade val="90000"/>
+                <a:lumMod val="103000"/>
+              </a:schemeClr>
+            </a:gs>
+            <a:gs pos="100000">
+              <a:schemeClr val="phClr">
+                <a:shade val="63000"/>
+                <a:satMod val="120000"/>
+              </a:schemeClr>
+            </a:gs>
+          </a:gsLst>
+          <a:lin ang="5400000" scaled="0"/>
+        </a:gradFill>
+      </a:bgFillStyleLst>
+    </a:fmtScheme>
+  </a:themeElements>
+  <a:objectDefaults/>
+  <a:extraClrSchemeLst/>
+  <a:extLst>
+    <a:ext uri="{05A4C25C-085E-4340-85A3-A5531E510DB2}">
+      <thm15:themeFamily xmlns:thm15="http://schemas.microsoft.com/office/thememl/2012/main" name="Cusrom" id="{385CAE8A-CC26-0447-ACE6-21407E8909CA}" vid="{8CE6E0AD-DB6B-AC4A-B2D8-D473432471FA}"/>
+    </a:ext>
+  </a:extLst>
+</a:theme>
+</file>
+
+<file path=ppt/theme/theme2.xml><?xml version="1.0" encoding="utf-8"?>
 <a:theme xmlns:a="http://schemas.openxmlformats.org/drawingml/2006/main" name="Office Theme">
   <a:themeElements>
     <a:clrScheme name="Office">
